--- a/UVG_NLP_Presentation.pptx
+++ b/UVG_NLP_Presentation.pptx
@@ -7,20 +7,30 @@
     <p:sldMasterId id="2147483674" r:id="rId4"/>
     <p:sldMasterId id="2147483687" r:id="rId5"/>
     <p:sldMasterId id="2147483700" r:id="rId6"/>
+    <p:sldMasterId id="2147483713" r:id="rId7"/>
+    <p:sldMasterId id="2147483726" r:id="rId8"/>
   </p:sldMasterIdLst>
   <p:notesMasterIdLst>
-    <p:notesMasterId r:id="rId7"/>
+    <p:notesMasterId r:id="rId9"/>
   </p:notesMasterIdLst>
   <p:sldIdLst>
-    <p:sldId id="256" r:id="rId8"/>
-    <p:sldId id="257" r:id="rId9"/>
-    <p:sldId id="258" r:id="rId10"/>
-    <p:sldId id="259" r:id="rId11"/>
-    <p:sldId id="260" r:id="rId12"/>
-    <p:sldId id="261" r:id="rId13"/>
-    <p:sldId id="262" r:id="rId14"/>
-    <p:sldId id="263" r:id="rId15"/>
-    <p:sldId id="264" r:id="rId16"/>
+    <p:sldId id="256" r:id="rId10"/>
+    <p:sldId id="257" r:id="rId11"/>
+    <p:sldId id="258" r:id="rId12"/>
+    <p:sldId id="259" r:id="rId13"/>
+    <p:sldId id="260" r:id="rId14"/>
+    <p:sldId id="261" r:id="rId15"/>
+    <p:sldId id="262" r:id="rId16"/>
+    <p:sldId id="263" r:id="rId17"/>
+    <p:sldId id="264" r:id="rId18"/>
+    <p:sldId id="265" r:id="rId19"/>
+    <p:sldId id="266" r:id="rId20"/>
+    <p:sldId id="267" r:id="rId21"/>
+    <p:sldId id="268" r:id="rId22"/>
+    <p:sldId id="269" r:id="rId23"/>
+    <p:sldId id="270" r:id="rId24"/>
+    <p:sldId id="271" r:id="rId25"/>
+    <p:sldId id="272" r:id="rId26"/>
   </p:sldIdLst>
   <p:sldSz cx="9144000" cy="5143500"/>
   <p:notesSz cx="6858000" cy="9144000"/>
@@ -46,7 +56,7 @@
       </p:grpSpPr>
       <p:sp>
         <p:nvSpPr>
-          <p:cNvPr id="185" name="PlaceHolder 1"/>
+          <p:cNvPr id="262" name="PlaceHolder 1"/>
           <p:cNvSpPr>
             <a:spLocks noGrp="1"/>
           </p:cNvSpPr>
@@ -78,7 +88,7 @@
       </p:sp>
       <p:sp>
         <p:nvSpPr>
-          <p:cNvPr id="186" name="PlaceHolder 2"/>
+          <p:cNvPr id="263" name="PlaceHolder 2"/>
           <p:cNvSpPr>
             <a:spLocks noGrp="1"/>
           </p:cNvSpPr>
@@ -110,7 +120,7 @@
       </p:sp>
       <p:sp>
         <p:nvSpPr>
-          <p:cNvPr id="187" name="PlaceHolder 3"/>
+          <p:cNvPr id="264" name="PlaceHolder 3"/>
           <p:cNvSpPr>
             <a:spLocks noGrp="1"/>
           </p:cNvSpPr>
@@ -143,7 +153,7 @@
       </p:sp>
       <p:sp>
         <p:nvSpPr>
-          <p:cNvPr id="188" name="PlaceHolder 4"/>
+          <p:cNvPr id="265" name="PlaceHolder 4"/>
           <p:cNvSpPr>
             <a:spLocks noGrp="1"/>
           </p:cNvSpPr>
@@ -175,7 +185,7 @@
       </p:sp>
       <p:sp>
         <p:nvSpPr>
-          <p:cNvPr id="189" name="PlaceHolder 5"/>
+          <p:cNvPr id="266" name="PlaceHolder 5"/>
           <p:cNvSpPr>
             <a:spLocks noGrp="1"/>
           </p:cNvSpPr>
@@ -196,7 +206,7 @@
           <a:bodyPr lIns="0" rIns="0" tIns="0" bIns="0" anchor="b"/>
           <a:p>
             <a:pPr algn="r"/>
-            <a:fld id="{4A440483-C0AF-4BC4-92C6-3D9910134FEA}" type="slidenum">
+            <a:fld id="{B91A91E4-A787-4F46-9F3B-7120D9F203D6}" type="slidenum">
               <a:rPr lang="es-GT" sz="1400">
                 <a:latin typeface="Times New Roman"/>
               </a:rPr>
@@ -212,7 +222,7 @@
 </p:notesMaster>
 </file>
 
-<file path=ppt/notesSlides/notesSlide9.xml><?xml version="1.0" encoding="utf-8"?>
+<file path=ppt/notesSlides/notesSlide10.xml><?xml version="1.0" encoding="utf-8"?>
 <p:notes xmlns:a="http://schemas.openxmlformats.org/drawingml/2006/main" xmlns:p="http://schemas.openxmlformats.org/presentationml/2006/main" xmlns:r="http://schemas.openxmlformats.org/officeDocument/2006/relationships">
   <p:cSld>
     <p:spTree>
@@ -231,7 +241,7 @@
       </p:grpSpPr>
       <p:sp>
         <p:nvSpPr>
-          <p:cNvPr id="208" name="PlaceHolder 1"/>
+          <p:cNvPr id="307" name="PlaceHolder 1"/>
           <p:cNvSpPr>
             <a:spLocks noGrp="1"/>
           </p:cNvSpPr>
@@ -242,7 +252,7 @@
         <p:spPr>
           <a:xfrm>
             <a:off x="685800" y="4400640"/>
-            <a:ext cx="5485680" cy="3599640"/>
+            <a:ext cx="5485320" cy="3599280"/>
           </a:xfrm>
           <a:prstGeom prst="rect">
             <a:avLst/>
@@ -257,14 +267,14 @@
       </p:sp>
       <p:sp>
         <p:nvSpPr>
-          <p:cNvPr id="209" name="CustomShape 2"/>
+          <p:cNvPr id="308" name="CustomShape 2"/>
           <p:cNvSpPr/>
           <p:nvPr/>
         </p:nvSpPr>
         <p:spPr>
           <a:xfrm>
             <a:off x="3884760" y="8685360"/>
-            <a:ext cx="2971080" cy="457920"/>
+            <a:ext cx="2970720" cy="457560"/>
           </a:xfrm>
           <a:prstGeom prst="rect">
             <a:avLst/>
@@ -288,7 +298,7 @@
                 <a:spcPct val="100000"/>
               </a:lnSpc>
             </a:pPr>
-            <a:fld id="{D2338BBA-3222-4B41-81A3-F926C0839E88}" type="slidenum">
+            <a:fld id="{920B1B6A-015A-44B2-9982-1C1023543BB8}" type="slidenum">
               <a:rPr lang="es-GT" sz="1200" strike="noStrike">
                 <a:solidFill>
                   <a:srgbClr val="000000"/>
@@ -5696,6 +5706,759 @@
 </p:sldLayout>
 </file>
 
+<file path=ppt/slideLayouts/slideLayout61.xml><?xml version="1.0" encoding="utf-8"?>
+<p:sldLayout xmlns:a="http://schemas.openxmlformats.org/drawingml/2006/main" xmlns:p="http://schemas.openxmlformats.org/presentationml/2006/main" xmlns:r="http://schemas.openxmlformats.org/officeDocument/2006/relationships" type="blank" preserve="1">
+  <p:cSld name="Blank Slide">
+    <p:spTree>
+      <p:nvGrpSpPr>
+        <p:cNvPr id="1" name=""/>
+        <p:cNvGrpSpPr/>
+        <p:nvPr/>
+      </p:nvGrpSpPr>
+      <p:grpSpPr>
+        <a:xfrm>
+          <a:off x="0" y="0"/>
+          <a:ext cx="0" cy="0"/>
+          <a:chOff x="0" y="0"/>
+          <a:chExt cx="0" cy="0"/>
+        </a:xfrm>
+      </p:grpSpPr>
+    </p:spTree>
+  </p:cSld>
+</p:sldLayout>
+</file>
+
+<file path=ppt/slideLayouts/slideLayout62.xml><?xml version="1.0" encoding="utf-8"?>
+<p:sldLayout xmlns:a="http://schemas.openxmlformats.org/drawingml/2006/main" xmlns:p="http://schemas.openxmlformats.org/presentationml/2006/main" xmlns:r="http://schemas.openxmlformats.org/officeDocument/2006/relationships" type="tx" preserve="1">
+  <p:cSld name="Title Slide">
+    <p:spTree>
+      <p:nvGrpSpPr>
+        <p:cNvPr id="1" name=""/>
+        <p:cNvGrpSpPr/>
+        <p:nvPr/>
+      </p:nvGrpSpPr>
+      <p:grpSpPr>
+        <a:xfrm>
+          <a:off x="0" y="0"/>
+          <a:ext cx="0" cy="0"/>
+          <a:chOff x="0" y="0"/>
+          <a:chExt cx="0" cy="0"/>
+        </a:xfrm>
+      </p:grpSpPr>
+      <p:sp>
+        <p:nvSpPr>
+          <p:cNvPr id="188" name="PlaceHolder 1"/>
+          <p:cNvSpPr>
+            <a:spLocks noGrp="1"/>
+          </p:cNvSpPr>
+          <p:nvPr>
+            <p:ph type="title"/>
+          </p:nvPr>
+        </p:nvSpPr>
+        <p:spPr>
+          <a:xfrm>
+            <a:off x="457200" y="205200"/>
+            <a:ext cx="8229240" cy="858600"/>
+          </a:xfrm>
+          <a:prstGeom prst="rect">
+            <a:avLst/>
+          </a:prstGeom>
+        </p:spPr>
+        <p:txBody>
+          <a:bodyPr lIns="0" rIns="0" tIns="0" bIns="0" anchor="ctr"/>
+          <a:p>
+            <a:pPr algn="ctr"/>
+            <a:endParaRPr/>
+          </a:p>
+        </p:txBody>
+      </p:sp>
+      <p:sp>
+        <p:nvSpPr>
+          <p:cNvPr id="189" name="PlaceHolder 2"/>
+          <p:cNvSpPr>
+            <a:spLocks noGrp="1"/>
+          </p:cNvSpPr>
+          <p:nvPr>
+            <p:ph type="subTitle"/>
+          </p:nvPr>
+        </p:nvSpPr>
+        <p:spPr>
+          <a:xfrm>
+            <a:off x="457200" y="1203480"/>
+            <a:ext cx="8229240" cy="2982960"/>
+          </a:xfrm>
+          <a:prstGeom prst="rect">
+            <a:avLst/>
+          </a:prstGeom>
+        </p:spPr>
+        <p:txBody>
+          <a:bodyPr lIns="0" rIns="0" tIns="0" bIns="0" anchor="ctr"/>
+          <a:p>
+            <a:pPr algn="ctr"/>
+            <a:endParaRPr/>
+          </a:p>
+        </p:txBody>
+      </p:sp>
+    </p:spTree>
+  </p:cSld>
+</p:sldLayout>
+</file>
+
+<file path=ppt/slideLayouts/slideLayout63.xml><?xml version="1.0" encoding="utf-8"?>
+<p:sldLayout xmlns:a="http://schemas.openxmlformats.org/drawingml/2006/main" xmlns:p="http://schemas.openxmlformats.org/presentationml/2006/main" xmlns:r="http://schemas.openxmlformats.org/officeDocument/2006/relationships" type="obj" preserve="1">
+  <p:cSld name="Title, Content">
+    <p:spTree>
+      <p:nvGrpSpPr>
+        <p:cNvPr id="1" name=""/>
+        <p:cNvGrpSpPr/>
+        <p:nvPr/>
+      </p:nvGrpSpPr>
+      <p:grpSpPr>
+        <a:xfrm>
+          <a:off x="0" y="0"/>
+          <a:ext cx="0" cy="0"/>
+          <a:chOff x="0" y="0"/>
+          <a:chExt cx="0" cy="0"/>
+        </a:xfrm>
+      </p:grpSpPr>
+      <p:sp>
+        <p:nvSpPr>
+          <p:cNvPr id="190" name="PlaceHolder 1"/>
+          <p:cNvSpPr>
+            <a:spLocks noGrp="1"/>
+          </p:cNvSpPr>
+          <p:nvPr>
+            <p:ph type="title"/>
+          </p:nvPr>
+        </p:nvSpPr>
+        <p:spPr>
+          <a:xfrm>
+            <a:off x="457200" y="205200"/>
+            <a:ext cx="8229240" cy="858600"/>
+          </a:xfrm>
+          <a:prstGeom prst="rect">
+            <a:avLst/>
+          </a:prstGeom>
+        </p:spPr>
+        <p:txBody>
+          <a:bodyPr lIns="0" rIns="0" tIns="0" bIns="0" anchor="ctr"/>
+          <a:p>
+            <a:pPr algn="ctr"/>
+            <a:endParaRPr/>
+          </a:p>
+        </p:txBody>
+      </p:sp>
+      <p:sp>
+        <p:nvSpPr>
+          <p:cNvPr id="191" name="PlaceHolder 2"/>
+          <p:cNvSpPr>
+            <a:spLocks noGrp="1"/>
+          </p:cNvSpPr>
+          <p:nvPr>
+            <p:ph type="body"/>
+          </p:nvPr>
+        </p:nvSpPr>
+        <p:spPr>
+          <a:xfrm>
+            <a:off x="457200" y="1203480"/>
+            <a:ext cx="8229240" cy="2982960"/>
+          </a:xfrm>
+          <a:prstGeom prst="rect">
+            <a:avLst/>
+          </a:prstGeom>
+        </p:spPr>
+        <p:txBody>
+          <a:bodyPr lIns="0" rIns="0" tIns="0" bIns="0"/>
+          <a:p>
+            <a:endParaRPr/>
+          </a:p>
+        </p:txBody>
+      </p:sp>
+    </p:spTree>
+  </p:cSld>
+</p:sldLayout>
+</file>
+
+<file path=ppt/slideLayouts/slideLayout64.xml><?xml version="1.0" encoding="utf-8"?>
+<p:sldLayout xmlns:a="http://schemas.openxmlformats.org/drawingml/2006/main" xmlns:p="http://schemas.openxmlformats.org/presentationml/2006/main" xmlns:r="http://schemas.openxmlformats.org/officeDocument/2006/relationships" type="twoObj" preserve="1">
+  <p:cSld name="Title, 2 Content">
+    <p:spTree>
+      <p:nvGrpSpPr>
+        <p:cNvPr id="1" name=""/>
+        <p:cNvGrpSpPr/>
+        <p:nvPr/>
+      </p:nvGrpSpPr>
+      <p:grpSpPr>
+        <a:xfrm>
+          <a:off x="0" y="0"/>
+          <a:ext cx="0" cy="0"/>
+          <a:chOff x="0" y="0"/>
+          <a:chExt cx="0" cy="0"/>
+        </a:xfrm>
+      </p:grpSpPr>
+      <p:sp>
+        <p:nvSpPr>
+          <p:cNvPr id="192" name="PlaceHolder 1"/>
+          <p:cNvSpPr>
+            <a:spLocks noGrp="1"/>
+          </p:cNvSpPr>
+          <p:nvPr>
+            <p:ph type="title"/>
+          </p:nvPr>
+        </p:nvSpPr>
+        <p:spPr>
+          <a:xfrm>
+            <a:off x="457200" y="205200"/>
+            <a:ext cx="8229240" cy="858600"/>
+          </a:xfrm>
+          <a:prstGeom prst="rect">
+            <a:avLst/>
+          </a:prstGeom>
+        </p:spPr>
+        <p:txBody>
+          <a:bodyPr lIns="0" rIns="0" tIns="0" bIns="0" anchor="ctr"/>
+          <a:p>
+            <a:pPr algn="ctr"/>
+            <a:endParaRPr/>
+          </a:p>
+        </p:txBody>
+      </p:sp>
+      <p:sp>
+        <p:nvSpPr>
+          <p:cNvPr id="193" name="PlaceHolder 2"/>
+          <p:cNvSpPr>
+            <a:spLocks noGrp="1"/>
+          </p:cNvSpPr>
+          <p:nvPr>
+            <p:ph type="body"/>
+          </p:nvPr>
+        </p:nvSpPr>
+        <p:spPr>
+          <a:xfrm>
+            <a:off x="457200" y="1203480"/>
+            <a:ext cx="4015800" cy="2982960"/>
+          </a:xfrm>
+          <a:prstGeom prst="rect">
+            <a:avLst/>
+          </a:prstGeom>
+        </p:spPr>
+        <p:txBody>
+          <a:bodyPr lIns="0" rIns="0" tIns="0" bIns="0"/>
+          <a:p>
+            <a:endParaRPr/>
+          </a:p>
+        </p:txBody>
+      </p:sp>
+      <p:sp>
+        <p:nvSpPr>
+          <p:cNvPr id="194" name="PlaceHolder 3"/>
+          <p:cNvSpPr>
+            <a:spLocks noGrp="1"/>
+          </p:cNvSpPr>
+          <p:nvPr>
+            <p:ph type="body"/>
+          </p:nvPr>
+        </p:nvSpPr>
+        <p:spPr>
+          <a:xfrm>
+            <a:off x="4674240" y="1203480"/>
+            <a:ext cx="4015800" cy="2982960"/>
+          </a:xfrm>
+          <a:prstGeom prst="rect">
+            <a:avLst/>
+          </a:prstGeom>
+        </p:spPr>
+        <p:txBody>
+          <a:bodyPr lIns="0" rIns="0" tIns="0" bIns="0"/>
+          <a:p>
+            <a:endParaRPr/>
+          </a:p>
+        </p:txBody>
+      </p:sp>
+    </p:spTree>
+  </p:cSld>
+</p:sldLayout>
+</file>
+
+<file path=ppt/slideLayouts/slideLayout65.xml><?xml version="1.0" encoding="utf-8"?>
+<p:sldLayout xmlns:a="http://schemas.openxmlformats.org/drawingml/2006/main" xmlns:p="http://schemas.openxmlformats.org/presentationml/2006/main" xmlns:r="http://schemas.openxmlformats.org/officeDocument/2006/relationships" type="titleOnly" preserve="1">
+  <p:cSld name="Title Only">
+    <p:spTree>
+      <p:nvGrpSpPr>
+        <p:cNvPr id="1" name=""/>
+        <p:cNvGrpSpPr/>
+        <p:nvPr/>
+      </p:nvGrpSpPr>
+      <p:grpSpPr>
+        <a:xfrm>
+          <a:off x="0" y="0"/>
+          <a:ext cx="0" cy="0"/>
+          <a:chOff x="0" y="0"/>
+          <a:chExt cx="0" cy="0"/>
+        </a:xfrm>
+      </p:grpSpPr>
+      <p:sp>
+        <p:nvSpPr>
+          <p:cNvPr id="195" name="PlaceHolder 1"/>
+          <p:cNvSpPr>
+            <a:spLocks noGrp="1"/>
+          </p:cNvSpPr>
+          <p:nvPr>
+            <p:ph type="title"/>
+          </p:nvPr>
+        </p:nvSpPr>
+        <p:spPr>
+          <a:xfrm>
+            <a:off x="457200" y="205200"/>
+            <a:ext cx="8229240" cy="858600"/>
+          </a:xfrm>
+          <a:prstGeom prst="rect">
+            <a:avLst/>
+          </a:prstGeom>
+        </p:spPr>
+        <p:txBody>
+          <a:bodyPr lIns="0" rIns="0" tIns="0" bIns="0" anchor="ctr"/>
+          <a:p>
+            <a:pPr algn="ctr"/>
+            <a:endParaRPr/>
+          </a:p>
+        </p:txBody>
+      </p:sp>
+    </p:spTree>
+  </p:cSld>
+</p:sldLayout>
+</file>
+
+<file path=ppt/slideLayouts/slideLayout66.xml><?xml version="1.0" encoding="utf-8"?>
+<p:sldLayout xmlns:a="http://schemas.openxmlformats.org/drawingml/2006/main" xmlns:p="http://schemas.openxmlformats.org/presentationml/2006/main" xmlns:r="http://schemas.openxmlformats.org/officeDocument/2006/relationships" type="objOnly" preserve="1">
+  <p:cSld name="Centered Text">
+    <p:spTree>
+      <p:nvGrpSpPr>
+        <p:cNvPr id="1" name=""/>
+        <p:cNvGrpSpPr/>
+        <p:nvPr/>
+      </p:nvGrpSpPr>
+      <p:grpSpPr>
+        <a:xfrm>
+          <a:off x="0" y="0"/>
+          <a:ext cx="0" cy="0"/>
+          <a:chOff x="0" y="0"/>
+          <a:chExt cx="0" cy="0"/>
+        </a:xfrm>
+      </p:grpSpPr>
+      <p:sp>
+        <p:nvSpPr>
+          <p:cNvPr id="196" name="PlaceHolder 1"/>
+          <p:cNvSpPr>
+            <a:spLocks noGrp="1"/>
+          </p:cNvSpPr>
+          <p:nvPr>
+            <p:ph type="subTitle"/>
+          </p:nvPr>
+        </p:nvSpPr>
+        <p:spPr>
+          <a:xfrm>
+            <a:off x="457200" y="205200"/>
+            <a:ext cx="8229240" cy="3981240"/>
+          </a:xfrm>
+          <a:prstGeom prst="rect">
+            <a:avLst/>
+          </a:prstGeom>
+        </p:spPr>
+        <p:txBody>
+          <a:bodyPr lIns="0" rIns="0" tIns="0" bIns="0" anchor="ctr"/>
+          <a:p>
+            <a:pPr algn="ctr"/>
+            <a:endParaRPr/>
+          </a:p>
+        </p:txBody>
+      </p:sp>
+    </p:spTree>
+  </p:cSld>
+</p:sldLayout>
+</file>
+
+<file path=ppt/slideLayouts/slideLayout67.xml><?xml version="1.0" encoding="utf-8"?>
+<p:sldLayout xmlns:a="http://schemas.openxmlformats.org/drawingml/2006/main" xmlns:p="http://schemas.openxmlformats.org/presentationml/2006/main" xmlns:r="http://schemas.openxmlformats.org/officeDocument/2006/relationships" type="twoObjAndObj" preserve="1">
+  <p:cSld name="Title, 2 Content and Content">
+    <p:spTree>
+      <p:nvGrpSpPr>
+        <p:cNvPr id="1" name=""/>
+        <p:cNvGrpSpPr/>
+        <p:nvPr/>
+      </p:nvGrpSpPr>
+      <p:grpSpPr>
+        <a:xfrm>
+          <a:off x="0" y="0"/>
+          <a:ext cx="0" cy="0"/>
+          <a:chOff x="0" y="0"/>
+          <a:chExt cx="0" cy="0"/>
+        </a:xfrm>
+      </p:grpSpPr>
+      <p:sp>
+        <p:nvSpPr>
+          <p:cNvPr id="197" name="PlaceHolder 1"/>
+          <p:cNvSpPr>
+            <a:spLocks noGrp="1"/>
+          </p:cNvSpPr>
+          <p:nvPr>
+            <p:ph type="title"/>
+          </p:nvPr>
+        </p:nvSpPr>
+        <p:spPr>
+          <a:xfrm>
+            <a:off x="457200" y="205200"/>
+            <a:ext cx="8229240" cy="858600"/>
+          </a:xfrm>
+          <a:prstGeom prst="rect">
+            <a:avLst/>
+          </a:prstGeom>
+        </p:spPr>
+        <p:txBody>
+          <a:bodyPr lIns="0" rIns="0" tIns="0" bIns="0" anchor="ctr"/>
+          <a:p>
+            <a:pPr algn="ctr"/>
+            <a:endParaRPr/>
+          </a:p>
+        </p:txBody>
+      </p:sp>
+      <p:sp>
+        <p:nvSpPr>
+          <p:cNvPr id="198" name="PlaceHolder 2"/>
+          <p:cNvSpPr>
+            <a:spLocks noGrp="1"/>
+          </p:cNvSpPr>
+          <p:nvPr>
+            <p:ph type="body"/>
+          </p:nvPr>
+        </p:nvSpPr>
+        <p:spPr>
+          <a:xfrm>
+            <a:off x="457200" y="1203480"/>
+            <a:ext cx="4015800" cy="1422720"/>
+          </a:xfrm>
+          <a:prstGeom prst="rect">
+            <a:avLst/>
+          </a:prstGeom>
+        </p:spPr>
+        <p:txBody>
+          <a:bodyPr lIns="0" rIns="0" tIns="0" bIns="0"/>
+          <a:p>
+            <a:endParaRPr/>
+          </a:p>
+        </p:txBody>
+      </p:sp>
+      <p:sp>
+        <p:nvSpPr>
+          <p:cNvPr id="199" name="PlaceHolder 3"/>
+          <p:cNvSpPr>
+            <a:spLocks noGrp="1"/>
+          </p:cNvSpPr>
+          <p:nvPr>
+            <p:ph type="body"/>
+          </p:nvPr>
+        </p:nvSpPr>
+        <p:spPr>
+          <a:xfrm>
+            <a:off x="457200" y="2761920"/>
+            <a:ext cx="4015800" cy="1422720"/>
+          </a:xfrm>
+          <a:prstGeom prst="rect">
+            <a:avLst/>
+          </a:prstGeom>
+        </p:spPr>
+        <p:txBody>
+          <a:bodyPr lIns="0" rIns="0" tIns="0" bIns="0"/>
+          <a:p>
+            <a:endParaRPr/>
+          </a:p>
+        </p:txBody>
+      </p:sp>
+      <p:sp>
+        <p:nvSpPr>
+          <p:cNvPr id="200" name="PlaceHolder 4"/>
+          <p:cNvSpPr>
+            <a:spLocks noGrp="1"/>
+          </p:cNvSpPr>
+          <p:nvPr>
+            <p:ph type="body"/>
+          </p:nvPr>
+        </p:nvSpPr>
+        <p:spPr>
+          <a:xfrm>
+            <a:off x="4674240" y="1203480"/>
+            <a:ext cx="4015800" cy="2982960"/>
+          </a:xfrm>
+          <a:prstGeom prst="rect">
+            <a:avLst/>
+          </a:prstGeom>
+        </p:spPr>
+        <p:txBody>
+          <a:bodyPr lIns="0" rIns="0" tIns="0" bIns="0"/>
+          <a:p>
+            <a:endParaRPr/>
+          </a:p>
+        </p:txBody>
+      </p:sp>
+    </p:spTree>
+  </p:cSld>
+</p:sldLayout>
+</file>
+
+<file path=ppt/slideLayouts/slideLayout68.xml><?xml version="1.0" encoding="utf-8"?>
+<p:sldLayout xmlns:a="http://schemas.openxmlformats.org/drawingml/2006/main" xmlns:p="http://schemas.openxmlformats.org/presentationml/2006/main" xmlns:r="http://schemas.openxmlformats.org/officeDocument/2006/relationships" type="objAndTwoObj" preserve="1">
+  <p:cSld name="Title Content and 2 Content">
+    <p:spTree>
+      <p:nvGrpSpPr>
+        <p:cNvPr id="1" name=""/>
+        <p:cNvGrpSpPr/>
+        <p:nvPr/>
+      </p:nvGrpSpPr>
+      <p:grpSpPr>
+        <a:xfrm>
+          <a:off x="0" y="0"/>
+          <a:ext cx="0" cy="0"/>
+          <a:chOff x="0" y="0"/>
+          <a:chExt cx="0" cy="0"/>
+        </a:xfrm>
+      </p:grpSpPr>
+      <p:sp>
+        <p:nvSpPr>
+          <p:cNvPr id="201" name="PlaceHolder 1"/>
+          <p:cNvSpPr>
+            <a:spLocks noGrp="1"/>
+          </p:cNvSpPr>
+          <p:nvPr>
+            <p:ph type="title"/>
+          </p:nvPr>
+        </p:nvSpPr>
+        <p:spPr>
+          <a:xfrm>
+            <a:off x="457200" y="205200"/>
+            <a:ext cx="8229240" cy="858600"/>
+          </a:xfrm>
+          <a:prstGeom prst="rect">
+            <a:avLst/>
+          </a:prstGeom>
+        </p:spPr>
+        <p:txBody>
+          <a:bodyPr lIns="0" rIns="0" tIns="0" bIns="0" anchor="ctr"/>
+          <a:p>
+            <a:pPr algn="ctr"/>
+            <a:endParaRPr/>
+          </a:p>
+        </p:txBody>
+      </p:sp>
+      <p:sp>
+        <p:nvSpPr>
+          <p:cNvPr id="202" name="PlaceHolder 2"/>
+          <p:cNvSpPr>
+            <a:spLocks noGrp="1"/>
+          </p:cNvSpPr>
+          <p:nvPr>
+            <p:ph type="body"/>
+          </p:nvPr>
+        </p:nvSpPr>
+        <p:spPr>
+          <a:xfrm>
+            <a:off x="457200" y="1203480"/>
+            <a:ext cx="4015800" cy="2982960"/>
+          </a:xfrm>
+          <a:prstGeom prst="rect">
+            <a:avLst/>
+          </a:prstGeom>
+        </p:spPr>
+        <p:txBody>
+          <a:bodyPr lIns="0" rIns="0" tIns="0" bIns="0"/>
+          <a:p>
+            <a:endParaRPr/>
+          </a:p>
+        </p:txBody>
+      </p:sp>
+      <p:sp>
+        <p:nvSpPr>
+          <p:cNvPr id="203" name="PlaceHolder 3"/>
+          <p:cNvSpPr>
+            <a:spLocks noGrp="1"/>
+          </p:cNvSpPr>
+          <p:nvPr>
+            <p:ph type="body"/>
+          </p:nvPr>
+        </p:nvSpPr>
+        <p:spPr>
+          <a:xfrm>
+            <a:off x="4674240" y="1203480"/>
+            <a:ext cx="4015800" cy="1422720"/>
+          </a:xfrm>
+          <a:prstGeom prst="rect">
+            <a:avLst/>
+          </a:prstGeom>
+        </p:spPr>
+        <p:txBody>
+          <a:bodyPr lIns="0" rIns="0" tIns="0" bIns="0"/>
+          <a:p>
+            <a:endParaRPr/>
+          </a:p>
+        </p:txBody>
+      </p:sp>
+      <p:sp>
+        <p:nvSpPr>
+          <p:cNvPr id="204" name="PlaceHolder 4"/>
+          <p:cNvSpPr>
+            <a:spLocks noGrp="1"/>
+          </p:cNvSpPr>
+          <p:nvPr>
+            <p:ph type="body"/>
+          </p:nvPr>
+        </p:nvSpPr>
+        <p:spPr>
+          <a:xfrm>
+            <a:off x="4674240" y="2761920"/>
+            <a:ext cx="4015800" cy="1422720"/>
+          </a:xfrm>
+          <a:prstGeom prst="rect">
+            <a:avLst/>
+          </a:prstGeom>
+        </p:spPr>
+        <p:txBody>
+          <a:bodyPr lIns="0" rIns="0" tIns="0" bIns="0"/>
+          <a:p>
+            <a:endParaRPr/>
+          </a:p>
+        </p:txBody>
+      </p:sp>
+    </p:spTree>
+  </p:cSld>
+</p:sldLayout>
+</file>
+
+<file path=ppt/slideLayouts/slideLayout69.xml><?xml version="1.0" encoding="utf-8"?>
+<p:sldLayout xmlns:a="http://schemas.openxmlformats.org/drawingml/2006/main" xmlns:p="http://schemas.openxmlformats.org/presentationml/2006/main" xmlns:r="http://schemas.openxmlformats.org/officeDocument/2006/relationships" type="twoObjOverTx" preserve="1">
+  <p:cSld name="Title, 2 Content over Content">
+    <p:spTree>
+      <p:nvGrpSpPr>
+        <p:cNvPr id="1" name=""/>
+        <p:cNvGrpSpPr/>
+        <p:nvPr/>
+      </p:nvGrpSpPr>
+      <p:grpSpPr>
+        <a:xfrm>
+          <a:off x="0" y="0"/>
+          <a:ext cx="0" cy="0"/>
+          <a:chOff x="0" y="0"/>
+          <a:chExt cx="0" cy="0"/>
+        </a:xfrm>
+      </p:grpSpPr>
+      <p:sp>
+        <p:nvSpPr>
+          <p:cNvPr id="205" name="PlaceHolder 1"/>
+          <p:cNvSpPr>
+            <a:spLocks noGrp="1"/>
+          </p:cNvSpPr>
+          <p:nvPr>
+            <p:ph type="title"/>
+          </p:nvPr>
+        </p:nvSpPr>
+        <p:spPr>
+          <a:xfrm>
+            <a:off x="457200" y="205200"/>
+            <a:ext cx="8229240" cy="858600"/>
+          </a:xfrm>
+          <a:prstGeom prst="rect">
+            <a:avLst/>
+          </a:prstGeom>
+        </p:spPr>
+        <p:txBody>
+          <a:bodyPr lIns="0" rIns="0" tIns="0" bIns="0" anchor="ctr"/>
+          <a:p>
+            <a:pPr algn="ctr"/>
+            <a:endParaRPr/>
+          </a:p>
+        </p:txBody>
+      </p:sp>
+      <p:sp>
+        <p:nvSpPr>
+          <p:cNvPr id="206" name="PlaceHolder 2"/>
+          <p:cNvSpPr>
+            <a:spLocks noGrp="1"/>
+          </p:cNvSpPr>
+          <p:nvPr>
+            <p:ph type="body"/>
+          </p:nvPr>
+        </p:nvSpPr>
+        <p:spPr>
+          <a:xfrm>
+            <a:off x="457200" y="1203480"/>
+            <a:ext cx="4015800" cy="1422720"/>
+          </a:xfrm>
+          <a:prstGeom prst="rect">
+            <a:avLst/>
+          </a:prstGeom>
+        </p:spPr>
+        <p:txBody>
+          <a:bodyPr lIns="0" rIns="0" tIns="0" bIns="0"/>
+          <a:p>
+            <a:endParaRPr/>
+          </a:p>
+        </p:txBody>
+      </p:sp>
+      <p:sp>
+        <p:nvSpPr>
+          <p:cNvPr id="207" name="PlaceHolder 3"/>
+          <p:cNvSpPr>
+            <a:spLocks noGrp="1"/>
+          </p:cNvSpPr>
+          <p:nvPr>
+            <p:ph type="body"/>
+          </p:nvPr>
+        </p:nvSpPr>
+        <p:spPr>
+          <a:xfrm>
+            <a:off x="4674240" y="1203480"/>
+            <a:ext cx="4015800" cy="1422720"/>
+          </a:xfrm>
+          <a:prstGeom prst="rect">
+            <a:avLst/>
+          </a:prstGeom>
+        </p:spPr>
+        <p:txBody>
+          <a:bodyPr lIns="0" rIns="0" tIns="0" bIns="0"/>
+          <a:p>
+            <a:endParaRPr/>
+          </a:p>
+        </p:txBody>
+      </p:sp>
+      <p:sp>
+        <p:nvSpPr>
+          <p:cNvPr id="208" name="PlaceHolder 4"/>
+          <p:cNvSpPr>
+            <a:spLocks noGrp="1"/>
+          </p:cNvSpPr>
+          <p:nvPr>
+            <p:ph type="body"/>
+          </p:nvPr>
+        </p:nvSpPr>
+        <p:spPr>
+          <a:xfrm>
+            <a:off x="457200" y="2761920"/>
+            <a:ext cx="8229240" cy="1422720"/>
+          </a:xfrm>
+          <a:prstGeom prst="rect">
+            <a:avLst/>
+          </a:prstGeom>
+        </p:spPr>
+        <p:txBody>
+          <a:bodyPr lIns="0" rIns="0" tIns="0" bIns="0"/>
+          <a:p>
+            <a:endParaRPr/>
+          </a:p>
+        </p:txBody>
+      </p:sp>
+    </p:spTree>
+  </p:cSld>
+</p:sldLayout>
+</file>
+
 <file path=ppt/slideLayouts/slideLayout7.xml><?xml version="1.0" encoding="utf-8"?>
 <p:sldLayout xmlns:a="http://schemas.openxmlformats.org/drawingml/2006/main" xmlns:p="http://schemas.openxmlformats.org/presentationml/2006/main" xmlns:r="http://schemas.openxmlformats.org/officeDocument/2006/relationships" type="twoObjAndObj" preserve="1">
   <p:cSld name="Title, 2 Content and Content">
@@ -5795,6 +6558,906 @@
       <p:sp>
         <p:nvSpPr>
           <p:cNvPr id="15" name="PlaceHolder 4"/>
+          <p:cNvSpPr>
+            <a:spLocks noGrp="1"/>
+          </p:cNvSpPr>
+          <p:nvPr>
+            <p:ph type="body"/>
+          </p:nvPr>
+        </p:nvSpPr>
+        <p:spPr>
+          <a:xfrm>
+            <a:off x="4674240" y="1203480"/>
+            <a:ext cx="4015800" cy="2982960"/>
+          </a:xfrm>
+          <a:prstGeom prst="rect">
+            <a:avLst/>
+          </a:prstGeom>
+        </p:spPr>
+        <p:txBody>
+          <a:bodyPr lIns="0" rIns="0" tIns="0" bIns="0"/>
+          <a:p>
+            <a:endParaRPr/>
+          </a:p>
+        </p:txBody>
+      </p:sp>
+    </p:spTree>
+  </p:cSld>
+</p:sldLayout>
+</file>
+
+<file path=ppt/slideLayouts/slideLayout70.xml><?xml version="1.0" encoding="utf-8"?>
+<p:sldLayout xmlns:a="http://schemas.openxmlformats.org/drawingml/2006/main" xmlns:p="http://schemas.openxmlformats.org/presentationml/2006/main" xmlns:r="http://schemas.openxmlformats.org/officeDocument/2006/relationships" type="objOverTx" preserve="1">
+  <p:cSld name="Title, Content over Content">
+    <p:spTree>
+      <p:nvGrpSpPr>
+        <p:cNvPr id="1" name=""/>
+        <p:cNvGrpSpPr/>
+        <p:nvPr/>
+      </p:nvGrpSpPr>
+      <p:grpSpPr>
+        <a:xfrm>
+          <a:off x="0" y="0"/>
+          <a:ext cx="0" cy="0"/>
+          <a:chOff x="0" y="0"/>
+          <a:chExt cx="0" cy="0"/>
+        </a:xfrm>
+      </p:grpSpPr>
+      <p:sp>
+        <p:nvSpPr>
+          <p:cNvPr id="209" name="PlaceHolder 1"/>
+          <p:cNvSpPr>
+            <a:spLocks noGrp="1"/>
+          </p:cNvSpPr>
+          <p:nvPr>
+            <p:ph type="title"/>
+          </p:nvPr>
+        </p:nvSpPr>
+        <p:spPr>
+          <a:xfrm>
+            <a:off x="457200" y="205200"/>
+            <a:ext cx="8229240" cy="858600"/>
+          </a:xfrm>
+          <a:prstGeom prst="rect">
+            <a:avLst/>
+          </a:prstGeom>
+        </p:spPr>
+        <p:txBody>
+          <a:bodyPr lIns="0" rIns="0" tIns="0" bIns="0" anchor="ctr"/>
+          <a:p>
+            <a:pPr algn="ctr"/>
+            <a:endParaRPr/>
+          </a:p>
+        </p:txBody>
+      </p:sp>
+      <p:sp>
+        <p:nvSpPr>
+          <p:cNvPr id="210" name="PlaceHolder 2"/>
+          <p:cNvSpPr>
+            <a:spLocks noGrp="1"/>
+          </p:cNvSpPr>
+          <p:nvPr>
+            <p:ph type="body"/>
+          </p:nvPr>
+        </p:nvSpPr>
+        <p:spPr>
+          <a:xfrm>
+            <a:off x="457200" y="1203480"/>
+            <a:ext cx="8229240" cy="1422720"/>
+          </a:xfrm>
+          <a:prstGeom prst="rect">
+            <a:avLst/>
+          </a:prstGeom>
+        </p:spPr>
+        <p:txBody>
+          <a:bodyPr lIns="0" rIns="0" tIns="0" bIns="0"/>
+          <a:p>
+            <a:endParaRPr/>
+          </a:p>
+        </p:txBody>
+      </p:sp>
+      <p:sp>
+        <p:nvSpPr>
+          <p:cNvPr id="211" name="PlaceHolder 3"/>
+          <p:cNvSpPr>
+            <a:spLocks noGrp="1"/>
+          </p:cNvSpPr>
+          <p:nvPr>
+            <p:ph type="body"/>
+          </p:nvPr>
+        </p:nvSpPr>
+        <p:spPr>
+          <a:xfrm>
+            <a:off x="457200" y="2761920"/>
+            <a:ext cx="8229240" cy="1422720"/>
+          </a:xfrm>
+          <a:prstGeom prst="rect">
+            <a:avLst/>
+          </a:prstGeom>
+        </p:spPr>
+        <p:txBody>
+          <a:bodyPr lIns="0" rIns="0" tIns="0" bIns="0"/>
+          <a:p>
+            <a:endParaRPr/>
+          </a:p>
+        </p:txBody>
+      </p:sp>
+    </p:spTree>
+  </p:cSld>
+</p:sldLayout>
+</file>
+
+<file path=ppt/slideLayouts/slideLayout71.xml><?xml version="1.0" encoding="utf-8"?>
+<p:sldLayout xmlns:a="http://schemas.openxmlformats.org/drawingml/2006/main" xmlns:p="http://schemas.openxmlformats.org/presentationml/2006/main" xmlns:r="http://schemas.openxmlformats.org/officeDocument/2006/relationships" type="fourObj" preserve="1">
+  <p:cSld name="Title, 4 Content">
+    <p:spTree>
+      <p:nvGrpSpPr>
+        <p:cNvPr id="1" name=""/>
+        <p:cNvGrpSpPr/>
+        <p:nvPr/>
+      </p:nvGrpSpPr>
+      <p:grpSpPr>
+        <a:xfrm>
+          <a:off x="0" y="0"/>
+          <a:ext cx="0" cy="0"/>
+          <a:chOff x="0" y="0"/>
+          <a:chExt cx="0" cy="0"/>
+        </a:xfrm>
+      </p:grpSpPr>
+      <p:sp>
+        <p:nvSpPr>
+          <p:cNvPr id="212" name="PlaceHolder 1"/>
+          <p:cNvSpPr>
+            <a:spLocks noGrp="1"/>
+          </p:cNvSpPr>
+          <p:nvPr>
+            <p:ph type="title"/>
+          </p:nvPr>
+        </p:nvSpPr>
+        <p:spPr>
+          <a:xfrm>
+            <a:off x="457200" y="205200"/>
+            <a:ext cx="8229240" cy="858600"/>
+          </a:xfrm>
+          <a:prstGeom prst="rect">
+            <a:avLst/>
+          </a:prstGeom>
+        </p:spPr>
+        <p:txBody>
+          <a:bodyPr lIns="0" rIns="0" tIns="0" bIns="0" anchor="ctr"/>
+          <a:p>
+            <a:pPr algn="ctr"/>
+            <a:endParaRPr/>
+          </a:p>
+        </p:txBody>
+      </p:sp>
+      <p:sp>
+        <p:nvSpPr>
+          <p:cNvPr id="213" name="PlaceHolder 2"/>
+          <p:cNvSpPr>
+            <a:spLocks noGrp="1"/>
+          </p:cNvSpPr>
+          <p:nvPr>
+            <p:ph type="body"/>
+          </p:nvPr>
+        </p:nvSpPr>
+        <p:spPr>
+          <a:xfrm>
+            <a:off x="457200" y="1203480"/>
+            <a:ext cx="4015800" cy="1422720"/>
+          </a:xfrm>
+          <a:prstGeom prst="rect">
+            <a:avLst/>
+          </a:prstGeom>
+        </p:spPr>
+        <p:txBody>
+          <a:bodyPr lIns="0" rIns="0" tIns="0" bIns="0"/>
+          <a:p>
+            <a:endParaRPr/>
+          </a:p>
+        </p:txBody>
+      </p:sp>
+      <p:sp>
+        <p:nvSpPr>
+          <p:cNvPr id="214" name="PlaceHolder 3"/>
+          <p:cNvSpPr>
+            <a:spLocks noGrp="1"/>
+          </p:cNvSpPr>
+          <p:nvPr>
+            <p:ph type="body"/>
+          </p:nvPr>
+        </p:nvSpPr>
+        <p:spPr>
+          <a:xfrm>
+            <a:off x="4674240" y="1203480"/>
+            <a:ext cx="4015800" cy="1422720"/>
+          </a:xfrm>
+          <a:prstGeom prst="rect">
+            <a:avLst/>
+          </a:prstGeom>
+        </p:spPr>
+        <p:txBody>
+          <a:bodyPr lIns="0" rIns="0" tIns="0" bIns="0"/>
+          <a:p>
+            <a:endParaRPr/>
+          </a:p>
+        </p:txBody>
+      </p:sp>
+      <p:sp>
+        <p:nvSpPr>
+          <p:cNvPr id="215" name="PlaceHolder 4"/>
+          <p:cNvSpPr>
+            <a:spLocks noGrp="1"/>
+          </p:cNvSpPr>
+          <p:nvPr>
+            <p:ph type="body"/>
+          </p:nvPr>
+        </p:nvSpPr>
+        <p:spPr>
+          <a:xfrm>
+            <a:off x="4674240" y="2761920"/>
+            <a:ext cx="4015800" cy="1422720"/>
+          </a:xfrm>
+          <a:prstGeom prst="rect">
+            <a:avLst/>
+          </a:prstGeom>
+        </p:spPr>
+        <p:txBody>
+          <a:bodyPr lIns="0" rIns="0" tIns="0" bIns="0"/>
+          <a:p>
+            <a:endParaRPr/>
+          </a:p>
+        </p:txBody>
+      </p:sp>
+      <p:sp>
+        <p:nvSpPr>
+          <p:cNvPr id="216" name="PlaceHolder 5"/>
+          <p:cNvSpPr>
+            <a:spLocks noGrp="1"/>
+          </p:cNvSpPr>
+          <p:nvPr>
+            <p:ph type="body"/>
+          </p:nvPr>
+        </p:nvSpPr>
+        <p:spPr>
+          <a:xfrm>
+            <a:off x="457200" y="2761920"/>
+            <a:ext cx="4015800" cy="1422720"/>
+          </a:xfrm>
+          <a:prstGeom prst="rect">
+            <a:avLst/>
+          </a:prstGeom>
+        </p:spPr>
+        <p:txBody>
+          <a:bodyPr lIns="0" rIns="0" tIns="0" bIns="0"/>
+          <a:p>
+            <a:endParaRPr/>
+          </a:p>
+        </p:txBody>
+      </p:sp>
+    </p:spTree>
+  </p:cSld>
+</p:sldLayout>
+</file>
+
+<file path=ppt/slideLayouts/slideLayout72.xml><?xml version="1.0" encoding="utf-8"?>
+<p:sldLayout xmlns:a="http://schemas.openxmlformats.org/drawingml/2006/main" xmlns:p="http://schemas.openxmlformats.org/presentationml/2006/main" xmlns:r="http://schemas.openxmlformats.org/officeDocument/2006/relationships" type="blank" preserve="1">
+  <p:cSld name="Title, 6 Content">
+    <p:spTree>
+      <p:nvGrpSpPr>
+        <p:cNvPr id="1" name=""/>
+        <p:cNvGrpSpPr/>
+        <p:nvPr/>
+      </p:nvGrpSpPr>
+      <p:grpSpPr>
+        <a:xfrm>
+          <a:off x="0" y="0"/>
+          <a:ext cx="0" cy="0"/>
+          <a:chOff x="0" y="0"/>
+          <a:chExt cx="0" cy="0"/>
+        </a:xfrm>
+      </p:grpSpPr>
+      <p:sp>
+        <p:nvSpPr>
+          <p:cNvPr id="217" name="PlaceHolder 1"/>
+          <p:cNvSpPr>
+            <a:spLocks noGrp="1"/>
+          </p:cNvSpPr>
+          <p:nvPr>
+            <p:ph type="title"/>
+          </p:nvPr>
+        </p:nvSpPr>
+        <p:spPr>
+          <a:xfrm>
+            <a:off x="457200" y="205200"/>
+            <a:ext cx="8229240" cy="858600"/>
+          </a:xfrm>
+          <a:prstGeom prst="rect">
+            <a:avLst/>
+          </a:prstGeom>
+        </p:spPr>
+        <p:txBody>
+          <a:bodyPr lIns="0" rIns="0" tIns="0" bIns="0" anchor="ctr"/>
+          <a:p>
+            <a:pPr algn="ctr"/>
+            <a:endParaRPr/>
+          </a:p>
+        </p:txBody>
+      </p:sp>
+      <p:sp>
+        <p:nvSpPr>
+          <p:cNvPr id="218" name="PlaceHolder 2"/>
+          <p:cNvSpPr>
+            <a:spLocks noGrp="1"/>
+          </p:cNvSpPr>
+          <p:nvPr>
+            <p:ph type="body"/>
+          </p:nvPr>
+        </p:nvSpPr>
+        <p:spPr>
+          <a:xfrm>
+            <a:off x="457200" y="1203480"/>
+            <a:ext cx="8229240" cy="2982960"/>
+          </a:xfrm>
+          <a:prstGeom prst="rect">
+            <a:avLst/>
+          </a:prstGeom>
+        </p:spPr>
+        <p:txBody>
+          <a:bodyPr lIns="0" rIns="0" tIns="0" bIns="0"/>
+          <a:p>
+            <a:endParaRPr/>
+          </a:p>
+        </p:txBody>
+      </p:sp>
+      <p:sp>
+        <p:nvSpPr>
+          <p:cNvPr id="219" name="PlaceHolder 3"/>
+          <p:cNvSpPr>
+            <a:spLocks noGrp="1"/>
+          </p:cNvSpPr>
+          <p:nvPr>
+            <p:ph type="body"/>
+          </p:nvPr>
+        </p:nvSpPr>
+        <p:spPr>
+          <a:xfrm>
+            <a:off x="457200" y="1203480"/>
+            <a:ext cx="8229240" cy="2982960"/>
+          </a:xfrm>
+          <a:prstGeom prst="rect">
+            <a:avLst/>
+          </a:prstGeom>
+        </p:spPr>
+        <p:txBody>
+          <a:bodyPr lIns="0" rIns="0" tIns="0" bIns="0"/>
+          <a:p>
+            <a:endParaRPr/>
+          </a:p>
+        </p:txBody>
+      </p:sp>
+      <p:pic>
+        <p:nvPicPr>
+          <p:cNvPr id="220" name="" descr=""/>
+          <p:cNvPicPr/>
+          <p:nvPr/>
+        </p:nvPicPr>
+        <p:blipFill>
+          <a:blip r:embed="rId2"/>
+          <a:stretch/>
+        </p:blipFill>
+        <p:spPr>
+          <a:xfrm>
+            <a:off x="2702160" y="1203480"/>
+            <a:ext cx="3738600" cy="2982960"/>
+          </a:xfrm>
+          <a:prstGeom prst="rect">
+            <a:avLst/>
+          </a:prstGeom>
+          <a:ln>
+            <a:noFill/>
+          </a:ln>
+        </p:spPr>
+      </p:pic>
+      <p:pic>
+        <p:nvPicPr>
+          <p:cNvPr id="221" name="" descr=""/>
+          <p:cNvPicPr/>
+          <p:nvPr/>
+        </p:nvPicPr>
+        <p:blipFill>
+          <a:blip r:embed="rId3"/>
+          <a:stretch/>
+        </p:blipFill>
+        <p:spPr>
+          <a:xfrm>
+            <a:off x="2702160" y="1203480"/>
+            <a:ext cx="3738600" cy="2982960"/>
+          </a:xfrm>
+          <a:prstGeom prst="rect">
+            <a:avLst/>
+          </a:prstGeom>
+          <a:ln>
+            <a:noFill/>
+          </a:ln>
+        </p:spPr>
+      </p:pic>
+    </p:spTree>
+  </p:cSld>
+</p:sldLayout>
+</file>
+
+<file path=ppt/slideLayouts/slideLayout73.xml><?xml version="1.0" encoding="utf-8"?>
+<p:sldLayout xmlns:a="http://schemas.openxmlformats.org/drawingml/2006/main" xmlns:p="http://schemas.openxmlformats.org/presentationml/2006/main" xmlns:r="http://schemas.openxmlformats.org/officeDocument/2006/relationships" type="blank" preserve="1">
+  <p:cSld name="Blank Slide">
+    <p:spTree>
+      <p:nvGrpSpPr>
+        <p:cNvPr id="1" name=""/>
+        <p:cNvGrpSpPr/>
+        <p:nvPr/>
+      </p:nvGrpSpPr>
+      <p:grpSpPr>
+        <a:xfrm>
+          <a:off x="0" y="0"/>
+          <a:ext cx="0" cy="0"/>
+          <a:chOff x="0" y="0"/>
+          <a:chExt cx="0" cy="0"/>
+        </a:xfrm>
+      </p:grpSpPr>
+    </p:spTree>
+  </p:cSld>
+</p:sldLayout>
+</file>
+
+<file path=ppt/slideLayouts/slideLayout74.xml><?xml version="1.0" encoding="utf-8"?>
+<p:sldLayout xmlns:a="http://schemas.openxmlformats.org/drawingml/2006/main" xmlns:p="http://schemas.openxmlformats.org/presentationml/2006/main" xmlns:r="http://schemas.openxmlformats.org/officeDocument/2006/relationships" type="tx" preserve="1">
+  <p:cSld name="Title Slide">
+    <p:spTree>
+      <p:nvGrpSpPr>
+        <p:cNvPr id="1" name=""/>
+        <p:cNvGrpSpPr/>
+        <p:nvPr/>
+      </p:nvGrpSpPr>
+      <p:grpSpPr>
+        <a:xfrm>
+          <a:off x="0" y="0"/>
+          <a:ext cx="0" cy="0"/>
+          <a:chOff x="0" y="0"/>
+          <a:chExt cx="0" cy="0"/>
+        </a:xfrm>
+      </p:grpSpPr>
+      <p:sp>
+        <p:nvSpPr>
+          <p:cNvPr id="228" name="PlaceHolder 1"/>
+          <p:cNvSpPr>
+            <a:spLocks noGrp="1"/>
+          </p:cNvSpPr>
+          <p:nvPr>
+            <p:ph type="title"/>
+          </p:nvPr>
+        </p:nvSpPr>
+        <p:spPr>
+          <a:xfrm>
+            <a:off x="457200" y="205200"/>
+            <a:ext cx="8229240" cy="858600"/>
+          </a:xfrm>
+          <a:prstGeom prst="rect">
+            <a:avLst/>
+          </a:prstGeom>
+        </p:spPr>
+        <p:txBody>
+          <a:bodyPr lIns="0" rIns="0" tIns="0" bIns="0" anchor="ctr"/>
+          <a:p>
+            <a:pPr algn="ctr"/>
+            <a:endParaRPr/>
+          </a:p>
+        </p:txBody>
+      </p:sp>
+      <p:sp>
+        <p:nvSpPr>
+          <p:cNvPr id="229" name="PlaceHolder 2"/>
+          <p:cNvSpPr>
+            <a:spLocks noGrp="1"/>
+          </p:cNvSpPr>
+          <p:nvPr>
+            <p:ph type="subTitle"/>
+          </p:nvPr>
+        </p:nvSpPr>
+        <p:spPr>
+          <a:xfrm>
+            <a:off x="457200" y="1203480"/>
+            <a:ext cx="8229240" cy="2982960"/>
+          </a:xfrm>
+          <a:prstGeom prst="rect">
+            <a:avLst/>
+          </a:prstGeom>
+        </p:spPr>
+        <p:txBody>
+          <a:bodyPr lIns="0" rIns="0" tIns="0" bIns="0" anchor="ctr"/>
+          <a:p>
+            <a:pPr algn="ctr"/>
+            <a:endParaRPr/>
+          </a:p>
+        </p:txBody>
+      </p:sp>
+    </p:spTree>
+  </p:cSld>
+</p:sldLayout>
+</file>
+
+<file path=ppt/slideLayouts/slideLayout75.xml><?xml version="1.0" encoding="utf-8"?>
+<p:sldLayout xmlns:a="http://schemas.openxmlformats.org/drawingml/2006/main" xmlns:p="http://schemas.openxmlformats.org/presentationml/2006/main" xmlns:r="http://schemas.openxmlformats.org/officeDocument/2006/relationships" type="obj" preserve="1">
+  <p:cSld name="Title, Content">
+    <p:spTree>
+      <p:nvGrpSpPr>
+        <p:cNvPr id="1" name=""/>
+        <p:cNvGrpSpPr/>
+        <p:nvPr/>
+      </p:nvGrpSpPr>
+      <p:grpSpPr>
+        <a:xfrm>
+          <a:off x="0" y="0"/>
+          <a:ext cx="0" cy="0"/>
+          <a:chOff x="0" y="0"/>
+          <a:chExt cx="0" cy="0"/>
+        </a:xfrm>
+      </p:grpSpPr>
+      <p:sp>
+        <p:nvSpPr>
+          <p:cNvPr id="230" name="PlaceHolder 1"/>
+          <p:cNvSpPr>
+            <a:spLocks noGrp="1"/>
+          </p:cNvSpPr>
+          <p:nvPr>
+            <p:ph type="title"/>
+          </p:nvPr>
+        </p:nvSpPr>
+        <p:spPr>
+          <a:xfrm>
+            <a:off x="457200" y="205200"/>
+            <a:ext cx="8229240" cy="858600"/>
+          </a:xfrm>
+          <a:prstGeom prst="rect">
+            <a:avLst/>
+          </a:prstGeom>
+        </p:spPr>
+        <p:txBody>
+          <a:bodyPr lIns="0" rIns="0" tIns="0" bIns="0" anchor="ctr"/>
+          <a:p>
+            <a:pPr algn="ctr"/>
+            <a:endParaRPr/>
+          </a:p>
+        </p:txBody>
+      </p:sp>
+      <p:sp>
+        <p:nvSpPr>
+          <p:cNvPr id="231" name="PlaceHolder 2"/>
+          <p:cNvSpPr>
+            <a:spLocks noGrp="1"/>
+          </p:cNvSpPr>
+          <p:nvPr>
+            <p:ph type="body"/>
+          </p:nvPr>
+        </p:nvSpPr>
+        <p:spPr>
+          <a:xfrm>
+            <a:off x="457200" y="1203480"/>
+            <a:ext cx="8229240" cy="2982960"/>
+          </a:xfrm>
+          <a:prstGeom prst="rect">
+            <a:avLst/>
+          </a:prstGeom>
+        </p:spPr>
+        <p:txBody>
+          <a:bodyPr lIns="0" rIns="0" tIns="0" bIns="0"/>
+          <a:p>
+            <a:endParaRPr/>
+          </a:p>
+        </p:txBody>
+      </p:sp>
+    </p:spTree>
+  </p:cSld>
+</p:sldLayout>
+</file>
+
+<file path=ppt/slideLayouts/slideLayout76.xml><?xml version="1.0" encoding="utf-8"?>
+<p:sldLayout xmlns:a="http://schemas.openxmlformats.org/drawingml/2006/main" xmlns:p="http://schemas.openxmlformats.org/presentationml/2006/main" xmlns:r="http://schemas.openxmlformats.org/officeDocument/2006/relationships" type="twoObj" preserve="1">
+  <p:cSld name="Title, 2 Content">
+    <p:spTree>
+      <p:nvGrpSpPr>
+        <p:cNvPr id="1" name=""/>
+        <p:cNvGrpSpPr/>
+        <p:nvPr/>
+      </p:nvGrpSpPr>
+      <p:grpSpPr>
+        <a:xfrm>
+          <a:off x="0" y="0"/>
+          <a:ext cx="0" cy="0"/>
+          <a:chOff x="0" y="0"/>
+          <a:chExt cx="0" cy="0"/>
+        </a:xfrm>
+      </p:grpSpPr>
+      <p:sp>
+        <p:nvSpPr>
+          <p:cNvPr id="232" name="PlaceHolder 1"/>
+          <p:cNvSpPr>
+            <a:spLocks noGrp="1"/>
+          </p:cNvSpPr>
+          <p:nvPr>
+            <p:ph type="title"/>
+          </p:nvPr>
+        </p:nvSpPr>
+        <p:spPr>
+          <a:xfrm>
+            <a:off x="457200" y="205200"/>
+            <a:ext cx="8229240" cy="858600"/>
+          </a:xfrm>
+          <a:prstGeom prst="rect">
+            <a:avLst/>
+          </a:prstGeom>
+        </p:spPr>
+        <p:txBody>
+          <a:bodyPr lIns="0" rIns="0" tIns="0" bIns="0" anchor="ctr"/>
+          <a:p>
+            <a:pPr algn="ctr"/>
+            <a:endParaRPr/>
+          </a:p>
+        </p:txBody>
+      </p:sp>
+      <p:sp>
+        <p:nvSpPr>
+          <p:cNvPr id="233" name="PlaceHolder 2"/>
+          <p:cNvSpPr>
+            <a:spLocks noGrp="1"/>
+          </p:cNvSpPr>
+          <p:nvPr>
+            <p:ph type="body"/>
+          </p:nvPr>
+        </p:nvSpPr>
+        <p:spPr>
+          <a:xfrm>
+            <a:off x="457200" y="1203480"/>
+            <a:ext cx="4015800" cy="2982960"/>
+          </a:xfrm>
+          <a:prstGeom prst="rect">
+            <a:avLst/>
+          </a:prstGeom>
+        </p:spPr>
+        <p:txBody>
+          <a:bodyPr lIns="0" rIns="0" tIns="0" bIns="0"/>
+          <a:p>
+            <a:endParaRPr/>
+          </a:p>
+        </p:txBody>
+      </p:sp>
+      <p:sp>
+        <p:nvSpPr>
+          <p:cNvPr id="234" name="PlaceHolder 3"/>
+          <p:cNvSpPr>
+            <a:spLocks noGrp="1"/>
+          </p:cNvSpPr>
+          <p:nvPr>
+            <p:ph type="body"/>
+          </p:nvPr>
+        </p:nvSpPr>
+        <p:spPr>
+          <a:xfrm>
+            <a:off x="4674240" y="1203480"/>
+            <a:ext cx="4015800" cy="2982960"/>
+          </a:xfrm>
+          <a:prstGeom prst="rect">
+            <a:avLst/>
+          </a:prstGeom>
+        </p:spPr>
+        <p:txBody>
+          <a:bodyPr lIns="0" rIns="0" tIns="0" bIns="0"/>
+          <a:p>
+            <a:endParaRPr/>
+          </a:p>
+        </p:txBody>
+      </p:sp>
+    </p:spTree>
+  </p:cSld>
+</p:sldLayout>
+</file>
+
+<file path=ppt/slideLayouts/slideLayout77.xml><?xml version="1.0" encoding="utf-8"?>
+<p:sldLayout xmlns:a="http://schemas.openxmlformats.org/drawingml/2006/main" xmlns:p="http://schemas.openxmlformats.org/presentationml/2006/main" xmlns:r="http://schemas.openxmlformats.org/officeDocument/2006/relationships" type="titleOnly" preserve="1">
+  <p:cSld name="Title Only">
+    <p:spTree>
+      <p:nvGrpSpPr>
+        <p:cNvPr id="1" name=""/>
+        <p:cNvGrpSpPr/>
+        <p:nvPr/>
+      </p:nvGrpSpPr>
+      <p:grpSpPr>
+        <a:xfrm>
+          <a:off x="0" y="0"/>
+          <a:ext cx="0" cy="0"/>
+          <a:chOff x="0" y="0"/>
+          <a:chExt cx="0" cy="0"/>
+        </a:xfrm>
+      </p:grpSpPr>
+      <p:sp>
+        <p:nvSpPr>
+          <p:cNvPr id="235" name="PlaceHolder 1"/>
+          <p:cNvSpPr>
+            <a:spLocks noGrp="1"/>
+          </p:cNvSpPr>
+          <p:nvPr>
+            <p:ph type="title"/>
+          </p:nvPr>
+        </p:nvSpPr>
+        <p:spPr>
+          <a:xfrm>
+            <a:off x="457200" y="205200"/>
+            <a:ext cx="8229240" cy="858600"/>
+          </a:xfrm>
+          <a:prstGeom prst="rect">
+            <a:avLst/>
+          </a:prstGeom>
+        </p:spPr>
+        <p:txBody>
+          <a:bodyPr lIns="0" rIns="0" tIns="0" bIns="0" anchor="ctr"/>
+          <a:p>
+            <a:pPr algn="ctr"/>
+            <a:endParaRPr/>
+          </a:p>
+        </p:txBody>
+      </p:sp>
+    </p:spTree>
+  </p:cSld>
+</p:sldLayout>
+</file>
+
+<file path=ppt/slideLayouts/slideLayout78.xml><?xml version="1.0" encoding="utf-8"?>
+<p:sldLayout xmlns:a="http://schemas.openxmlformats.org/drawingml/2006/main" xmlns:p="http://schemas.openxmlformats.org/presentationml/2006/main" xmlns:r="http://schemas.openxmlformats.org/officeDocument/2006/relationships" type="objOnly" preserve="1">
+  <p:cSld name="Centered Text">
+    <p:spTree>
+      <p:nvGrpSpPr>
+        <p:cNvPr id="1" name=""/>
+        <p:cNvGrpSpPr/>
+        <p:nvPr/>
+      </p:nvGrpSpPr>
+      <p:grpSpPr>
+        <a:xfrm>
+          <a:off x="0" y="0"/>
+          <a:ext cx="0" cy="0"/>
+          <a:chOff x="0" y="0"/>
+          <a:chExt cx="0" cy="0"/>
+        </a:xfrm>
+      </p:grpSpPr>
+      <p:sp>
+        <p:nvSpPr>
+          <p:cNvPr id="236" name="PlaceHolder 1"/>
+          <p:cNvSpPr>
+            <a:spLocks noGrp="1"/>
+          </p:cNvSpPr>
+          <p:nvPr>
+            <p:ph type="subTitle"/>
+          </p:nvPr>
+        </p:nvSpPr>
+        <p:spPr>
+          <a:xfrm>
+            <a:off x="457200" y="205200"/>
+            <a:ext cx="8229240" cy="3981240"/>
+          </a:xfrm>
+          <a:prstGeom prst="rect">
+            <a:avLst/>
+          </a:prstGeom>
+        </p:spPr>
+        <p:txBody>
+          <a:bodyPr lIns="0" rIns="0" tIns="0" bIns="0" anchor="ctr"/>
+          <a:p>
+            <a:pPr algn="ctr"/>
+            <a:endParaRPr/>
+          </a:p>
+        </p:txBody>
+      </p:sp>
+    </p:spTree>
+  </p:cSld>
+</p:sldLayout>
+</file>
+
+<file path=ppt/slideLayouts/slideLayout79.xml><?xml version="1.0" encoding="utf-8"?>
+<p:sldLayout xmlns:a="http://schemas.openxmlformats.org/drawingml/2006/main" xmlns:p="http://schemas.openxmlformats.org/presentationml/2006/main" xmlns:r="http://schemas.openxmlformats.org/officeDocument/2006/relationships" type="twoObjAndObj" preserve="1">
+  <p:cSld name="Title, 2 Content and Content">
+    <p:spTree>
+      <p:nvGrpSpPr>
+        <p:cNvPr id="1" name=""/>
+        <p:cNvGrpSpPr/>
+        <p:nvPr/>
+      </p:nvGrpSpPr>
+      <p:grpSpPr>
+        <a:xfrm>
+          <a:off x="0" y="0"/>
+          <a:ext cx="0" cy="0"/>
+          <a:chOff x="0" y="0"/>
+          <a:chExt cx="0" cy="0"/>
+        </a:xfrm>
+      </p:grpSpPr>
+      <p:sp>
+        <p:nvSpPr>
+          <p:cNvPr id="237" name="PlaceHolder 1"/>
+          <p:cNvSpPr>
+            <a:spLocks noGrp="1"/>
+          </p:cNvSpPr>
+          <p:nvPr>
+            <p:ph type="title"/>
+          </p:nvPr>
+        </p:nvSpPr>
+        <p:spPr>
+          <a:xfrm>
+            <a:off x="457200" y="205200"/>
+            <a:ext cx="8229240" cy="858600"/>
+          </a:xfrm>
+          <a:prstGeom prst="rect">
+            <a:avLst/>
+          </a:prstGeom>
+        </p:spPr>
+        <p:txBody>
+          <a:bodyPr lIns="0" rIns="0" tIns="0" bIns="0" anchor="ctr"/>
+          <a:p>
+            <a:pPr algn="ctr"/>
+            <a:endParaRPr/>
+          </a:p>
+        </p:txBody>
+      </p:sp>
+      <p:sp>
+        <p:nvSpPr>
+          <p:cNvPr id="238" name="PlaceHolder 2"/>
+          <p:cNvSpPr>
+            <a:spLocks noGrp="1"/>
+          </p:cNvSpPr>
+          <p:nvPr>
+            <p:ph type="body"/>
+          </p:nvPr>
+        </p:nvSpPr>
+        <p:spPr>
+          <a:xfrm>
+            <a:off x="457200" y="1203480"/>
+            <a:ext cx="4015800" cy="1422720"/>
+          </a:xfrm>
+          <a:prstGeom prst="rect">
+            <a:avLst/>
+          </a:prstGeom>
+        </p:spPr>
+        <p:txBody>
+          <a:bodyPr lIns="0" rIns="0" tIns="0" bIns="0"/>
+          <a:p>
+            <a:endParaRPr/>
+          </a:p>
+        </p:txBody>
+      </p:sp>
+      <p:sp>
+        <p:nvSpPr>
+          <p:cNvPr id="239" name="PlaceHolder 3"/>
+          <p:cNvSpPr>
+            <a:spLocks noGrp="1"/>
+          </p:cNvSpPr>
+          <p:nvPr>
+            <p:ph type="body"/>
+          </p:nvPr>
+        </p:nvSpPr>
+        <p:spPr>
+          <a:xfrm>
+            <a:off x="457200" y="2761920"/>
+            <a:ext cx="4015800" cy="1422720"/>
+          </a:xfrm>
+          <a:prstGeom prst="rect">
+            <a:avLst/>
+          </a:prstGeom>
+        </p:spPr>
+        <p:txBody>
+          <a:bodyPr lIns="0" rIns="0" tIns="0" bIns="0"/>
+          <a:p>
+            <a:endParaRPr/>
+          </a:p>
+        </p:txBody>
+      </p:sp>
+      <p:sp>
+        <p:nvSpPr>
+          <p:cNvPr id="240" name="PlaceHolder 4"/>
           <p:cNvSpPr>
             <a:spLocks noGrp="1"/>
           </p:cNvSpPr>
@@ -5945,6 +7608,661 @@
           </a:p>
         </p:txBody>
       </p:sp>
+    </p:spTree>
+  </p:cSld>
+</p:sldLayout>
+</file>
+
+<file path=ppt/slideLayouts/slideLayout80.xml><?xml version="1.0" encoding="utf-8"?>
+<p:sldLayout xmlns:a="http://schemas.openxmlformats.org/drawingml/2006/main" xmlns:p="http://schemas.openxmlformats.org/presentationml/2006/main" xmlns:r="http://schemas.openxmlformats.org/officeDocument/2006/relationships" type="objAndTwoObj" preserve="1">
+  <p:cSld name="Title Content and 2 Content">
+    <p:spTree>
+      <p:nvGrpSpPr>
+        <p:cNvPr id="1" name=""/>
+        <p:cNvGrpSpPr/>
+        <p:nvPr/>
+      </p:nvGrpSpPr>
+      <p:grpSpPr>
+        <a:xfrm>
+          <a:off x="0" y="0"/>
+          <a:ext cx="0" cy="0"/>
+          <a:chOff x="0" y="0"/>
+          <a:chExt cx="0" cy="0"/>
+        </a:xfrm>
+      </p:grpSpPr>
+      <p:sp>
+        <p:nvSpPr>
+          <p:cNvPr id="241" name="PlaceHolder 1"/>
+          <p:cNvSpPr>
+            <a:spLocks noGrp="1"/>
+          </p:cNvSpPr>
+          <p:nvPr>
+            <p:ph type="title"/>
+          </p:nvPr>
+        </p:nvSpPr>
+        <p:spPr>
+          <a:xfrm>
+            <a:off x="457200" y="205200"/>
+            <a:ext cx="8229240" cy="858600"/>
+          </a:xfrm>
+          <a:prstGeom prst="rect">
+            <a:avLst/>
+          </a:prstGeom>
+        </p:spPr>
+        <p:txBody>
+          <a:bodyPr lIns="0" rIns="0" tIns="0" bIns="0" anchor="ctr"/>
+          <a:p>
+            <a:pPr algn="ctr"/>
+            <a:endParaRPr/>
+          </a:p>
+        </p:txBody>
+      </p:sp>
+      <p:sp>
+        <p:nvSpPr>
+          <p:cNvPr id="242" name="PlaceHolder 2"/>
+          <p:cNvSpPr>
+            <a:spLocks noGrp="1"/>
+          </p:cNvSpPr>
+          <p:nvPr>
+            <p:ph type="body"/>
+          </p:nvPr>
+        </p:nvSpPr>
+        <p:spPr>
+          <a:xfrm>
+            <a:off x="457200" y="1203480"/>
+            <a:ext cx="4015800" cy="2982960"/>
+          </a:xfrm>
+          <a:prstGeom prst="rect">
+            <a:avLst/>
+          </a:prstGeom>
+        </p:spPr>
+        <p:txBody>
+          <a:bodyPr lIns="0" rIns="0" tIns="0" bIns="0"/>
+          <a:p>
+            <a:endParaRPr/>
+          </a:p>
+        </p:txBody>
+      </p:sp>
+      <p:sp>
+        <p:nvSpPr>
+          <p:cNvPr id="243" name="PlaceHolder 3"/>
+          <p:cNvSpPr>
+            <a:spLocks noGrp="1"/>
+          </p:cNvSpPr>
+          <p:nvPr>
+            <p:ph type="body"/>
+          </p:nvPr>
+        </p:nvSpPr>
+        <p:spPr>
+          <a:xfrm>
+            <a:off x="4674240" y="1203480"/>
+            <a:ext cx="4015800" cy="1422720"/>
+          </a:xfrm>
+          <a:prstGeom prst="rect">
+            <a:avLst/>
+          </a:prstGeom>
+        </p:spPr>
+        <p:txBody>
+          <a:bodyPr lIns="0" rIns="0" tIns="0" bIns="0"/>
+          <a:p>
+            <a:endParaRPr/>
+          </a:p>
+        </p:txBody>
+      </p:sp>
+      <p:sp>
+        <p:nvSpPr>
+          <p:cNvPr id="244" name="PlaceHolder 4"/>
+          <p:cNvSpPr>
+            <a:spLocks noGrp="1"/>
+          </p:cNvSpPr>
+          <p:nvPr>
+            <p:ph type="body"/>
+          </p:nvPr>
+        </p:nvSpPr>
+        <p:spPr>
+          <a:xfrm>
+            <a:off x="4674240" y="2761920"/>
+            <a:ext cx="4015800" cy="1422720"/>
+          </a:xfrm>
+          <a:prstGeom prst="rect">
+            <a:avLst/>
+          </a:prstGeom>
+        </p:spPr>
+        <p:txBody>
+          <a:bodyPr lIns="0" rIns="0" tIns="0" bIns="0"/>
+          <a:p>
+            <a:endParaRPr/>
+          </a:p>
+        </p:txBody>
+      </p:sp>
+    </p:spTree>
+  </p:cSld>
+</p:sldLayout>
+</file>
+
+<file path=ppt/slideLayouts/slideLayout81.xml><?xml version="1.0" encoding="utf-8"?>
+<p:sldLayout xmlns:a="http://schemas.openxmlformats.org/drawingml/2006/main" xmlns:p="http://schemas.openxmlformats.org/presentationml/2006/main" xmlns:r="http://schemas.openxmlformats.org/officeDocument/2006/relationships" type="twoObjOverTx" preserve="1">
+  <p:cSld name="Title, 2 Content over Content">
+    <p:spTree>
+      <p:nvGrpSpPr>
+        <p:cNvPr id="1" name=""/>
+        <p:cNvGrpSpPr/>
+        <p:nvPr/>
+      </p:nvGrpSpPr>
+      <p:grpSpPr>
+        <a:xfrm>
+          <a:off x="0" y="0"/>
+          <a:ext cx="0" cy="0"/>
+          <a:chOff x="0" y="0"/>
+          <a:chExt cx="0" cy="0"/>
+        </a:xfrm>
+      </p:grpSpPr>
+      <p:sp>
+        <p:nvSpPr>
+          <p:cNvPr id="245" name="PlaceHolder 1"/>
+          <p:cNvSpPr>
+            <a:spLocks noGrp="1"/>
+          </p:cNvSpPr>
+          <p:nvPr>
+            <p:ph type="title"/>
+          </p:nvPr>
+        </p:nvSpPr>
+        <p:spPr>
+          <a:xfrm>
+            <a:off x="457200" y="205200"/>
+            <a:ext cx="8229240" cy="858600"/>
+          </a:xfrm>
+          <a:prstGeom prst="rect">
+            <a:avLst/>
+          </a:prstGeom>
+        </p:spPr>
+        <p:txBody>
+          <a:bodyPr lIns="0" rIns="0" tIns="0" bIns="0" anchor="ctr"/>
+          <a:p>
+            <a:pPr algn="ctr"/>
+            <a:endParaRPr/>
+          </a:p>
+        </p:txBody>
+      </p:sp>
+      <p:sp>
+        <p:nvSpPr>
+          <p:cNvPr id="246" name="PlaceHolder 2"/>
+          <p:cNvSpPr>
+            <a:spLocks noGrp="1"/>
+          </p:cNvSpPr>
+          <p:nvPr>
+            <p:ph type="body"/>
+          </p:nvPr>
+        </p:nvSpPr>
+        <p:spPr>
+          <a:xfrm>
+            <a:off x="457200" y="1203480"/>
+            <a:ext cx="4015800" cy="1422720"/>
+          </a:xfrm>
+          <a:prstGeom prst="rect">
+            <a:avLst/>
+          </a:prstGeom>
+        </p:spPr>
+        <p:txBody>
+          <a:bodyPr lIns="0" rIns="0" tIns="0" bIns="0"/>
+          <a:p>
+            <a:endParaRPr/>
+          </a:p>
+        </p:txBody>
+      </p:sp>
+      <p:sp>
+        <p:nvSpPr>
+          <p:cNvPr id="247" name="PlaceHolder 3"/>
+          <p:cNvSpPr>
+            <a:spLocks noGrp="1"/>
+          </p:cNvSpPr>
+          <p:nvPr>
+            <p:ph type="body"/>
+          </p:nvPr>
+        </p:nvSpPr>
+        <p:spPr>
+          <a:xfrm>
+            <a:off x="4674240" y="1203480"/>
+            <a:ext cx="4015800" cy="1422720"/>
+          </a:xfrm>
+          <a:prstGeom prst="rect">
+            <a:avLst/>
+          </a:prstGeom>
+        </p:spPr>
+        <p:txBody>
+          <a:bodyPr lIns="0" rIns="0" tIns="0" bIns="0"/>
+          <a:p>
+            <a:endParaRPr/>
+          </a:p>
+        </p:txBody>
+      </p:sp>
+      <p:sp>
+        <p:nvSpPr>
+          <p:cNvPr id="248" name="PlaceHolder 4"/>
+          <p:cNvSpPr>
+            <a:spLocks noGrp="1"/>
+          </p:cNvSpPr>
+          <p:nvPr>
+            <p:ph type="body"/>
+          </p:nvPr>
+        </p:nvSpPr>
+        <p:spPr>
+          <a:xfrm>
+            <a:off x="457200" y="2761920"/>
+            <a:ext cx="8229240" cy="1422720"/>
+          </a:xfrm>
+          <a:prstGeom prst="rect">
+            <a:avLst/>
+          </a:prstGeom>
+        </p:spPr>
+        <p:txBody>
+          <a:bodyPr lIns="0" rIns="0" tIns="0" bIns="0"/>
+          <a:p>
+            <a:endParaRPr/>
+          </a:p>
+        </p:txBody>
+      </p:sp>
+    </p:spTree>
+  </p:cSld>
+</p:sldLayout>
+</file>
+
+<file path=ppt/slideLayouts/slideLayout82.xml><?xml version="1.0" encoding="utf-8"?>
+<p:sldLayout xmlns:a="http://schemas.openxmlformats.org/drawingml/2006/main" xmlns:p="http://schemas.openxmlformats.org/presentationml/2006/main" xmlns:r="http://schemas.openxmlformats.org/officeDocument/2006/relationships" type="objOverTx" preserve="1">
+  <p:cSld name="Title, Content over Content">
+    <p:spTree>
+      <p:nvGrpSpPr>
+        <p:cNvPr id="1" name=""/>
+        <p:cNvGrpSpPr/>
+        <p:nvPr/>
+      </p:nvGrpSpPr>
+      <p:grpSpPr>
+        <a:xfrm>
+          <a:off x="0" y="0"/>
+          <a:ext cx="0" cy="0"/>
+          <a:chOff x="0" y="0"/>
+          <a:chExt cx="0" cy="0"/>
+        </a:xfrm>
+      </p:grpSpPr>
+      <p:sp>
+        <p:nvSpPr>
+          <p:cNvPr id="249" name="PlaceHolder 1"/>
+          <p:cNvSpPr>
+            <a:spLocks noGrp="1"/>
+          </p:cNvSpPr>
+          <p:nvPr>
+            <p:ph type="title"/>
+          </p:nvPr>
+        </p:nvSpPr>
+        <p:spPr>
+          <a:xfrm>
+            <a:off x="457200" y="205200"/>
+            <a:ext cx="8229240" cy="858600"/>
+          </a:xfrm>
+          <a:prstGeom prst="rect">
+            <a:avLst/>
+          </a:prstGeom>
+        </p:spPr>
+        <p:txBody>
+          <a:bodyPr lIns="0" rIns="0" tIns="0" bIns="0" anchor="ctr"/>
+          <a:p>
+            <a:pPr algn="ctr"/>
+            <a:endParaRPr/>
+          </a:p>
+        </p:txBody>
+      </p:sp>
+      <p:sp>
+        <p:nvSpPr>
+          <p:cNvPr id="250" name="PlaceHolder 2"/>
+          <p:cNvSpPr>
+            <a:spLocks noGrp="1"/>
+          </p:cNvSpPr>
+          <p:nvPr>
+            <p:ph type="body"/>
+          </p:nvPr>
+        </p:nvSpPr>
+        <p:spPr>
+          <a:xfrm>
+            <a:off x="457200" y="1203480"/>
+            <a:ext cx="8229240" cy="1422720"/>
+          </a:xfrm>
+          <a:prstGeom prst="rect">
+            <a:avLst/>
+          </a:prstGeom>
+        </p:spPr>
+        <p:txBody>
+          <a:bodyPr lIns="0" rIns="0" tIns="0" bIns="0"/>
+          <a:p>
+            <a:endParaRPr/>
+          </a:p>
+        </p:txBody>
+      </p:sp>
+      <p:sp>
+        <p:nvSpPr>
+          <p:cNvPr id="251" name="PlaceHolder 3"/>
+          <p:cNvSpPr>
+            <a:spLocks noGrp="1"/>
+          </p:cNvSpPr>
+          <p:nvPr>
+            <p:ph type="body"/>
+          </p:nvPr>
+        </p:nvSpPr>
+        <p:spPr>
+          <a:xfrm>
+            <a:off x="457200" y="2761920"/>
+            <a:ext cx="8229240" cy="1422720"/>
+          </a:xfrm>
+          <a:prstGeom prst="rect">
+            <a:avLst/>
+          </a:prstGeom>
+        </p:spPr>
+        <p:txBody>
+          <a:bodyPr lIns="0" rIns="0" tIns="0" bIns="0"/>
+          <a:p>
+            <a:endParaRPr/>
+          </a:p>
+        </p:txBody>
+      </p:sp>
+    </p:spTree>
+  </p:cSld>
+</p:sldLayout>
+</file>
+
+<file path=ppt/slideLayouts/slideLayout83.xml><?xml version="1.0" encoding="utf-8"?>
+<p:sldLayout xmlns:a="http://schemas.openxmlformats.org/drawingml/2006/main" xmlns:p="http://schemas.openxmlformats.org/presentationml/2006/main" xmlns:r="http://schemas.openxmlformats.org/officeDocument/2006/relationships" type="fourObj" preserve="1">
+  <p:cSld name="Title, 4 Content">
+    <p:spTree>
+      <p:nvGrpSpPr>
+        <p:cNvPr id="1" name=""/>
+        <p:cNvGrpSpPr/>
+        <p:nvPr/>
+      </p:nvGrpSpPr>
+      <p:grpSpPr>
+        <a:xfrm>
+          <a:off x="0" y="0"/>
+          <a:ext cx="0" cy="0"/>
+          <a:chOff x="0" y="0"/>
+          <a:chExt cx="0" cy="0"/>
+        </a:xfrm>
+      </p:grpSpPr>
+      <p:sp>
+        <p:nvSpPr>
+          <p:cNvPr id="252" name="PlaceHolder 1"/>
+          <p:cNvSpPr>
+            <a:spLocks noGrp="1"/>
+          </p:cNvSpPr>
+          <p:nvPr>
+            <p:ph type="title"/>
+          </p:nvPr>
+        </p:nvSpPr>
+        <p:spPr>
+          <a:xfrm>
+            <a:off x="457200" y="205200"/>
+            <a:ext cx="8229240" cy="858600"/>
+          </a:xfrm>
+          <a:prstGeom prst="rect">
+            <a:avLst/>
+          </a:prstGeom>
+        </p:spPr>
+        <p:txBody>
+          <a:bodyPr lIns="0" rIns="0" tIns="0" bIns="0" anchor="ctr"/>
+          <a:p>
+            <a:pPr algn="ctr"/>
+            <a:endParaRPr/>
+          </a:p>
+        </p:txBody>
+      </p:sp>
+      <p:sp>
+        <p:nvSpPr>
+          <p:cNvPr id="253" name="PlaceHolder 2"/>
+          <p:cNvSpPr>
+            <a:spLocks noGrp="1"/>
+          </p:cNvSpPr>
+          <p:nvPr>
+            <p:ph type="body"/>
+          </p:nvPr>
+        </p:nvSpPr>
+        <p:spPr>
+          <a:xfrm>
+            <a:off x="457200" y="1203480"/>
+            <a:ext cx="4015800" cy="1422720"/>
+          </a:xfrm>
+          <a:prstGeom prst="rect">
+            <a:avLst/>
+          </a:prstGeom>
+        </p:spPr>
+        <p:txBody>
+          <a:bodyPr lIns="0" rIns="0" tIns="0" bIns="0"/>
+          <a:p>
+            <a:endParaRPr/>
+          </a:p>
+        </p:txBody>
+      </p:sp>
+      <p:sp>
+        <p:nvSpPr>
+          <p:cNvPr id="254" name="PlaceHolder 3"/>
+          <p:cNvSpPr>
+            <a:spLocks noGrp="1"/>
+          </p:cNvSpPr>
+          <p:nvPr>
+            <p:ph type="body"/>
+          </p:nvPr>
+        </p:nvSpPr>
+        <p:spPr>
+          <a:xfrm>
+            <a:off x="4674240" y="1203480"/>
+            <a:ext cx="4015800" cy="1422720"/>
+          </a:xfrm>
+          <a:prstGeom prst="rect">
+            <a:avLst/>
+          </a:prstGeom>
+        </p:spPr>
+        <p:txBody>
+          <a:bodyPr lIns="0" rIns="0" tIns="0" bIns="0"/>
+          <a:p>
+            <a:endParaRPr/>
+          </a:p>
+        </p:txBody>
+      </p:sp>
+      <p:sp>
+        <p:nvSpPr>
+          <p:cNvPr id="255" name="PlaceHolder 4"/>
+          <p:cNvSpPr>
+            <a:spLocks noGrp="1"/>
+          </p:cNvSpPr>
+          <p:nvPr>
+            <p:ph type="body"/>
+          </p:nvPr>
+        </p:nvSpPr>
+        <p:spPr>
+          <a:xfrm>
+            <a:off x="4674240" y="2761920"/>
+            <a:ext cx="4015800" cy="1422720"/>
+          </a:xfrm>
+          <a:prstGeom prst="rect">
+            <a:avLst/>
+          </a:prstGeom>
+        </p:spPr>
+        <p:txBody>
+          <a:bodyPr lIns="0" rIns="0" tIns="0" bIns="0"/>
+          <a:p>
+            <a:endParaRPr/>
+          </a:p>
+        </p:txBody>
+      </p:sp>
+      <p:sp>
+        <p:nvSpPr>
+          <p:cNvPr id="256" name="PlaceHolder 5"/>
+          <p:cNvSpPr>
+            <a:spLocks noGrp="1"/>
+          </p:cNvSpPr>
+          <p:nvPr>
+            <p:ph type="body"/>
+          </p:nvPr>
+        </p:nvSpPr>
+        <p:spPr>
+          <a:xfrm>
+            <a:off x="457200" y="2761920"/>
+            <a:ext cx="4015800" cy="1422720"/>
+          </a:xfrm>
+          <a:prstGeom prst="rect">
+            <a:avLst/>
+          </a:prstGeom>
+        </p:spPr>
+        <p:txBody>
+          <a:bodyPr lIns="0" rIns="0" tIns="0" bIns="0"/>
+          <a:p>
+            <a:endParaRPr/>
+          </a:p>
+        </p:txBody>
+      </p:sp>
+    </p:spTree>
+  </p:cSld>
+</p:sldLayout>
+</file>
+
+<file path=ppt/slideLayouts/slideLayout84.xml><?xml version="1.0" encoding="utf-8"?>
+<p:sldLayout xmlns:a="http://schemas.openxmlformats.org/drawingml/2006/main" xmlns:p="http://schemas.openxmlformats.org/presentationml/2006/main" xmlns:r="http://schemas.openxmlformats.org/officeDocument/2006/relationships" type="blank" preserve="1">
+  <p:cSld name="Title, 6 Content">
+    <p:spTree>
+      <p:nvGrpSpPr>
+        <p:cNvPr id="1" name=""/>
+        <p:cNvGrpSpPr/>
+        <p:nvPr/>
+      </p:nvGrpSpPr>
+      <p:grpSpPr>
+        <a:xfrm>
+          <a:off x="0" y="0"/>
+          <a:ext cx="0" cy="0"/>
+          <a:chOff x="0" y="0"/>
+          <a:chExt cx="0" cy="0"/>
+        </a:xfrm>
+      </p:grpSpPr>
+      <p:sp>
+        <p:nvSpPr>
+          <p:cNvPr id="257" name="PlaceHolder 1"/>
+          <p:cNvSpPr>
+            <a:spLocks noGrp="1"/>
+          </p:cNvSpPr>
+          <p:nvPr>
+            <p:ph type="title"/>
+          </p:nvPr>
+        </p:nvSpPr>
+        <p:spPr>
+          <a:xfrm>
+            <a:off x="457200" y="205200"/>
+            <a:ext cx="8229240" cy="858600"/>
+          </a:xfrm>
+          <a:prstGeom prst="rect">
+            <a:avLst/>
+          </a:prstGeom>
+        </p:spPr>
+        <p:txBody>
+          <a:bodyPr lIns="0" rIns="0" tIns="0" bIns="0" anchor="ctr"/>
+          <a:p>
+            <a:pPr algn="ctr"/>
+            <a:endParaRPr/>
+          </a:p>
+        </p:txBody>
+      </p:sp>
+      <p:sp>
+        <p:nvSpPr>
+          <p:cNvPr id="258" name="PlaceHolder 2"/>
+          <p:cNvSpPr>
+            <a:spLocks noGrp="1"/>
+          </p:cNvSpPr>
+          <p:nvPr>
+            <p:ph type="body"/>
+          </p:nvPr>
+        </p:nvSpPr>
+        <p:spPr>
+          <a:xfrm>
+            <a:off x="457200" y="1203480"/>
+            <a:ext cx="8229240" cy="2982960"/>
+          </a:xfrm>
+          <a:prstGeom prst="rect">
+            <a:avLst/>
+          </a:prstGeom>
+        </p:spPr>
+        <p:txBody>
+          <a:bodyPr lIns="0" rIns="0" tIns="0" bIns="0"/>
+          <a:p>
+            <a:endParaRPr/>
+          </a:p>
+        </p:txBody>
+      </p:sp>
+      <p:sp>
+        <p:nvSpPr>
+          <p:cNvPr id="259" name="PlaceHolder 3"/>
+          <p:cNvSpPr>
+            <a:spLocks noGrp="1"/>
+          </p:cNvSpPr>
+          <p:nvPr>
+            <p:ph type="body"/>
+          </p:nvPr>
+        </p:nvSpPr>
+        <p:spPr>
+          <a:xfrm>
+            <a:off x="457200" y="1203480"/>
+            <a:ext cx="8229240" cy="2982960"/>
+          </a:xfrm>
+          <a:prstGeom prst="rect">
+            <a:avLst/>
+          </a:prstGeom>
+        </p:spPr>
+        <p:txBody>
+          <a:bodyPr lIns="0" rIns="0" tIns="0" bIns="0"/>
+          <a:p>
+            <a:endParaRPr/>
+          </a:p>
+        </p:txBody>
+      </p:sp>
+      <p:pic>
+        <p:nvPicPr>
+          <p:cNvPr id="260" name="" descr=""/>
+          <p:cNvPicPr/>
+          <p:nvPr/>
+        </p:nvPicPr>
+        <p:blipFill>
+          <a:blip r:embed="rId2"/>
+          <a:stretch/>
+        </p:blipFill>
+        <p:spPr>
+          <a:xfrm>
+            <a:off x="2702160" y="1203480"/>
+            <a:ext cx="3738600" cy="2982960"/>
+          </a:xfrm>
+          <a:prstGeom prst="rect">
+            <a:avLst/>
+          </a:prstGeom>
+          <a:ln>
+            <a:noFill/>
+          </a:ln>
+        </p:spPr>
+      </p:pic>
+      <p:pic>
+        <p:nvPicPr>
+          <p:cNvPr id="261" name="" descr=""/>
+          <p:cNvPicPr/>
+          <p:nvPr/>
+        </p:nvPicPr>
+        <p:blipFill>
+          <a:blip r:embed="rId3"/>
+          <a:stretch/>
+        </p:blipFill>
+        <p:spPr>
+          <a:xfrm>
+            <a:off x="2702160" y="1203480"/>
+            <a:ext cx="3738600" cy="2982960"/>
+          </a:xfrm>
+          <a:prstGeom prst="rect">
+            <a:avLst/>
+          </a:prstGeom>
+          <a:ln>
+            <a:noFill/>
+          </a:ln>
+        </p:spPr>
+      </p:pic>
     </p:spTree>
   </p:cSld>
 </p:sldLayout>
@@ -6113,7 +8431,7 @@
         <p:spPr>
           <a:xfrm>
             <a:off x="-9000" y="5213880"/>
-            <a:ext cx="8389080" cy="516240"/>
+            <a:ext cx="8388720" cy="515880"/>
           </a:xfrm>
           <a:prstGeom prst="rect">
             <a:avLst/>
@@ -6214,7 +8532,7 @@
         <p:spPr>
           <a:xfrm>
             <a:off x="457200" y="1203480"/>
-            <a:ext cx="8229240" cy="2982960"/>
+            <a:ext cx="8228880" cy="2982600"/>
           </a:xfrm>
           <a:prstGeom prst="rect">
             <a:avLst/>
@@ -6229,7 +8547,7 @@
               <a:buChar char=""/>
             </a:pPr>
             <a:r>
-              <a:rPr lang="es-GT" sz="3200">
+              <a:rPr lang="es-GT">
                 <a:latin typeface="Arial"/>
               </a:rPr>
               <a:t>Pulse para editar el formato de esquema del texto</a:t>
@@ -6243,7 +8561,7 @@
               <a:buChar char=""/>
             </a:pPr>
             <a:r>
-              <a:rPr lang="es-GT" sz="2800">
+              <a:rPr lang="es-GT">
                 <a:latin typeface="Arial"/>
               </a:rPr>
               <a:t>Segundo nivel del esquema</a:t>
@@ -6257,7 +8575,7 @@
               <a:buChar char=""/>
             </a:pPr>
             <a:r>
-              <a:rPr lang="es-GT" sz="2400">
+              <a:rPr lang="es-GT">
                 <a:latin typeface="Arial"/>
               </a:rPr>
               <a:t>Tercer nivel del esquema</a:t>
@@ -6271,7 +8589,7 @@
               <a:buChar char=""/>
             </a:pPr>
             <a:r>
-              <a:rPr lang="es-GT" sz="2000">
+              <a:rPr lang="es-GT">
                 <a:latin typeface="Arial"/>
               </a:rPr>
               <a:t>Cuarto nivel del esquema</a:t>
@@ -6285,7 +8603,7 @@
               <a:buChar char=""/>
             </a:pPr>
             <a:r>
-              <a:rPr lang="es-GT" sz="2000">
+              <a:rPr lang="es-GT">
                 <a:latin typeface="Arial"/>
               </a:rPr>
               <a:t>Quinto nivel del esquema</a:t>
@@ -6299,7 +8617,7 @@
               <a:buChar char=""/>
             </a:pPr>
             <a:r>
-              <a:rPr lang="es-GT" sz="2000">
+              <a:rPr lang="es-GT">
                 <a:latin typeface="Arial"/>
               </a:rPr>
               <a:t>Sexto nivel del esquema</a:t>
@@ -6313,7 +8631,7 @@
               <a:buChar char=""/>
             </a:pPr>
             <a:r>
-              <a:rPr lang="es-GT" sz="2000">
+              <a:rPr lang="es-GT">
                 <a:latin typeface="Arial"/>
               </a:rPr>
               <a:t>Séptimo nivel del esquema</a:t>
@@ -6378,7 +8696,7 @@
         <p:spPr>
           <a:xfrm>
             <a:off x="-9000" y="5213880"/>
-            <a:ext cx="8389080" cy="516240"/>
+            <a:ext cx="8388720" cy="515880"/>
           </a:xfrm>
           <a:prstGeom prst="rect">
             <a:avLst/>
@@ -6447,7 +8765,7 @@
         <p:spPr>
           <a:xfrm>
             <a:off x="457200" y="205200"/>
-            <a:ext cx="8228880" cy="858240"/>
+            <a:ext cx="8229240" cy="858600"/>
           </a:xfrm>
           <a:prstGeom prst="rect">
             <a:avLst/>
@@ -6456,8 +8774,9 @@
         <p:txBody>
           <a:bodyPr lIns="0" rIns="0" tIns="0" bIns="0" anchor="ctr"/>
           <a:p>
-            <a:r>
-              <a:rPr lang="es-GT">
+            <a:pPr algn="ctr"/>
+            <a:r>
+              <a:rPr lang="es-GT" sz="4400">
                 <a:latin typeface="Arial"/>
               </a:rPr>
               <a:t>Pulse para editar el formato del texto de título</a:t>
@@ -6479,7 +8798,7 @@
         <p:spPr>
           <a:xfrm>
             <a:off x="457200" y="1203480"/>
-            <a:ext cx="8228880" cy="2982600"/>
+            <a:ext cx="8229240" cy="2982960"/>
           </a:xfrm>
           <a:prstGeom prst="rect">
             <a:avLst/>
@@ -6494,7 +8813,7 @@
               <a:buChar char=""/>
             </a:pPr>
             <a:r>
-              <a:rPr lang="es-GT">
+              <a:rPr lang="es-GT" sz="3200">
                 <a:latin typeface="Arial"/>
               </a:rPr>
               <a:t>Pulse para editar el formato de esquema del texto</a:t>
@@ -6508,7 +8827,7 @@
               <a:buChar char=""/>
             </a:pPr>
             <a:r>
-              <a:rPr lang="es-GT">
+              <a:rPr lang="es-GT" sz="2800">
                 <a:latin typeface="Arial"/>
               </a:rPr>
               <a:t>Segundo nivel del esquema</a:t>
@@ -6522,7 +8841,7 @@
               <a:buChar char=""/>
             </a:pPr>
             <a:r>
-              <a:rPr lang="es-GT">
+              <a:rPr lang="es-GT" sz="2400">
                 <a:latin typeface="Arial"/>
               </a:rPr>
               <a:t>Tercer nivel del esquema</a:t>
@@ -6536,7 +8855,7 @@
               <a:buChar char=""/>
             </a:pPr>
             <a:r>
-              <a:rPr lang="es-GT">
+              <a:rPr lang="es-GT" sz="2000">
                 <a:latin typeface="Arial"/>
               </a:rPr>
               <a:t>Cuarto nivel del esquema</a:t>
@@ -6550,7 +8869,7 @@
               <a:buChar char=""/>
             </a:pPr>
             <a:r>
-              <a:rPr lang="es-GT">
+              <a:rPr lang="es-GT" sz="2000">
                 <a:latin typeface="Arial"/>
               </a:rPr>
               <a:t>Quinto nivel del esquema</a:t>
@@ -6564,7 +8883,7 @@
               <a:buChar char=""/>
             </a:pPr>
             <a:r>
-              <a:rPr lang="es-GT">
+              <a:rPr lang="es-GT" sz="2000">
                 <a:latin typeface="Arial"/>
               </a:rPr>
               <a:t>Sexto nivel del esquema</a:t>
@@ -6578,7 +8897,7 @@
               <a:buChar char=""/>
             </a:pPr>
             <a:r>
-              <a:rPr lang="es-GT">
+              <a:rPr lang="es-GT" sz="2000">
                 <a:latin typeface="Arial"/>
               </a:rPr>
               <a:t>Séptimo nivel del esquema</a:t>
@@ -6643,7 +8962,7 @@
         <p:spPr>
           <a:xfrm>
             <a:off x="-9000" y="5213880"/>
-            <a:ext cx="8389080" cy="516240"/>
+            <a:ext cx="8388720" cy="515880"/>
           </a:xfrm>
           <a:prstGeom prst="rect">
             <a:avLst/>
@@ -6909,7 +9228,7 @@
         <p:spPr>
           <a:xfrm>
             <a:off x="-9000" y="5213880"/>
-            <a:ext cx="8389080" cy="516240"/>
+            <a:ext cx="8388720" cy="515880"/>
           </a:xfrm>
           <a:prstGeom prst="rect">
             <a:avLst/>
@@ -7175,7 +9494,7 @@
         <p:spPr>
           <a:xfrm>
             <a:off x="-9000" y="5213880"/>
-            <a:ext cx="8389080" cy="516240"/>
+            <a:ext cx="8388720" cy="515880"/>
           </a:xfrm>
           <a:prstGeom prst="rect">
             <a:avLst/>
@@ -7401,6 +9720,636 @@
     <p:sldLayoutId id="2147483710" r:id="rId12"/>
     <p:sldLayoutId id="2147483711" r:id="rId13"/>
     <p:sldLayoutId id="2147483712" r:id="rId14"/>
+  </p:sldLayoutIdLst>
+</p:sldMaster>
+</file>
+
+<file path=ppt/slideMasters/slideMaster6.xml><?xml version="1.0" encoding="utf-8"?>
+<p:sldMaster xmlns:a="http://schemas.openxmlformats.org/drawingml/2006/main" xmlns:p="http://schemas.openxmlformats.org/presentationml/2006/main" xmlns:r="http://schemas.openxmlformats.org/officeDocument/2006/relationships">
+  <p:cSld>
+    <p:bg>
+      <p:bgPr>
+        <a:blipFill>
+          <a:blip r:embed="rId2"/>
+          <a:stretch>
+            <a:fillRect/>
+          </a:stretch>
+        </a:blipFill>
+      </p:bgPr>
+    </p:bg>
+    <p:spTree>
+      <p:nvGrpSpPr>
+        <p:cNvPr id="1" name=""/>
+        <p:cNvGrpSpPr/>
+        <p:nvPr/>
+      </p:nvGrpSpPr>
+      <p:grpSpPr>
+        <a:xfrm>
+          <a:off x="0" y="0"/>
+          <a:ext cx="0" cy="0"/>
+          <a:chOff x="0" y="0"/>
+          <a:chExt cx="0" cy="0"/>
+        </a:xfrm>
+      </p:grpSpPr>
+      <p:sp>
+        <p:nvSpPr>
+          <p:cNvPr id="185" name="CustomShape 1"/>
+          <p:cNvSpPr/>
+          <p:nvPr/>
+        </p:nvSpPr>
+        <p:spPr>
+          <a:xfrm>
+            <a:off x="-9000" y="5213880"/>
+            <a:ext cx="8388720" cy="515880"/>
+          </a:xfrm>
+          <a:prstGeom prst="rect">
+            <a:avLst/>
+          </a:prstGeom>
+          <a:noFill/>
+          <a:ln>
+            <a:noFill/>
+          </a:ln>
+        </p:spPr>
+        <p:style>
+          <a:lnRef idx="0"/>
+          <a:fillRef idx="0"/>
+          <a:effectRef idx="0"/>
+          <a:fontRef idx="minor"/>
+        </p:style>
+        <p:txBody>
+          <a:bodyPr lIns="90000" rIns="90000" tIns="45000" bIns="45000"/>
+          <a:p>
+            <a:pPr>
+              <a:lnSpc>
+                <a:spcPct val="100000"/>
+              </a:lnSpc>
+            </a:pPr>
+            <a:r>
+              <a:rPr lang="es-GT" sz="1400" strike="noStrike">
+                <a:solidFill>
+                  <a:srgbClr val="a6a6a6"/>
+                </a:solidFill>
+                <a:latin typeface="Calibri"/>
+                <a:ea typeface="DejaVu Sans"/>
+              </a:rPr>
+              <a:t>This presentation uses a free template provided by FPPT.com</a:t>
+            </a:r>
+            <a:endParaRPr/>
+          </a:p>
+          <a:p>
+            <a:pPr>
+              <a:lnSpc>
+                <a:spcPct val="100000"/>
+              </a:lnSpc>
+            </a:pPr>
+            <a:r>
+              <a:rPr lang="es-GT" sz="1400" strike="noStrike">
+                <a:solidFill>
+                  <a:srgbClr val="a6a6a6"/>
+                </a:solidFill>
+                <a:latin typeface="Calibri"/>
+                <a:ea typeface="DejaVu Sans"/>
+              </a:rPr>
+              <a:t>www.free-power-point-templates.com</a:t>
+            </a:r>
+            <a:endParaRPr/>
+          </a:p>
+        </p:txBody>
+      </p:sp>
+      <p:sp>
+        <p:nvSpPr>
+          <p:cNvPr id="186" name="PlaceHolder 2"/>
+          <p:cNvSpPr>
+            <a:spLocks noGrp="1"/>
+          </p:cNvSpPr>
+          <p:nvPr>
+            <p:ph type="title"/>
+          </p:nvPr>
+        </p:nvSpPr>
+        <p:spPr>
+          <a:xfrm>
+            <a:off x="457200" y="205200"/>
+            <a:ext cx="8229240" cy="858600"/>
+          </a:xfrm>
+          <a:prstGeom prst="rect">
+            <a:avLst/>
+          </a:prstGeom>
+        </p:spPr>
+        <p:txBody>
+          <a:bodyPr lIns="0" rIns="0" tIns="0" bIns="0" anchor="ctr"/>
+          <a:p>
+            <a:pPr algn="ctr"/>
+            <a:r>
+              <a:rPr lang="es-GT" sz="4400">
+                <a:latin typeface="Arial"/>
+              </a:rPr>
+              <a:t>Pulse para editar el formato del texto de título</a:t>
+            </a:r>
+            <a:endParaRPr/>
+          </a:p>
+        </p:txBody>
+      </p:sp>
+      <p:sp>
+        <p:nvSpPr>
+          <p:cNvPr id="187" name="PlaceHolder 3"/>
+          <p:cNvSpPr>
+            <a:spLocks noGrp="1"/>
+          </p:cNvSpPr>
+          <p:nvPr>
+            <p:ph type="body"/>
+          </p:nvPr>
+        </p:nvSpPr>
+        <p:spPr>
+          <a:xfrm>
+            <a:off x="457200" y="1203480"/>
+            <a:ext cx="8229240" cy="2982960"/>
+          </a:xfrm>
+          <a:prstGeom prst="rect">
+            <a:avLst/>
+          </a:prstGeom>
+        </p:spPr>
+        <p:txBody>
+          <a:bodyPr lIns="0" rIns="0" tIns="0" bIns="0"/>
+          <a:p>
+            <a:pPr>
+              <a:buSzPct val="45000"/>
+              <a:buFont typeface="StarSymbol"/>
+              <a:buChar char=""/>
+            </a:pPr>
+            <a:r>
+              <a:rPr lang="es-GT" sz="3200">
+                <a:latin typeface="Arial"/>
+              </a:rPr>
+              <a:t>Pulse para editar el formato de esquema del texto</a:t>
+            </a:r>
+            <a:endParaRPr/>
+          </a:p>
+          <a:p>
+            <a:pPr lvl="1">
+              <a:buSzPct val="75000"/>
+              <a:buFont typeface="StarSymbol"/>
+              <a:buChar char=""/>
+            </a:pPr>
+            <a:r>
+              <a:rPr lang="es-GT" sz="2800">
+                <a:latin typeface="Arial"/>
+              </a:rPr>
+              <a:t>Segundo nivel del esquema</a:t>
+            </a:r>
+            <a:endParaRPr/>
+          </a:p>
+          <a:p>
+            <a:pPr lvl="2">
+              <a:buSzPct val="45000"/>
+              <a:buFont typeface="StarSymbol"/>
+              <a:buChar char=""/>
+            </a:pPr>
+            <a:r>
+              <a:rPr lang="es-GT" sz="2400">
+                <a:latin typeface="Arial"/>
+              </a:rPr>
+              <a:t>Tercer nivel del esquema</a:t>
+            </a:r>
+            <a:endParaRPr/>
+          </a:p>
+          <a:p>
+            <a:pPr lvl="3">
+              <a:buSzPct val="75000"/>
+              <a:buFont typeface="StarSymbol"/>
+              <a:buChar char=""/>
+            </a:pPr>
+            <a:r>
+              <a:rPr lang="es-GT" sz="2000">
+                <a:latin typeface="Arial"/>
+              </a:rPr>
+              <a:t>Cuarto nivel del esquema</a:t>
+            </a:r>
+            <a:endParaRPr/>
+          </a:p>
+          <a:p>
+            <a:pPr lvl="4">
+              <a:buSzPct val="45000"/>
+              <a:buFont typeface="StarSymbol"/>
+              <a:buChar char=""/>
+            </a:pPr>
+            <a:r>
+              <a:rPr lang="es-GT" sz="2000">
+                <a:latin typeface="Arial"/>
+              </a:rPr>
+              <a:t>Quinto nivel del esquema</a:t>
+            </a:r>
+            <a:endParaRPr/>
+          </a:p>
+          <a:p>
+            <a:pPr lvl="5">
+              <a:buSzPct val="45000"/>
+              <a:buFont typeface="StarSymbol"/>
+              <a:buChar char=""/>
+            </a:pPr>
+            <a:r>
+              <a:rPr lang="es-GT" sz="2000">
+                <a:latin typeface="Arial"/>
+              </a:rPr>
+              <a:t>Sexto nivel del esquema</a:t>
+            </a:r>
+            <a:endParaRPr/>
+          </a:p>
+          <a:p>
+            <a:pPr lvl="6">
+              <a:buSzPct val="45000"/>
+              <a:buFont typeface="StarSymbol"/>
+              <a:buChar char=""/>
+            </a:pPr>
+            <a:r>
+              <a:rPr lang="es-GT" sz="2000">
+                <a:latin typeface="Arial"/>
+              </a:rPr>
+              <a:t>Séptimo nivel del esquema</a:t>
+            </a:r>
+            <a:endParaRPr/>
+          </a:p>
+        </p:txBody>
+      </p:sp>
+    </p:spTree>
+  </p:cSld>
+  <p:clrMap bg1="lt1" bg2="lt2" tx1="dk1" tx2="dk2" accent1="accent1" accent2="accent2" accent3="accent3" accent4="accent4" accent5="accent5" accent6="accent6" hlink="hlink" folHlink="folHlink"/>
+  <p:sldLayoutIdLst>
+    <p:sldLayoutId id="2147483714" r:id="rId3"/>
+    <p:sldLayoutId id="2147483715" r:id="rId4"/>
+    <p:sldLayoutId id="2147483716" r:id="rId5"/>
+    <p:sldLayoutId id="2147483717" r:id="rId6"/>
+    <p:sldLayoutId id="2147483718" r:id="rId7"/>
+    <p:sldLayoutId id="2147483719" r:id="rId8"/>
+    <p:sldLayoutId id="2147483720" r:id="rId9"/>
+    <p:sldLayoutId id="2147483721" r:id="rId10"/>
+    <p:sldLayoutId id="2147483722" r:id="rId11"/>
+    <p:sldLayoutId id="2147483723" r:id="rId12"/>
+    <p:sldLayoutId id="2147483724" r:id="rId13"/>
+    <p:sldLayoutId id="2147483725" r:id="rId14"/>
+  </p:sldLayoutIdLst>
+</p:sldMaster>
+</file>
+
+<file path=ppt/slideMasters/slideMaster7.xml><?xml version="1.0" encoding="utf-8"?>
+<p:sldMaster xmlns:a="http://schemas.openxmlformats.org/drawingml/2006/main" xmlns:p="http://schemas.openxmlformats.org/presentationml/2006/main" xmlns:r="http://schemas.openxmlformats.org/officeDocument/2006/relationships">
+  <p:cSld>
+    <p:bg>
+      <p:bgPr>
+        <a:blipFill>
+          <a:blip r:embed="rId2"/>
+          <a:stretch>
+            <a:fillRect/>
+          </a:stretch>
+        </a:blipFill>
+      </p:bgPr>
+    </p:bg>
+    <p:spTree>
+      <p:nvGrpSpPr>
+        <p:cNvPr id="1" name=""/>
+        <p:cNvGrpSpPr/>
+        <p:nvPr/>
+      </p:nvGrpSpPr>
+      <p:grpSpPr>
+        <a:xfrm>
+          <a:off x="0" y="0"/>
+          <a:ext cx="0" cy="0"/>
+          <a:chOff x="0" y="0"/>
+          <a:chExt cx="0" cy="0"/>
+        </a:xfrm>
+      </p:grpSpPr>
+      <p:sp>
+        <p:nvSpPr>
+          <p:cNvPr id="222" name="CustomShape 1"/>
+          <p:cNvSpPr/>
+          <p:nvPr/>
+        </p:nvSpPr>
+        <p:spPr>
+          <a:xfrm>
+            <a:off x="-9000" y="5213880"/>
+            <a:ext cx="8388720" cy="515880"/>
+          </a:xfrm>
+          <a:prstGeom prst="rect">
+            <a:avLst/>
+          </a:prstGeom>
+          <a:noFill/>
+          <a:ln>
+            <a:noFill/>
+          </a:ln>
+        </p:spPr>
+        <p:style>
+          <a:lnRef idx="0"/>
+          <a:fillRef idx="0"/>
+          <a:effectRef idx="0"/>
+          <a:fontRef idx="minor"/>
+        </p:style>
+        <p:txBody>
+          <a:bodyPr lIns="90000" rIns="90000" tIns="45000" bIns="45000"/>
+          <a:p>
+            <a:pPr>
+              <a:lnSpc>
+                <a:spcPct val="100000"/>
+              </a:lnSpc>
+            </a:pPr>
+            <a:r>
+              <a:rPr lang="es-GT" sz="1400" strike="noStrike">
+                <a:solidFill>
+                  <a:srgbClr val="a6a6a6"/>
+                </a:solidFill>
+                <a:latin typeface="Calibri"/>
+                <a:ea typeface="DejaVu Sans"/>
+              </a:rPr>
+              <a:t>This presentation uses a free template provided by FPPT.com</a:t>
+            </a:r>
+            <a:endParaRPr/>
+          </a:p>
+          <a:p>
+            <a:pPr>
+              <a:lnSpc>
+                <a:spcPct val="100000"/>
+              </a:lnSpc>
+            </a:pPr>
+            <a:r>
+              <a:rPr lang="es-GT" sz="1400" strike="noStrike">
+                <a:solidFill>
+                  <a:srgbClr val="a6a6a6"/>
+                </a:solidFill>
+                <a:latin typeface="Calibri"/>
+                <a:ea typeface="DejaVu Sans"/>
+              </a:rPr>
+              <a:t>www.free-power-point-templates.com</a:t>
+            </a:r>
+            <a:endParaRPr/>
+          </a:p>
+        </p:txBody>
+      </p:sp>
+      <p:sp>
+        <p:nvSpPr>
+          <p:cNvPr id="223" name="PlaceHolder 2"/>
+          <p:cNvSpPr>
+            <a:spLocks noGrp="1"/>
+          </p:cNvSpPr>
+          <p:nvPr>
+            <p:ph type="title"/>
+          </p:nvPr>
+        </p:nvSpPr>
+        <p:spPr>
+          <a:xfrm>
+            <a:off x="457200" y="205200"/>
+            <a:ext cx="8229240" cy="858600"/>
+          </a:xfrm>
+          <a:prstGeom prst="rect">
+            <a:avLst/>
+          </a:prstGeom>
+        </p:spPr>
+        <p:txBody>
+          <a:bodyPr lIns="0" rIns="0" tIns="0" bIns="0" anchor="ctr"/>
+          <a:p>
+            <a:pPr algn="ctr"/>
+            <a:r>
+              <a:rPr lang="es-GT" sz="4400">
+                <a:latin typeface="Arial"/>
+              </a:rPr>
+              <a:t>Pulse para editar el formato del texto de título</a:t>
+            </a:r>
+            <a:endParaRPr/>
+          </a:p>
+        </p:txBody>
+      </p:sp>
+      <p:sp>
+        <p:nvSpPr>
+          <p:cNvPr id="224" name="PlaceHolder 3"/>
+          <p:cNvSpPr>
+            <a:spLocks noGrp="1"/>
+          </p:cNvSpPr>
+          <p:nvPr>
+            <p:ph type="body"/>
+          </p:nvPr>
+        </p:nvSpPr>
+        <p:spPr>
+          <a:xfrm>
+            <a:off x="457200" y="1203480"/>
+            <a:ext cx="8229240" cy="2982960"/>
+          </a:xfrm>
+          <a:prstGeom prst="rect">
+            <a:avLst/>
+          </a:prstGeom>
+        </p:spPr>
+        <p:txBody>
+          <a:bodyPr lIns="0" rIns="0" tIns="0" bIns="0"/>
+          <a:p>
+            <a:pPr>
+              <a:buSzPct val="45000"/>
+              <a:buFont typeface="StarSymbol"/>
+              <a:buChar char=""/>
+            </a:pPr>
+            <a:r>
+              <a:rPr lang="es-GT" sz="3200">
+                <a:latin typeface="Arial"/>
+              </a:rPr>
+              <a:t>Pulse para editar el formato de esquema del texto</a:t>
+            </a:r>
+            <a:endParaRPr/>
+          </a:p>
+          <a:p>
+            <a:pPr lvl="1">
+              <a:buSzPct val="75000"/>
+              <a:buFont typeface="StarSymbol"/>
+              <a:buChar char=""/>
+            </a:pPr>
+            <a:r>
+              <a:rPr lang="es-GT" sz="2800">
+                <a:latin typeface="Arial"/>
+              </a:rPr>
+              <a:t>Segundo nivel del esquema</a:t>
+            </a:r>
+            <a:endParaRPr/>
+          </a:p>
+          <a:p>
+            <a:pPr lvl="2">
+              <a:buSzPct val="45000"/>
+              <a:buFont typeface="StarSymbol"/>
+              <a:buChar char=""/>
+            </a:pPr>
+            <a:r>
+              <a:rPr lang="es-GT" sz="2400">
+                <a:latin typeface="Arial"/>
+              </a:rPr>
+              <a:t>Tercer nivel del esquema</a:t>
+            </a:r>
+            <a:endParaRPr/>
+          </a:p>
+          <a:p>
+            <a:pPr lvl="3">
+              <a:buSzPct val="75000"/>
+              <a:buFont typeface="StarSymbol"/>
+              <a:buChar char=""/>
+            </a:pPr>
+            <a:r>
+              <a:rPr lang="es-GT" sz="2000">
+                <a:latin typeface="Arial"/>
+              </a:rPr>
+              <a:t>Cuarto nivel del esquema</a:t>
+            </a:r>
+            <a:endParaRPr/>
+          </a:p>
+          <a:p>
+            <a:pPr lvl="4">
+              <a:buSzPct val="45000"/>
+              <a:buFont typeface="StarSymbol"/>
+              <a:buChar char=""/>
+            </a:pPr>
+            <a:r>
+              <a:rPr lang="es-GT" sz="2000">
+                <a:latin typeface="Arial"/>
+              </a:rPr>
+              <a:t>Quinto nivel del esquema</a:t>
+            </a:r>
+            <a:endParaRPr/>
+          </a:p>
+          <a:p>
+            <a:pPr lvl="5">
+              <a:buSzPct val="45000"/>
+              <a:buFont typeface="StarSymbol"/>
+              <a:buChar char=""/>
+            </a:pPr>
+            <a:r>
+              <a:rPr lang="es-GT" sz="2000">
+                <a:latin typeface="Arial"/>
+              </a:rPr>
+              <a:t>Sexto nivel del esquema</a:t>
+            </a:r>
+            <a:endParaRPr/>
+          </a:p>
+          <a:p>
+            <a:pPr lvl="6">
+              <a:buSzPct val="45000"/>
+              <a:buFont typeface="StarSymbol"/>
+              <a:buChar char=""/>
+            </a:pPr>
+            <a:r>
+              <a:rPr lang="es-GT" sz="2000">
+                <a:latin typeface="Arial"/>
+              </a:rPr>
+              <a:t>Séptimo nivel del esquema</a:t>
+            </a:r>
+            <a:endParaRPr/>
+          </a:p>
+        </p:txBody>
+      </p:sp>
+      <p:sp>
+        <p:nvSpPr>
+          <p:cNvPr id="225" name="PlaceHolder 4"/>
+          <p:cNvSpPr>
+            <a:spLocks noGrp="1"/>
+          </p:cNvSpPr>
+          <p:nvPr>
+            <p:ph type="dt"/>
+          </p:nvPr>
+        </p:nvSpPr>
+        <p:spPr>
+          <a:xfrm>
+            <a:off x="457200" y="4685760"/>
+            <a:ext cx="2130120" cy="354240"/>
+          </a:xfrm>
+          <a:prstGeom prst="rect">
+            <a:avLst/>
+          </a:prstGeom>
+        </p:spPr>
+        <p:txBody>
+          <a:bodyPr lIns="0" rIns="0" tIns="0" bIns="0"/>
+          <a:p>
+            <a:r>
+              <a:rPr lang="es-GT" sz="1400">
+                <a:latin typeface="Times New Roman"/>
+              </a:rPr>
+              <a:t>&lt;fecha/hora&gt;</a:t>
+            </a:r>
+            <a:endParaRPr/>
+          </a:p>
+        </p:txBody>
+      </p:sp>
+      <p:sp>
+        <p:nvSpPr>
+          <p:cNvPr id="226" name="PlaceHolder 5"/>
+          <p:cNvSpPr>
+            <a:spLocks noGrp="1"/>
+          </p:cNvSpPr>
+          <p:nvPr>
+            <p:ph type="ftr"/>
+          </p:nvPr>
+        </p:nvSpPr>
+        <p:spPr>
+          <a:xfrm>
+            <a:off x="3126960" y="4685760"/>
+            <a:ext cx="2898000" cy="354240"/>
+          </a:xfrm>
+          <a:prstGeom prst="rect">
+            <a:avLst/>
+          </a:prstGeom>
+        </p:spPr>
+        <p:txBody>
+          <a:bodyPr lIns="0" rIns="0" tIns="0" bIns="0"/>
+          <a:p>
+            <a:pPr algn="ctr"/>
+            <a:r>
+              <a:rPr lang="es-GT" sz="1400">
+                <a:latin typeface="Times New Roman"/>
+              </a:rPr>
+              <a:t>&lt;pie de página&gt;</a:t>
+            </a:r>
+            <a:endParaRPr/>
+          </a:p>
+        </p:txBody>
+      </p:sp>
+      <p:sp>
+        <p:nvSpPr>
+          <p:cNvPr id="227" name="PlaceHolder 6"/>
+          <p:cNvSpPr>
+            <a:spLocks noGrp="1"/>
+          </p:cNvSpPr>
+          <p:nvPr>
+            <p:ph type="sldNum"/>
+          </p:nvPr>
+        </p:nvSpPr>
+        <p:spPr>
+          <a:xfrm>
+            <a:off x="6555960" y="4685760"/>
+            <a:ext cx="2130120" cy="354240"/>
+          </a:xfrm>
+          <a:prstGeom prst="rect">
+            <a:avLst/>
+          </a:prstGeom>
+        </p:spPr>
+        <p:txBody>
+          <a:bodyPr lIns="0" rIns="0" tIns="0" bIns="0"/>
+          <a:p>
+            <a:pPr algn="r"/>
+            <a:fld id="{BDAE801B-15B4-4CAA-BB63-8592EFF6AD72}" type="slidenum">
+              <a:rPr lang="es-GT" sz="1400">
+                <a:latin typeface="Times New Roman"/>
+              </a:rPr>
+              <a:t>&lt;número&gt;</a:t>
+            </a:fld>
+            <a:endParaRPr/>
+          </a:p>
+        </p:txBody>
+      </p:sp>
+    </p:spTree>
+  </p:cSld>
+  <p:clrMap bg1="lt1" bg2="lt2" tx1="dk1" tx2="dk2" accent1="accent1" accent2="accent2" accent3="accent3" accent4="accent4" accent5="accent5" accent6="accent6" hlink="hlink" folHlink="folHlink"/>
+  <p:sldLayoutIdLst>
+    <p:sldLayoutId id="2147483727" r:id="rId3"/>
+    <p:sldLayoutId id="2147483728" r:id="rId4"/>
+    <p:sldLayoutId id="2147483729" r:id="rId5"/>
+    <p:sldLayoutId id="2147483730" r:id="rId6"/>
+    <p:sldLayoutId id="2147483731" r:id="rId7"/>
+    <p:sldLayoutId id="2147483732" r:id="rId8"/>
+    <p:sldLayoutId id="2147483733" r:id="rId9"/>
+    <p:sldLayoutId id="2147483734" r:id="rId10"/>
+    <p:sldLayoutId id="2147483735" r:id="rId11"/>
+    <p:sldLayoutId id="2147483736" r:id="rId12"/>
+    <p:sldLayoutId id="2147483737" r:id="rId13"/>
+    <p:sldLayoutId id="2147483738" r:id="rId14"/>
   </p:sldLayoutIdLst>
 </p:sldMaster>
 </file>
@@ -7424,14 +10373,14 @@
       </p:grpSpPr>
       <p:sp>
         <p:nvSpPr>
-          <p:cNvPr id="190" name="CustomShape 1"/>
+          <p:cNvPr id="267" name="CustomShape 1"/>
           <p:cNvSpPr/>
           <p:nvPr/>
         </p:nvSpPr>
         <p:spPr>
           <a:xfrm>
-            <a:off x="2736000" y="812160"/>
-            <a:ext cx="6047640" cy="987480"/>
+            <a:off x="3528000" y="720000"/>
+            <a:ext cx="5327280" cy="863640"/>
           </a:xfrm>
           <a:prstGeom prst="rect">
             <a:avLst/>
@@ -7451,13 +10400,24 @@
           <a:bodyPr lIns="90000" rIns="90000" tIns="45000" bIns="45000" anchor="ctr"/>
           <a:p>
             <a:r>
+              <a:rPr lang="es-GT" sz="2800" strike="noStrike">
+                <a:solidFill>
+                  <a:srgbClr val="ffffff"/>
+                </a:solidFill>
+                <a:latin typeface="Calibri"/>
+                <a:ea typeface="DejaVu Sans"/>
+              </a:rPr>
+              <a:t>Redes Neuronales Recurrentes con memoria para procesamiento de texto natura</a:t>
+            </a:r>
+            <a:r>
               <a:rPr lang="es-GT" sz="3600" strike="noStrike">
                 <a:solidFill>
                   <a:srgbClr val="ffffff"/>
                 </a:solidFill>
                 <a:latin typeface="Calibri"/>
-              </a:rPr>
-              <a:t>Redes Neuronales Recurrentes para procesamiento de texto natural</a:t>
+                <a:ea typeface="DejaVu Sans"/>
+              </a:rPr>
+              <a:t>l</a:t>
             </a:r>
             <a:endParaRPr/>
           </a:p>
@@ -7473,14 +10433,14 @@
       </p:sp>
       <p:sp>
         <p:nvSpPr>
-          <p:cNvPr id="191" name="CustomShape 2"/>
+          <p:cNvPr id="268" name="CustomShape 2"/>
           <p:cNvSpPr/>
           <p:nvPr/>
         </p:nvSpPr>
         <p:spPr>
           <a:xfrm>
-            <a:off x="3350520" y="2724480"/>
-            <a:ext cx="5649480" cy="610200"/>
+            <a:off x="3312000" y="2232000"/>
+            <a:ext cx="5687640" cy="1102320"/>
           </a:xfrm>
           <a:prstGeom prst="rect">
             <a:avLst/>
@@ -7510,9 +10470,36 @@
                   <a:srgbClr val="000000"/>
                 </a:solidFill>
                 <a:latin typeface="Calibri"/>
+                <a:ea typeface="DejaVu Sans"/>
               </a:rPr>
               <a:t>Luis Fernando Leal</a:t>
             </a:r>
+            <a:endParaRPr/>
+          </a:p>
+          <a:p>
+            <a:pPr algn="r">
+              <a:lnSpc>
+                <a:spcPct val="100000"/>
+              </a:lnSpc>
+            </a:pPr>
+            <a:r>
+              <a:rPr lang="es-GT" sz="2800" strike="noStrike">
+                <a:solidFill>
+                  <a:srgbClr val="000000"/>
+                </a:solidFill>
+                <a:latin typeface="Calibri"/>
+                <a:ea typeface="DejaVu Sans"/>
+              </a:rPr>
+              <a:t>Septiembre 2017</a:t>
+            </a:r>
+            <a:endParaRPr/>
+          </a:p>
+          <a:p>
+            <a:pPr algn="r">
+              <a:lnSpc>
+                <a:spcPct val="100000"/>
+              </a:lnSpc>
+            </a:pPr>
             <a:endParaRPr/>
           </a:p>
         </p:txBody>
@@ -7549,6 +10536,1388 @@
 </p:sld>
 </file>
 
+<file path=ppt/slides/slide10.xml><?xml version="1.0" encoding="utf-8"?>
+<p:sld xmlns:a="http://schemas.openxmlformats.org/drawingml/2006/main" xmlns:p="http://schemas.openxmlformats.org/presentationml/2006/main" xmlns:r="http://schemas.openxmlformats.org/officeDocument/2006/relationships">
+  <p:cSld>
+    <p:spTree>
+      <p:nvGrpSpPr>
+        <p:cNvPr id="1" name=""/>
+        <p:cNvGrpSpPr/>
+        <p:nvPr/>
+      </p:nvGrpSpPr>
+      <p:grpSpPr>
+        <a:xfrm>
+          <a:off x="0" y="0"/>
+          <a:ext cx="0" cy="0"/>
+          <a:chOff x="0" y="0"/>
+          <a:chExt cx="0" cy="0"/>
+        </a:xfrm>
+      </p:grpSpPr>
+      <p:pic>
+        <p:nvPicPr>
+          <p:cNvPr id="288" name="" descr=""/>
+          <p:cNvPicPr/>
+          <p:nvPr/>
+        </p:nvPicPr>
+        <p:blipFill>
+          <a:blip r:embed="rId1"/>
+          <a:stretch/>
+        </p:blipFill>
+        <p:spPr>
+          <a:xfrm>
+            <a:off x="1056600" y="1296000"/>
+            <a:ext cx="7019640" cy="2619000"/>
+          </a:xfrm>
+          <a:prstGeom prst="rect">
+            <a:avLst/>
+          </a:prstGeom>
+          <a:ln>
+            <a:noFill/>
+          </a:ln>
+        </p:spPr>
+      </p:pic>
+      <p:sp>
+        <p:nvSpPr>
+          <p:cNvPr id="289" name="TextShape 1"/>
+          <p:cNvSpPr txBox="1"/>
+          <p:nvPr/>
+        </p:nvSpPr>
+        <p:spPr>
+          <a:xfrm>
+            <a:off x="2016000" y="4005720"/>
+            <a:ext cx="6624000" cy="602280"/>
+          </a:xfrm>
+          <a:prstGeom prst="rect">
+            <a:avLst/>
+          </a:prstGeom>
+          <a:noFill/>
+          <a:ln>
+            <a:noFill/>
+          </a:ln>
+        </p:spPr>
+        <p:txBody>
+          <a:bodyPr lIns="90000" rIns="90000" tIns="45000" bIns="45000"/>
+          <a:p>
+            <a:r>
+              <a:rPr lang="es-GT">
+                <a:latin typeface="Arial"/>
+              </a:rPr>
+              <a:t>Red LSTM de 3 pasos – Creditos: Christopher Olah </a:t>
+            </a:r>
+            <a:endParaRPr/>
+          </a:p>
+        </p:txBody>
+      </p:sp>
+    </p:spTree>
+  </p:cSld>
+  <p:timing>
+    <p:tnLst>
+      <p:par>
+        <p:cTn id="19" dur="indefinite" restart="never" nodeType="tmRoot">
+          <p:childTnLst>
+            <p:seq>
+              <p:cTn id="20" nodeType="mainSeq"/>
+              <p:prevCondLst>
+                <p:cond delay="0" evt="onPrev">
+                  <p:tgtEl>
+                    <p:sldTgt/>
+                  </p:tgtEl>
+                </p:cond>
+              </p:prevCondLst>
+              <p:nextCondLst>
+                <p:cond delay="0" evt="onNext">
+                  <p:tgtEl>
+                    <p:sldTgt/>
+                  </p:tgtEl>
+                </p:cond>
+              </p:nextCondLst>
+            </p:seq>
+          </p:childTnLst>
+        </p:cTn>
+      </p:par>
+    </p:tnLst>
+  </p:timing>
+</p:sld>
+</file>
+
+<file path=ppt/slides/slide11.xml><?xml version="1.0" encoding="utf-8"?>
+<p:sld xmlns:a="http://schemas.openxmlformats.org/drawingml/2006/main" xmlns:p="http://schemas.openxmlformats.org/presentationml/2006/main" xmlns:r="http://schemas.openxmlformats.org/officeDocument/2006/relationships">
+  <p:cSld>
+    <p:spTree>
+      <p:nvGrpSpPr>
+        <p:cNvPr id="1" name=""/>
+        <p:cNvGrpSpPr/>
+        <p:nvPr/>
+      </p:nvGrpSpPr>
+      <p:grpSpPr>
+        <a:xfrm>
+          <a:off x="0" y="0"/>
+          <a:ext cx="0" cy="0"/>
+          <a:chOff x="0" y="0"/>
+          <a:chExt cx="0" cy="0"/>
+        </a:xfrm>
+      </p:grpSpPr>
+      <p:sp>
+        <p:nvSpPr>
+          <p:cNvPr id="290" name="TextShape 1"/>
+          <p:cNvSpPr txBox="1"/>
+          <p:nvPr/>
+        </p:nvSpPr>
+        <p:spPr>
+          <a:xfrm>
+            <a:off x="3384000" y="432000"/>
+            <a:ext cx="5634360" cy="576000"/>
+          </a:xfrm>
+          <a:prstGeom prst="rect">
+            <a:avLst/>
+          </a:prstGeom>
+          <a:noFill/>
+          <a:ln>
+            <a:noFill/>
+          </a:ln>
+        </p:spPr>
+        <p:txBody>
+          <a:bodyPr lIns="90000" rIns="90000" tIns="45000" bIns="45000"/>
+          <a:p>
+            <a:pPr algn="r">
+              <a:lnSpc>
+                <a:spcPct val="100000"/>
+              </a:lnSpc>
+            </a:pPr>
+            <a:r>
+              <a:rPr lang="es-GT" sz="2800" strike="noStrike">
+                <a:solidFill>
+                  <a:srgbClr val="002060"/>
+                </a:solidFill>
+                <a:latin typeface="Calibri"/>
+                <a:ea typeface="DejaVu Sans"/>
+              </a:rPr>
+              <a:t>Ejemplos aplicados a NLP</a:t>
+            </a:r>
+            <a:endParaRPr/>
+          </a:p>
+        </p:txBody>
+      </p:sp>
+      <p:sp>
+        <p:nvSpPr>
+          <p:cNvPr id="291" name="TextShape 2"/>
+          <p:cNvSpPr txBox="1"/>
+          <p:nvPr/>
+        </p:nvSpPr>
+        <p:spPr>
+          <a:xfrm>
+            <a:off x="720000" y="1237680"/>
+            <a:ext cx="3387240" cy="346320"/>
+          </a:xfrm>
+          <a:prstGeom prst="rect">
+            <a:avLst/>
+          </a:prstGeom>
+          <a:noFill/>
+          <a:ln>
+            <a:noFill/>
+          </a:ln>
+        </p:spPr>
+        <p:txBody>
+          <a:bodyPr lIns="90000" rIns="90000" tIns="45000" bIns="45000"/>
+          <a:p>
+            <a:r>
+              <a:rPr lang="es-GT">
+                <a:latin typeface="Arial"/>
+              </a:rPr>
+              <a:t>Análisis de emociones en texto:</a:t>
+            </a:r>
+            <a:endParaRPr/>
+          </a:p>
+        </p:txBody>
+      </p:sp>
+    </p:spTree>
+  </p:cSld>
+  <p:timing>
+    <p:tnLst>
+      <p:par>
+        <p:cTn id="21" dur="indefinite" restart="never" nodeType="tmRoot">
+          <p:childTnLst>
+            <p:seq>
+              <p:cTn id="22" nodeType="mainSeq"/>
+              <p:prevCondLst>
+                <p:cond delay="0" evt="onPrev">
+                  <p:tgtEl>
+                    <p:sldTgt/>
+                  </p:tgtEl>
+                </p:cond>
+              </p:prevCondLst>
+              <p:nextCondLst>
+                <p:cond delay="0" evt="onNext">
+                  <p:tgtEl>
+                    <p:sldTgt/>
+                  </p:tgtEl>
+                </p:cond>
+              </p:nextCondLst>
+            </p:seq>
+          </p:childTnLst>
+        </p:cTn>
+      </p:par>
+    </p:tnLst>
+  </p:timing>
+</p:sld>
+</file>
+
+<file path=ppt/slides/slide12.xml><?xml version="1.0" encoding="utf-8"?>
+<p:sld xmlns:a="http://schemas.openxmlformats.org/drawingml/2006/main" xmlns:p="http://schemas.openxmlformats.org/presentationml/2006/main" xmlns:r="http://schemas.openxmlformats.org/officeDocument/2006/relationships">
+  <p:cSld>
+    <p:spTree>
+      <p:nvGrpSpPr>
+        <p:cNvPr id="1" name=""/>
+        <p:cNvGrpSpPr/>
+        <p:nvPr/>
+      </p:nvGrpSpPr>
+      <p:grpSpPr>
+        <a:xfrm>
+          <a:off x="0" y="0"/>
+          <a:ext cx="0" cy="0"/>
+          <a:chOff x="0" y="0"/>
+          <a:chExt cx="0" cy="0"/>
+        </a:xfrm>
+      </p:grpSpPr>
+      <p:sp>
+        <p:nvSpPr>
+          <p:cNvPr id="292" name="TextShape 1"/>
+          <p:cNvSpPr txBox="1"/>
+          <p:nvPr/>
+        </p:nvSpPr>
+        <p:spPr>
+          <a:xfrm>
+            <a:off x="3384000" y="432000"/>
+            <a:ext cx="5634360" cy="576000"/>
+          </a:xfrm>
+          <a:prstGeom prst="rect">
+            <a:avLst/>
+          </a:prstGeom>
+          <a:noFill/>
+          <a:ln>
+            <a:noFill/>
+          </a:ln>
+        </p:spPr>
+        <p:txBody>
+          <a:bodyPr lIns="90000" rIns="90000" tIns="45000" bIns="45000"/>
+          <a:p>
+            <a:pPr algn="r">
+              <a:lnSpc>
+                <a:spcPct val="100000"/>
+              </a:lnSpc>
+            </a:pPr>
+            <a:r>
+              <a:rPr lang="es-GT" sz="2800" strike="noStrike">
+                <a:solidFill>
+                  <a:srgbClr val="002060"/>
+                </a:solidFill>
+                <a:latin typeface="Calibri"/>
+                <a:ea typeface="DejaVu Sans"/>
+              </a:rPr>
+              <a:t>Ejemplos aplicados a NLP</a:t>
+            </a:r>
+            <a:endParaRPr/>
+          </a:p>
+        </p:txBody>
+      </p:sp>
+      <p:sp>
+        <p:nvSpPr>
+          <p:cNvPr id="293" name="TextShape 2"/>
+          <p:cNvSpPr txBox="1"/>
+          <p:nvPr/>
+        </p:nvSpPr>
+        <p:spPr>
+          <a:xfrm>
+            <a:off x="720000" y="1237680"/>
+            <a:ext cx="4457160" cy="346320"/>
+          </a:xfrm>
+          <a:prstGeom prst="rect">
+            <a:avLst/>
+          </a:prstGeom>
+          <a:noFill/>
+          <a:ln>
+            <a:noFill/>
+          </a:ln>
+        </p:spPr>
+        <p:txBody>
+          <a:bodyPr lIns="90000" rIns="90000" tIns="45000" bIns="45000"/>
+          <a:p>
+            <a:r>
+              <a:rPr lang="es-GT">
+                <a:latin typeface="Arial"/>
+              </a:rPr>
+              <a:t>Traductor de lenguajes usando “seq2seq”:</a:t>
+            </a:r>
+            <a:endParaRPr/>
+          </a:p>
+        </p:txBody>
+      </p:sp>
+    </p:spTree>
+  </p:cSld>
+  <p:timing>
+    <p:tnLst>
+      <p:par>
+        <p:cTn id="23" dur="indefinite" restart="never" nodeType="tmRoot">
+          <p:childTnLst>
+            <p:seq>
+              <p:cTn id="24" nodeType="mainSeq"/>
+              <p:prevCondLst>
+                <p:cond delay="0" evt="onPrev">
+                  <p:tgtEl>
+                    <p:sldTgt/>
+                  </p:tgtEl>
+                </p:cond>
+              </p:prevCondLst>
+              <p:nextCondLst>
+                <p:cond delay="0" evt="onNext">
+                  <p:tgtEl>
+                    <p:sldTgt/>
+                  </p:tgtEl>
+                </p:cond>
+              </p:nextCondLst>
+            </p:seq>
+          </p:childTnLst>
+        </p:cTn>
+      </p:par>
+    </p:tnLst>
+  </p:timing>
+</p:sld>
+</file>
+
+<file path=ppt/slides/slide13.xml><?xml version="1.0" encoding="utf-8"?>
+<p:sld xmlns:a="http://schemas.openxmlformats.org/drawingml/2006/main" xmlns:p="http://schemas.openxmlformats.org/presentationml/2006/main" xmlns:r="http://schemas.openxmlformats.org/officeDocument/2006/relationships">
+  <p:cSld>
+    <p:spTree>
+      <p:nvGrpSpPr>
+        <p:cNvPr id="1" name=""/>
+        <p:cNvGrpSpPr/>
+        <p:nvPr/>
+      </p:nvGrpSpPr>
+      <p:grpSpPr>
+        <a:xfrm>
+          <a:off x="0" y="0"/>
+          <a:ext cx="0" cy="0"/>
+          <a:chOff x="0" y="0"/>
+          <a:chExt cx="0" cy="0"/>
+        </a:xfrm>
+      </p:grpSpPr>
+      <p:sp>
+        <p:nvSpPr>
+          <p:cNvPr id="294" name="TextShape 1"/>
+          <p:cNvSpPr txBox="1"/>
+          <p:nvPr/>
+        </p:nvSpPr>
+        <p:spPr>
+          <a:xfrm>
+            <a:off x="3384000" y="432000"/>
+            <a:ext cx="5634360" cy="576000"/>
+          </a:xfrm>
+          <a:prstGeom prst="rect">
+            <a:avLst/>
+          </a:prstGeom>
+          <a:noFill/>
+          <a:ln>
+            <a:noFill/>
+          </a:ln>
+        </p:spPr>
+        <p:txBody>
+          <a:bodyPr lIns="90000" rIns="90000" tIns="45000" bIns="45000"/>
+          <a:p>
+            <a:pPr algn="r">
+              <a:lnSpc>
+                <a:spcPct val="100000"/>
+              </a:lnSpc>
+            </a:pPr>
+            <a:r>
+              <a:rPr lang="es-GT" sz="2800" strike="noStrike">
+                <a:solidFill>
+                  <a:srgbClr val="002060"/>
+                </a:solidFill>
+                <a:latin typeface="Calibri"/>
+                <a:ea typeface="DejaVu Sans"/>
+              </a:rPr>
+              <a:t>Ejemplos aplicados a NLP</a:t>
+            </a:r>
+            <a:endParaRPr/>
+          </a:p>
+        </p:txBody>
+      </p:sp>
+      <p:sp>
+        <p:nvSpPr>
+          <p:cNvPr id="295" name="TextShape 2"/>
+          <p:cNvSpPr txBox="1"/>
+          <p:nvPr/>
+        </p:nvSpPr>
+        <p:spPr>
+          <a:xfrm>
+            <a:off x="720000" y="1237680"/>
+            <a:ext cx="8426880" cy="1626120"/>
+          </a:xfrm>
+          <a:prstGeom prst="rect">
+            <a:avLst/>
+          </a:prstGeom>
+          <a:noFill/>
+          <a:ln>
+            <a:noFill/>
+          </a:ln>
+        </p:spPr>
+        <p:txBody>
+          <a:bodyPr lIns="90000" rIns="90000" tIns="45000" bIns="45000"/>
+          <a:p>
+            <a:r>
+              <a:rPr b="1" lang="es-GT">
+                <a:latin typeface="Arial"/>
+              </a:rPr>
+              <a:t>Modelo generativo</a:t>
+            </a:r>
+            <a:r>
+              <a:rPr lang="es-GT">
+                <a:latin typeface="Arial"/>
+              </a:rPr>
+              <a:t>: Hemos visto modelos discriminatorio, un modelo generativo </a:t>
+            </a:r>
+            <a:endParaRPr/>
+          </a:p>
+          <a:p>
+            <a:r>
+              <a:rPr lang="es-GT">
+                <a:latin typeface="Arial"/>
+              </a:rPr>
+              <a:t>Es aquel que en lugar de obtener una clasificación o una representación</a:t>
+            </a:r>
+            <a:endParaRPr/>
+          </a:p>
+          <a:p>
+            <a:r>
+              <a:rPr lang="es-GT">
+                <a:latin typeface="Arial"/>
+              </a:rPr>
+              <a:t>Equivalente de sus datos de entrada, es entrenado para generar por si mismo</a:t>
+            </a:r>
+            <a:endParaRPr/>
+          </a:p>
+          <a:p>
+            <a:r>
+              <a:rPr lang="es-GT">
+                <a:latin typeface="Arial"/>
+              </a:rPr>
+              <a:t>Datos con similitudes a sus datos de entrenamiento.</a:t>
+            </a:r>
+            <a:endParaRPr/>
+          </a:p>
+          <a:p>
+            <a:r>
+              <a:rPr b="1" lang="es-GT">
+                <a:latin typeface="Arial"/>
+              </a:rPr>
+              <a:t>Ejemplo: Love-Poe(en desarrollo) </a:t>
+            </a:r>
+            <a:r>
+              <a:rPr lang="es-GT">
+                <a:latin typeface="Arial"/>
+              </a:rPr>
+              <a:t>Es un bot que genera literatura de horror</a:t>
+            </a:r>
+            <a:endParaRPr/>
+          </a:p>
+          <a:p>
+            <a:r>
+              <a:rPr lang="es-GT">
+                <a:latin typeface="Arial"/>
+              </a:rPr>
+              <a:t>Aprendiendo de 2 conocidos autores Lovecraft y Poe.</a:t>
+            </a:r>
+            <a:endParaRPr/>
+          </a:p>
+        </p:txBody>
+      </p:sp>
+    </p:spTree>
+  </p:cSld>
+  <p:timing>
+    <p:tnLst>
+      <p:par>
+        <p:cTn id="25" dur="indefinite" restart="never" nodeType="tmRoot">
+          <p:childTnLst>
+            <p:seq>
+              <p:cTn id="26" nodeType="mainSeq"/>
+              <p:prevCondLst>
+                <p:cond delay="0" evt="onPrev">
+                  <p:tgtEl>
+                    <p:sldTgt/>
+                  </p:tgtEl>
+                </p:cond>
+              </p:prevCondLst>
+              <p:nextCondLst>
+                <p:cond delay="0" evt="onNext">
+                  <p:tgtEl>
+                    <p:sldTgt/>
+                  </p:tgtEl>
+                </p:cond>
+              </p:nextCondLst>
+            </p:seq>
+          </p:childTnLst>
+        </p:cTn>
+      </p:par>
+    </p:tnLst>
+  </p:timing>
+</p:sld>
+</file>
+
+<file path=ppt/slides/slide14.xml><?xml version="1.0" encoding="utf-8"?>
+<p:sld xmlns:a="http://schemas.openxmlformats.org/drawingml/2006/main" xmlns:p="http://schemas.openxmlformats.org/presentationml/2006/main" xmlns:r="http://schemas.openxmlformats.org/officeDocument/2006/relationships">
+  <p:cSld>
+    <p:spTree>
+      <p:nvGrpSpPr>
+        <p:cNvPr id="1" name=""/>
+        <p:cNvGrpSpPr/>
+        <p:nvPr/>
+      </p:nvGrpSpPr>
+      <p:grpSpPr>
+        <a:xfrm>
+          <a:off x="0" y="0"/>
+          <a:ext cx="0" cy="0"/>
+          <a:chOff x="0" y="0"/>
+          <a:chExt cx="0" cy="0"/>
+        </a:xfrm>
+      </p:grpSpPr>
+      <p:sp>
+        <p:nvSpPr>
+          <p:cNvPr id="296" name="TextShape 1"/>
+          <p:cNvSpPr txBox="1"/>
+          <p:nvPr/>
+        </p:nvSpPr>
+        <p:spPr>
+          <a:xfrm>
+            <a:off x="3384000" y="432000"/>
+            <a:ext cx="5634360" cy="576000"/>
+          </a:xfrm>
+          <a:prstGeom prst="rect">
+            <a:avLst/>
+          </a:prstGeom>
+          <a:noFill/>
+          <a:ln>
+            <a:noFill/>
+          </a:ln>
+        </p:spPr>
+        <p:txBody>
+          <a:bodyPr lIns="90000" rIns="90000" tIns="45000" bIns="45000"/>
+          <a:p>
+            <a:pPr algn="r">
+              <a:lnSpc>
+                <a:spcPct val="100000"/>
+              </a:lnSpc>
+            </a:pPr>
+            <a:r>
+              <a:rPr lang="es-GT" sz="2800" strike="noStrike">
+                <a:solidFill>
+                  <a:srgbClr val="002060"/>
+                </a:solidFill>
+                <a:latin typeface="Calibri"/>
+                <a:ea typeface="DejaVu Sans"/>
+              </a:rPr>
+              <a:t>Ejemplos aplicados a NLP</a:t>
+            </a:r>
+            <a:endParaRPr/>
+          </a:p>
+        </p:txBody>
+      </p:sp>
+      <p:sp>
+        <p:nvSpPr>
+          <p:cNvPr id="297" name="TextShape 2"/>
+          <p:cNvSpPr txBox="1"/>
+          <p:nvPr/>
+        </p:nvSpPr>
+        <p:spPr>
+          <a:xfrm>
+            <a:off x="113040" y="1080000"/>
+            <a:ext cx="8670960" cy="4755960"/>
+          </a:xfrm>
+          <a:prstGeom prst="rect">
+            <a:avLst/>
+          </a:prstGeom>
+          <a:noFill/>
+          <a:ln>
+            <a:noFill/>
+          </a:ln>
+        </p:spPr>
+        <p:txBody>
+          <a:bodyPr lIns="90000" rIns="90000" tIns="45000" bIns="45000"/>
+          <a:p>
+            <a:r>
+              <a:rPr b="1" lang="es-GT" sz="1600">
+                <a:latin typeface="Arial"/>
+              </a:rPr>
+              <a:t>Aplicación en la industria(y relación con business inteligence/data warehousing)</a:t>
+            </a:r>
+            <a:endParaRPr/>
+          </a:p>
+          <a:p>
+            <a:pPr algn="just"/>
+            <a:r>
+              <a:rPr lang="es-GT" sz="1600">
+                <a:latin typeface="Arial"/>
+              </a:rPr>
+              <a:t> </a:t>
+            </a:r>
+            <a:r>
+              <a:rPr lang="es-GT" sz="1600">
+                <a:latin typeface="Arial"/>
+              </a:rPr>
+              <a:t>Mes a mes , la empresa envía encuestas  abiertas a nuevos usuarios y estos escriben sus respuestas con texto libre. A la empresa le interesa analizar estas respuestas de una manera estandarizada,pero el texto libre no permite esto. Por lo cual una persona lee encuesta por encuesta y las agrupa para luego generar manualmente un reporte. Problemas?</a:t>
+            </a:r>
+            <a:endParaRPr/>
+          </a:p>
+          <a:p>
+            <a:pPr algn="just">
+              <a:buFont typeface="Liberation Serif"/>
+              <a:buAutoNum type="arabicParenR"/>
+            </a:pPr>
+            <a:r>
+              <a:rPr lang="es-GT" sz="1600">
+                <a:latin typeface="Arial"/>
+              </a:rPr>
+              <a:t>El numero de usuarios nuevos ha incrementado y demanda mucho trabajo.</a:t>
+            </a:r>
+            <a:endParaRPr/>
+          </a:p>
+          <a:p>
+            <a:pPr algn="just">
+              <a:buFont typeface="Liberation Serif"/>
+              <a:buAutoNum type="arabicParenR"/>
+            </a:pPr>
+            <a:r>
+              <a:rPr lang="es-GT" sz="1600">
+                <a:latin typeface="Arial"/>
+              </a:rPr>
+              <a:t>El reporte se genera manualmente por lo cual solo es analizado aisladamente</a:t>
+            </a:r>
+            <a:endParaRPr/>
+          </a:p>
+          <a:p>
+            <a:pPr algn="just"/>
+            <a:endParaRPr/>
+          </a:p>
+          <a:p>
+            <a:pPr algn="just"/>
+            <a:r>
+              <a:rPr lang="es-GT" sz="1600">
+                <a:latin typeface="Arial"/>
+              </a:rPr>
+              <a:t>Solución? </a:t>
+            </a:r>
+            <a:endParaRPr/>
+          </a:p>
+          <a:p>
+            <a:pPr algn="just"/>
+            <a:r>
+              <a:rPr lang="es-GT" sz="1600">
+                <a:latin typeface="Arial"/>
+              </a:rPr>
+              <a:t>1) Con las encuestas(y reporte) de meses anteriores, entrenamos un bot</a:t>
+            </a:r>
+            <a:r>
+              <a:rPr lang="es-GT" sz="1600">
+                <a:latin typeface="Arial"/>
+              </a:rPr>
+              <a:t>
+</a:t>
+            </a:r>
+            <a:r>
+              <a:rPr lang="es-GT" sz="1600">
+                <a:latin typeface="Arial"/>
+              </a:rPr>
+              <a:t>utilizando Deep Learning que aprende a realizar la tarea que la persona realiza mes</a:t>
+            </a:r>
+            <a:r>
+              <a:rPr lang="es-GT" sz="1600">
+                <a:latin typeface="Arial"/>
+              </a:rPr>
+              <a:t>
+</a:t>
+            </a:r>
+            <a:r>
+              <a:rPr lang="es-GT" sz="1600">
+                <a:latin typeface="Arial"/>
+              </a:rPr>
+              <a:t>a mes. </a:t>
+            </a:r>
+            <a:endParaRPr/>
+          </a:p>
+          <a:p>
+            <a:pPr algn="just"/>
+            <a:r>
+              <a:rPr lang="es-GT" sz="1600">
+                <a:latin typeface="Arial"/>
+              </a:rPr>
+              <a:t>2) Este bot sera integrado a un job de ETL que automáticamente llevara el resultado de una manera estructurada al data warehouse, para posterior análisis y permitir integración con otros datos de interés.</a:t>
+            </a:r>
+            <a:endParaRPr/>
+          </a:p>
+          <a:p>
+            <a:pPr algn="just">
+              <a:buFont typeface="Liberation Serif"/>
+              <a:buAutoNum type="arabicParenR"/>
+            </a:pPr>
+            <a:r>
+              <a:rPr lang="es-GT">
+                <a:latin typeface="Arial"/>
+              </a:rPr>
+              <a:t>
+</a:t>
+            </a:r>
+            <a:r>
+              <a:rPr lang="es-GT">
+                <a:latin typeface="Arial"/>
+              </a:rPr>
+              <a:t> </a:t>
+            </a:r>
+            <a:endParaRPr/>
+          </a:p>
+          <a:p>
+            <a:endParaRPr/>
+          </a:p>
+          <a:p>
+            <a:endParaRPr/>
+          </a:p>
+          <a:p>
+            <a:endParaRPr/>
+          </a:p>
+        </p:txBody>
+      </p:sp>
+    </p:spTree>
+  </p:cSld>
+  <p:timing>
+    <p:tnLst>
+      <p:par>
+        <p:cTn id="27" dur="indefinite" restart="never" nodeType="tmRoot">
+          <p:childTnLst>
+            <p:seq>
+              <p:cTn id="28" nodeType="mainSeq"/>
+              <p:prevCondLst>
+                <p:cond delay="0" evt="onPrev">
+                  <p:tgtEl>
+                    <p:sldTgt/>
+                  </p:tgtEl>
+                </p:cond>
+              </p:prevCondLst>
+              <p:nextCondLst>
+                <p:cond delay="0" evt="onNext">
+                  <p:tgtEl>
+                    <p:sldTgt/>
+                  </p:tgtEl>
+                </p:cond>
+              </p:nextCondLst>
+            </p:seq>
+          </p:childTnLst>
+        </p:cTn>
+      </p:par>
+    </p:tnLst>
+  </p:timing>
+</p:sld>
+</file>
+
+<file path=ppt/slides/slide15.xml><?xml version="1.0" encoding="utf-8"?>
+<p:sld xmlns:a="http://schemas.openxmlformats.org/drawingml/2006/main" xmlns:p="http://schemas.openxmlformats.org/presentationml/2006/main" xmlns:r="http://schemas.openxmlformats.org/officeDocument/2006/relationships">
+  <p:cSld>
+    <p:spTree>
+      <p:nvGrpSpPr>
+        <p:cNvPr id="1" name=""/>
+        <p:cNvGrpSpPr/>
+        <p:nvPr/>
+      </p:nvGrpSpPr>
+      <p:grpSpPr>
+        <a:xfrm>
+          <a:off x="0" y="0"/>
+          <a:ext cx="0" cy="0"/>
+          <a:chOff x="0" y="0"/>
+          <a:chExt cx="0" cy="0"/>
+        </a:xfrm>
+      </p:grpSpPr>
+      <p:sp>
+        <p:nvSpPr>
+          <p:cNvPr id="298" name="CustomShape 1"/>
+          <p:cNvSpPr/>
+          <p:nvPr/>
+        </p:nvSpPr>
+        <p:spPr>
+          <a:xfrm>
+            <a:off x="1008000" y="432000"/>
+            <a:ext cx="8092440" cy="609840"/>
+          </a:xfrm>
+          <a:prstGeom prst="rect">
+            <a:avLst/>
+          </a:prstGeom>
+          <a:noFill/>
+          <a:ln>
+            <a:noFill/>
+          </a:ln>
+        </p:spPr>
+        <p:style>
+          <a:lnRef idx="0"/>
+          <a:fillRef idx="0"/>
+          <a:effectRef idx="0"/>
+          <a:fontRef idx="minor"/>
+        </p:style>
+        <p:txBody>
+          <a:bodyPr lIns="90000" rIns="90000" tIns="45000" bIns="45000" anchor="ctr"/>
+          <a:p>
+            <a:pPr algn="r">
+              <a:lnSpc>
+                <a:spcPct val="100000"/>
+              </a:lnSpc>
+            </a:pPr>
+            <a:r>
+              <a:rPr lang="es-GT" sz="2600" strike="noStrike">
+                <a:solidFill>
+                  <a:srgbClr val="002060"/>
+                </a:solidFill>
+                <a:latin typeface="Calibri"/>
+                <a:ea typeface="DejaVu Sans"/>
+              </a:rPr>
+              <a:t>Tips y Técnicas Relacionadas</a:t>
+            </a:r>
+            <a:endParaRPr/>
+          </a:p>
+        </p:txBody>
+      </p:sp>
+      <p:sp>
+        <p:nvSpPr>
+          <p:cNvPr id="299" name="CustomShape 2"/>
+          <p:cNvSpPr/>
+          <p:nvPr/>
+        </p:nvSpPr>
+        <p:spPr>
+          <a:xfrm>
+            <a:off x="1544760" y="1105200"/>
+            <a:ext cx="6159240" cy="478800"/>
+          </a:xfrm>
+          <a:prstGeom prst="rect">
+            <a:avLst/>
+          </a:prstGeom>
+          <a:noFill/>
+          <a:ln>
+            <a:noFill/>
+          </a:ln>
+        </p:spPr>
+        <p:style>
+          <a:lnRef idx="0"/>
+          <a:fillRef idx="0"/>
+          <a:effectRef idx="0"/>
+          <a:fontRef idx="minor"/>
+        </p:style>
+        <p:txBody>
+          <a:bodyPr lIns="90000" rIns="90000" tIns="45000" bIns="45000" anchor="b"/>
+          <a:p>
+            <a:pPr algn="ctr">
+              <a:lnSpc>
+                <a:spcPct val="100000"/>
+              </a:lnSpc>
+            </a:pPr>
+            <a:r>
+              <a:rPr b="1" lang="es-GT" sz="2400" strike="noStrike">
+                <a:solidFill>
+                  <a:srgbClr val="000000"/>
+                </a:solidFill>
+                <a:latin typeface="Calibri"/>
+                <a:ea typeface="DejaVu Sans"/>
+              </a:rPr>
+              <a:t>Word2Vec embeddings</a:t>
+            </a:r>
+            <a:endParaRPr/>
+          </a:p>
+        </p:txBody>
+      </p:sp>
+      <p:sp>
+        <p:nvSpPr>
+          <p:cNvPr id="300" name="CustomShape 3"/>
+          <p:cNvSpPr/>
+          <p:nvPr/>
+        </p:nvSpPr>
+        <p:spPr>
+          <a:xfrm>
+            <a:off x="352800" y="1656000"/>
+            <a:ext cx="8503200" cy="3384000"/>
+          </a:xfrm>
+          <a:prstGeom prst="rect">
+            <a:avLst/>
+          </a:prstGeom>
+          <a:noFill/>
+          <a:ln>
+            <a:noFill/>
+          </a:ln>
+        </p:spPr>
+        <p:style>
+          <a:lnRef idx="0"/>
+          <a:fillRef idx="0"/>
+          <a:effectRef idx="0"/>
+          <a:fontRef idx="minor"/>
+        </p:style>
+        <p:txBody>
+          <a:bodyPr lIns="90000" rIns="90000" tIns="45000" bIns="45000"/>
+          <a:p>
+            <a:pPr algn="just">
+              <a:lnSpc>
+                <a:spcPct val="100000"/>
+              </a:lnSpc>
+              <a:buFont typeface="Arial"/>
+              <a:buChar char="•"/>
+            </a:pPr>
+            <a:r>
+              <a:rPr lang="es-GT" strike="noStrike">
+                <a:solidFill>
+                  <a:srgbClr val="000000"/>
+                </a:solidFill>
+                <a:latin typeface="Calibri"/>
+                <a:ea typeface="DejaVu Sans"/>
+              </a:rPr>
+              <a:t>Método de aprendizaje no supervisado(solo necesitamos</a:t>
+            </a:r>
+            <a:r>
+              <a:rPr lang="es-GT" strike="noStrike">
+                <a:solidFill>
+                  <a:srgbClr val="000000"/>
+                </a:solidFill>
+                <a:latin typeface="Calibri"/>
+                <a:ea typeface="DejaVu Sans"/>
+              </a:rPr>
+              <a:t>
+</a:t>
+            </a:r>
+            <a:r>
+              <a:rPr lang="es-GT" strike="noStrike">
+                <a:solidFill>
+                  <a:srgbClr val="000000"/>
+                </a:solidFill>
+                <a:latin typeface="Calibri"/>
+                <a:ea typeface="DejaVu Sans"/>
+              </a:rPr>
+              <a:t>texto,y con internet tenemos abundancia de el)</a:t>
+            </a:r>
+            <a:endParaRPr/>
+          </a:p>
+          <a:p>
+            <a:pPr algn="just">
+              <a:lnSpc>
+                <a:spcPct val="100000"/>
+              </a:lnSpc>
+              <a:buFont typeface="Arial"/>
+              <a:buChar char="•"/>
+            </a:pPr>
+            <a:r>
+              <a:rPr lang="es-GT" strike="noStrike">
+                <a:solidFill>
+                  <a:srgbClr val="000000"/>
+                </a:solidFill>
+                <a:latin typeface="Calibri"/>
+                <a:ea typeface="DejaVu Sans"/>
+              </a:rPr>
+              <a:t>Aprende representaciones vectoriales de las palabras(el tamaño de los vectores es mucho menor que el tamaño del vocabulario)</a:t>
+            </a:r>
+            <a:endParaRPr/>
+          </a:p>
+          <a:p>
+            <a:pPr algn="just">
+              <a:lnSpc>
+                <a:spcPct val="100000"/>
+              </a:lnSpc>
+              <a:buFont typeface="Arial"/>
+              <a:buChar char="•"/>
+            </a:pPr>
+            <a:r>
+              <a:rPr lang="es-GT" strike="noStrike">
+                <a:solidFill>
+                  <a:srgbClr val="000000"/>
+                </a:solidFill>
+                <a:latin typeface="Calibri"/>
+                <a:ea typeface="DejaVu Sans"/>
+              </a:rPr>
+              <a:t>Estos vectores no son aleatorios, tienen semántica incrustada(vectores similares,corresponden a palabras similares)</a:t>
+            </a:r>
+            <a:endParaRPr/>
+          </a:p>
+          <a:p>
+            <a:pPr algn="just">
+              <a:lnSpc>
+                <a:spcPct val="100000"/>
+              </a:lnSpc>
+              <a:buFont typeface="Arial"/>
+              <a:buChar char="•"/>
+            </a:pPr>
+            <a:r>
+              <a:rPr lang="es-GT" strike="noStrike">
+                <a:solidFill>
+                  <a:srgbClr val="000000"/>
+                </a:solidFill>
+                <a:latin typeface="Calibri"/>
+                <a:ea typeface="DejaVu Sans"/>
+              </a:rPr>
+              <a:t>Es posible realizar aritmética y aplicaciones interesantes con los vectores, por ejemplo:</a:t>
+            </a:r>
+            <a:endParaRPr/>
+          </a:p>
+          <a:p>
+            <a:pPr lvl="1" algn="just">
+              <a:lnSpc>
+                <a:spcPct val="100000"/>
+              </a:lnSpc>
+              <a:buSzPct val="45000"/>
+              <a:buFont typeface="StarSymbol"/>
+              <a:buChar char=""/>
+            </a:pPr>
+            <a:r>
+              <a:rPr lang="es-GT" strike="noStrike">
+                <a:solidFill>
+                  <a:srgbClr val="000000"/>
+                </a:solidFill>
+                <a:latin typeface="Calibri"/>
+                <a:ea typeface="DejaVu Sans"/>
+              </a:rPr>
+              <a:t>Gatito – gato + perro = perrito</a:t>
+            </a:r>
+            <a:endParaRPr/>
+          </a:p>
+          <a:p>
+            <a:pPr lvl="1" algn="just">
+              <a:lnSpc>
+                <a:spcPct val="100000"/>
+              </a:lnSpc>
+              <a:buSzPct val="45000"/>
+              <a:buFont typeface="StarSymbol"/>
+              <a:buChar char=""/>
+            </a:pPr>
+            <a:r>
+              <a:rPr lang="es-GT" strike="noStrike">
+                <a:solidFill>
+                  <a:srgbClr val="000000"/>
+                </a:solidFill>
+                <a:latin typeface="Calibri"/>
+                <a:ea typeface="DejaVu Sans"/>
+              </a:rPr>
+              <a:t>Rey – hombre + mujer = reina</a:t>
+            </a:r>
+            <a:r>
+              <a:rPr lang="es-GT" sz="2200" strike="noStrike">
+                <a:solidFill>
+                  <a:srgbClr val="000000"/>
+                </a:solidFill>
+                <a:latin typeface="Calibri"/>
+                <a:ea typeface="DejaVu Sans"/>
+              </a:rPr>
+              <a:t>  </a:t>
+            </a:r>
+            <a:endParaRPr/>
+          </a:p>
+        </p:txBody>
+      </p:sp>
+    </p:spTree>
+  </p:cSld>
+  <p:timing>
+    <p:tnLst>
+      <p:par>
+        <p:cTn id="29" dur="indefinite" restart="never" nodeType="tmRoot">
+          <p:childTnLst>
+            <p:seq>
+              <p:cTn id="30" nodeType="mainSeq"/>
+              <p:prevCondLst>
+                <p:cond delay="0" evt="onPrev">
+                  <p:tgtEl>
+                    <p:sldTgt/>
+                  </p:tgtEl>
+                </p:cond>
+              </p:prevCondLst>
+              <p:nextCondLst>
+                <p:cond delay="0" evt="onNext">
+                  <p:tgtEl>
+                    <p:sldTgt/>
+                  </p:tgtEl>
+                </p:cond>
+              </p:nextCondLst>
+            </p:seq>
+          </p:childTnLst>
+        </p:cTn>
+      </p:par>
+    </p:tnLst>
+  </p:timing>
+</p:sld>
+</file>
+
+<file path=ppt/slides/slide16.xml><?xml version="1.0" encoding="utf-8"?>
+<p:sld xmlns:a="http://schemas.openxmlformats.org/drawingml/2006/main" xmlns:p="http://schemas.openxmlformats.org/presentationml/2006/main" xmlns:r="http://schemas.openxmlformats.org/officeDocument/2006/relationships">
+  <p:cSld>
+    <p:spTree>
+      <p:nvGrpSpPr>
+        <p:cNvPr id="1" name=""/>
+        <p:cNvGrpSpPr/>
+        <p:nvPr/>
+      </p:nvGrpSpPr>
+      <p:grpSpPr>
+        <a:xfrm>
+          <a:off x="0" y="0"/>
+          <a:ext cx="0" cy="0"/>
+          <a:chOff x="0" y="0"/>
+          <a:chExt cx="0" cy="0"/>
+        </a:xfrm>
+      </p:grpSpPr>
+      <p:sp>
+        <p:nvSpPr>
+          <p:cNvPr id="301" name="CustomShape 1"/>
+          <p:cNvSpPr/>
+          <p:nvPr/>
+        </p:nvSpPr>
+        <p:spPr>
+          <a:xfrm>
+            <a:off x="1008000" y="432000"/>
+            <a:ext cx="8092440" cy="609840"/>
+          </a:xfrm>
+          <a:prstGeom prst="rect">
+            <a:avLst/>
+          </a:prstGeom>
+          <a:noFill/>
+          <a:ln>
+            <a:noFill/>
+          </a:ln>
+        </p:spPr>
+        <p:style>
+          <a:lnRef idx="0"/>
+          <a:fillRef idx="0"/>
+          <a:effectRef idx="0"/>
+          <a:fontRef idx="minor"/>
+        </p:style>
+        <p:txBody>
+          <a:bodyPr lIns="90000" rIns="90000" tIns="45000" bIns="45000" anchor="ctr"/>
+          <a:p>
+            <a:pPr algn="r">
+              <a:lnSpc>
+                <a:spcPct val="100000"/>
+              </a:lnSpc>
+            </a:pPr>
+            <a:r>
+              <a:rPr lang="es-GT" sz="2600" strike="noStrike">
+                <a:solidFill>
+                  <a:srgbClr val="002060"/>
+                </a:solidFill>
+                <a:latin typeface="Calibri"/>
+                <a:ea typeface="DejaVu Sans"/>
+              </a:rPr>
+              <a:t>Tips y Técnicas Relacionadas</a:t>
+            </a:r>
+            <a:endParaRPr/>
+          </a:p>
+        </p:txBody>
+      </p:sp>
+      <p:sp>
+        <p:nvSpPr>
+          <p:cNvPr id="302" name="CustomShape 2"/>
+          <p:cNvSpPr/>
+          <p:nvPr/>
+        </p:nvSpPr>
+        <p:spPr>
+          <a:xfrm>
+            <a:off x="352800" y="1656000"/>
+            <a:ext cx="8503200" cy="3384000"/>
+          </a:xfrm>
+          <a:prstGeom prst="rect">
+            <a:avLst/>
+          </a:prstGeom>
+          <a:noFill/>
+          <a:ln>
+            <a:noFill/>
+          </a:ln>
+        </p:spPr>
+        <p:style>
+          <a:lnRef idx="0"/>
+          <a:fillRef idx="0"/>
+          <a:effectRef idx="0"/>
+          <a:fontRef idx="minor"/>
+        </p:style>
+        <p:txBody>
+          <a:bodyPr lIns="90000" rIns="90000" tIns="45000" bIns="45000"/>
+          <a:p>
+            <a:pPr algn="just">
+              <a:lnSpc>
+                <a:spcPct val="100000"/>
+              </a:lnSpc>
+              <a:buFont typeface="Arial"/>
+              <a:buChar char="•"/>
+            </a:pPr>
+            <a:r>
+              <a:rPr lang="es-GT" sz="2200" strike="noStrike">
+                <a:solidFill>
+                  <a:srgbClr val="000000"/>
+                </a:solidFill>
+                <a:latin typeface="Calibri"/>
+                <a:ea typeface="DejaVu Sans"/>
+              </a:rPr>
+              <a:t>  </a:t>
+            </a:r>
+            <a:endParaRPr/>
+          </a:p>
+        </p:txBody>
+      </p:sp>
+      <p:pic>
+        <p:nvPicPr>
+          <p:cNvPr id="303" name="" descr=""/>
+          <p:cNvPicPr/>
+          <p:nvPr/>
+        </p:nvPicPr>
+        <p:blipFill>
+          <a:blip r:embed="rId1"/>
+          <a:stretch/>
+        </p:blipFill>
+        <p:spPr>
+          <a:xfrm>
+            <a:off x="2016000" y="1080000"/>
+            <a:ext cx="5040000" cy="3384000"/>
+          </a:xfrm>
+          <a:prstGeom prst="rect">
+            <a:avLst/>
+          </a:prstGeom>
+          <a:ln>
+            <a:noFill/>
+          </a:ln>
+        </p:spPr>
+      </p:pic>
+      <p:sp>
+        <p:nvSpPr>
+          <p:cNvPr id="304" name="TextShape 3"/>
+          <p:cNvSpPr txBox="1"/>
+          <p:nvPr/>
+        </p:nvSpPr>
+        <p:spPr>
+          <a:xfrm>
+            <a:off x="3312000" y="4608000"/>
+            <a:ext cx="3018240" cy="346320"/>
+          </a:xfrm>
+          <a:prstGeom prst="rect">
+            <a:avLst/>
+          </a:prstGeom>
+          <a:noFill/>
+          <a:ln>
+            <a:noFill/>
+          </a:ln>
+        </p:spPr>
+        <p:txBody>
+          <a:bodyPr lIns="90000" rIns="90000" tIns="45000" bIns="45000"/>
+          <a:p>
+            <a:r>
+              <a:rPr lang="es-GT">
+                <a:latin typeface="Arial"/>
+              </a:rPr>
+              <a:t>Créditos:Chris MacCormick </a:t>
+            </a:r>
+            <a:endParaRPr/>
+          </a:p>
+        </p:txBody>
+      </p:sp>
+    </p:spTree>
+  </p:cSld>
+  <p:timing>
+    <p:tnLst>
+      <p:par>
+        <p:cTn id="31" dur="indefinite" restart="never" nodeType="tmRoot">
+          <p:childTnLst>
+            <p:seq>
+              <p:cTn id="32" nodeType="mainSeq"/>
+              <p:prevCondLst>
+                <p:cond delay="0" evt="onPrev">
+                  <p:tgtEl>
+                    <p:sldTgt/>
+                  </p:tgtEl>
+                </p:cond>
+              </p:prevCondLst>
+              <p:nextCondLst>
+                <p:cond delay="0" evt="onNext">
+                  <p:tgtEl>
+                    <p:sldTgt/>
+                  </p:tgtEl>
+                </p:cond>
+              </p:nextCondLst>
+            </p:seq>
+          </p:childTnLst>
+        </p:cTn>
+      </p:par>
+    </p:tnLst>
+  </p:timing>
+</p:sld>
+</file>
+
+<file path=ppt/slides/slide17.xml><?xml version="1.0" encoding="utf-8"?>
+<p:sld xmlns:a="http://schemas.openxmlformats.org/drawingml/2006/main" xmlns:p="http://schemas.openxmlformats.org/presentationml/2006/main" xmlns:r="http://schemas.openxmlformats.org/officeDocument/2006/relationships">
+  <p:cSld>
+    <p:spTree>
+      <p:nvGrpSpPr>
+        <p:cNvPr id="1" name=""/>
+        <p:cNvGrpSpPr/>
+        <p:nvPr/>
+      </p:nvGrpSpPr>
+      <p:grpSpPr>
+        <a:xfrm>
+          <a:off x="0" y="0"/>
+          <a:ext cx="0" cy="0"/>
+          <a:chOff x="0" y="0"/>
+          <a:chExt cx="0" cy="0"/>
+        </a:xfrm>
+      </p:grpSpPr>
+      <p:pic>
+        <p:nvPicPr>
+          <p:cNvPr id="305" name="" descr=""/>
+          <p:cNvPicPr/>
+          <p:nvPr/>
+        </p:nvPicPr>
+        <p:blipFill>
+          <a:blip r:embed="rId1"/>
+          <a:stretch/>
+        </p:blipFill>
+        <p:spPr>
+          <a:xfrm>
+            <a:off x="1944000" y="1152000"/>
+            <a:ext cx="5688000" cy="3384000"/>
+          </a:xfrm>
+          <a:prstGeom prst="rect">
+            <a:avLst/>
+          </a:prstGeom>
+          <a:ln>
+            <a:noFill/>
+          </a:ln>
+        </p:spPr>
+      </p:pic>
+      <p:sp>
+        <p:nvSpPr>
+          <p:cNvPr id="306" name="TextShape 1"/>
+          <p:cNvSpPr txBox="1"/>
+          <p:nvPr/>
+        </p:nvSpPr>
+        <p:spPr>
+          <a:xfrm>
+            <a:off x="2664000" y="4752000"/>
+            <a:ext cx="3737880" cy="346320"/>
+          </a:xfrm>
+          <a:prstGeom prst="rect">
+            <a:avLst/>
+          </a:prstGeom>
+          <a:noFill/>
+          <a:ln>
+            <a:noFill/>
+          </a:ln>
+        </p:spPr>
+        <p:txBody>
+          <a:bodyPr lIns="90000" rIns="90000" tIns="45000" bIns="45000"/>
+          <a:p>
+            <a:r>
+              <a:rPr lang="es-GT">
+                <a:latin typeface="Arial"/>
+              </a:rPr>
+              <a:t>Créditos : Google, Tensorflow team</a:t>
+            </a:r>
+            <a:endParaRPr/>
+          </a:p>
+        </p:txBody>
+      </p:sp>
+    </p:spTree>
+  </p:cSld>
+</p:sld>
+</file>
+
 <file path=ppt/slides/slide2.xml><?xml version="1.0" encoding="utf-8"?>
 <p:sld xmlns:a="http://schemas.openxmlformats.org/drawingml/2006/main" xmlns:p="http://schemas.openxmlformats.org/presentationml/2006/main" xmlns:r="http://schemas.openxmlformats.org/officeDocument/2006/relationships">
   <p:cSld>
@@ -7568,14 +11937,14 @@
       </p:grpSpPr>
       <p:sp>
         <p:nvSpPr>
-          <p:cNvPr id="192" name="CustomShape 1"/>
+          <p:cNvPr id="269" name="CustomShape 1"/>
           <p:cNvSpPr/>
           <p:nvPr/>
         </p:nvSpPr>
         <p:spPr>
           <a:xfrm>
             <a:off x="448920" y="433800"/>
-            <a:ext cx="8245440" cy="610200"/>
+            <a:ext cx="8245080" cy="609840"/>
           </a:xfrm>
           <a:prstGeom prst="rect">
             <a:avLst/>
@@ -7605,6 +11974,7 @@
                   <a:srgbClr val="002060"/>
                 </a:solidFill>
                 <a:latin typeface="Calibri"/>
+                <a:ea typeface="DejaVu Sans"/>
               </a:rPr>
               <a:t>IA,ML,DL</a:t>
             </a:r>
@@ -7614,14 +11984,14 @@
       </p:sp>
       <p:sp>
         <p:nvSpPr>
-          <p:cNvPr id="193" name="CustomShape 2"/>
+          <p:cNvPr id="270" name="CustomShape 2"/>
           <p:cNvSpPr/>
           <p:nvPr/>
         </p:nvSpPr>
         <p:spPr>
           <a:xfrm>
             <a:off x="448920" y="1350000"/>
-            <a:ext cx="8245440" cy="3511440"/>
+            <a:ext cx="8245080" cy="3511080"/>
           </a:xfrm>
           <a:prstGeom prst="rect">
             <a:avLst/>
@@ -7653,6 +12023,7 @@
                   <a:srgbClr val="000000"/>
                 </a:solidFill>
                 <a:latin typeface="Calibri"/>
+                <a:ea typeface="DejaVu Sans"/>
               </a:rPr>
               <a:t>Inteligencia Artificial</a:t>
             </a:r>
@@ -7672,6 +12043,7 @@
                   <a:srgbClr val="000000"/>
                 </a:solidFill>
                 <a:latin typeface="Calibri"/>
+                <a:ea typeface="DejaVu Sans"/>
               </a:rPr>
               <a:t>Machine Learning</a:t>
             </a:r>
@@ -7691,6 +12063,7 @@
                   <a:srgbClr val="000000"/>
                 </a:solidFill>
                 <a:latin typeface="Calibri"/>
+                <a:ea typeface="DejaVu Sans"/>
               </a:rPr>
               <a:t>Deep Learning</a:t>
             </a:r>
@@ -7765,14 +12138,14 @@
       </p:grpSpPr>
       <p:sp>
         <p:nvSpPr>
-          <p:cNvPr id="194" name="CustomShape 1"/>
+          <p:cNvPr id="271" name="CustomShape 1"/>
           <p:cNvSpPr/>
           <p:nvPr/>
         </p:nvSpPr>
         <p:spPr>
           <a:xfrm>
             <a:off x="2281320" y="281160"/>
-            <a:ext cx="6107400" cy="572040"/>
+            <a:ext cx="6107040" cy="571680"/>
           </a:xfrm>
           <a:prstGeom prst="rect">
             <a:avLst/>
@@ -7802,6 +12175,7 @@
                   <a:srgbClr val="00aacc"/>
                 </a:solidFill>
                 <a:latin typeface="Calibri"/>
+                <a:ea typeface="DejaVu Sans"/>
               </a:rPr>
               <a:t>Procesamiento de Lenguaje Natural</a:t>
             </a:r>
@@ -7811,14 +12185,14 @@
       </p:sp>
       <p:sp>
         <p:nvSpPr>
-          <p:cNvPr id="195" name="CustomShape 2"/>
+          <p:cNvPr id="272" name="CustomShape 2"/>
           <p:cNvSpPr/>
           <p:nvPr/>
         </p:nvSpPr>
         <p:spPr>
           <a:xfrm>
             <a:off x="2281320" y="1044720"/>
-            <a:ext cx="6107400" cy="3663000"/>
+            <a:ext cx="6107040" cy="3662640"/>
           </a:xfrm>
           <a:prstGeom prst="rect">
             <a:avLst/>
@@ -7850,6 +12224,7 @@
                   <a:srgbClr val="000000"/>
                 </a:solidFill>
                 <a:latin typeface="Calibri"/>
+                <a:ea typeface="DejaVu Sans"/>
               </a:rPr>
               <a:t>Chatbots</a:t>
             </a:r>
@@ -7869,6 +12244,7 @@
                   <a:srgbClr val="000000"/>
                 </a:solidFill>
                 <a:latin typeface="Calibri"/>
+                <a:ea typeface="DejaVu Sans"/>
               </a:rPr>
               <a:t>Traductores</a:t>
             </a:r>
@@ -7888,6 +12264,7 @@
                   <a:srgbClr val="000000"/>
                 </a:solidFill>
                 <a:latin typeface="Calibri"/>
+                <a:ea typeface="DejaVu Sans"/>
               </a:rPr>
               <a:t>Deteccion de Spam</a:t>
             </a:r>
@@ -7907,6 +12284,7 @@
                   <a:srgbClr val="000000"/>
                 </a:solidFill>
                 <a:latin typeface="Calibri"/>
+                <a:ea typeface="DejaVu Sans"/>
               </a:rPr>
               <a:t>Analisis de emociones</a:t>
             </a:r>
@@ -7926,6 +12304,7 @@
                   <a:srgbClr val="000000"/>
                 </a:solidFill>
                 <a:latin typeface="Calibri"/>
+                <a:ea typeface="DejaVu Sans"/>
               </a:rPr>
               <a:t>Muchos mas...</a:t>
             </a:r>
@@ -7984,14 +12363,14 @@
       </p:grpSpPr>
       <p:sp>
         <p:nvSpPr>
-          <p:cNvPr id="196" name="CustomShape 1"/>
+          <p:cNvPr id="273" name="CustomShape 1"/>
           <p:cNvSpPr/>
           <p:nvPr/>
         </p:nvSpPr>
         <p:spPr>
           <a:xfrm>
             <a:off x="2281320" y="281160"/>
-            <a:ext cx="6107400" cy="572040"/>
+            <a:ext cx="6107040" cy="571680"/>
           </a:xfrm>
           <a:prstGeom prst="rect">
             <a:avLst/>
@@ -8021,6 +12400,7 @@
                   <a:srgbClr val="00aacc"/>
                 </a:solidFill>
                 <a:latin typeface="Calibri"/>
+                <a:ea typeface="DejaVu Sans"/>
               </a:rPr>
               <a:t>Ejemplo: deteccion de Spam con ML</a:t>
             </a:r>
@@ -8030,14 +12410,14 @@
       </p:sp>
       <p:sp>
         <p:nvSpPr>
-          <p:cNvPr id="197" name="CustomShape 2"/>
+          <p:cNvPr id="274" name="CustomShape 2"/>
           <p:cNvSpPr/>
           <p:nvPr/>
         </p:nvSpPr>
         <p:spPr>
           <a:xfrm>
             <a:off x="2281320" y="1044720"/>
-            <a:ext cx="6107400" cy="3663000"/>
+            <a:ext cx="6107040" cy="3662640"/>
           </a:xfrm>
           <a:prstGeom prst="rect">
             <a:avLst/>
@@ -8069,6 +12449,7 @@
                   <a:srgbClr val="000000"/>
                 </a:solidFill>
                 <a:latin typeface="Calibri"/>
+                <a:ea typeface="DejaVu Sans"/>
               </a:rPr>
               <a:t>One-hot encoding: vocabulario</a:t>
             </a:r>
@@ -8088,6 +12469,7 @@
                   <a:srgbClr val="000000"/>
                 </a:solidFill>
                 <a:latin typeface="Calibri"/>
+                <a:ea typeface="DejaVu Sans"/>
               </a:rPr>
               <a:t>Regresion logistica: algoritmo de ML</a:t>
             </a:r>
@@ -8107,6 +12489,7 @@
                   <a:srgbClr val="000000"/>
                 </a:solidFill>
                 <a:latin typeface="Calibri"/>
+                <a:ea typeface="DejaVu Sans"/>
               </a:rPr>
               <a:t>Dificultades?</a:t>
             </a:r>
@@ -8127,6 +12510,7 @@
                   <a:srgbClr val="000000"/>
                 </a:solidFill>
                 <a:latin typeface="Calibri"/>
+                <a:ea typeface="DejaVu Sans"/>
               </a:rPr>
               <a:t>Vocabulario demasiado grande</a:t>
             </a:r>
@@ -8147,6 +12531,7 @@
                   <a:srgbClr val="000000"/>
                 </a:solidFill>
                 <a:latin typeface="Calibri"/>
+                <a:ea typeface="DejaVu Sans"/>
               </a:rPr>
               <a:t>Algoritmo lineal</a:t>
             </a:r>
@@ -8205,14 +12590,14 @@
       </p:grpSpPr>
       <p:sp>
         <p:nvSpPr>
-          <p:cNvPr id="198" name="CustomShape 1"/>
+          <p:cNvPr id="275" name="CustomShape 1"/>
           <p:cNvSpPr/>
           <p:nvPr/>
         </p:nvSpPr>
         <p:spPr>
           <a:xfrm>
             <a:off x="2281320" y="281160"/>
-            <a:ext cx="6107400" cy="572040"/>
+            <a:ext cx="6107040" cy="571680"/>
           </a:xfrm>
           <a:prstGeom prst="rect">
             <a:avLst/>
@@ -8242,6 +12627,7 @@
                   <a:srgbClr val="00aacc"/>
                 </a:solidFill>
                 <a:latin typeface="Calibri"/>
+                <a:ea typeface="DejaVu Sans"/>
               </a:rPr>
               <a:t>Ejemplo: Analisis de emocion</a:t>
             </a:r>
@@ -8251,14 +12637,14 @@
       </p:sp>
       <p:sp>
         <p:nvSpPr>
-          <p:cNvPr id="199" name="CustomShape 2"/>
+          <p:cNvPr id="276" name="CustomShape 2"/>
           <p:cNvSpPr/>
           <p:nvPr/>
         </p:nvSpPr>
         <p:spPr>
           <a:xfrm>
             <a:off x="2281320" y="1044720"/>
-            <a:ext cx="6107400" cy="3663000"/>
+            <a:ext cx="6107040" cy="3662640"/>
           </a:xfrm>
           <a:prstGeom prst="rect">
             <a:avLst/>
@@ -8288,6 +12674,7 @@
                   <a:srgbClr val="000000"/>
                 </a:solidFill>
                 <a:latin typeface="Calibri"/>
+                <a:ea typeface="DejaVu Sans"/>
               </a:rPr>
               <a:t>https://github.com/llealgt/machine_learning_foundations_case_study_approach/blob/master/My%20Analyzing%20products%20sentiment.ipynb</a:t>
             </a:r>
@@ -8346,14 +12733,14 @@
       </p:grpSpPr>
       <p:sp>
         <p:nvSpPr>
-          <p:cNvPr id="200" name="CustomShape 1"/>
+          <p:cNvPr id="277" name="CustomShape 1"/>
           <p:cNvSpPr/>
           <p:nvPr/>
         </p:nvSpPr>
         <p:spPr>
           <a:xfrm>
             <a:off x="2281320" y="281160"/>
-            <a:ext cx="6107400" cy="572040"/>
+            <a:ext cx="6107040" cy="571680"/>
           </a:xfrm>
           <a:prstGeom prst="rect">
             <a:avLst/>
@@ -8383,6 +12770,7 @@
                   <a:srgbClr val="00aacc"/>
                 </a:solidFill>
                 <a:latin typeface="Calibri"/>
+                <a:ea typeface="DejaVu Sans"/>
               </a:rPr>
               <a:t>Deep learning y redes neuronales</a:t>
             </a:r>
@@ -8392,14 +12780,14 @@
       </p:sp>
       <p:sp>
         <p:nvSpPr>
-          <p:cNvPr id="201" name="CustomShape 2"/>
+          <p:cNvPr id="278" name="CustomShape 2"/>
           <p:cNvSpPr/>
           <p:nvPr/>
         </p:nvSpPr>
         <p:spPr>
           <a:xfrm>
             <a:off x="2281320" y="1044720"/>
-            <a:ext cx="6107400" cy="3663000"/>
+            <a:ext cx="6107040" cy="3662640"/>
           </a:xfrm>
           <a:prstGeom prst="rect">
             <a:avLst/>
@@ -8423,7 +12811,7 @@
                 <a:spcPct val="100000"/>
               </a:lnSpc>
               <a:buFont typeface="StarSymbol"/>
-              <a:buChar char=""/>
+              <a:buChar char="l"/>
             </a:pPr>
             <a:r>
               <a:rPr lang="es-GT" sz="2800" strike="noStrike">
@@ -8431,6 +12819,7 @@
                   <a:srgbClr val="000000"/>
                 </a:solidFill>
                 <a:latin typeface="Calibri"/>
+                <a:ea typeface="DejaVu Sans"/>
               </a:rPr>
               <a:t>Pueden representar relaciones semanticas jerarquicas en datos.</a:t>
             </a:r>
@@ -8442,7 +12831,7 @@
                 <a:spcPct val="100000"/>
               </a:lnSpc>
               <a:buFont typeface="StarSymbol"/>
-              <a:buChar char=""/>
+              <a:buChar char="l"/>
             </a:pPr>
             <a:r>
               <a:rPr lang="es-GT" sz="2800" strike="noStrike">
@@ -8450,8 +12839,37 @@
                   <a:srgbClr val="000000"/>
                 </a:solidFill>
                 <a:latin typeface="Calibri"/>
+                <a:ea typeface="DejaVu Sans"/>
               </a:rPr>
               <a:t>Pueden aproximar funciones no lineales complejas.</a:t>
+            </a:r>
+            <a:endParaRPr/>
+          </a:p>
+          <a:p>
+            <a:pPr>
+              <a:lnSpc>
+                <a:spcPct val="100000"/>
+              </a:lnSpc>
+            </a:pPr>
+            <a:endParaRPr/>
+          </a:p>
+          <a:p>
+            <a:pPr>
+              <a:lnSpc>
+                <a:spcPct val="100000"/>
+              </a:lnSpc>
+              <a:buFont typeface="StarSymbol"/>
+              <a:buChar char="l"/>
+            </a:pPr>
+            <a:r>
+              <a:rPr lang="es-GT" sz="2800" strike="noStrike">
+                <a:solidFill>
+                  <a:srgbClr val="000000"/>
+                </a:solidFill>
+                <a:latin typeface="Calibri"/>
+                <a:ea typeface="DejaVu Sans"/>
+              </a:rPr>
+              <a:t>https://github.com/llealgt/moview_review_sentiment_prediction_neural_network</a:t>
             </a:r>
             <a:endParaRPr/>
           </a:p>
@@ -8506,8 +12924,78 @@
           <a:chExt cx="0" cy="0"/>
         </a:xfrm>
       </p:grpSpPr>
+      <p:sp>
+        <p:nvSpPr>
+          <p:cNvPr id="279" name="CustomShape 1"/>
+          <p:cNvSpPr/>
+          <p:nvPr/>
+        </p:nvSpPr>
+        <p:spPr>
+          <a:xfrm>
+            <a:off x="2329200" y="133200"/>
+            <a:ext cx="6670440" cy="4330440"/>
+          </a:xfrm>
+          <a:prstGeom prst="rect">
+            <a:avLst/>
+          </a:prstGeom>
+          <a:noFill/>
+          <a:ln>
+            <a:noFill/>
+          </a:ln>
+        </p:spPr>
+        <p:style>
+          <a:lnRef idx="0"/>
+          <a:fillRef idx="0"/>
+          <a:effectRef idx="0"/>
+          <a:fontRef idx="minor"/>
+        </p:style>
+        <p:txBody>
+          <a:bodyPr lIns="0" rIns="0" tIns="0" bIns="0" anchor="ctr"/>
+          <a:p>
+            <a:pPr algn="ctr">
+              <a:lnSpc>
+                <a:spcPct val="100000"/>
+              </a:lnSpc>
+            </a:pPr>
+            <a:r>
+              <a:rPr lang="es-GT" sz="3200" strike="noStrike">
+                <a:latin typeface="Arial"/>
+              </a:rPr>
+              <a:t>Pero...cuando un ser humano lee,no lo hace palabra por palabra , existen dependencias y contexto en el texto,nuestros pensamientos tienen persistencia,una red simple no puede hacer esto. Alternativas?</a:t>
+            </a:r>
+            <a:endParaRPr/>
+          </a:p>
+        </p:txBody>
+      </p:sp>
     </p:spTree>
   </p:cSld>
+  <p:timing>
+    <p:tnLst>
+      <p:par>
+        <p:cTn id="13" dur="indefinite" restart="never" nodeType="tmRoot">
+          <p:childTnLst>
+            <p:seq>
+              <p:cTn id="14" nodeType="mainSeq"/>
+              <p:prevCondLst>
+                <p:cond delay="0" evt="onPrev">
+                  <p:tgtEl>
+                    <p:sldTgt/>
+                  </p:tgtEl>
+                </p:cond>
+              </p:prevCondLst>
+              <p:nextCondLst>
+                <p:cond delay="0" evt="onNext">
+                  <p:tgtEl>
+                    <p:sldTgt/>
+                  </p:tgtEl>
+                </p:cond>
+              </p:nextCondLst>
+            </p:seq>
+          </p:childTnLst>
+        </p:cTn>
+      </p:par>
+    </p:tnLst>
+  </p:timing>
 </p:sld>
 </file>
 
@@ -8530,14 +13018,14 @@
       </p:grpSpPr>
       <p:sp>
         <p:nvSpPr>
-          <p:cNvPr id="202" name="CustomShape 1"/>
+          <p:cNvPr id="280" name="CustomShape 1"/>
           <p:cNvSpPr/>
           <p:nvPr/>
         </p:nvSpPr>
         <p:spPr>
           <a:xfrm>
             <a:off x="601560" y="433800"/>
-            <a:ext cx="8092800" cy="610200"/>
+            <a:ext cx="8092440" cy="609840"/>
           </a:xfrm>
           <a:prstGeom prst="rect">
             <a:avLst/>
@@ -8567,23 +13055,24 @@
                   <a:srgbClr val="002060"/>
                 </a:solidFill>
                 <a:latin typeface="Calibri"/>
-              </a:rPr>
-              <a:t>Ejemplo: deteccion de spam con ML</a:t>
-            </a:r>
-            <a:endParaRPr/>
-          </a:p>
-        </p:txBody>
-      </p:sp>
-      <p:sp>
-        <p:nvSpPr>
-          <p:cNvPr id="203" name="CustomShape 2"/>
+                <a:ea typeface="DejaVu Sans"/>
+              </a:rPr>
+              <a:t>Redes recurrentes</a:t>
+            </a:r>
+            <a:endParaRPr/>
+          </a:p>
+        </p:txBody>
+      </p:sp>
+      <p:sp>
+        <p:nvSpPr>
+          <p:cNvPr id="281" name="CustomShape 2"/>
           <p:cNvSpPr/>
           <p:nvPr/>
         </p:nvSpPr>
         <p:spPr>
           <a:xfrm>
             <a:off x="536760" y="1641240"/>
-            <a:ext cx="4039560" cy="479160"/>
+            <a:ext cx="4039200" cy="478800"/>
           </a:xfrm>
           <a:prstGeom prst="rect">
             <a:avLst/>
@@ -8613,23 +13102,24 @@
                   <a:srgbClr val="000000"/>
                 </a:solidFill>
                 <a:latin typeface="Calibri"/>
-              </a:rPr>
-              <a:t>Product A</a:t>
-            </a:r>
-            <a:endParaRPr/>
-          </a:p>
-        </p:txBody>
-      </p:sp>
-      <p:sp>
-        <p:nvSpPr>
-          <p:cNvPr id="204" name="CustomShape 3"/>
+                <a:ea typeface="DejaVu Sans"/>
+              </a:rPr>
+              <a:t>Caracteristicas y ventajas</a:t>
+            </a:r>
+            <a:endParaRPr/>
+          </a:p>
+        </p:txBody>
+      </p:sp>
+      <p:sp>
+        <p:nvSpPr>
+          <p:cNvPr id="282" name="CustomShape 3"/>
           <p:cNvSpPr/>
           <p:nvPr/>
         </p:nvSpPr>
         <p:spPr>
           <a:xfrm>
             <a:off x="536760" y="2113560"/>
-            <a:ext cx="4039560" cy="2275560"/>
+            <a:ext cx="4039200" cy="2275200"/>
           </a:xfrm>
           <a:prstGeom prst="rect">
             <a:avLst/>
@@ -8648,7 +13138,7 @@
         <p:txBody>
           <a:bodyPr lIns="90000" rIns="90000" tIns="45000" bIns="45000"/>
           <a:p>
-            <a:pPr algn="ctr">
+            <a:pPr algn="just">
               <a:lnSpc>
                 <a:spcPct val="100000"/>
               </a:lnSpc>
@@ -8656,18 +13146,19 @@
               <a:buChar char="•"/>
             </a:pPr>
             <a:r>
-              <a:rPr lang="es-GT" sz="2400" strike="noStrike">
+              <a:rPr lang="es-GT" sz="2200" strike="noStrike">
                 <a:solidFill>
                   <a:srgbClr val="000000"/>
                 </a:solidFill>
                 <a:latin typeface="Calibri"/>
-              </a:rPr>
-              <a:t>Feature 1</a:t>
-            </a:r>
-            <a:endParaRPr/>
-          </a:p>
-          <a:p>
-            <a:pPr algn="ctr">
+                <a:ea typeface="DejaVu Sans"/>
+              </a:rPr>
+              <a:t>Conexiones cíclicas</a:t>
+            </a:r>
+            <a:endParaRPr/>
+          </a:p>
+          <a:p>
+            <a:pPr algn="just">
               <a:lnSpc>
                 <a:spcPct val="100000"/>
               </a:lnSpc>
@@ -8675,18 +13166,19 @@
               <a:buChar char="•"/>
             </a:pPr>
             <a:r>
-              <a:rPr lang="es-GT" sz="2400" strike="noStrike">
+              <a:rPr lang="es-GT" sz="2200" strike="noStrike">
                 <a:solidFill>
                   <a:srgbClr val="000000"/>
                 </a:solidFill>
                 <a:latin typeface="Calibri"/>
-              </a:rPr>
-              <a:t>Feature 2</a:t>
-            </a:r>
-            <a:endParaRPr/>
-          </a:p>
-          <a:p>
-            <a:pPr algn="ctr">
+                <a:ea typeface="DejaVu Sans"/>
+              </a:rPr>
+              <a:t>Mantienen información del pasado</a:t>
+            </a:r>
+            <a:endParaRPr/>
+          </a:p>
+          <a:p>
+            <a:pPr algn="just">
               <a:lnSpc>
                 <a:spcPct val="100000"/>
               </a:lnSpc>
@@ -8694,28 +13186,29 @@
               <a:buChar char="•"/>
             </a:pPr>
             <a:r>
-              <a:rPr lang="es-GT" sz="2400" strike="noStrike">
+              <a:rPr lang="es-GT" sz="2200" strike="noStrike">
                 <a:solidFill>
                   <a:srgbClr val="000000"/>
                 </a:solidFill>
                 <a:latin typeface="Calibri"/>
-              </a:rPr>
-              <a:t>Feature 3</a:t>
-            </a:r>
-            <a:endParaRPr/>
-          </a:p>
-        </p:txBody>
-      </p:sp>
-      <p:sp>
-        <p:nvSpPr>
-          <p:cNvPr id="205" name="CustomShape 4"/>
+                <a:ea typeface="DejaVu Sans"/>
+              </a:rPr>
+              <a:t>Su salida es función de su entrada actual, y de su pasado</a:t>
+            </a:r>
+            <a:endParaRPr/>
+          </a:p>
+        </p:txBody>
+      </p:sp>
+      <p:sp>
+        <p:nvSpPr>
+          <p:cNvPr id="283" name="CustomShape 4"/>
           <p:cNvSpPr/>
           <p:nvPr/>
         </p:nvSpPr>
         <p:spPr>
           <a:xfrm>
             <a:off x="4572000" y="1641240"/>
-            <a:ext cx="4041000" cy="479160"/>
+            <a:ext cx="4040640" cy="478800"/>
           </a:xfrm>
           <a:prstGeom prst="rect">
             <a:avLst/>
@@ -8745,23 +13238,24 @@
                   <a:srgbClr val="000000"/>
                 </a:solidFill>
                 <a:latin typeface="Calibri"/>
-              </a:rPr>
-              <a:t>Product B</a:t>
-            </a:r>
-            <a:endParaRPr/>
-          </a:p>
-        </p:txBody>
-      </p:sp>
-      <p:sp>
-        <p:nvSpPr>
-          <p:cNvPr id="206" name="CustomShape 5"/>
+                <a:ea typeface="DejaVu Sans"/>
+              </a:rPr>
+              <a:t>Dificultades</a:t>
+            </a:r>
+            <a:endParaRPr/>
+          </a:p>
+        </p:txBody>
+      </p:sp>
+      <p:sp>
+        <p:nvSpPr>
+          <p:cNvPr id="284" name="CustomShape 5"/>
           <p:cNvSpPr/>
           <p:nvPr/>
         </p:nvSpPr>
         <p:spPr>
           <a:xfrm>
             <a:off x="4572000" y="2113560"/>
-            <a:ext cx="4041000" cy="2275560"/>
+            <a:ext cx="4040640" cy="2275200"/>
           </a:xfrm>
           <a:prstGeom prst="rect">
             <a:avLst/>
@@ -8780,7 +13274,7 @@
         <p:txBody>
           <a:bodyPr lIns="90000" rIns="90000" tIns="45000" bIns="45000"/>
           <a:p>
-            <a:pPr algn="ctr">
+            <a:pPr algn="just">
               <a:lnSpc>
                 <a:spcPct val="100000"/>
               </a:lnSpc>
@@ -8788,18 +13282,19 @@
               <a:buChar char="•"/>
             </a:pPr>
             <a:r>
-              <a:rPr lang="es-GT" sz="2400" strike="noStrike">
+              <a:rPr lang="es-GT" sz="2200" strike="noStrike">
                 <a:solidFill>
                   <a:srgbClr val="000000"/>
                 </a:solidFill>
                 <a:latin typeface="Calibri"/>
-              </a:rPr>
-              <a:t>Feature 1</a:t>
-            </a:r>
-            <a:endParaRPr/>
-          </a:p>
-          <a:p>
-            <a:pPr algn="ctr">
+                <a:ea typeface="DejaVu Sans"/>
+              </a:rPr>
+              <a:t>Necesitan mas data para aprender</a:t>
+            </a:r>
+            <a:endParaRPr/>
+          </a:p>
+          <a:p>
+            <a:pPr algn="just">
               <a:lnSpc>
                 <a:spcPct val="100000"/>
               </a:lnSpc>
@@ -8807,18 +13302,19 @@
               <a:buChar char="•"/>
             </a:pPr>
             <a:r>
-              <a:rPr lang="es-GT" sz="2400" strike="noStrike">
+              <a:rPr lang="es-GT" sz="2200" strike="noStrike">
                 <a:solidFill>
                   <a:srgbClr val="000000"/>
                 </a:solidFill>
                 <a:latin typeface="Calibri"/>
-              </a:rPr>
-              <a:t>Feature 2</a:t>
-            </a:r>
-            <a:endParaRPr/>
-          </a:p>
-          <a:p>
-            <a:pPr algn="ctr">
+                <a:ea typeface="DejaVu Sans"/>
+              </a:rPr>
+              <a:t>Mayor dificultad de implementacion</a:t>
+            </a:r>
+            <a:endParaRPr/>
+          </a:p>
+          <a:p>
+            <a:pPr algn="just">
               <a:lnSpc>
                 <a:spcPct val="100000"/>
               </a:lnSpc>
@@ -8826,13 +13322,34 @@
               <a:buChar char="•"/>
             </a:pPr>
             <a:r>
-              <a:rPr lang="es-GT" sz="2400" strike="noStrike">
+              <a:rPr lang="es-GT" sz="2200" strike="noStrike">
                 <a:solidFill>
                   <a:srgbClr val="000000"/>
                 </a:solidFill>
                 <a:latin typeface="Calibri"/>
-              </a:rPr>
-              <a:t>Feature 3</a:t>
+                <a:ea typeface="DejaVu Sans"/>
+              </a:rPr>
+              <a:t>Sufren de “Vanishing gradient”</a:t>
+            </a:r>
+            <a:endParaRPr/>
+          </a:p>
+          <a:p>
+            <a:pPr algn="just">
+              <a:lnSpc>
+                <a:spcPct val="100000"/>
+              </a:lnSpc>
+              <a:buFont typeface="Arial"/>
+              <a:buChar char="•"/>
+            </a:pPr>
+            <a:r>
+              <a:rPr lang="es-GT" sz="2200" strike="noStrike">
+                <a:solidFill>
+                  <a:srgbClr val="000000"/>
+                </a:solidFill>
+                <a:latin typeface="Calibri"/>
+                <a:ea typeface="DejaVu Sans"/>
+              </a:rPr>
+              <a:t>Persisten informacion muy a corto plazo</a:t>
             </a:r>
             <a:endParaRPr/>
           </a:p>
@@ -8843,10 +13360,10 @@
   <p:timing>
     <p:tnLst>
       <p:par>
-        <p:cTn id="13" dur="indefinite" restart="never" nodeType="tmRoot">
+        <p:cTn id="15" dur="indefinite" restart="never" nodeType="tmRoot">
           <p:childTnLst>
             <p:seq>
-              <p:cTn id="14" nodeType="mainSeq"/>
+              <p:cTn id="16" nodeType="mainSeq"/>
               <p:prevCondLst>
                 <p:cond delay="0" evt="onPrev">
                   <p:tgtEl>
@@ -8887,38 +13404,219 @@
           <a:chExt cx="0" cy="0"/>
         </a:xfrm>
       </p:grpSpPr>
-      <p:pic>
-        <p:nvPicPr>
-          <p:cNvPr id="207" name="Picture 2" descr=""/>
-          <p:cNvPicPr/>
+      <p:sp>
+        <p:nvSpPr>
+          <p:cNvPr id="285" name="CustomShape 1"/>
+          <p:cNvSpPr/>
           <p:nvPr/>
-        </p:nvPicPr>
-        <p:blipFill>
-          <a:blip r:embed="rId1"/>
-          <a:stretch/>
-        </p:blipFill>
-        <p:spPr>
-          <a:xfrm>
-            <a:off x="3918240" y="2326320"/>
-            <a:ext cx="1463040" cy="526320"/>
-          </a:xfrm>
-          <a:prstGeom prst="rect">
-            <a:avLst/>
-          </a:prstGeom>
+        </p:nvSpPr>
+        <p:spPr>
+          <a:xfrm>
+            <a:off x="2281320" y="281160"/>
+            <a:ext cx="6107040" cy="571680"/>
+          </a:xfrm>
+          <a:prstGeom prst="rect">
+            <a:avLst/>
+          </a:prstGeom>
+          <a:noFill/>
           <a:ln>
             <a:noFill/>
           </a:ln>
         </p:spPr>
-      </p:pic>
+        <p:style>
+          <a:lnRef idx="0"/>
+          <a:fillRef idx="0"/>
+          <a:effectRef idx="0"/>
+          <a:fontRef idx="minor"/>
+        </p:style>
+        <p:txBody>
+          <a:bodyPr lIns="90000" rIns="90000" tIns="45000" bIns="45000" anchor="ctr"/>
+          <a:p>
+            <a:pPr>
+              <a:lnSpc>
+                <a:spcPct val="100000"/>
+              </a:lnSpc>
+            </a:pPr>
+            <a:r>
+              <a:rPr lang="es-GT" sz="3600" strike="noStrike">
+                <a:solidFill>
+                  <a:srgbClr val="00aacc"/>
+                </a:solidFill>
+                <a:latin typeface="Calibri"/>
+                <a:ea typeface="DejaVu Sans"/>
+              </a:rPr>
+              <a:t>LSTM(Long Short Term Memory)</a:t>
+            </a:r>
+            <a:endParaRPr/>
+          </a:p>
+        </p:txBody>
+      </p:sp>
+      <p:sp>
+        <p:nvSpPr>
+          <p:cNvPr id="286" name="CustomShape 2"/>
+          <p:cNvSpPr/>
+          <p:nvPr/>
+        </p:nvSpPr>
+        <p:spPr>
+          <a:xfrm>
+            <a:off x="2281320" y="1044720"/>
+            <a:ext cx="6107040" cy="3662640"/>
+          </a:xfrm>
+          <a:prstGeom prst="rect">
+            <a:avLst/>
+          </a:prstGeom>
+          <a:noFill/>
+          <a:ln>
+            <a:noFill/>
+          </a:ln>
+        </p:spPr>
+        <p:style>
+          <a:lnRef idx="0"/>
+          <a:fillRef idx="0"/>
+          <a:effectRef idx="0"/>
+          <a:fontRef idx="minor"/>
+        </p:style>
+      </p:sp>
+      <p:sp>
+        <p:nvSpPr>
+          <p:cNvPr id="287" name="CustomShape 3"/>
+          <p:cNvSpPr/>
+          <p:nvPr/>
+        </p:nvSpPr>
+        <p:spPr>
+          <a:xfrm>
+            <a:off x="2157480" y="1433160"/>
+            <a:ext cx="6482520" cy="2022840"/>
+          </a:xfrm>
+          <a:prstGeom prst="rect">
+            <a:avLst/>
+          </a:prstGeom>
+          <a:noFill/>
+          <a:ln>
+            <a:noFill/>
+          </a:ln>
+        </p:spPr>
+        <p:style>
+          <a:lnRef idx="0"/>
+          <a:fillRef idx="0"/>
+          <a:effectRef idx="0"/>
+          <a:fontRef idx="minor"/>
+        </p:style>
+        <p:txBody>
+          <a:bodyPr lIns="90000" rIns="90000" tIns="45000" bIns="45000"/>
+          <a:p>
+            <a:pPr algn="just">
+              <a:lnSpc>
+                <a:spcPct val="100000"/>
+              </a:lnSpc>
+              <a:buFont typeface="Arial"/>
+              <a:buChar char="•"/>
+            </a:pPr>
+            <a:r>
+              <a:rPr lang="es-GT" sz="2000" strike="noStrike">
+                <a:solidFill>
+                  <a:srgbClr val="000000"/>
+                </a:solidFill>
+                <a:latin typeface="Calibri"/>
+                <a:ea typeface="DejaVu Sans"/>
+              </a:rPr>
+              <a:t>Tipo de red recurrente</a:t>
+            </a:r>
+            <a:endParaRPr/>
+          </a:p>
+          <a:p>
+            <a:pPr algn="just">
+              <a:lnSpc>
+                <a:spcPct val="100000"/>
+              </a:lnSpc>
+              <a:buFont typeface="Arial"/>
+              <a:buChar char="•"/>
+            </a:pPr>
+            <a:r>
+              <a:rPr lang="es-GT" sz="2000" strike="noStrike">
+                <a:solidFill>
+                  <a:srgbClr val="000000"/>
+                </a:solidFill>
+                <a:latin typeface="Calibri"/>
+                <a:ea typeface="DejaVu Sans"/>
+              </a:rPr>
+              <a:t>Utiliza celdas de memoria</a:t>
+            </a:r>
+            <a:endParaRPr/>
+          </a:p>
+          <a:p>
+            <a:pPr lvl="1" algn="just">
+              <a:lnSpc>
+                <a:spcPct val="100000"/>
+              </a:lnSpc>
+              <a:buSzPct val="45000"/>
+              <a:buFont typeface="StarSymbol"/>
+              <a:buChar char=""/>
+            </a:pPr>
+            <a:r>
+              <a:rPr lang="es-GT" sz="2000" strike="noStrike">
+                <a:solidFill>
+                  <a:srgbClr val="000000"/>
+                </a:solidFill>
+                <a:latin typeface="Calibri"/>
+                <a:ea typeface="DejaVu Sans"/>
+              </a:rPr>
+              <a:t>Cada celda tiene un vector de “estado”</a:t>
+            </a:r>
+            <a:endParaRPr/>
+          </a:p>
+          <a:p>
+            <a:pPr lvl="1" algn="just">
+              <a:lnSpc>
+                <a:spcPct val="100000"/>
+              </a:lnSpc>
+              <a:buSzPct val="45000"/>
+              <a:buFont typeface="StarSymbol"/>
+              <a:buChar char=""/>
+            </a:pPr>
+            <a:r>
+              <a:rPr lang="es-GT" sz="2000" strike="noStrike">
+                <a:solidFill>
+                  <a:srgbClr val="000000"/>
+                </a:solidFill>
+                <a:latin typeface="Calibri"/>
+                <a:ea typeface="DejaVu Sans"/>
+              </a:rPr>
+              <a:t>El vector de estado es controlado por “puertas” que aprenden que información retener  y cual desechar.</a:t>
+            </a:r>
+            <a:endParaRPr/>
+          </a:p>
+          <a:p>
+            <a:pPr algn="just">
+              <a:lnSpc>
+                <a:spcPct val="100000"/>
+              </a:lnSpc>
+              <a:buFont typeface="Arial"/>
+              <a:buChar char="•"/>
+            </a:pPr>
+            <a:r>
+              <a:rPr lang="es-GT" sz="2000" strike="noStrike">
+                <a:solidFill>
+                  <a:srgbClr val="000000"/>
+                </a:solidFill>
+                <a:latin typeface="Calibri"/>
+                <a:ea typeface="DejaVu Sans"/>
+              </a:rPr>
+              <a:t>Esto les permite guardar información a largo plazo y usar el vector de estado para manejar contexto y dependencias.</a:t>
+            </a:r>
+            <a:endParaRPr/>
+          </a:p>
+        </p:txBody>
+      </p:sp>
     </p:spTree>
   </p:cSld>
   <p:timing>
     <p:tnLst>
       <p:par>
-        <p:cTn id="15" dur="indefinite" restart="never" nodeType="tmRoot">
+        <p:cTn id="17" dur="indefinite" restart="never" nodeType="tmRoot">
           <p:childTnLst>
             <p:seq>
-              <p:cTn id="16" nodeType="mainSeq"/>
+              <p:cTn id="18" nodeType="mainSeq"/>
               <p:prevCondLst>
                 <p:cond delay="0" evt="onPrev">
                   <p:tgtEl>
@@ -10278,4 +14976,450 @@
     </a:fmtScheme>
   </a:themeElements>
 </a:theme>
+</file>
+
+<file path=ppt/theme/theme7.xml><?xml version="1.0" encoding="utf-8"?>
+<a:theme xmlns:a="http://schemas.openxmlformats.org/drawingml/2006/main" name="Office Theme">
+  <a:themeElements>
+    <a:clrScheme name="Office">
+      <a:dk1>
+        <a:sysClr val="windowText" lastClr="000000"/>
+      </a:dk1>
+      <a:lt1>
+        <a:sysClr val="window" lastClr="FFFFFF"/>
+      </a:lt1>
+      <a:dk2>
+        <a:srgbClr val="1F497D"/>
+      </a:dk2>
+      <a:lt2>
+        <a:srgbClr val="EEECE1"/>
+      </a:lt2>
+      <a:accent1>
+        <a:srgbClr val="4F81BD"/>
+      </a:accent1>
+      <a:accent2>
+        <a:srgbClr val="C0504D"/>
+      </a:accent2>
+      <a:accent3>
+        <a:srgbClr val="9BBB59"/>
+      </a:accent3>
+      <a:accent4>
+        <a:srgbClr val="8064A2"/>
+      </a:accent4>
+      <a:accent5>
+        <a:srgbClr val="4BACC6"/>
+      </a:accent5>
+      <a:accent6>
+        <a:srgbClr val="F79646"/>
+      </a:accent6>
+      <a:hlink>
+        <a:srgbClr val="0000FF"/>
+      </a:hlink>
+      <a:folHlink>
+        <a:srgbClr val="800080"/>
+      </a:folHlink>
+    </a:clrScheme>
+    <a:fontScheme name="Office">
+      <a:majorFont>
+        <a:latin typeface="Arial"/>
+        <a:ea typeface="DejaVu Sans"/>
+        <a:cs typeface="DejaVu Sans"/>
+      </a:majorFont>
+      <a:minorFont>
+        <a:latin typeface="Arial"/>
+        <a:ea typeface="DejaVu Sans"/>
+        <a:cs typeface="DejaVu Sans"/>
+      </a:minorFont>
+    </a:fontScheme>
+    <a:fmtScheme name="Office">
+      <a:fillStyleLst>
+        <a:solidFill>
+          <a:schemeClr val="phClr"/>
+        </a:solidFill>
+        <a:gradFill rotWithShape="1">
+          <a:gsLst>
+            <a:gs pos="0">
+              <a:schemeClr val="phClr">
+                <a:tint val="50000"/>
+                <a:satMod val="300000"/>
+              </a:schemeClr>
+            </a:gs>
+            <a:gs pos="35000">
+              <a:schemeClr val="phClr">
+                <a:tint val="37000"/>
+                <a:satMod val="300000"/>
+              </a:schemeClr>
+            </a:gs>
+            <a:gs pos="100000">
+              <a:schemeClr val="phClr">
+                <a:tint val="15000"/>
+                <a:satMod val="350000"/>
+              </a:schemeClr>
+            </a:gs>
+          </a:gsLst>
+          <a:lin ang="16200000" scaled="1"/>
+        </a:gradFill>
+        <a:gradFill rotWithShape="1">
+          <a:gsLst>
+            <a:gs pos="0">
+              <a:schemeClr val="phClr">
+                <a:shade val="51000"/>
+                <a:satMod val="130000"/>
+              </a:schemeClr>
+            </a:gs>
+            <a:gs pos="80000">
+              <a:schemeClr val="phClr">
+                <a:shade val="93000"/>
+                <a:satMod val="130000"/>
+              </a:schemeClr>
+            </a:gs>
+            <a:gs pos="100000">
+              <a:schemeClr val="phClr">
+                <a:shade val="94000"/>
+                <a:satMod val="135000"/>
+              </a:schemeClr>
+            </a:gs>
+          </a:gsLst>
+          <a:lin ang="16200000" scaled="0"/>
+        </a:gradFill>
+      </a:fillStyleLst>
+      <a:lnStyleLst>
+        <a:ln w="9525" cap="flat" cmpd="sng" algn="ctr">
+          <a:solidFill>
+            <a:schemeClr val="phClr">
+              <a:shade val="95000"/>
+              <a:satMod val="105000"/>
+            </a:schemeClr>
+          </a:solidFill>
+          <a:prstDash val="solid"/>
+        </a:ln>
+        <a:ln w="25400" cap="flat" cmpd="sng" algn="ctr">
+          <a:solidFill>
+            <a:schemeClr val="phClr"/>
+          </a:solidFill>
+          <a:prstDash val="solid"/>
+        </a:ln>
+        <a:ln w="38100" cap="flat" cmpd="sng" algn="ctr">
+          <a:solidFill>
+            <a:schemeClr val="phClr"/>
+          </a:solidFill>
+          <a:prstDash val="solid"/>
+        </a:ln>
+      </a:lnStyleLst>
+      <a:effectStyleLst>
+        <a:effectStyle>
+          <a:effectLst>
+            <a:outerShdw blurRad="40000" dist="20000" dir="5400000" rotWithShape="0">
+              <a:srgbClr val="000000">
+                <a:alpha val="38000"/>
+              </a:srgbClr>
+            </a:outerShdw>
+          </a:effectLst>
+        </a:effectStyle>
+        <a:effectStyle>
+          <a:effectLst>
+            <a:outerShdw blurRad="40000" dist="23000" dir="5400000" rotWithShape="0">
+              <a:srgbClr val="000000">
+                <a:alpha val="35000"/>
+              </a:srgbClr>
+            </a:outerShdw>
+          </a:effectLst>
+        </a:effectStyle>
+        <a:effectStyle>
+          <a:effectLst>
+            <a:outerShdw blurRad="40000" dist="23000" dir="5400000" rotWithShape="0">
+              <a:srgbClr val="000000">
+                <a:alpha val="35000"/>
+              </a:srgbClr>
+            </a:outerShdw>
+          </a:effectLst>
+          <a:scene3d>
+            <a:camera prst="orthographicFront">
+              <a:rot lat="0" lon="0" rev="0"/>
+            </a:camera>
+            <a:lightRig rig="threePt" dir="t">
+              <a:rot lat="0" lon="0" rev="1200000"/>
+            </a:lightRig>
+          </a:scene3d>
+          <a:sp3d>
+            <a:bevelT w="63500" h="25400"/>
+          </a:sp3d>
+        </a:effectStyle>
+      </a:effectStyleLst>
+      <a:bgFillStyleLst>
+        <a:solidFill>
+          <a:schemeClr val="phClr"/>
+        </a:solidFill>
+        <a:gradFill rotWithShape="1">
+          <a:gsLst>
+            <a:gs pos="0">
+              <a:schemeClr val="phClr">
+                <a:tint val="40000"/>
+                <a:satMod val="350000"/>
+              </a:schemeClr>
+            </a:gs>
+            <a:gs pos="40000">
+              <a:schemeClr val="phClr">
+                <a:tint val="45000"/>
+                <a:shade val="99000"/>
+                <a:satMod val="350000"/>
+              </a:schemeClr>
+            </a:gs>
+            <a:gs pos="100000">
+              <a:schemeClr val="phClr">
+                <a:shade val="20000"/>
+                <a:satMod val="255000"/>
+              </a:schemeClr>
+            </a:gs>
+          </a:gsLst>
+          <a:path path="circle">
+            <a:fillToRect l="50000" t="-80000" r="50000" b="180000"/>
+          </a:path>
+        </a:gradFill>
+        <a:gradFill rotWithShape="1">
+          <a:gsLst>
+            <a:gs pos="0">
+              <a:schemeClr val="phClr">
+                <a:tint val="80000"/>
+                <a:satMod val="300000"/>
+              </a:schemeClr>
+            </a:gs>
+            <a:gs pos="100000">
+              <a:schemeClr val="phClr">
+                <a:shade val="30000"/>
+                <a:satMod val="200000"/>
+              </a:schemeClr>
+            </a:gs>
+          </a:gsLst>
+          <a:path path="circle">
+            <a:fillToRect l="50000" t="50000" r="50000" b="50000"/>
+          </a:path>
+        </a:gradFill>
+      </a:bgFillStyleLst>
+    </a:fmtScheme>
+  </a:themeElements>
+</a:theme>
+</file>
+
+<file path=ppt/theme/theme8.xml><?xml version="1.0" encoding="utf-8"?>
+<a:theme xmlns:a="http://schemas.openxmlformats.org/drawingml/2006/main" name="Office Theme">
+  <a:themeElements>
+    <a:clrScheme name="Office">
+      <a:dk1>
+        <a:sysClr val="windowText" lastClr="000000"/>
+      </a:dk1>
+      <a:lt1>
+        <a:sysClr val="window" lastClr="FFFFFF"/>
+      </a:lt1>
+      <a:dk2>
+        <a:srgbClr val="1F497D"/>
+      </a:dk2>
+      <a:lt2>
+        <a:srgbClr val="EEECE1"/>
+      </a:lt2>
+      <a:accent1>
+        <a:srgbClr val="4F81BD"/>
+      </a:accent1>
+      <a:accent2>
+        <a:srgbClr val="C0504D"/>
+      </a:accent2>
+      <a:accent3>
+        <a:srgbClr val="9BBB59"/>
+      </a:accent3>
+      <a:accent4>
+        <a:srgbClr val="8064A2"/>
+      </a:accent4>
+      <a:accent5>
+        <a:srgbClr val="4BACC6"/>
+      </a:accent5>
+      <a:accent6>
+        <a:srgbClr val="F79646"/>
+      </a:accent6>
+      <a:hlink>
+        <a:srgbClr val="0000FF"/>
+      </a:hlink>
+      <a:folHlink>
+        <a:srgbClr val="800080"/>
+      </a:folHlink>
+    </a:clrScheme>
+    <a:fontScheme name="Office">
+      <a:majorFont>
+        <a:latin typeface="Arial"/>
+        <a:ea typeface="DejaVu Sans"/>
+        <a:cs typeface="DejaVu Sans"/>
+      </a:majorFont>
+      <a:minorFont>
+        <a:latin typeface="Arial"/>
+        <a:ea typeface="DejaVu Sans"/>
+        <a:cs typeface="DejaVu Sans"/>
+      </a:minorFont>
+    </a:fontScheme>
+    <a:fmtScheme name="Office">
+      <a:fillStyleLst>
+        <a:solidFill>
+          <a:schemeClr val="phClr"/>
+        </a:solidFill>
+        <a:gradFill rotWithShape="1">
+          <a:gsLst>
+            <a:gs pos="0">
+              <a:schemeClr val="phClr">
+                <a:tint val="50000"/>
+                <a:satMod val="300000"/>
+              </a:schemeClr>
+            </a:gs>
+            <a:gs pos="35000">
+              <a:schemeClr val="phClr">
+                <a:tint val="37000"/>
+                <a:satMod val="300000"/>
+              </a:schemeClr>
+            </a:gs>
+            <a:gs pos="100000">
+              <a:schemeClr val="phClr">
+                <a:tint val="15000"/>
+                <a:satMod val="350000"/>
+              </a:schemeClr>
+            </a:gs>
+          </a:gsLst>
+          <a:lin ang="16200000" scaled="1"/>
+        </a:gradFill>
+        <a:gradFill rotWithShape="1">
+          <a:gsLst>
+            <a:gs pos="0">
+              <a:schemeClr val="phClr">
+                <a:shade val="51000"/>
+                <a:satMod val="130000"/>
+              </a:schemeClr>
+            </a:gs>
+            <a:gs pos="80000">
+              <a:schemeClr val="phClr">
+                <a:shade val="93000"/>
+                <a:satMod val="130000"/>
+              </a:schemeClr>
+            </a:gs>
+            <a:gs pos="100000">
+              <a:schemeClr val="phClr">
+                <a:shade val="94000"/>
+                <a:satMod val="135000"/>
+              </a:schemeClr>
+            </a:gs>
+          </a:gsLst>
+          <a:lin ang="16200000" scaled="0"/>
+        </a:gradFill>
+      </a:fillStyleLst>
+      <a:lnStyleLst>
+        <a:ln w="9525" cap="flat" cmpd="sng" algn="ctr">
+          <a:solidFill>
+            <a:schemeClr val="phClr">
+              <a:shade val="95000"/>
+              <a:satMod val="105000"/>
+            </a:schemeClr>
+          </a:solidFill>
+          <a:prstDash val="solid"/>
+        </a:ln>
+        <a:ln w="25400" cap="flat" cmpd="sng" algn="ctr">
+          <a:solidFill>
+            <a:schemeClr val="phClr"/>
+          </a:solidFill>
+          <a:prstDash val="solid"/>
+        </a:ln>
+        <a:ln w="38100" cap="flat" cmpd="sng" algn="ctr">
+          <a:solidFill>
+            <a:schemeClr val="phClr"/>
+          </a:solidFill>
+          <a:prstDash val="solid"/>
+        </a:ln>
+      </a:lnStyleLst>
+      <a:effectStyleLst>
+        <a:effectStyle>
+          <a:effectLst>
+            <a:outerShdw blurRad="40000" dist="20000" dir="5400000" rotWithShape="0">
+              <a:srgbClr val="000000">
+                <a:alpha val="38000"/>
+              </a:srgbClr>
+            </a:outerShdw>
+          </a:effectLst>
+        </a:effectStyle>
+        <a:effectStyle>
+          <a:effectLst>
+            <a:outerShdw blurRad="40000" dist="23000" dir="5400000" rotWithShape="0">
+              <a:srgbClr val="000000">
+                <a:alpha val="35000"/>
+              </a:srgbClr>
+            </a:outerShdw>
+          </a:effectLst>
+        </a:effectStyle>
+        <a:effectStyle>
+          <a:effectLst>
+            <a:outerShdw blurRad="40000" dist="23000" dir="5400000" rotWithShape="0">
+              <a:srgbClr val="000000">
+                <a:alpha val="35000"/>
+              </a:srgbClr>
+            </a:outerShdw>
+          </a:effectLst>
+          <a:scene3d>
+            <a:camera prst="orthographicFront">
+              <a:rot lat="0" lon="0" rev="0"/>
+            </a:camera>
+            <a:lightRig rig="threePt" dir="t">
+              <a:rot lat="0" lon="0" rev="1200000"/>
+            </a:lightRig>
+          </a:scene3d>
+          <a:sp3d>
+            <a:bevelT w="63500" h="25400"/>
+          </a:sp3d>
+        </a:effectStyle>
+      </a:effectStyleLst>
+      <a:bgFillStyleLst>
+        <a:solidFill>
+          <a:schemeClr val="phClr"/>
+        </a:solidFill>
+        <a:gradFill rotWithShape="1">
+          <a:gsLst>
+            <a:gs pos="0">
+              <a:schemeClr val="phClr">
+                <a:tint val="40000"/>
+                <a:satMod val="350000"/>
+              </a:schemeClr>
+            </a:gs>
+            <a:gs pos="40000">
+              <a:schemeClr val="phClr">
+                <a:tint val="45000"/>
+                <a:shade val="99000"/>
+                <a:satMod val="350000"/>
+              </a:schemeClr>
+            </a:gs>
+            <a:gs pos="100000">
+              <a:schemeClr val="phClr">
+                <a:shade val="20000"/>
+                <a:satMod val="255000"/>
+              </a:schemeClr>
+            </a:gs>
+          </a:gsLst>
+          <a:path path="circle">
+            <a:fillToRect l="50000" t="-80000" r="50000" b="180000"/>
+          </a:path>
+        </a:gradFill>
+        <a:gradFill rotWithShape="1">
+          <a:gsLst>
+            <a:gs pos="0">
+              <a:schemeClr val="phClr">
+                <a:tint val="80000"/>
+                <a:satMod val="300000"/>
+              </a:schemeClr>
+            </a:gs>
+            <a:gs pos="100000">
+              <a:schemeClr val="phClr">
+                <a:shade val="30000"/>
+                <a:satMod val="200000"/>
+              </a:schemeClr>
+            </a:gs>
+          </a:gsLst>
+          <a:path path="circle">
+            <a:fillToRect l="50000" t="50000" r="50000" b="50000"/>
+          </a:path>
+        </a:gradFill>
+      </a:bgFillStyleLst>
+    </a:fmtScheme>
+  </a:themeElements>
+</a:theme>
 </file>
--- a/UVG_NLP_Presentation.pptx
+++ b/UVG_NLP_Presentation.pptx
@@ -206,7 +206,7 @@
           <a:bodyPr lIns="0" rIns="0" tIns="0" bIns="0" anchor="b"/>
           <a:p>
             <a:pPr algn="r"/>
-            <a:fld id="{B91A91E4-A787-4F46-9F3B-7120D9F203D6}" type="slidenum">
+            <a:fld id="{CA42F6F1-230E-47E0-97C2-DCA681A6F73E}" type="slidenum">
               <a:rPr lang="es-GT" sz="1400">
                 <a:latin typeface="Times New Roman"/>
               </a:rPr>
@@ -298,7 +298,7 @@
                 <a:spcPct val="100000"/>
               </a:lnSpc>
             </a:pPr>
-            <a:fld id="{920B1B6A-015A-44B2-9982-1C1023543BB8}" type="slidenum">
+            <a:fld id="{365909ED-82BB-48BB-B7BD-F2EC39FAB064}" type="slidenum">
               <a:rPr lang="es-GT" sz="1200" strike="noStrike">
                 <a:solidFill>
                   <a:srgbClr val="000000"/>
@@ -10324,7 +10324,7 @@
           <a:bodyPr lIns="0" rIns="0" tIns="0" bIns="0"/>
           <a:p>
             <a:pPr algn="r"/>
-            <a:fld id="{BDAE801B-15B4-4CAA-BB63-8592EFF6AD72}" type="slidenum">
+            <a:fld id="{37EDFD8E-C008-447F-805C-632B865E23A5}" type="slidenum">
               <a:rPr lang="es-GT" sz="1400">
                 <a:latin typeface="Times New Roman"/>
               </a:rPr>
@@ -11249,7 +11249,7 @@
               <a:rPr lang="es-GT" sz="1600">
                 <a:latin typeface="Arial"/>
               </a:rPr>
-              <a:t>2) Este bot sera integrado a un job de ETL que automáticamente llevara el resultado de una manera estructurada al data warehouse, para posterior análisis y permitir integración con otros datos de interés.</a:t>
+              <a:t>2) Este bot sera integrado a un job de ETL que automáticamente llevará el resultado de una manera estructurada al data warehouse, para posterior análisis y permitir integración con otros datos de interés.</a:t>
             </a:r>
             <a:endParaRPr/>
           </a:p>
@@ -11915,6 +11915,33 @@
       </p:sp>
     </p:spTree>
   </p:cSld>
+  <p:timing>
+    <p:tnLst>
+      <p:par>
+        <p:cTn id="33" dur="indefinite" restart="never" nodeType="tmRoot">
+          <p:childTnLst>
+            <p:seq>
+              <p:cTn id="34" nodeType="mainSeq"/>
+              <p:prevCondLst>
+                <p:cond delay="0" evt="onPrev">
+                  <p:tgtEl>
+                    <p:sldTgt/>
+                  </p:tgtEl>
+                </p:cond>
+              </p:prevCondLst>
+              <p:nextCondLst>
+                <p:cond delay="0" evt="onNext">
+                  <p:tgtEl>
+                    <p:sldTgt/>
+                  </p:tgtEl>
+                </p:cond>
+              </p:nextCondLst>
+            </p:seq>
+          </p:childTnLst>
+        </p:cTn>
+      </p:par>
+    </p:tnLst>
+  </p:timing>
 </p:sld>
 </file>
 

--- a/UVG_NLP_Presentation.pptx
+++ b/UVG_NLP_Presentation.pptx
@@ -9,28 +9,33 @@
     <p:sldMasterId id="2147483700" r:id="rId6"/>
     <p:sldMasterId id="2147483713" r:id="rId7"/>
     <p:sldMasterId id="2147483726" r:id="rId8"/>
+    <p:sldMasterId id="2147483739" r:id="rId9"/>
+    <p:sldMasterId id="2147483752" r:id="rId10"/>
   </p:sldMasterIdLst>
   <p:notesMasterIdLst>
-    <p:notesMasterId r:id="rId9"/>
+    <p:notesMasterId r:id="rId11"/>
   </p:notesMasterIdLst>
   <p:sldIdLst>
-    <p:sldId id="256" r:id="rId10"/>
-    <p:sldId id="257" r:id="rId11"/>
-    <p:sldId id="258" r:id="rId12"/>
-    <p:sldId id="259" r:id="rId13"/>
-    <p:sldId id="260" r:id="rId14"/>
-    <p:sldId id="261" r:id="rId15"/>
-    <p:sldId id="262" r:id="rId16"/>
-    <p:sldId id="263" r:id="rId17"/>
-    <p:sldId id="264" r:id="rId18"/>
-    <p:sldId id="265" r:id="rId19"/>
-    <p:sldId id="266" r:id="rId20"/>
-    <p:sldId id="267" r:id="rId21"/>
-    <p:sldId id="268" r:id="rId22"/>
-    <p:sldId id="269" r:id="rId23"/>
-    <p:sldId id="270" r:id="rId24"/>
-    <p:sldId id="271" r:id="rId25"/>
-    <p:sldId id="272" r:id="rId26"/>
+    <p:sldId id="256" r:id="rId12"/>
+    <p:sldId id="257" r:id="rId13"/>
+    <p:sldId id="258" r:id="rId14"/>
+    <p:sldId id="259" r:id="rId15"/>
+    <p:sldId id="260" r:id="rId16"/>
+    <p:sldId id="261" r:id="rId17"/>
+    <p:sldId id="262" r:id="rId18"/>
+    <p:sldId id="263" r:id="rId19"/>
+    <p:sldId id="264" r:id="rId20"/>
+    <p:sldId id="265" r:id="rId21"/>
+    <p:sldId id="266" r:id="rId22"/>
+    <p:sldId id="267" r:id="rId23"/>
+    <p:sldId id="268" r:id="rId24"/>
+    <p:sldId id="269" r:id="rId25"/>
+    <p:sldId id="270" r:id="rId26"/>
+    <p:sldId id="271" r:id="rId27"/>
+    <p:sldId id="272" r:id="rId28"/>
+    <p:sldId id="273" r:id="rId29"/>
+    <p:sldId id="274" r:id="rId30"/>
+    <p:sldId id="275" r:id="rId31"/>
   </p:sldIdLst>
   <p:sldSz cx="9144000" cy="5143500"/>
   <p:notesSz cx="6858000" cy="9144000"/>
@@ -56,7 +61,7 @@
       </p:grpSpPr>
       <p:sp>
         <p:nvSpPr>
-          <p:cNvPr id="262" name="PlaceHolder 1"/>
+          <p:cNvPr id="336" name="PlaceHolder 1"/>
           <p:cNvSpPr>
             <a:spLocks noGrp="1"/>
           </p:cNvSpPr>
@@ -88,7 +93,7 @@
       </p:sp>
       <p:sp>
         <p:nvSpPr>
-          <p:cNvPr id="263" name="PlaceHolder 2"/>
+          <p:cNvPr id="337" name="PlaceHolder 2"/>
           <p:cNvSpPr>
             <a:spLocks noGrp="1"/>
           </p:cNvSpPr>
@@ -120,7 +125,7 @@
       </p:sp>
       <p:sp>
         <p:nvSpPr>
-          <p:cNvPr id="264" name="PlaceHolder 3"/>
+          <p:cNvPr id="338" name="PlaceHolder 3"/>
           <p:cNvSpPr>
             <a:spLocks noGrp="1"/>
           </p:cNvSpPr>
@@ -153,7 +158,7 @@
       </p:sp>
       <p:sp>
         <p:nvSpPr>
-          <p:cNvPr id="265" name="PlaceHolder 4"/>
+          <p:cNvPr id="339" name="PlaceHolder 4"/>
           <p:cNvSpPr>
             <a:spLocks noGrp="1"/>
           </p:cNvSpPr>
@@ -185,7 +190,7 @@
       </p:sp>
       <p:sp>
         <p:nvSpPr>
-          <p:cNvPr id="266" name="PlaceHolder 5"/>
+          <p:cNvPr id="340" name="PlaceHolder 5"/>
           <p:cNvSpPr>
             <a:spLocks noGrp="1"/>
           </p:cNvSpPr>
@@ -206,7 +211,7 @@
           <a:bodyPr lIns="0" rIns="0" tIns="0" bIns="0" anchor="b"/>
           <a:p>
             <a:pPr algn="r"/>
-            <a:fld id="{CA42F6F1-230E-47E0-97C2-DCA681A6F73E}" type="slidenum">
+            <a:fld id="{683CE105-FD15-447C-8FCE-B2E8B56CCE66}" type="slidenum">
               <a:rPr lang="es-GT" sz="1400">
                 <a:latin typeface="Times New Roman"/>
               </a:rPr>
@@ -241,7 +246,7 @@
       </p:grpSpPr>
       <p:sp>
         <p:nvSpPr>
-          <p:cNvPr id="307" name="PlaceHolder 1"/>
+          <p:cNvPr id="395" name="PlaceHolder 1"/>
           <p:cNvSpPr>
             <a:spLocks noGrp="1"/>
           </p:cNvSpPr>
@@ -252,7 +257,7 @@
         <p:spPr>
           <a:xfrm>
             <a:off x="685800" y="4400640"/>
-            <a:ext cx="5485320" cy="3599280"/>
+            <a:ext cx="5484960" cy="3598920"/>
           </a:xfrm>
           <a:prstGeom prst="rect">
             <a:avLst/>
@@ -267,14 +272,14 @@
       </p:sp>
       <p:sp>
         <p:nvSpPr>
-          <p:cNvPr id="308" name="CustomShape 2"/>
+          <p:cNvPr id="396" name="CustomShape 2"/>
           <p:cNvSpPr/>
           <p:nvPr/>
         </p:nvSpPr>
         <p:spPr>
           <a:xfrm>
             <a:off x="3884760" y="8685360"/>
-            <a:ext cx="2970720" cy="457560"/>
+            <a:ext cx="2970360" cy="457200"/>
           </a:xfrm>
           <a:prstGeom prst="rect">
             <a:avLst/>
@@ -298,7 +303,7 @@
                 <a:spcPct val="100000"/>
               </a:lnSpc>
             </a:pPr>
-            <a:fld id="{365909ED-82BB-48BB-B7BD-F2EC39FAB064}" type="slidenum">
+            <a:fld id="{39ED1D41-5AAA-4830-AD6B-6B07868DC411}" type="slidenum">
               <a:rPr lang="es-GT" sz="1200" strike="noStrike">
                 <a:solidFill>
                   <a:srgbClr val="000000"/>
@@ -435,6 +440,987 @@
           </a:p>
         </p:txBody>
       </p:sp>
+    </p:spTree>
+  </p:cSld>
+</p:sldLayout>
+</file>
+
+<file path=ppt/slideLayouts/slideLayout100.xml><?xml version="1.0" encoding="utf-8"?>
+<p:sldLayout xmlns:a="http://schemas.openxmlformats.org/drawingml/2006/main" xmlns:p="http://schemas.openxmlformats.org/presentationml/2006/main" xmlns:r="http://schemas.openxmlformats.org/officeDocument/2006/relationships" type="twoObj" preserve="1">
+  <p:cSld name="Title, 2 Content">
+    <p:spTree>
+      <p:nvGrpSpPr>
+        <p:cNvPr id="1" name=""/>
+        <p:cNvGrpSpPr/>
+        <p:nvPr/>
+      </p:nvGrpSpPr>
+      <p:grpSpPr>
+        <a:xfrm>
+          <a:off x="0" y="0"/>
+          <a:ext cx="0" cy="0"/>
+          <a:chOff x="0" y="0"/>
+          <a:chExt cx="0" cy="0"/>
+        </a:xfrm>
+      </p:grpSpPr>
+      <p:sp>
+        <p:nvSpPr>
+          <p:cNvPr id="306" name="PlaceHolder 1"/>
+          <p:cNvSpPr>
+            <a:spLocks noGrp="1"/>
+          </p:cNvSpPr>
+          <p:nvPr>
+            <p:ph type="title"/>
+          </p:nvPr>
+        </p:nvSpPr>
+        <p:spPr>
+          <a:xfrm>
+            <a:off x="457200" y="205200"/>
+            <a:ext cx="8229240" cy="858600"/>
+          </a:xfrm>
+          <a:prstGeom prst="rect">
+            <a:avLst/>
+          </a:prstGeom>
+        </p:spPr>
+        <p:txBody>
+          <a:bodyPr lIns="0" rIns="0" tIns="0" bIns="0" anchor="ctr"/>
+          <a:p>
+            <a:pPr algn="ctr"/>
+            <a:endParaRPr/>
+          </a:p>
+        </p:txBody>
+      </p:sp>
+      <p:sp>
+        <p:nvSpPr>
+          <p:cNvPr id="307" name="PlaceHolder 2"/>
+          <p:cNvSpPr>
+            <a:spLocks noGrp="1"/>
+          </p:cNvSpPr>
+          <p:nvPr>
+            <p:ph type="body"/>
+          </p:nvPr>
+        </p:nvSpPr>
+        <p:spPr>
+          <a:xfrm>
+            <a:off x="457200" y="1203480"/>
+            <a:ext cx="4015800" cy="2982960"/>
+          </a:xfrm>
+          <a:prstGeom prst="rect">
+            <a:avLst/>
+          </a:prstGeom>
+        </p:spPr>
+        <p:txBody>
+          <a:bodyPr lIns="0" rIns="0" tIns="0" bIns="0"/>
+          <a:p>
+            <a:endParaRPr/>
+          </a:p>
+        </p:txBody>
+      </p:sp>
+      <p:sp>
+        <p:nvSpPr>
+          <p:cNvPr id="308" name="PlaceHolder 3"/>
+          <p:cNvSpPr>
+            <a:spLocks noGrp="1"/>
+          </p:cNvSpPr>
+          <p:nvPr>
+            <p:ph type="body"/>
+          </p:nvPr>
+        </p:nvSpPr>
+        <p:spPr>
+          <a:xfrm>
+            <a:off x="4674240" y="1203480"/>
+            <a:ext cx="4015800" cy="2982960"/>
+          </a:xfrm>
+          <a:prstGeom prst="rect">
+            <a:avLst/>
+          </a:prstGeom>
+        </p:spPr>
+        <p:txBody>
+          <a:bodyPr lIns="0" rIns="0" tIns="0" bIns="0"/>
+          <a:p>
+            <a:endParaRPr/>
+          </a:p>
+        </p:txBody>
+      </p:sp>
+    </p:spTree>
+  </p:cSld>
+</p:sldLayout>
+</file>
+
+<file path=ppt/slideLayouts/slideLayout101.xml><?xml version="1.0" encoding="utf-8"?>
+<p:sldLayout xmlns:a="http://schemas.openxmlformats.org/drawingml/2006/main" xmlns:p="http://schemas.openxmlformats.org/presentationml/2006/main" xmlns:r="http://schemas.openxmlformats.org/officeDocument/2006/relationships" type="titleOnly" preserve="1">
+  <p:cSld name="Title Only">
+    <p:spTree>
+      <p:nvGrpSpPr>
+        <p:cNvPr id="1" name=""/>
+        <p:cNvGrpSpPr/>
+        <p:nvPr/>
+      </p:nvGrpSpPr>
+      <p:grpSpPr>
+        <a:xfrm>
+          <a:off x="0" y="0"/>
+          <a:ext cx="0" cy="0"/>
+          <a:chOff x="0" y="0"/>
+          <a:chExt cx="0" cy="0"/>
+        </a:xfrm>
+      </p:grpSpPr>
+      <p:sp>
+        <p:nvSpPr>
+          <p:cNvPr id="309" name="PlaceHolder 1"/>
+          <p:cNvSpPr>
+            <a:spLocks noGrp="1"/>
+          </p:cNvSpPr>
+          <p:nvPr>
+            <p:ph type="title"/>
+          </p:nvPr>
+        </p:nvSpPr>
+        <p:spPr>
+          <a:xfrm>
+            <a:off x="457200" y="205200"/>
+            <a:ext cx="8229240" cy="858600"/>
+          </a:xfrm>
+          <a:prstGeom prst="rect">
+            <a:avLst/>
+          </a:prstGeom>
+        </p:spPr>
+        <p:txBody>
+          <a:bodyPr lIns="0" rIns="0" tIns="0" bIns="0" anchor="ctr"/>
+          <a:p>
+            <a:pPr algn="ctr"/>
+            <a:endParaRPr/>
+          </a:p>
+        </p:txBody>
+      </p:sp>
+    </p:spTree>
+  </p:cSld>
+</p:sldLayout>
+</file>
+
+<file path=ppt/slideLayouts/slideLayout102.xml><?xml version="1.0" encoding="utf-8"?>
+<p:sldLayout xmlns:a="http://schemas.openxmlformats.org/drawingml/2006/main" xmlns:p="http://schemas.openxmlformats.org/presentationml/2006/main" xmlns:r="http://schemas.openxmlformats.org/officeDocument/2006/relationships" type="objOnly" preserve="1">
+  <p:cSld name="Centered Text">
+    <p:spTree>
+      <p:nvGrpSpPr>
+        <p:cNvPr id="1" name=""/>
+        <p:cNvGrpSpPr/>
+        <p:nvPr/>
+      </p:nvGrpSpPr>
+      <p:grpSpPr>
+        <a:xfrm>
+          <a:off x="0" y="0"/>
+          <a:ext cx="0" cy="0"/>
+          <a:chOff x="0" y="0"/>
+          <a:chExt cx="0" cy="0"/>
+        </a:xfrm>
+      </p:grpSpPr>
+      <p:sp>
+        <p:nvSpPr>
+          <p:cNvPr id="310" name="PlaceHolder 1"/>
+          <p:cNvSpPr>
+            <a:spLocks noGrp="1"/>
+          </p:cNvSpPr>
+          <p:nvPr>
+            <p:ph type="subTitle"/>
+          </p:nvPr>
+        </p:nvSpPr>
+        <p:spPr>
+          <a:xfrm>
+            <a:off x="457200" y="205200"/>
+            <a:ext cx="8229240" cy="3981240"/>
+          </a:xfrm>
+          <a:prstGeom prst="rect">
+            <a:avLst/>
+          </a:prstGeom>
+        </p:spPr>
+        <p:txBody>
+          <a:bodyPr lIns="0" rIns="0" tIns="0" bIns="0" anchor="ctr"/>
+          <a:p>
+            <a:pPr algn="ctr"/>
+            <a:endParaRPr/>
+          </a:p>
+        </p:txBody>
+      </p:sp>
+    </p:spTree>
+  </p:cSld>
+</p:sldLayout>
+</file>
+
+<file path=ppt/slideLayouts/slideLayout103.xml><?xml version="1.0" encoding="utf-8"?>
+<p:sldLayout xmlns:a="http://schemas.openxmlformats.org/drawingml/2006/main" xmlns:p="http://schemas.openxmlformats.org/presentationml/2006/main" xmlns:r="http://schemas.openxmlformats.org/officeDocument/2006/relationships" type="twoObjAndObj" preserve="1">
+  <p:cSld name="Title, 2 Content and Content">
+    <p:spTree>
+      <p:nvGrpSpPr>
+        <p:cNvPr id="1" name=""/>
+        <p:cNvGrpSpPr/>
+        <p:nvPr/>
+      </p:nvGrpSpPr>
+      <p:grpSpPr>
+        <a:xfrm>
+          <a:off x="0" y="0"/>
+          <a:ext cx="0" cy="0"/>
+          <a:chOff x="0" y="0"/>
+          <a:chExt cx="0" cy="0"/>
+        </a:xfrm>
+      </p:grpSpPr>
+      <p:sp>
+        <p:nvSpPr>
+          <p:cNvPr id="311" name="PlaceHolder 1"/>
+          <p:cNvSpPr>
+            <a:spLocks noGrp="1"/>
+          </p:cNvSpPr>
+          <p:nvPr>
+            <p:ph type="title"/>
+          </p:nvPr>
+        </p:nvSpPr>
+        <p:spPr>
+          <a:xfrm>
+            <a:off x="457200" y="205200"/>
+            <a:ext cx="8229240" cy="858600"/>
+          </a:xfrm>
+          <a:prstGeom prst="rect">
+            <a:avLst/>
+          </a:prstGeom>
+        </p:spPr>
+        <p:txBody>
+          <a:bodyPr lIns="0" rIns="0" tIns="0" bIns="0" anchor="ctr"/>
+          <a:p>
+            <a:pPr algn="ctr"/>
+            <a:endParaRPr/>
+          </a:p>
+        </p:txBody>
+      </p:sp>
+      <p:sp>
+        <p:nvSpPr>
+          <p:cNvPr id="312" name="PlaceHolder 2"/>
+          <p:cNvSpPr>
+            <a:spLocks noGrp="1"/>
+          </p:cNvSpPr>
+          <p:nvPr>
+            <p:ph type="body"/>
+          </p:nvPr>
+        </p:nvSpPr>
+        <p:spPr>
+          <a:xfrm>
+            <a:off x="457200" y="1203480"/>
+            <a:ext cx="4015800" cy="1422720"/>
+          </a:xfrm>
+          <a:prstGeom prst="rect">
+            <a:avLst/>
+          </a:prstGeom>
+        </p:spPr>
+        <p:txBody>
+          <a:bodyPr lIns="0" rIns="0" tIns="0" bIns="0"/>
+          <a:p>
+            <a:endParaRPr/>
+          </a:p>
+        </p:txBody>
+      </p:sp>
+      <p:sp>
+        <p:nvSpPr>
+          <p:cNvPr id="313" name="PlaceHolder 3"/>
+          <p:cNvSpPr>
+            <a:spLocks noGrp="1"/>
+          </p:cNvSpPr>
+          <p:nvPr>
+            <p:ph type="body"/>
+          </p:nvPr>
+        </p:nvSpPr>
+        <p:spPr>
+          <a:xfrm>
+            <a:off x="457200" y="2761920"/>
+            <a:ext cx="4015800" cy="1422720"/>
+          </a:xfrm>
+          <a:prstGeom prst="rect">
+            <a:avLst/>
+          </a:prstGeom>
+        </p:spPr>
+        <p:txBody>
+          <a:bodyPr lIns="0" rIns="0" tIns="0" bIns="0"/>
+          <a:p>
+            <a:endParaRPr/>
+          </a:p>
+        </p:txBody>
+      </p:sp>
+      <p:sp>
+        <p:nvSpPr>
+          <p:cNvPr id="314" name="PlaceHolder 4"/>
+          <p:cNvSpPr>
+            <a:spLocks noGrp="1"/>
+          </p:cNvSpPr>
+          <p:nvPr>
+            <p:ph type="body"/>
+          </p:nvPr>
+        </p:nvSpPr>
+        <p:spPr>
+          <a:xfrm>
+            <a:off x="4674240" y="1203480"/>
+            <a:ext cx="4015800" cy="2982960"/>
+          </a:xfrm>
+          <a:prstGeom prst="rect">
+            <a:avLst/>
+          </a:prstGeom>
+        </p:spPr>
+        <p:txBody>
+          <a:bodyPr lIns="0" rIns="0" tIns="0" bIns="0"/>
+          <a:p>
+            <a:endParaRPr/>
+          </a:p>
+        </p:txBody>
+      </p:sp>
+    </p:spTree>
+  </p:cSld>
+</p:sldLayout>
+</file>
+
+<file path=ppt/slideLayouts/slideLayout104.xml><?xml version="1.0" encoding="utf-8"?>
+<p:sldLayout xmlns:a="http://schemas.openxmlformats.org/drawingml/2006/main" xmlns:p="http://schemas.openxmlformats.org/presentationml/2006/main" xmlns:r="http://schemas.openxmlformats.org/officeDocument/2006/relationships" type="objAndTwoObj" preserve="1">
+  <p:cSld name="Title Content and 2 Content">
+    <p:spTree>
+      <p:nvGrpSpPr>
+        <p:cNvPr id="1" name=""/>
+        <p:cNvGrpSpPr/>
+        <p:nvPr/>
+      </p:nvGrpSpPr>
+      <p:grpSpPr>
+        <a:xfrm>
+          <a:off x="0" y="0"/>
+          <a:ext cx="0" cy="0"/>
+          <a:chOff x="0" y="0"/>
+          <a:chExt cx="0" cy="0"/>
+        </a:xfrm>
+      </p:grpSpPr>
+      <p:sp>
+        <p:nvSpPr>
+          <p:cNvPr id="315" name="PlaceHolder 1"/>
+          <p:cNvSpPr>
+            <a:spLocks noGrp="1"/>
+          </p:cNvSpPr>
+          <p:nvPr>
+            <p:ph type="title"/>
+          </p:nvPr>
+        </p:nvSpPr>
+        <p:spPr>
+          <a:xfrm>
+            <a:off x="457200" y="205200"/>
+            <a:ext cx="8229240" cy="858600"/>
+          </a:xfrm>
+          <a:prstGeom prst="rect">
+            <a:avLst/>
+          </a:prstGeom>
+        </p:spPr>
+        <p:txBody>
+          <a:bodyPr lIns="0" rIns="0" tIns="0" bIns="0" anchor="ctr"/>
+          <a:p>
+            <a:pPr algn="ctr"/>
+            <a:endParaRPr/>
+          </a:p>
+        </p:txBody>
+      </p:sp>
+      <p:sp>
+        <p:nvSpPr>
+          <p:cNvPr id="316" name="PlaceHolder 2"/>
+          <p:cNvSpPr>
+            <a:spLocks noGrp="1"/>
+          </p:cNvSpPr>
+          <p:nvPr>
+            <p:ph type="body"/>
+          </p:nvPr>
+        </p:nvSpPr>
+        <p:spPr>
+          <a:xfrm>
+            <a:off x="457200" y="1203480"/>
+            <a:ext cx="4015800" cy="2982960"/>
+          </a:xfrm>
+          <a:prstGeom prst="rect">
+            <a:avLst/>
+          </a:prstGeom>
+        </p:spPr>
+        <p:txBody>
+          <a:bodyPr lIns="0" rIns="0" tIns="0" bIns="0"/>
+          <a:p>
+            <a:endParaRPr/>
+          </a:p>
+        </p:txBody>
+      </p:sp>
+      <p:sp>
+        <p:nvSpPr>
+          <p:cNvPr id="317" name="PlaceHolder 3"/>
+          <p:cNvSpPr>
+            <a:spLocks noGrp="1"/>
+          </p:cNvSpPr>
+          <p:nvPr>
+            <p:ph type="body"/>
+          </p:nvPr>
+        </p:nvSpPr>
+        <p:spPr>
+          <a:xfrm>
+            <a:off x="4674240" y="1203480"/>
+            <a:ext cx="4015800" cy="1422720"/>
+          </a:xfrm>
+          <a:prstGeom prst="rect">
+            <a:avLst/>
+          </a:prstGeom>
+        </p:spPr>
+        <p:txBody>
+          <a:bodyPr lIns="0" rIns="0" tIns="0" bIns="0"/>
+          <a:p>
+            <a:endParaRPr/>
+          </a:p>
+        </p:txBody>
+      </p:sp>
+      <p:sp>
+        <p:nvSpPr>
+          <p:cNvPr id="318" name="PlaceHolder 4"/>
+          <p:cNvSpPr>
+            <a:spLocks noGrp="1"/>
+          </p:cNvSpPr>
+          <p:nvPr>
+            <p:ph type="body"/>
+          </p:nvPr>
+        </p:nvSpPr>
+        <p:spPr>
+          <a:xfrm>
+            <a:off x="4674240" y="2761920"/>
+            <a:ext cx="4015800" cy="1422720"/>
+          </a:xfrm>
+          <a:prstGeom prst="rect">
+            <a:avLst/>
+          </a:prstGeom>
+        </p:spPr>
+        <p:txBody>
+          <a:bodyPr lIns="0" rIns="0" tIns="0" bIns="0"/>
+          <a:p>
+            <a:endParaRPr/>
+          </a:p>
+        </p:txBody>
+      </p:sp>
+    </p:spTree>
+  </p:cSld>
+</p:sldLayout>
+</file>
+
+<file path=ppt/slideLayouts/slideLayout105.xml><?xml version="1.0" encoding="utf-8"?>
+<p:sldLayout xmlns:a="http://schemas.openxmlformats.org/drawingml/2006/main" xmlns:p="http://schemas.openxmlformats.org/presentationml/2006/main" xmlns:r="http://schemas.openxmlformats.org/officeDocument/2006/relationships" type="twoObjOverTx" preserve="1">
+  <p:cSld name="Title, 2 Content over Content">
+    <p:spTree>
+      <p:nvGrpSpPr>
+        <p:cNvPr id="1" name=""/>
+        <p:cNvGrpSpPr/>
+        <p:nvPr/>
+      </p:nvGrpSpPr>
+      <p:grpSpPr>
+        <a:xfrm>
+          <a:off x="0" y="0"/>
+          <a:ext cx="0" cy="0"/>
+          <a:chOff x="0" y="0"/>
+          <a:chExt cx="0" cy="0"/>
+        </a:xfrm>
+      </p:grpSpPr>
+      <p:sp>
+        <p:nvSpPr>
+          <p:cNvPr id="319" name="PlaceHolder 1"/>
+          <p:cNvSpPr>
+            <a:spLocks noGrp="1"/>
+          </p:cNvSpPr>
+          <p:nvPr>
+            <p:ph type="title"/>
+          </p:nvPr>
+        </p:nvSpPr>
+        <p:spPr>
+          <a:xfrm>
+            <a:off x="457200" y="205200"/>
+            <a:ext cx="8229240" cy="858600"/>
+          </a:xfrm>
+          <a:prstGeom prst="rect">
+            <a:avLst/>
+          </a:prstGeom>
+        </p:spPr>
+        <p:txBody>
+          <a:bodyPr lIns="0" rIns="0" tIns="0" bIns="0" anchor="ctr"/>
+          <a:p>
+            <a:pPr algn="ctr"/>
+            <a:endParaRPr/>
+          </a:p>
+        </p:txBody>
+      </p:sp>
+      <p:sp>
+        <p:nvSpPr>
+          <p:cNvPr id="320" name="PlaceHolder 2"/>
+          <p:cNvSpPr>
+            <a:spLocks noGrp="1"/>
+          </p:cNvSpPr>
+          <p:nvPr>
+            <p:ph type="body"/>
+          </p:nvPr>
+        </p:nvSpPr>
+        <p:spPr>
+          <a:xfrm>
+            <a:off x="457200" y="1203480"/>
+            <a:ext cx="4015800" cy="1422720"/>
+          </a:xfrm>
+          <a:prstGeom prst="rect">
+            <a:avLst/>
+          </a:prstGeom>
+        </p:spPr>
+        <p:txBody>
+          <a:bodyPr lIns="0" rIns="0" tIns="0" bIns="0"/>
+          <a:p>
+            <a:endParaRPr/>
+          </a:p>
+        </p:txBody>
+      </p:sp>
+      <p:sp>
+        <p:nvSpPr>
+          <p:cNvPr id="321" name="PlaceHolder 3"/>
+          <p:cNvSpPr>
+            <a:spLocks noGrp="1"/>
+          </p:cNvSpPr>
+          <p:nvPr>
+            <p:ph type="body"/>
+          </p:nvPr>
+        </p:nvSpPr>
+        <p:spPr>
+          <a:xfrm>
+            <a:off x="4674240" y="1203480"/>
+            <a:ext cx="4015800" cy="1422720"/>
+          </a:xfrm>
+          <a:prstGeom prst="rect">
+            <a:avLst/>
+          </a:prstGeom>
+        </p:spPr>
+        <p:txBody>
+          <a:bodyPr lIns="0" rIns="0" tIns="0" bIns="0"/>
+          <a:p>
+            <a:endParaRPr/>
+          </a:p>
+        </p:txBody>
+      </p:sp>
+      <p:sp>
+        <p:nvSpPr>
+          <p:cNvPr id="322" name="PlaceHolder 4"/>
+          <p:cNvSpPr>
+            <a:spLocks noGrp="1"/>
+          </p:cNvSpPr>
+          <p:nvPr>
+            <p:ph type="body"/>
+          </p:nvPr>
+        </p:nvSpPr>
+        <p:spPr>
+          <a:xfrm>
+            <a:off x="457200" y="2761920"/>
+            <a:ext cx="8229240" cy="1422720"/>
+          </a:xfrm>
+          <a:prstGeom prst="rect">
+            <a:avLst/>
+          </a:prstGeom>
+        </p:spPr>
+        <p:txBody>
+          <a:bodyPr lIns="0" rIns="0" tIns="0" bIns="0"/>
+          <a:p>
+            <a:endParaRPr/>
+          </a:p>
+        </p:txBody>
+      </p:sp>
+    </p:spTree>
+  </p:cSld>
+</p:sldLayout>
+</file>
+
+<file path=ppt/slideLayouts/slideLayout106.xml><?xml version="1.0" encoding="utf-8"?>
+<p:sldLayout xmlns:a="http://schemas.openxmlformats.org/drawingml/2006/main" xmlns:p="http://schemas.openxmlformats.org/presentationml/2006/main" xmlns:r="http://schemas.openxmlformats.org/officeDocument/2006/relationships" type="objOverTx" preserve="1">
+  <p:cSld name="Title, Content over Content">
+    <p:spTree>
+      <p:nvGrpSpPr>
+        <p:cNvPr id="1" name=""/>
+        <p:cNvGrpSpPr/>
+        <p:nvPr/>
+      </p:nvGrpSpPr>
+      <p:grpSpPr>
+        <a:xfrm>
+          <a:off x="0" y="0"/>
+          <a:ext cx="0" cy="0"/>
+          <a:chOff x="0" y="0"/>
+          <a:chExt cx="0" cy="0"/>
+        </a:xfrm>
+      </p:grpSpPr>
+      <p:sp>
+        <p:nvSpPr>
+          <p:cNvPr id="323" name="PlaceHolder 1"/>
+          <p:cNvSpPr>
+            <a:spLocks noGrp="1"/>
+          </p:cNvSpPr>
+          <p:nvPr>
+            <p:ph type="title"/>
+          </p:nvPr>
+        </p:nvSpPr>
+        <p:spPr>
+          <a:xfrm>
+            <a:off x="457200" y="205200"/>
+            <a:ext cx="8229240" cy="858600"/>
+          </a:xfrm>
+          <a:prstGeom prst="rect">
+            <a:avLst/>
+          </a:prstGeom>
+        </p:spPr>
+        <p:txBody>
+          <a:bodyPr lIns="0" rIns="0" tIns="0" bIns="0" anchor="ctr"/>
+          <a:p>
+            <a:pPr algn="ctr"/>
+            <a:endParaRPr/>
+          </a:p>
+        </p:txBody>
+      </p:sp>
+      <p:sp>
+        <p:nvSpPr>
+          <p:cNvPr id="324" name="PlaceHolder 2"/>
+          <p:cNvSpPr>
+            <a:spLocks noGrp="1"/>
+          </p:cNvSpPr>
+          <p:nvPr>
+            <p:ph type="body"/>
+          </p:nvPr>
+        </p:nvSpPr>
+        <p:spPr>
+          <a:xfrm>
+            <a:off x="457200" y="1203480"/>
+            <a:ext cx="8229240" cy="1422720"/>
+          </a:xfrm>
+          <a:prstGeom prst="rect">
+            <a:avLst/>
+          </a:prstGeom>
+        </p:spPr>
+        <p:txBody>
+          <a:bodyPr lIns="0" rIns="0" tIns="0" bIns="0"/>
+          <a:p>
+            <a:endParaRPr/>
+          </a:p>
+        </p:txBody>
+      </p:sp>
+      <p:sp>
+        <p:nvSpPr>
+          <p:cNvPr id="325" name="PlaceHolder 3"/>
+          <p:cNvSpPr>
+            <a:spLocks noGrp="1"/>
+          </p:cNvSpPr>
+          <p:nvPr>
+            <p:ph type="body"/>
+          </p:nvPr>
+        </p:nvSpPr>
+        <p:spPr>
+          <a:xfrm>
+            <a:off x="457200" y="2761920"/>
+            <a:ext cx="8229240" cy="1422720"/>
+          </a:xfrm>
+          <a:prstGeom prst="rect">
+            <a:avLst/>
+          </a:prstGeom>
+        </p:spPr>
+        <p:txBody>
+          <a:bodyPr lIns="0" rIns="0" tIns="0" bIns="0"/>
+          <a:p>
+            <a:endParaRPr/>
+          </a:p>
+        </p:txBody>
+      </p:sp>
+    </p:spTree>
+  </p:cSld>
+</p:sldLayout>
+</file>
+
+<file path=ppt/slideLayouts/slideLayout107.xml><?xml version="1.0" encoding="utf-8"?>
+<p:sldLayout xmlns:a="http://schemas.openxmlformats.org/drawingml/2006/main" xmlns:p="http://schemas.openxmlformats.org/presentationml/2006/main" xmlns:r="http://schemas.openxmlformats.org/officeDocument/2006/relationships" type="fourObj" preserve="1">
+  <p:cSld name="Title, 4 Content">
+    <p:spTree>
+      <p:nvGrpSpPr>
+        <p:cNvPr id="1" name=""/>
+        <p:cNvGrpSpPr/>
+        <p:nvPr/>
+      </p:nvGrpSpPr>
+      <p:grpSpPr>
+        <a:xfrm>
+          <a:off x="0" y="0"/>
+          <a:ext cx="0" cy="0"/>
+          <a:chOff x="0" y="0"/>
+          <a:chExt cx="0" cy="0"/>
+        </a:xfrm>
+      </p:grpSpPr>
+      <p:sp>
+        <p:nvSpPr>
+          <p:cNvPr id="326" name="PlaceHolder 1"/>
+          <p:cNvSpPr>
+            <a:spLocks noGrp="1"/>
+          </p:cNvSpPr>
+          <p:nvPr>
+            <p:ph type="title"/>
+          </p:nvPr>
+        </p:nvSpPr>
+        <p:spPr>
+          <a:xfrm>
+            <a:off x="457200" y="205200"/>
+            <a:ext cx="8229240" cy="858600"/>
+          </a:xfrm>
+          <a:prstGeom prst="rect">
+            <a:avLst/>
+          </a:prstGeom>
+        </p:spPr>
+        <p:txBody>
+          <a:bodyPr lIns="0" rIns="0" tIns="0" bIns="0" anchor="ctr"/>
+          <a:p>
+            <a:pPr algn="ctr"/>
+            <a:endParaRPr/>
+          </a:p>
+        </p:txBody>
+      </p:sp>
+      <p:sp>
+        <p:nvSpPr>
+          <p:cNvPr id="327" name="PlaceHolder 2"/>
+          <p:cNvSpPr>
+            <a:spLocks noGrp="1"/>
+          </p:cNvSpPr>
+          <p:nvPr>
+            <p:ph type="body"/>
+          </p:nvPr>
+        </p:nvSpPr>
+        <p:spPr>
+          <a:xfrm>
+            <a:off x="457200" y="1203480"/>
+            <a:ext cx="4015800" cy="1422720"/>
+          </a:xfrm>
+          <a:prstGeom prst="rect">
+            <a:avLst/>
+          </a:prstGeom>
+        </p:spPr>
+        <p:txBody>
+          <a:bodyPr lIns="0" rIns="0" tIns="0" bIns="0"/>
+          <a:p>
+            <a:endParaRPr/>
+          </a:p>
+        </p:txBody>
+      </p:sp>
+      <p:sp>
+        <p:nvSpPr>
+          <p:cNvPr id="328" name="PlaceHolder 3"/>
+          <p:cNvSpPr>
+            <a:spLocks noGrp="1"/>
+          </p:cNvSpPr>
+          <p:nvPr>
+            <p:ph type="body"/>
+          </p:nvPr>
+        </p:nvSpPr>
+        <p:spPr>
+          <a:xfrm>
+            <a:off x="4674240" y="1203480"/>
+            <a:ext cx="4015800" cy="1422720"/>
+          </a:xfrm>
+          <a:prstGeom prst="rect">
+            <a:avLst/>
+          </a:prstGeom>
+        </p:spPr>
+        <p:txBody>
+          <a:bodyPr lIns="0" rIns="0" tIns="0" bIns="0"/>
+          <a:p>
+            <a:endParaRPr/>
+          </a:p>
+        </p:txBody>
+      </p:sp>
+      <p:sp>
+        <p:nvSpPr>
+          <p:cNvPr id="329" name="PlaceHolder 4"/>
+          <p:cNvSpPr>
+            <a:spLocks noGrp="1"/>
+          </p:cNvSpPr>
+          <p:nvPr>
+            <p:ph type="body"/>
+          </p:nvPr>
+        </p:nvSpPr>
+        <p:spPr>
+          <a:xfrm>
+            <a:off x="4674240" y="2761920"/>
+            <a:ext cx="4015800" cy="1422720"/>
+          </a:xfrm>
+          <a:prstGeom prst="rect">
+            <a:avLst/>
+          </a:prstGeom>
+        </p:spPr>
+        <p:txBody>
+          <a:bodyPr lIns="0" rIns="0" tIns="0" bIns="0"/>
+          <a:p>
+            <a:endParaRPr/>
+          </a:p>
+        </p:txBody>
+      </p:sp>
+      <p:sp>
+        <p:nvSpPr>
+          <p:cNvPr id="330" name="PlaceHolder 5"/>
+          <p:cNvSpPr>
+            <a:spLocks noGrp="1"/>
+          </p:cNvSpPr>
+          <p:nvPr>
+            <p:ph type="body"/>
+          </p:nvPr>
+        </p:nvSpPr>
+        <p:spPr>
+          <a:xfrm>
+            <a:off x="457200" y="2761920"/>
+            <a:ext cx="4015800" cy="1422720"/>
+          </a:xfrm>
+          <a:prstGeom prst="rect">
+            <a:avLst/>
+          </a:prstGeom>
+        </p:spPr>
+        <p:txBody>
+          <a:bodyPr lIns="0" rIns="0" tIns="0" bIns="0"/>
+          <a:p>
+            <a:endParaRPr/>
+          </a:p>
+        </p:txBody>
+      </p:sp>
+    </p:spTree>
+  </p:cSld>
+</p:sldLayout>
+</file>
+
+<file path=ppt/slideLayouts/slideLayout108.xml><?xml version="1.0" encoding="utf-8"?>
+<p:sldLayout xmlns:a="http://schemas.openxmlformats.org/drawingml/2006/main" xmlns:p="http://schemas.openxmlformats.org/presentationml/2006/main" xmlns:r="http://schemas.openxmlformats.org/officeDocument/2006/relationships" type="blank" preserve="1">
+  <p:cSld name="Title, 6 Content">
+    <p:spTree>
+      <p:nvGrpSpPr>
+        <p:cNvPr id="1" name=""/>
+        <p:cNvGrpSpPr/>
+        <p:nvPr/>
+      </p:nvGrpSpPr>
+      <p:grpSpPr>
+        <a:xfrm>
+          <a:off x="0" y="0"/>
+          <a:ext cx="0" cy="0"/>
+          <a:chOff x="0" y="0"/>
+          <a:chExt cx="0" cy="0"/>
+        </a:xfrm>
+      </p:grpSpPr>
+      <p:sp>
+        <p:nvSpPr>
+          <p:cNvPr id="331" name="PlaceHolder 1"/>
+          <p:cNvSpPr>
+            <a:spLocks noGrp="1"/>
+          </p:cNvSpPr>
+          <p:nvPr>
+            <p:ph type="title"/>
+          </p:nvPr>
+        </p:nvSpPr>
+        <p:spPr>
+          <a:xfrm>
+            <a:off x="457200" y="205200"/>
+            <a:ext cx="8229240" cy="858600"/>
+          </a:xfrm>
+          <a:prstGeom prst="rect">
+            <a:avLst/>
+          </a:prstGeom>
+        </p:spPr>
+        <p:txBody>
+          <a:bodyPr lIns="0" rIns="0" tIns="0" bIns="0" anchor="ctr"/>
+          <a:p>
+            <a:pPr algn="ctr"/>
+            <a:endParaRPr/>
+          </a:p>
+        </p:txBody>
+      </p:sp>
+      <p:sp>
+        <p:nvSpPr>
+          <p:cNvPr id="332" name="PlaceHolder 2"/>
+          <p:cNvSpPr>
+            <a:spLocks noGrp="1"/>
+          </p:cNvSpPr>
+          <p:nvPr>
+            <p:ph type="body"/>
+          </p:nvPr>
+        </p:nvSpPr>
+        <p:spPr>
+          <a:xfrm>
+            <a:off x="457200" y="1203480"/>
+            <a:ext cx="8229240" cy="2982960"/>
+          </a:xfrm>
+          <a:prstGeom prst="rect">
+            <a:avLst/>
+          </a:prstGeom>
+        </p:spPr>
+        <p:txBody>
+          <a:bodyPr lIns="0" rIns="0" tIns="0" bIns="0"/>
+          <a:p>
+            <a:endParaRPr/>
+          </a:p>
+        </p:txBody>
+      </p:sp>
+      <p:sp>
+        <p:nvSpPr>
+          <p:cNvPr id="333" name="PlaceHolder 3"/>
+          <p:cNvSpPr>
+            <a:spLocks noGrp="1"/>
+          </p:cNvSpPr>
+          <p:nvPr>
+            <p:ph type="body"/>
+          </p:nvPr>
+        </p:nvSpPr>
+        <p:spPr>
+          <a:xfrm>
+            <a:off x="457200" y="1203480"/>
+            <a:ext cx="8229240" cy="2982960"/>
+          </a:xfrm>
+          <a:prstGeom prst="rect">
+            <a:avLst/>
+          </a:prstGeom>
+        </p:spPr>
+        <p:txBody>
+          <a:bodyPr lIns="0" rIns="0" tIns="0" bIns="0"/>
+          <a:p>
+            <a:endParaRPr/>
+          </a:p>
+        </p:txBody>
+      </p:sp>
+      <p:pic>
+        <p:nvPicPr>
+          <p:cNvPr id="334" name="" descr=""/>
+          <p:cNvPicPr/>
+          <p:nvPr/>
+        </p:nvPicPr>
+        <p:blipFill>
+          <a:blip r:embed="rId2"/>
+          <a:stretch/>
+        </p:blipFill>
+        <p:spPr>
+          <a:xfrm>
+            <a:off x="2702160" y="1203480"/>
+            <a:ext cx="3738600" cy="2982960"/>
+          </a:xfrm>
+          <a:prstGeom prst="rect">
+            <a:avLst/>
+          </a:prstGeom>
+          <a:ln>
+            <a:noFill/>
+          </a:ln>
+        </p:spPr>
+      </p:pic>
+      <p:pic>
+        <p:nvPicPr>
+          <p:cNvPr id="335" name="" descr=""/>
+          <p:cNvPicPr/>
+          <p:nvPr/>
+        </p:nvPicPr>
+        <p:blipFill>
+          <a:blip r:embed="rId3"/>
+          <a:stretch/>
+        </p:blipFill>
+        <p:spPr>
+          <a:xfrm>
+            <a:off x="2702160" y="1203480"/>
+            <a:ext cx="3738600" cy="2982960"/>
+          </a:xfrm>
+          <a:prstGeom prst="rect">
+            <a:avLst/>
+          </a:prstGeom>
+          <a:ln>
+            <a:noFill/>
+          </a:ln>
+        </p:spPr>
+      </p:pic>
     </p:spTree>
   </p:cSld>
 </p:sldLayout>
@@ -7028,7 +8014,7 @@
       </p:grpSpPr>
       <p:sp>
         <p:nvSpPr>
-          <p:cNvPr id="228" name="PlaceHolder 1"/>
+          <p:cNvPr id="225" name="PlaceHolder 1"/>
           <p:cNvSpPr>
             <a:spLocks noGrp="1"/>
           </p:cNvSpPr>
@@ -7055,7 +8041,7 @@
       </p:sp>
       <p:sp>
         <p:nvSpPr>
-          <p:cNvPr id="229" name="PlaceHolder 2"/>
+          <p:cNvPr id="226" name="PlaceHolder 2"/>
           <p:cNvSpPr>
             <a:spLocks noGrp="1"/>
           </p:cNvSpPr>
@@ -7104,7 +8090,7 @@
       </p:grpSpPr>
       <p:sp>
         <p:nvSpPr>
-          <p:cNvPr id="230" name="PlaceHolder 1"/>
+          <p:cNvPr id="227" name="PlaceHolder 1"/>
           <p:cNvSpPr>
             <a:spLocks noGrp="1"/>
           </p:cNvSpPr>
@@ -7131,7 +8117,7 @@
       </p:sp>
       <p:sp>
         <p:nvSpPr>
-          <p:cNvPr id="231" name="PlaceHolder 2"/>
+          <p:cNvPr id="228" name="PlaceHolder 2"/>
           <p:cNvSpPr>
             <a:spLocks noGrp="1"/>
           </p:cNvSpPr>
@@ -7179,7 +8165,7 @@
       </p:grpSpPr>
       <p:sp>
         <p:nvSpPr>
-          <p:cNvPr id="232" name="PlaceHolder 1"/>
+          <p:cNvPr id="229" name="PlaceHolder 1"/>
           <p:cNvSpPr>
             <a:spLocks noGrp="1"/>
           </p:cNvSpPr>
@@ -7206,7 +8192,7 @@
       </p:sp>
       <p:sp>
         <p:nvSpPr>
-          <p:cNvPr id="233" name="PlaceHolder 2"/>
+          <p:cNvPr id="230" name="PlaceHolder 2"/>
           <p:cNvSpPr>
             <a:spLocks noGrp="1"/>
           </p:cNvSpPr>
@@ -7232,7 +8218,7 @@
       </p:sp>
       <p:sp>
         <p:nvSpPr>
-          <p:cNvPr id="234" name="PlaceHolder 3"/>
+          <p:cNvPr id="231" name="PlaceHolder 3"/>
           <p:cNvSpPr>
             <a:spLocks noGrp="1"/>
           </p:cNvSpPr>
@@ -7280,7 +8266,7 @@
       </p:grpSpPr>
       <p:sp>
         <p:nvSpPr>
-          <p:cNvPr id="235" name="PlaceHolder 1"/>
+          <p:cNvPr id="232" name="PlaceHolder 1"/>
           <p:cNvSpPr>
             <a:spLocks noGrp="1"/>
           </p:cNvSpPr>
@@ -7329,7 +8315,7 @@
       </p:grpSpPr>
       <p:sp>
         <p:nvSpPr>
-          <p:cNvPr id="236" name="PlaceHolder 1"/>
+          <p:cNvPr id="233" name="PlaceHolder 1"/>
           <p:cNvSpPr>
             <a:spLocks noGrp="1"/>
           </p:cNvSpPr>
@@ -7378,7 +8364,7 @@
       </p:grpSpPr>
       <p:sp>
         <p:nvSpPr>
-          <p:cNvPr id="237" name="PlaceHolder 1"/>
+          <p:cNvPr id="234" name="PlaceHolder 1"/>
           <p:cNvSpPr>
             <a:spLocks noGrp="1"/>
           </p:cNvSpPr>
@@ -7405,7 +8391,7 @@
       </p:sp>
       <p:sp>
         <p:nvSpPr>
-          <p:cNvPr id="238" name="PlaceHolder 2"/>
+          <p:cNvPr id="235" name="PlaceHolder 2"/>
           <p:cNvSpPr>
             <a:spLocks noGrp="1"/>
           </p:cNvSpPr>
@@ -7431,7 +8417,7 @@
       </p:sp>
       <p:sp>
         <p:nvSpPr>
-          <p:cNvPr id="239" name="PlaceHolder 3"/>
+          <p:cNvPr id="236" name="PlaceHolder 3"/>
           <p:cNvSpPr>
             <a:spLocks noGrp="1"/>
           </p:cNvSpPr>
@@ -7457,7 +8443,7 @@
       </p:sp>
       <p:sp>
         <p:nvSpPr>
-          <p:cNvPr id="240" name="PlaceHolder 4"/>
+          <p:cNvPr id="237" name="PlaceHolder 4"/>
           <p:cNvSpPr>
             <a:spLocks noGrp="1"/>
           </p:cNvSpPr>
@@ -7632,7 +8618,7 @@
       </p:grpSpPr>
       <p:sp>
         <p:nvSpPr>
-          <p:cNvPr id="241" name="PlaceHolder 1"/>
+          <p:cNvPr id="238" name="PlaceHolder 1"/>
           <p:cNvSpPr>
             <a:spLocks noGrp="1"/>
           </p:cNvSpPr>
@@ -7659,7 +8645,7 @@
       </p:sp>
       <p:sp>
         <p:nvSpPr>
-          <p:cNvPr id="242" name="PlaceHolder 2"/>
+          <p:cNvPr id="239" name="PlaceHolder 2"/>
           <p:cNvSpPr>
             <a:spLocks noGrp="1"/>
           </p:cNvSpPr>
@@ -7685,7 +8671,7 @@
       </p:sp>
       <p:sp>
         <p:nvSpPr>
-          <p:cNvPr id="243" name="PlaceHolder 3"/>
+          <p:cNvPr id="240" name="PlaceHolder 3"/>
           <p:cNvSpPr>
             <a:spLocks noGrp="1"/>
           </p:cNvSpPr>
@@ -7711,7 +8697,7 @@
       </p:sp>
       <p:sp>
         <p:nvSpPr>
-          <p:cNvPr id="244" name="PlaceHolder 4"/>
+          <p:cNvPr id="241" name="PlaceHolder 4"/>
           <p:cNvSpPr>
             <a:spLocks noGrp="1"/>
           </p:cNvSpPr>
@@ -7759,7 +8745,7 @@
       </p:grpSpPr>
       <p:sp>
         <p:nvSpPr>
-          <p:cNvPr id="245" name="PlaceHolder 1"/>
+          <p:cNvPr id="242" name="PlaceHolder 1"/>
           <p:cNvSpPr>
             <a:spLocks noGrp="1"/>
           </p:cNvSpPr>
@@ -7786,7 +8772,7 @@
       </p:sp>
       <p:sp>
         <p:nvSpPr>
-          <p:cNvPr id="246" name="PlaceHolder 2"/>
+          <p:cNvPr id="243" name="PlaceHolder 2"/>
           <p:cNvSpPr>
             <a:spLocks noGrp="1"/>
           </p:cNvSpPr>
@@ -7812,7 +8798,7 @@
       </p:sp>
       <p:sp>
         <p:nvSpPr>
-          <p:cNvPr id="247" name="PlaceHolder 3"/>
+          <p:cNvPr id="244" name="PlaceHolder 3"/>
           <p:cNvSpPr>
             <a:spLocks noGrp="1"/>
           </p:cNvSpPr>
@@ -7838,7 +8824,7 @@
       </p:sp>
       <p:sp>
         <p:nvSpPr>
-          <p:cNvPr id="248" name="PlaceHolder 4"/>
+          <p:cNvPr id="245" name="PlaceHolder 4"/>
           <p:cNvSpPr>
             <a:spLocks noGrp="1"/>
           </p:cNvSpPr>
@@ -7886,7 +8872,7 @@
       </p:grpSpPr>
       <p:sp>
         <p:nvSpPr>
-          <p:cNvPr id="249" name="PlaceHolder 1"/>
+          <p:cNvPr id="246" name="PlaceHolder 1"/>
           <p:cNvSpPr>
             <a:spLocks noGrp="1"/>
           </p:cNvSpPr>
@@ -7913,7 +8899,7 @@
       </p:sp>
       <p:sp>
         <p:nvSpPr>
-          <p:cNvPr id="250" name="PlaceHolder 2"/>
+          <p:cNvPr id="247" name="PlaceHolder 2"/>
           <p:cNvSpPr>
             <a:spLocks noGrp="1"/>
           </p:cNvSpPr>
@@ -7939,7 +8925,7 @@
       </p:sp>
       <p:sp>
         <p:nvSpPr>
-          <p:cNvPr id="251" name="PlaceHolder 3"/>
+          <p:cNvPr id="248" name="PlaceHolder 3"/>
           <p:cNvSpPr>
             <a:spLocks noGrp="1"/>
           </p:cNvSpPr>
@@ -7987,7 +8973,7 @@
       </p:grpSpPr>
       <p:sp>
         <p:nvSpPr>
-          <p:cNvPr id="252" name="PlaceHolder 1"/>
+          <p:cNvPr id="249" name="PlaceHolder 1"/>
           <p:cNvSpPr>
             <a:spLocks noGrp="1"/>
           </p:cNvSpPr>
@@ -8014,7 +9000,7 @@
       </p:sp>
       <p:sp>
         <p:nvSpPr>
-          <p:cNvPr id="253" name="PlaceHolder 2"/>
+          <p:cNvPr id="250" name="PlaceHolder 2"/>
           <p:cNvSpPr>
             <a:spLocks noGrp="1"/>
           </p:cNvSpPr>
@@ -8040,7 +9026,7 @@
       </p:sp>
       <p:sp>
         <p:nvSpPr>
-          <p:cNvPr id="254" name="PlaceHolder 3"/>
+          <p:cNvPr id="251" name="PlaceHolder 3"/>
           <p:cNvSpPr>
             <a:spLocks noGrp="1"/>
           </p:cNvSpPr>
@@ -8066,7 +9052,7 @@
       </p:sp>
       <p:sp>
         <p:nvSpPr>
-          <p:cNvPr id="255" name="PlaceHolder 4"/>
+          <p:cNvPr id="252" name="PlaceHolder 4"/>
           <p:cNvSpPr>
             <a:spLocks noGrp="1"/>
           </p:cNvSpPr>
@@ -8092,7 +9078,7 @@
       </p:sp>
       <p:sp>
         <p:nvSpPr>
-          <p:cNvPr id="256" name="PlaceHolder 5"/>
+          <p:cNvPr id="253" name="PlaceHolder 5"/>
           <p:cNvSpPr>
             <a:spLocks noGrp="1"/>
           </p:cNvSpPr>
@@ -8140,7 +9126,7 @@
       </p:grpSpPr>
       <p:sp>
         <p:nvSpPr>
-          <p:cNvPr id="257" name="PlaceHolder 1"/>
+          <p:cNvPr id="254" name="PlaceHolder 1"/>
           <p:cNvSpPr>
             <a:spLocks noGrp="1"/>
           </p:cNvSpPr>
@@ -8167,7 +9153,7 @@
       </p:sp>
       <p:sp>
         <p:nvSpPr>
-          <p:cNvPr id="258" name="PlaceHolder 2"/>
+          <p:cNvPr id="255" name="PlaceHolder 2"/>
           <p:cNvSpPr>
             <a:spLocks noGrp="1"/>
           </p:cNvSpPr>
@@ -8193,7 +9179,7 @@
       </p:sp>
       <p:sp>
         <p:nvSpPr>
-          <p:cNvPr id="259" name="PlaceHolder 3"/>
+          <p:cNvPr id="256" name="PlaceHolder 3"/>
           <p:cNvSpPr>
             <a:spLocks noGrp="1"/>
           </p:cNvSpPr>
@@ -8219,7 +9205,7 @@
       </p:sp>
       <p:pic>
         <p:nvPicPr>
-          <p:cNvPr id="260" name="" descr=""/>
+          <p:cNvPr id="257" name="" descr=""/>
           <p:cNvPicPr/>
           <p:nvPr/>
         </p:nvPicPr>
@@ -8242,7 +9228,7 @@
       </p:pic>
       <p:pic>
         <p:nvPicPr>
-          <p:cNvPr id="261" name="" descr=""/>
+          <p:cNvPr id="258" name="" descr=""/>
           <p:cNvPicPr/>
           <p:nvPr/>
         </p:nvPicPr>
@@ -8263,6 +9249,329 @@
           </a:ln>
         </p:spPr>
       </p:pic>
+    </p:spTree>
+  </p:cSld>
+</p:sldLayout>
+</file>
+
+<file path=ppt/slideLayouts/slideLayout85.xml><?xml version="1.0" encoding="utf-8"?>
+<p:sldLayout xmlns:a="http://schemas.openxmlformats.org/drawingml/2006/main" xmlns:p="http://schemas.openxmlformats.org/presentationml/2006/main" xmlns:r="http://schemas.openxmlformats.org/officeDocument/2006/relationships" type="blank" preserve="1">
+  <p:cSld name="Blank Slide">
+    <p:spTree>
+      <p:nvGrpSpPr>
+        <p:cNvPr id="1" name=""/>
+        <p:cNvGrpSpPr/>
+        <p:nvPr/>
+      </p:nvGrpSpPr>
+      <p:grpSpPr>
+        <a:xfrm>
+          <a:off x="0" y="0"/>
+          <a:ext cx="0" cy="0"/>
+          <a:chOff x="0" y="0"/>
+          <a:chExt cx="0" cy="0"/>
+        </a:xfrm>
+      </p:grpSpPr>
+    </p:spTree>
+  </p:cSld>
+</p:sldLayout>
+</file>
+
+<file path=ppt/slideLayouts/slideLayout86.xml><?xml version="1.0" encoding="utf-8"?>
+<p:sldLayout xmlns:a="http://schemas.openxmlformats.org/drawingml/2006/main" xmlns:p="http://schemas.openxmlformats.org/presentationml/2006/main" xmlns:r="http://schemas.openxmlformats.org/officeDocument/2006/relationships" type="tx" preserve="1">
+  <p:cSld name="Title Slide">
+    <p:spTree>
+      <p:nvGrpSpPr>
+        <p:cNvPr id="1" name=""/>
+        <p:cNvGrpSpPr/>
+        <p:nvPr/>
+      </p:nvGrpSpPr>
+      <p:grpSpPr>
+        <a:xfrm>
+          <a:off x="0" y="0"/>
+          <a:ext cx="0" cy="0"/>
+          <a:chOff x="0" y="0"/>
+          <a:chExt cx="0" cy="0"/>
+        </a:xfrm>
+      </p:grpSpPr>
+      <p:sp>
+        <p:nvSpPr>
+          <p:cNvPr id="262" name="PlaceHolder 1"/>
+          <p:cNvSpPr>
+            <a:spLocks noGrp="1"/>
+          </p:cNvSpPr>
+          <p:nvPr>
+            <p:ph type="title"/>
+          </p:nvPr>
+        </p:nvSpPr>
+        <p:spPr>
+          <a:xfrm>
+            <a:off x="457200" y="205200"/>
+            <a:ext cx="8229240" cy="858600"/>
+          </a:xfrm>
+          <a:prstGeom prst="rect">
+            <a:avLst/>
+          </a:prstGeom>
+        </p:spPr>
+        <p:txBody>
+          <a:bodyPr lIns="0" rIns="0" tIns="0" bIns="0" anchor="ctr"/>
+          <a:p>
+            <a:pPr algn="ctr"/>
+            <a:endParaRPr/>
+          </a:p>
+        </p:txBody>
+      </p:sp>
+      <p:sp>
+        <p:nvSpPr>
+          <p:cNvPr id="263" name="PlaceHolder 2"/>
+          <p:cNvSpPr>
+            <a:spLocks noGrp="1"/>
+          </p:cNvSpPr>
+          <p:nvPr>
+            <p:ph type="subTitle"/>
+          </p:nvPr>
+        </p:nvSpPr>
+        <p:spPr>
+          <a:xfrm>
+            <a:off x="457200" y="1203480"/>
+            <a:ext cx="8229240" cy="2982960"/>
+          </a:xfrm>
+          <a:prstGeom prst="rect">
+            <a:avLst/>
+          </a:prstGeom>
+        </p:spPr>
+        <p:txBody>
+          <a:bodyPr lIns="0" rIns="0" tIns="0" bIns="0" anchor="ctr"/>
+          <a:p>
+            <a:pPr algn="ctr"/>
+            <a:endParaRPr/>
+          </a:p>
+        </p:txBody>
+      </p:sp>
+    </p:spTree>
+  </p:cSld>
+</p:sldLayout>
+</file>
+
+<file path=ppt/slideLayouts/slideLayout87.xml><?xml version="1.0" encoding="utf-8"?>
+<p:sldLayout xmlns:a="http://schemas.openxmlformats.org/drawingml/2006/main" xmlns:p="http://schemas.openxmlformats.org/presentationml/2006/main" xmlns:r="http://schemas.openxmlformats.org/officeDocument/2006/relationships" type="obj" preserve="1">
+  <p:cSld name="Title, Content">
+    <p:spTree>
+      <p:nvGrpSpPr>
+        <p:cNvPr id="1" name=""/>
+        <p:cNvGrpSpPr/>
+        <p:nvPr/>
+      </p:nvGrpSpPr>
+      <p:grpSpPr>
+        <a:xfrm>
+          <a:off x="0" y="0"/>
+          <a:ext cx="0" cy="0"/>
+          <a:chOff x="0" y="0"/>
+          <a:chExt cx="0" cy="0"/>
+        </a:xfrm>
+      </p:grpSpPr>
+      <p:sp>
+        <p:nvSpPr>
+          <p:cNvPr id="264" name="PlaceHolder 1"/>
+          <p:cNvSpPr>
+            <a:spLocks noGrp="1"/>
+          </p:cNvSpPr>
+          <p:nvPr>
+            <p:ph type="title"/>
+          </p:nvPr>
+        </p:nvSpPr>
+        <p:spPr>
+          <a:xfrm>
+            <a:off x="457200" y="205200"/>
+            <a:ext cx="8229240" cy="858600"/>
+          </a:xfrm>
+          <a:prstGeom prst="rect">
+            <a:avLst/>
+          </a:prstGeom>
+        </p:spPr>
+        <p:txBody>
+          <a:bodyPr lIns="0" rIns="0" tIns="0" bIns="0" anchor="ctr"/>
+          <a:p>
+            <a:pPr algn="ctr"/>
+            <a:endParaRPr/>
+          </a:p>
+        </p:txBody>
+      </p:sp>
+      <p:sp>
+        <p:nvSpPr>
+          <p:cNvPr id="265" name="PlaceHolder 2"/>
+          <p:cNvSpPr>
+            <a:spLocks noGrp="1"/>
+          </p:cNvSpPr>
+          <p:nvPr>
+            <p:ph type="body"/>
+          </p:nvPr>
+        </p:nvSpPr>
+        <p:spPr>
+          <a:xfrm>
+            <a:off x="457200" y="1203480"/>
+            <a:ext cx="8229240" cy="2982960"/>
+          </a:xfrm>
+          <a:prstGeom prst="rect">
+            <a:avLst/>
+          </a:prstGeom>
+        </p:spPr>
+        <p:txBody>
+          <a:bodyPr lIns="0" rIns="0" tIns="0" bIns="0"/>
+          <a:p>
+            <a:endParaRPr/>
+          </a:p>
+        </p:txBody>
+      </p:sp>
+    </p:spTree>
+  </p:cSld>
+</p:sldLayout>
+</file>
+
+<file path=ppt/slideLayouts/slideLayout88.xml><?xml version="1.0" encoding="utf-8"?>
+<p:sldLayout xmlns:a="http://schemas.openxmlformats.org/drawingml/2006/main" xmlns:p="http://schemas.openxmlformats.org/presentationml/2006/main" xmlns:r="http://schemas.openxmlformats.org/officeDocument/2006/relationships" type="twoObj" preserve="1">
+  <p:cSld name="Title, 2 Content">
+    <p:spTree>
+      <p:nvGrpSpPr>
+        <p:cNvPr id="1" name=""/>
+        <p:cNvGrpSpPr/>
+        <p:nvPr/>
+      </p:nvGrpSpPr>
+      <p:grpSpPr>
+        <a:xfrm>
+          <a:off x="0" y="0"/>
+          <a:ext cx="0" cy="0"/>
+          <a:chOff x="0" y="0"/>
+          <a:chExt cx="0" cy="0"/>
+        </a:xfrm>
+      </p:grpSpPr>
+      <p:sp>
+        <p:nvSpPr>
+          <p:cNvPr id="266" name="PlaceHolder 1"/>
+          <p:cNvSpPr>
+            <a:spLocks noGrp="1"/>
+          </p:cNvSpPr>
+          <p:nvPr>
+            <p:ph type="title"/>
+          </p:nvPr>
+        </p:nvSpPr>
+        <p:spPr>
+          <a:xfrm>
+            <a:off x="457200" y="205200"/>
+            <a:ext cx="8229240" cy="858600"/>
+          </a:xfrm>
+          <a:prstGeom prst="rect">
+            <a:avLst/>
+          </a:prstGeom>
+        </p:spPr>
+        <p:txBody>
+          <a:bodyPr lIns="0" rIns="0" tIns="0" bIns="0" anchor="ctr"/>
+          <a:p>
+            <a:pPr algn="ctr"/>
+            <a:endParaRPr/>
+          </a:p>
+        </p:txBody>
+      </p:sp>
+      <p:sp>
+        <p:nvSpPr>
+          <p:cNvPr id="267" name="PlaceHolder 2"/>
+          <p:cNvSpPr>
+            <a:spLocks noGrp="1"/>
+          </p:cNvSpPr>
+          <p:nvPr>
+            <p:ph type="body"/>
+          </p:nvPr>
+        </p:nvSpPr>
+        <p:spPr>
+          <a:xfrm>
+            <a:off x="457200" y="1203480"/>
+            <a:ext cx="4015800" cy="2982960"/>
+          </a:xfrm>
+          <a:prstGeom prst="rect">
+            <a:avLst/>
+          </a:prstGeom>
+        </p:spPr>
+        <p:txBody>
+          <a:bodyPr lIns="0" rIns="0" tIns="0" bIns="0"/>
+          <a:p>
+            <a:endParaRPr/>
+          </a:p>
+        </p:txBody>
+      </p:sp>
+      <p:sp>
+        <p:nvSpPr>
+          <p:cNvPr id="268" name="PlaceHolder 3"/>
+          <p:cNvSpPr>
+            <a:spLocks noGrp="1"/>
+          </p:cNvSpPr>
+          <p:nvPr>
+            <p:ph type="body"/>
+          </p:nvPr>
+        </p:nvSpPr>
+        <p:spPr>
+          <a:xfrm>
+            <a:off x="4674240" y="1203480"/>
+            <a:ext cx="4015800" cy="2982960"/>
+          </a:xfrm>
+          <a:prstGeom prst="rect">
+            <a:avLst/>
+          </a:prstGeom>
+        </p:spPr>
+        <p:txBody>
+          <a:bodyPr lIns="0" rIns="0" tIns="0" bIns="0"/>
+          <a:p>
+            <a:endParaRPr/>
+          </a:p>
+        </p:txBody>
+      </p:sp>
+    </p:spTree>
+  </p:cSld>
+</p:sldLayout>
+</file>
+
+<file path=ppt/slideLayouts/slideLayout89.xml><?xml version="1.0" encoding="utf-8"?>
+<p:sldLayout xmlns:a="http://schemas.openxmlformats.org/drawingml/2006/main" xmlns:p="http://schemas.openxmlformats.org/presentationml/2006/main" xmlns:r="http://schemas.openxmlformats.org/officeDocument/2006/relationships" type="titleOnly" preserve="1">
+  <p:cSld name="Title Only">
+    <p:spTree>
+      <p:nvGrpSpPr>
+        <p:cNvPr id="1" name=""/>
+        <p:cNvGrpSpPr/>
+        <p:nvPr/>
+      </p:nvGrpSpPr>
+      <p:grpSpPr>
+        <a:xfrm>
+          <a:off x="0" y="0"/>
+          <a:ext cx="0" cy="0"/>
+          <a:chOff x="0" y="0"/>
+          <a:chExt cx="0" cy="0"/>
+        </a:xfrm>
+      </p:grpSpPr>
+      <p:sp>
+        <p:nvSpPr>
+          <p:cNvPr id="269" name="PlaceHolder 1"/>
+          <p:cNvSpPr>
+            <a:spLocks noGrp="1"/>
+          </p:cNvSpPr>
+          <p:nvPr>
+            <p:ph type="title"/>
+          </p:nvPr>
+        </p:nvSpPr>
+        <p:spPr>
+          <a:xfrm>
+            <a:off x="457200" y="205200"/>
+            <a:ext cx="8229240" cy="858600"/>
+          </a:xfrm>
+          <a:prstGeom prst="rect">
+            <a:avLst/>
+          </a:prstGeom>
+        </p:spPr>
+        <p:txBody>
+          <a:bodyPr lIns="0" rIns="0" tIns="0" bIns="0" anchor="ctr"/>
+          <a:p>
+            <a:pPr algn="ctr"/>
+            <a:endParaRPr/>
+          </a:p>
+        </p:txBody>
+      </p:sp>
     </p:spTree>
   </p:cSld>
 </p:sldLayout>
@@ -8378,6 +9687,1010 @@
           <a:xfrm>
             <a:off x="457200" y="2761920"/>
             <a:ext cx="8229240" cy="1422720"/>
+          </a:xfrm>
+          <a:prstGeom prst="rect">
+            <a:avLst/>
+          </a:prstGeom>
+        </p:spPr>
+        <p:txBody>
+          <a:bodyPr lIns="0" rIns="0" tIns="0" bIns="0"/>
+          <a:p>
+            <a:endParaRPr/>
+          </a:p>
+        </p:txBody>
+      </p:sp>
+    </p:spTree>
+  </p:cSld>
+</p:sldLayout>
+</file>
+
+<file path=ppt/slideLayouts/slideLayout90.xml><?xml version="1.0" encoding="utf-8"?>
+<p:sldLayout xmlns:a="http://schemas.openxmlformats.org/drawingml/2006/main" xmlns:p="http://schemas.openxmlformats.org/presentationml/2006/main" xmlns:r="http://schemas.openxmlformats.org/officeDocument/2006/relationships" type="objOnly" preserve="1">
+  <p:cSld name="Centered Text">
+    <p:spTree>
+      <p:nvGrpSpPr>
+        <p:cNvPr id="1" name=""/>
+        <p:cNvGrpSpPr/>
+        <p:nvPr/>
+      </p:nvGrpSpPr>
+      <p:grpSpPr>
+        <a:xfrm>
+          <a:off x="0" y="0"/>
+          <a:ext cx="0" cy="0"/>
+          <a:chOff x="0" y="0"/>
+          <a:chExt cx="0" cy="0"/>
+        </a:xfrm>
+      </p:grpSpPr>
+      <p:sp>
+        <p:nvSpPr>
+          <p:cNvPr id="270" name="PlaceHolder 1"/>
+          <p:cNvSpPr>
+            <a:spLocks noGrp="1"/>
+          </p:cNvSpPr>
+          <p:nvPr>
+            <p:ph type="subTitle"/>
+          </p:nvPr>
+        </p:nvSpPr>
+        <p:spPr>
+          <a:xfrm>
+            <a:off x="457200" y="205200"/>
+            <a:ext cx="8229240" cy="3981240"/>
+          </a:xfrm>
+          <a:prstGeom prst="rect">
+            <a:avLst/>
+          </a:prstGeom>
+        </p:spPr>
+        <p:txBody>
+          <a:bodyPr lIns="0" rIns="0" tIns="0" bIns="0" anchor="ctr"/>
+          <a:p>
+            <a:pPr algn="ctr"/>
+            <a:endParaRPr/>
+          </a:p>
+        </p:txBody>
+      </p:sp>
+    </p:spTree>
+  </p:cSld>
+</p:sldLayout>
+</file>
+
+<file path=ppt/slideLayouts/slideLayout91.xml><?xml version="1.0" encoding="utf-8"?>
+<p:sldLayout xmlns:a="http://schemas.openxmlformats.org/drawingml/2006/main" xmlns:p="http://schemas.openxmlformats.org/presentationml/2006/main" xmlns:r="http://schemas.openxmlformats.org/officeDocument/2006/relationships" type="twoObjAndObj" preserve="1">
+  <p:cSld name="Title, 2 Content and Content">
+    <p:spTree>
+      <p:nvGrpSpPr>
+        <p:cNvPr id="1" name=""/>
+        <p:cNvGrpSpPr/>
+        <p:nvPr/>
+      </p:nvGrpSpPr>
+      <p:grpSpPr>
+        <a:xfrm>
+          <a:off x="0" y="0"/>
+          <a:ext cx="0" cy="0"/>
+          <a:chOff x="0" y="0"/>
+          <a:chExt cx="0" cy="0"/>
+        </a:xfrm>
+      </p:grpSpPr>
+      <p:sp>
+        <p:nvSpPr>
+          <p:cNvPr id="271" name="PlaceHolder 1"/>
+          <p:cNvSpPr>
+            <a:spLocks noGrp="1"/>
+          </p:cNvSpPr>
+          <p:nvPr>
+            <p:ph type="title"/>
+          </p:nvPr>
+        </p:nvSpPr>
+        <p:spPr>
+          <a:xfrm>
+            <a:off x="457200" y="205200"/>
+            <a:ext cx="8229240" cy="858600"/>
+          </a:xfrm>
+          <a:prstGeom prst="rect">
+            <a:avLst/>
+          </a:prstGeom>
+        </p:spPr>
+        <p:txBody>
+          <a:bodyPr lIns="0" rIns="0" tIns="0" bIns="0" anchor="ctr"/>
+          <a:p>
+            <a:pPr algn="ctr"/>
+            <a:endParaRPr/>
+          </a:p>
+        </p:txBody>
+      </p:sp>
+      <p:sp>
+        <p:nvSpPr>
+          <p:cNvPr id="272" name="PlaceHolder 2"/>
+          <p:cNvSpPr>
+            <a:spLocks noGrp="1"/>
+          </p:cNvSpPr>
+          <p:nvPr>
+            <p:ph type="body"/>
+          </p:nvPr>
+        </p:nvSpPr>
+        <p:spPr>
+          <a:xfrm>
+            <a:off x="457200" y="1203480"/>
+            <a:ext cx="4015800" cy="1422720"/>
+          </a:xfrm>
+          <a:prstGeom prst="rect">
+            <a:avLst/>
+          </a:prstGeom>
+        </p:spPr>
+        <p:txBody>
+          <a:bodyPr lIns="0" rIns="0" tIns="0" bIns="0"/>
+          <a:p>
+            <a:endParaRPr/>
+          </a:p>
+        </p:txBody>
+      </p:sp>
+      <p:sp>
+        <p:nvSpPr>
+          <p:cNvPr id="273" name="PlaceHolder 3"/>
+          <p:cNvSpPr>
+            <a:spLocks noGrp="1"/>
+          </p:cNvSpPr>
+          <p:nvPr>
+            <p:ph type="body"/>
+          </p:nvPr>
+        </p:nvSpPr>
+        <p:spPr>
+          <a:xfrm>
+            <a:off x="457200" y="2761920"/>
+            <a:ext cx="4015800" cy="1422720"/>
+          </a:xfrm>
+          <a:prstGeom prst="rect">
+            <a:avLst/>
+          </a:prstGeom>
+        </p:spPr>
+        <p:txBody>
+          <a:bodyPr lIns="0" rIns="0" tIns="0" bIns="0"/>
+          <a:p>
+            <a:endParaRPr/>
+          </a:p>
+        </p:txBody>
+      </p:sp>
+      <p:sp>
+        <p:nvSpPr>
+          <p:cNvPr id="274" name="PlaceHolder 4"/>
+          <p:cNvSpPr>
+            <a:spLocks noGrp="1"/>
+          </p:cNvSpPr>
+          <p:nvPr>
+            <p:ph type="body"/>
+          </p:nvPr>
+        </p:nvSpPr>
+        <p:spPr>
+          <a:xfrm>
+            <a:off x="4674240" y="1203480"/>
+            <a:ext cx="4015800" cy="2982960"/>
+          </a:xfrm>
+          <a:prstGeom prst="rect">
+            <a:avLst/>
+          </a:prstGeom>
+        </p:spPr>
+        <p:txBody>
+          <a:bodyPr lIns="0" rIns="0" tIns="0" bIns="0"/>
+          <a:p>
+            <a:endParaRPr/>
+          </a:p>
+        </p:txBody>
+      </p:sp>
+    </p:spTree>
+  </p:cSld>
+</p:sldLayout>
+</file>
+
+<file path=ppt/slideLayouts/slideLayout92.xml><?xml version="1.0" encoding="utf-8"?>
+<p:sldLayout xmlns:a="http://schemas.openxmlformats.org/drawingml/2006/main" xmlns:p="http://schemas.openxmlformats.org/presentationml/2006/main" xmlns:r="http://schemas.openxmlformats.org/officeDocument/2006/relationships" type="objAndTwoObj" preserve="1">
+  <p:cSld name="Title Content and 2 Content">
+    <p:spTree>
+      <p:nvGrpSpPr>
+        <p:cNvPr id="1" name=""/>
+        <p:cNvGrpSpPr/>
+        <p:nvPr/>
+      </p:nvGrpSpPr>
+      <p:grpSpPr>
+        <a:xfrm>
+          <a:off x="0" y="0"/>
+          <a:ext cx="0" cy="0"/>
+          <a:chOff x="0" y="0"/>
+          <a:chExt cx="0" cy="0"/>
+        </a:xfrm>
+      </p:grpSpPr>
+      <p:sp>
+        <p:nvSpPr>
+          <p:cNvPr id="275" name="PlaceHolder 1"/>
+          <p:cNvSpPr>
+            <a:spLocks noGrp="1"/>
+          </p:cNvSpPr>
+          <p:nvPr>
+            <p:ph type="title"/>
+          </p:nvPr>
+        </p:nvSpPr>
+        <p:spPr>
+          <a:xfrm>
+            <a:off x="457200" y="205200"/>
+            <a:ext cx="8229240" cy="858600"/>
+          </a:xfrm>
+          <a:prstGeom prst="rect">
+            <a:avLst/>
+          </a:prstGeom>
+        </p:spPr>
+        <p:txBody>
+          <a:bodyPr lIns="0" rIns="0" tIns="0" bIns="0" anchor="ctr"/>
+          <a:p>
+            <a:pPr algn="ctr"/>
+            <a:endParaRPr/>
+          </a:p>
+        </p:txBody>
+      </p:sp>
+      <p:sp>
+        <p:nvSpPr>
+          <p:cNvPr id="276" name="PlaceHolder 2"/>
+          <p:cNvSpPr>
+            <a:spLocks noGrp="1"/>
+          </p:cNvSpPr>
+          <p:nvPr>
+            <p:ph type="body"/>
+          </p:nvPr>
+        </p:nvSpPr>
+        <p:spPr>
+          <a:xfrm>
+            <a:off x="457200" y="1203480"/>
+            <a:ext cx="4015800" cy="2982960"/>
+          </a:xfrm>
+          <a:prstGeom prst="rect">
+            <a:avLst/>
+          </a:prstGeom>
+        </p:spPr>
+        <p:txBody>
+          <a:bodyPr lIns="0" rIns="0" tIns="0" bIns="0"/>
+          <a:p>
+            <a:endParaRPr/>
+          </a:p>
+        </p:txBody>
+      </p:sp>
+      <p:sp>
+        <p:nvSpPr>
+          <p:cNvPr id="277" name="PlaceHolder 3"/>
+          <p:cNvSpPr>
+            <a:spLocks noGrp="1"/>
+          </p:cNvSpPr>
+          <p:nvPr>
+            <p:ph type="body"/>
+          </p:nvPr>
+        </p:nvSpPr>
+        <p:spPr>
+          <a:xfrm>
+            <a:off x="4674240" y="1203480"/>
+            <a:ext cx="4015800" cy="1422720"/>
+          </a:xfrm>
+          <a:prstGeom prst="rect">
+            <a:avLst/>
+          </a:prstGeom>
+        </p:spPr>
+        <p:txBody>
+          <a:bodyPr lIns="0" rIns="0" tIns="0" bIns="0"/>
+          <a:p>
+            <a:endParaRPr/>
+          </a:p>
+        </p:txBody>
+      </p:sp>
+      <p:sp>
+        <p:nvSpPr>
+          <p:cNvPr id="278" name="PlaceHolder 4"/>
+          <p:cNvSpPr>
+            <a:spLocks noGrp="1"/>
+          </p:cNvSpPr>
+          <p:nvPr>
+            <p:ph type="body"/>
+          </p:nvPr>
+        </p:nvSpPr>
+        <p:spPr>
+          <a:xfrm>
+            <a:off x="4674240" y="2761920"/>
+            <a:ext cx="4015800" cy="1422720"/>
+          </a:xfrm>
+          <a:prstGeom prst="rect">
+            <a:avLst/>
+          </a:prstGeom>
+        </p:spPr>
+        <p:txBody>
+          <a:bodyPr lIns="0" rIns="0" tIns="0" bIns="0"/>
+          <a:p>
+            <a:endParaRPr/>
+          </a:p>
+        </p:txBody>
+      </p:sp>
+    </p:spTree>
+  </p:cSld>
+</p:sldLayout>
+</file>
+
+<file path=ppt/slideLayouts/slideLayout93.xml><?xml version="1.0" encoding="utf-8"?>
+<p:sldLayout xmlns:a="http://schemas.openxmlformats.org/drawingml/2006/main" xmlns:p="http://schemas.openxmlformats.org/presentationml/2006/main" xmlns:r="http://schemas.openxmlformats.org/officeDocument/2006/relationships" type="twoObjOverTx" preserve="1">
+  <p:cSld name="Title, 2 Content over Content">
+    <p:spTree>
+      <p:nvGrpSpPr>
+        <p:cNvPr id="1" name=""/>
+        <p:cNvGrpSpPr/>
+        <p:nvPr/>
+      </p:nvGrpSpPr>
+      <p:grpSpPr>
+        <a:xfrm>
+          <a:off x="0" y="0"/>
+          <a:ext cx="0" cy="0"/>
+          <a:chOff x="0" y="0"/>
+          <a:chExt cx="0" cy="0"/>
+        </a:xfrm>
+      </p:grpSpPr>
+      <p:sp>
+        <p:nvSpPr>
+          <p:cNvPr id="279" name="PlaceHolder 1"/>
+          <p:cNvSpPr>
+            <a:spLocks noGrp="1"/>
+          </p:cNvSpPr>
+          <p:nvPr>
+            <p:ph type="title"/>
+          </p:nvPr>
+        </p:nvSpPr>
+        <p:spPr>
+          <a:xfrm>
+            <a:off x="457200" y="205200"/>
+            <a:ext cx="8229240" cy="858600"/>
+          </a:xfrm>
+          <a:prstGeom prst="rect">
+            <a:avLst/>
+          </a:prstGeom>
+        </p:spPr>
+        <p:txBody>
+          <a:bodyPr lIns="0" rIns="0" tIns="0" bIns="0" anchor="ctr"/>
+          <a:p>
+            <a:pPr algn="ctr"/>
+            <a:endParaRPr/>
+          </a:p>
+        </p:txBody>
+      </p:sp>
+      <p:sp>
+        <p:nvSpPr>
+          <p:cNvPr id="280" name="PlaceHolder 2"/>
+          <p:cNvSpPr>
+            <a:spLocks noGrp="1"/>
+          </p:cNvSpPr>
+          <p:nvPr>
+            <p:ph type="body"/>
+          </p:nvPr>
+        </p:nvSpPr>
+        <p:spPr>
+          <a:xfrm>
+            <a:off x="457200" y="1203480"/>
+            <a:ext cx="4015800" cy="1422720"/>
+          </a:xfrm>
+          <a:prstGeom prst="rect">
+            <a:avLst/>
+          </a:prstGeom>
+        </p:spPr>
+        <p:txBody>
+          <a:bodyPr lIns="0" rIns="0" tIns="0" bIns="0"/>
+          <a:p>
+            <a:endParaRPr/>
+          </a:p>
+        </p:txBody>
+      </p:sp>
+      <p:sp>
+        <p:nvSpPr>
+          <p:cNvPr id="281" name="PlaceHolder 3"/>
+          <p:cNvSpPr>
+            <a:spLocks noGrp="1"/>
+          </p:cNvSpPr>
+          <p:nvPr>
+            <p:ph type="body"/>
+          </p:nvPr>
+        </p:nvSpPr>
+        <p:spPr>
+          <a:xfrm>
+            <a:off x="4674240" y="1203480"/>
+            <a:ext cx="4015800" cy="1422720"/>
+          </a:xfrm>
+          <a:prstGeom prst="rect">
+            <a:avLst/>
+          </a:prstGeom>
+        </p:spPr>
+        <p:txBody>
+          <a:bodyPr lIns="0" rIns="0" tIns="0" bIns="0"/>
+          <a:p>
+            <a:endParaRPr/>
+          </a:p>
+        </p:txBody>
+      </p:sp>
+      <p:sp>
+        <p:nvSpPr>
+          <p:cNvPr id="282" name="PlaceHolder 4"/>
+          <p:cNvSpPr>
+            <a:spLocks noGrp="1"/>
+          </p:cNvSpPr>
+          <p:nvPr>
+            <p:ph type="body"/>
+          </p:nvPr>
+        </p:nvSpPr>
+        <p:spPr>
+          <a:xfrm>
+            <a:off x="457200" y="2761920"/>
+            <a:ext cx="8229240" cy="1422720"/>
+          </a:xfrm>
+          <a:prstGeom prst="rect">
+            <a:avLst/>
+          </a:prstGeom>
+        </p:spPr>
+        <p:txBody>
+          <a:bodyPr lIns="0" rIns="0" tIns="0" bIns="0"/>
+          <a:p>
+            <a:endParaRPr/>
+          </a:p>
+        </p:txBody>
+      </p:sp>
+    </p:spTree>
+  </p:cSld>
+</p:sldLayout>
+</file>
+
+<file path=ppt/slideLayouts/slideLayout94.xml><?xml version="1.0" encoding="utf-8"?>
+<p:sldLayout xmlns:a="http://schemas.openxmlformats.org/drawingml/2006/main" xmlns:p="http://schemas.openxmlformats.org/presentationml/2006/main" xmlns:r="http://schemas.openxmlformats.org/officeDocument/2006/relationships" type="objOverTx" preserve="1">
+  <p:cSld name="Title, Content over Content">
+    <p:spTree>
+      <p:nvGrpSpPr>
+        <p:cNvPr id="1" name=""/>
+        <p:cNvGrpSpPr/>
+        <p:nvPr/>
+      </p:nvGrpSpPr>
+      <p:grpSpPr>
+        <a:xfrm>
+          <a:off x="0" y="0"/>
+          <a:ext cx="0" cy="0"/>
+          <a:chOff x="0" y="0"/>
+          <a:chExt cx="0" cy="0"/>
+        </a:xfrm>
+      </p:grpSpPr>
+      <p:sp>
+        <p:nvSpPr>
+          <p:cNvPr id="283" name="PlaceHolder 1"/>
+          <p:cNvSpPr>
+            <a:spLocks noGrp="1"/>
+          </p:cNvSpPr>
+          <p:nvPr>
+            <p:ph type="title"/>
+          </p:nvPr>
+        </p:nvSpPr>
+        <p:spPr>
+          <a:xfrm>
+            <a:off x="457200" y="205200"/>
+            <a:ext cx="8229240" cy="858600"/>
+          </a:xfrm>
+          <a:prstGeom prst="rect">
+            <a:avLst/>
+          </a:prstGeom>
+        </p:spPr>
+        <p:txBody>
+          <a:bodyPr lIns="0" rIns="0" tIns="0" bIns="0" anchor="ctr"/>
+          <a:p>
+            <a:pPr algn="ctr"/>
+            <a:endParaRPr/>
+          </a:p>
+        </p:txBody>
+      </p:sp>
+      <p:sp>
+        <p:nvSpPr>
+          <p:cNvPr id="284" name="PlaceHolder 2"/>
+          <p:cNvSpPr>
+            <a:spLocks noGrp="1"/>
+          </p:cNvSpPr>
+          <p:nvPr>
+            <p:ph type="body"/>
+          </p:nvPr>
+        </p:nvSpPr>
+        <p:spPr>
+          <a:xfrm>
+            <a:off x="457200" y="1203480"/>
+            <a:ext cx="8229240" cy="1422720"/>
+          </a:xfrm>
+          <a:prstGeom prst="rect">
+            <a:avLst/>
+          </a:prstGeom>
+        </p:spPr>
+        <p:txBody>
+          <a:bodyPr lIns="0" rIns="0" tIns="0" bIns="0"/>
+          <a:p>
+            <a:endParaRPr/>
+          </a:p>
+        </p:txBody>
+      </p:sp>
+      <p:sp>
+        <p:nvSpPr>
+          <p:cNvPr id="285" name="PlaceHolder 3"/>
+          <p:cNvSpPr>
+            <a:spLocks noGrp="1"/>
+          </p:cNvSpPr>
+          <p:nvPr>
+            <p:ph type="body"/>
+          </p:nvPr>
+        </p:nvSpPr>
+        <p:spPr>
+          <a:xfrm>
+            <a:off x="457200" y="2761920"/>
+            <a:ext cx="8229240" cy="1422720"/>
+          </a:xfrm>
+          <a:prstGeom prst="rect">
+            <a:avLst/>
+          </a:prstGeom>
+        </p:spPr>
+        <p:txBody>
+          <a:bodyPr lIns="0" rIns="0" tIns="0" bIns="0"/>
+          <a:p>
+            <a:endParaRPr/>
+          </a:p>
+        </p:txBody>
+      </p:sp>
+    </p:spTree>
+  </p:cSld>
+</p:sldLayout>
+</file>
+
+<file path=ppt/slideLayouts/slideLayout95.xml><?xml version="1.0" encoding="utf-8"?>
+<p:sldLayout xmlns:a="http://schemas.openxmlformats.org/drawingml/2006/main" xmlns:p="http://schemas.openxmlformats.org/presentationml/2006/main" xmlns:r="http://schemas.openxmlformats.org/officeDocument/2006/relationships" type="fourObj" preserve="1">
+  <p:cSld name="Title, 4 Content">
+    <p:spTree>
+      <p:nvGrpSpPr>
+        <p:cNvPr id="1" name=""/>
+        <p:cNvGrpSpPr/>
+        <p:nvPr/>
+      </p:nvGrpSpPr>
+      <p:grpSpPr>
+        <a:xfrm>
+          <a:off x="0" y="0"/>
+          <a:ext cx="0" cy="0"/>
+          <a:chOff x="0" y="0"/>
+          <a:chExt cx="0" cy="0"/>
+        </a:xfrm>
+      </p:grpSpPr>
+      <p:sp>
+        <p:nvSpPr>
+          <p:cNvPr id="286" name="PlaceHolder 1"/>
+          <p:cNvSpPr>
+            <a:spLocks noGrp="1"/>
+          </p:cNvSpPr>
+          <p:nvPr>
+            <p:ph type="title"/>
+          </p:nvPr>
+        </p:nvSpPr>
+        <p:spPr>
+          <a:xfrm>
+            <a:off x="457200" y="205200"/>
+            <a:ext cx="8229240" cy="858600"/>
+          </a:xfrm>
+          <a:prstGeom prst="rect">
+            <a:avLst/>
+          </a:prstGeom>
+        </p:spPr>
+        <p:txBody>
+          <a:bodyPr lIns="0" rIns="0" tIns="0" bIns="0" anchor="ctr"/>
+          <a:p>
+            <a:pPr algn="ctr"/>
+            <a:endParaRPr/>
+          </a:p>
+        </p:txBody>
+      </p:sp>
+      <p:sp>
+        <p:nvSpPr>
+          <p:cNvPr id="287" name="PlaceHolder 2"/>
+          <p:cNvSpPr>
+            <a:spLocks noGrp="1"/>
+          </p:cNvSpPr>
+          <p:nvPr>
+            <p:ph type="body"/>
+          </p:nvPr>
+        </p:nvSpPr>
+        <p:spPr>
+          <a:xfrm>
+            <a:off x="457200" y="1203480"/>
+            <a:ext cx="4015800" cy="1422720"/>
+          </a:xfrm>
+          <a:prstGeom prst="rect">
+            <a:avLst/>
+          </a:prstGeom>
+        </p:spPr>
+        <p:txBody>
+          <a:bodyPr lIns="0" rIns="0" tIns="0" bIns="0"/>
+          <a:p>
+            <a:endParaRPr/>
+          </a:p>
+        </p:txBody>
+      </p:sp>
+      <p:sp>
+        <p:nvSpPr>
+          <p:cNvPr id="288" name="PlaceHolder 3"/>
+          <p:cNvSpPr>
+            <a:spLocks noGrp="1"/>
+          </p:cNvSpPr>
+          <p:nvPr>
+            <p:ph type="body"/>
+          </p:nvPr>
+        </p:nvSpPr>
+        <p:spPr>
+          <a:xfrm>
+            <a:off x="4674240" y="1203480"/>
+            <a:ext cx="4015800" cy="1422720"/>
+          </a:xfrm>
+          <a:prstGeom prst="rect">
+            <a:avLst/>
+          </a:prstGeom>
+        </p:spPr>
+        <p:txBody>
+          <a:bodyPr lIns="0" rIns="0" tIns="0" bIns="0"/>
+          <a:p>
+            <a:endParaRPr/>
+          </a:p>
+        </p:txBody>
+      </p:sp>
+      <p:sp>
+        <p:nvSpPr>
+          <p:cNvPr id="289" name="PlaceHolder 4"/>
+          <p:cNvSpPr>
+            <a:spLocks noGrp="1"/>
+          </p:cNvSpPr>
+          <p:nvPr>
+            <p:ph type="body"/>
+          </p:nvPr>
+        </p:nvSpPr>
+        <p:spPr>
+          <a:xfrm>
+            <a:off x="4674240" y="2761920"/>
+            <a:ext cx="4015800" cy="1422720"/>
+          </a:xfrm>
+          <a:prstGeom prst="rect">
+            <a:avLst/>
+          </a:prstGeom>
+        </p:spPr>
+        <p:txBody>
+          <a:bodyPr lIns="0" rIns="0" tIns="0" bIns="0"/>
+          <a:p>
+            <a:endParaRPr/>
+          </a:p>
+        </p:txBody>
+      </p:sp>
+      <p:sp>
+        <p:nvSpPr>
+          <p:cNvPr id="290" name="PlaceHolder 5"/>
+          <p:cNvSpPr>
+            <a:spLocks noGrp="1"/>
+          </p:cNvSpPr>
+          <p:nvPr>
+            <p:ph type="body"/>
+          </p:nvPr>
+        </p:nvSpPr>
+        <p:spPr>
+          <a:xfrm>
+            <a:off x="457200" y="2761920"/>
+            <a:ext cx="4015800" cy="1422720"/>
+          </a:xfrm>
+          <a:prstGeom prst="rect">
+            <a:avLst/>
+          </a:prstGeom>
+        </p:spPr>
+        <p:txBody>
+          <a:bodyPr lIns="0" rIns="0" tIns="0" bIns="0"/>
+          <a:p>
+            <a:endParaRPr/>
+          </a:p>
+        </p:txBody>
+      </p:sp>
+    </p:spTree>
+  </p:cSld>
+</p:sldLayout>
+</file>
+
+<file path=ppt/slideLayouts/slideLayout96.xml><?xml version="1.0" encoding="utf-8"?>
+<p:sldLayout xmlns:a="http://schemas.openxmlformats.org/drawingml/2006/main" xmlns:p="http://schemas.openxmlformats.org/presentationml/2006/main" xmlns:r="http://schemas.openxmlformats.org/officeDocument/2006/relationships" type="blank" preserve="1">
+  <p:cSld name="Title, 6 Content">
+    <p:spTree>
+      <p:nvGrpSpPr>
+        <p:cNvPr id="1" name=""/>
+        <p:cNvGrpSpPr/>
+        <p:nvPr/>
+      </p:nvGrpSpPr>
+      <p:grpSpPr>
+        <a:xfrm>
+          <a:off x="0" y="0"/>
+          <a:ext cx="0" cy="0"/>
+          <a:chOff x="0" y="0"/>
+          <a:chExt cx="0" cy="0"/>
+        </a:xfrm>
+      </p:grpSpPr>
+      <p:sp>
+        <p:nvSpPr>
+          <p:cNvPr id="291" name="PlaceHolder 1"/>
+          <p:cNvSpPr>
+            <a:spLocks noGrp="1"/>
+          </p:cNvSpPr>
+          <p:nvPr>
+            <p:ph type="title"/>
+          </p:nvPr>
+        </p:nvSpPr>
+        <p:spPr>
+          <a:xfrm>
+            <a:off x="457200" y="205200"/>
+            <a:ext cx="8229240" cy="858600"/>
+          </a:xfrm>
+          <a:prstGeom prst="rect">
+            <a:avLst/>
+          </a:prstGeom>
+        </p:spPr>
+        <p:txBody>
+          <a:bodyPr lIns="0" rIns="0" tIns="0" bIns="0" anchor="ctr"/>
+          <a:p>
+            <a:pPr algn="ctr"/>
+            <a:endParaRPr/>
+          </a:p>
+        </p:txBody>
+      </p:sp>
+      <p:sp>
+        <p:nvSpPr>
+          <p:cNvPr id="292" name="PlaceHolder 2"/>
+          <p:cNvSpPr>
+            <a:spLocks noGrp="1"/>
+          </p:cNvSpPr>
+          <p:nvPr>
+            <p:ph type="body"/>
+          </p:nvPr>
+        </p:nvSpPr>
+        <p:spPr>
+          <a:xfrm>
+            <a:off x="457200" y="1203480"/>
+            <a:ext cx="8229240" cy="2982960"/>
+          </a:xfrm>
+          <a:prstGeom prst="rect">
+            <a:avLst/>
+          </a:prstGeom>
+        </p:spPr>
+        <p:txBody>
+          <a:bodyPr lIns="0" rIns="0" tIns="0" bIns="0"/>
+          <a:p>
+            <a:endParaRPr/>
+          </a:p>
+        </p:txBody>
+      </p:sp>
+      <p:sp>
+        <p:nvSpPr>
+          <p:cNvPr id="293" name="PlaceHolder 3"/>
+          <p:cNvSpPr>
+            <a:spLocks noGrp="1"/>
+          </p:cNvSpPr>
+          <p:nvPr>
+            <p:ph type="body"/>
+          </p:nvPr>
+        </p:nvSpPr>
+        <p:spPr>
+          <a:xfrm>
+            <a:off x="457200" y="1203480"/>
+            <a:ext cx="8229240" cy="2982960"/>
+          </a:xfrm>
+          <a:prstGeom prst="rect">
+            <a:avLst/>
+          </a:prstGeom>
+        </p:spPr>
+        <p:txBody>
+          <a:bodyPr lIns="0" rIns="0" tIns="0" bIns="0"/>
+          <a:p>
+            <a:endParaRPr/>
+          </a:p>
+        </p:txBody>
+      </p:sp>
+      <p:pic>
+        <p:nvPicPr>
+          <p:cNvPr id="294" name="" descr=""/>
+          <p:cNvPicPr/>
+          <p:nvPr/>
+        </p:nvPicPr>
+        <p:blipFill>
+          <a:blip r:embed="rId2"/>
+          <a:stretch/>
+        </p:blipFill>
+        <p:spPr>
+          <a:xfrm>
+            <a:off x="2702160" y="1203480"/>
+            <a:ext cx="3738600" cy="2982960"/>
+          </a:xfrm>
+          <a:prstGeom prst="rect">
+            <a:avLst/>
+          </a:prstGeom>
+          <a:ln>
+            <a:noFill/>
+          </a:ln>
+        </p:spPr>
+      </p:pic>
+      <p:pic>
+        <p:nvPicPr>
+          <p:cNvPr id="295" name="" descr=""/>
+          <p:cNvPicPr/>
+          <p:nvPr/>
+        </p:nvPicPr>
+        <p:blipFill>
+          <a:blip r:embed="rId3"/>
+          <a:stretch/>
+        </p:blipFill>
+        <p:spPr>
+          <a:xfrm>
+            <a:off x="2702160" y="1203480"/>
+            <a:ext cx="3738600" cy="2982960"/>
+          </a:xfrm>
+          <a:prstGeom prst="rect">
+            <a:avLst/>
+          </a:prstGeom>
+          <a:ln>
+            <a:noFill/>
+          </a:ln>
+        </p:spPr>
+      </p:pic>
+    </p:spTree>
+  </p:cSld>
+</p:sldLayout>
+</file>
+
+<file path=ppt/slideLayouts/slideLayout97.xml><?xml version="1.0" encoding="utf-8"?>
+<p:sldLayout xmlns:a="http://schemas.openxmlformats.org/drawingml/2006/main" xmlns:p="http://schemas.openxmlformats.org/presentationml/2006/main" xmlns:r="http://schemas.openxmlformats.org/officeDocument/2006/relationships" type="blank" preserve="1">
+  <p:cSld name="Blank Slide">
+    <p:spTree>
+      <p:nvGrpSpPr>
+        <p:cNvPr id="1" name=""/>
+        <p:cNvGrpSpPr/>
+        <p:nvPr/>
+      </p:nvGrpSpPr>
+      <p:grpSpPr>
+        <a:xfrm>
+          <a:off x="0" y="0"/>
+          <a:ext cx="0" cy="0"/>
+          <a:chOff x="0" y="0"/>
+          <a:chExt cx="0" cy="0"/>
+        </a:xfrm>
+      </p:grpSpPr>
+    </p:spTree>
+  </p:cSld>
+</p:sldLayout>
+</file>
+
+<file path=ppt/slideLayouts/slideLayout98.xml><?xml version="1.0" encoding="utf-8"?>
+<p:sldLayout xmlns:a="http://schemas.openxmlformats.org/drawingml/2006/main" xmlns:p="http://schemas.openxmlformats.org/presentationml/2006/main" xmlns:r="http://schemas.openxmlformats.org/officeDocument/2006/relationships" type="tx" preserve="1">
+  <p:cSld name="Title Slide">
+    <p:spTree>
+      <p:nvGrpSpPr>
+        <p:cNvPr id="1" name=""/>
+        <p:cNvGrpSpPr/>
+        <p:nvPr/>
+      </p:nvGrpSpPr>
+      <p:grpSpPr>
+        <a:xfrm>
+          <a:off x="0" y="0"/>
+          <a:ext cx="0" cy="0"/>
+          <a:chOff x="0" y="0"/>
+          <a:chExt cx="0" cy="0"/>
+        </a:xfrm>
+      </p:grpSpPr>
+      <p:sp>
+        <p:nvSpPr>
+          <p:cNvPr id="302" name="PlaceHolder 1"/>
+          <p:cNvSpPr>
+            <a:spLocks noGrp="1"/>
+          </p:cNvSpPr>
+          <p:nvPr>
+            <p:ph type="title"/>
+          </p:nvPr>
+        </p:nvSpPr>
+        <p:spPr>
+          <a:xfrm>
+            <a:off x="457200" y="205200"/>
+            <a:ext cx="8229240" cy="858600"/>
+          </a:xfrm>
+          <a:prstGeom prst="rect">
+            <a:avLst/>
+          </a:prstGeom>
+        </p:spPr>
+        <p:txBody>
+          <a:bodyPr lIns="0" rIns="0" tIns="0" bIns="0" anchor="ctr"/>
+          <a:p>
+            <a:pPr algn="ctr"/>
+            <a:endParaRPr/>
+          </a:p>
+        </p:txBody>
+      </p:sp>
+      <p:sp>
+        <p:nvSpPr>
+          <p:cNvPr id="303" name="PlaceHolder 2"/>
+          <p:cNvSpPr>
+            <a:spLocks noGrp="1"/>
+          </p:cNvSpPr>
+          <p:nvPr>
+            <p:ph type="subTitle"/>
+          </p:nvPr>
+        </p:nvSpPr>
+        <p:spPr>
+          <a:xfrm>
+            <a:off x="457200" y="1203480"/>
+            <a:ext cx="8229240" cy="2982960"/>
+          </a:xfrm>
+          <a:prstGeom prst="rect">
+            <a:avLst/>
+          </a:prstGeom>
+        </p:spPr>
+        <p:txBody>
+          <a:bodyPr lIns="0" rIns="0" tIns="0" bIns="0" anchor="ctr"/>
+          <a:p>
+            <a:pPr algn="ctr"/>
+            <a:endParaRPr/>
+          </a:p>
+        </p:txBody>
+      </p:sp>
+    </p:spTree>
+  </p:cSld>
+</p:sldLayout>
+</file>
+
+<file path=ppt/slideLayouts/slideLayout99.xml><?xml version="1.0" encoding="utf-8"?>
+<p:sldLayout xmlns:a="http://schemas.openxmlformats.org/drawingml/2006/main" xmlns:p="http://schemas.openxmlformats.org/presentationml/2006/main" xmlns:r="http://schemas.openxmlformats.org/officeDocument/2006/relationships" type="obj" preserve="1">
+  <p:cSld name="Title, Content">
+    <p:spTree>
+      <p:nvGrpSpPr>
+        <p:cNvPr id="1" name=""/>
+        <p:cNvGrpSpPr/>
+        <p:nvPr/>
+      </p:nvGrpSpPr>
+      <p:grpSpPr>
+        <a:xfrm>
+          <a:off x="0" y="0"/>
+          <a:ext cx="0" cy="0"/>
+          <a:chOff x="0" y="0"/>
+          <a:chExt cx="0" cy="0"/>
+        </a:xfrm>
+      </p:grpSpPr>
+      <p:sp>
+        <p:nvSpPr>
+          <p:cNvPr id="304" name="PlaceHolder 1"/>
+          <p:cNvSpPr>
+            <a:spLocks noGrp="1"/>
+          </p:cNvSpPr>
+          <p:nvPr>
+            <p:ph type="title"/>
+          </p:nvPr>
+        </p:nvSpPr>
+        <p:spPr>
+          <a:xfrm>
+            <a:off x="457200" y="205200"/>
+            <a:ext cx="8229240" cy="858600"/>
+          </a:xfrm>
+          <a:prstGeom prst="rect">
+            <a:avLst/>
+          </a:prstGeom>
+        </p:spPr>
+        <p:txBody>
+          <a:bodyPr lIns="0" rIns="0" tIns="0" bIns="0" anchor="ctr"/>
+          <a:p>
+            <a:pPr algn="ctr"/>
+            <a:endParaRPr/>
+          </a:p>
+        </p:txBody>
+      </p:sp>
+      <p:sp>
+        <p:nvSpPr>
+          <p:cNvPr id="305" name="PlaceHolder 2"/>
+          <p:cNvSpPr>
+            <a:spLocks noGrp="1"/>
+          </p:cNvSpPr>
+          <p:nvPr>
+            <p:ph type="body"/>
+          </p:nvPr>
+        </p:nvSpPr>
+        <p:spPr>
+          <a:xfrm>
+            <a:off x="457200" y="1203480"/>
+            <a:ext cx="8229240" cy="2982960"/>
           </a:xfrm>
           <a:prstGeom prst="rect">
             <a:avLst/>
@@ -8431,7 +10744,7 @@
         <p:spPr>
           <a:xfrm>
             <a:off x="-9000" y="5213880"/>
-            <a:ext cx="8388720" cy="515880"/>
+            <a:ext cx="8388360" cy="515520"/>
           </a:xfrm>
           <a:prstGeom prst="rect">
             <a:avLst/>
@@ -8500,7 +10813,7 @@
         <p:spPr>
           <a:xfrm>
             <a:off x="457200" y="205200"/>
-            <a:ext cx="8228880" cy="858240"/>
+            <a:ext cx="8229240" cy="858600"/>
           </a:xfrm>
           <a:prstGeom prst="rect">
             <a:avLst/>
@@ -8509,8 +10822,9 @@
         <p:txBody>
           <a:bodyPr lIns="0" rIns="0" tIns="0" bIns="0" anchor="ctr"/>
           <a:p>
+            <a:pPr algn="ctr"/>
             <a:r>
-              <a:rPr lang="es-GT">
+              <a:rPr lang="es-GT" sz="4400">
                 <a:latin typeface="Arial"/>
               </a:rPr>
               <a:t>Pulse para editar el formato del texto de título</a:t>
@@ -8532,7 +10846,7 @@
         <p:spPr>
           <a:xfrm>
             <a:off x="457200" y="1203480"/>
-            <a:ext cx="8228880" cy="2982600"/>
+            <a:ext cx="8229240" cy="2982960"/>
           </a:xfrm>
           <a:prstGeom prst="rect">
             <a:avLst/>
@@ -8547,7 +10861,7 @@
               <a:buChar char=""/>
             </a:pPr>
             <a:r>
-              <a:rPr lang="es-GT">
+              <a:rPr lang="es-GT" sz="3200">
                 <a:latin typeface="Arial"/>
               </a:rPr>
               <a:t>Pulse para editar el formato de esquema del texto</a:t>
@@ -8561,7 +10875,7 @@
               <a:buChar char=""/>
             </a:pPr>
             <a:r>
-              <a:rPr lang="es-GT">
+              <a:rPr lang="es-GT" sz="2800">
                 <a:latin typeface="Arial"/>
               </a:rPr>
               <a:t>Segundo nivel del esquema</a:t>
@@ -8575,7 +10889,7 @@
               <a:buChar char=""/>
             </a:pPr>
             <a:r>
-              <a:rPr lang="es-GT">
+              <a:rPr lang="es-GT" sz="2400">
                 <a:latin typeface="Arial"/>
               </a:rPr>
               <a:t>Tercer nivel del esquema</a:t>
@@ -8589,7 +10903,7 @@
               <a:buChar char=""/>
             </a:pPr>
             <a:r>
-              <a:rPr lang="es-GT">
+              <a:rPr lang="es-GT" sz="2000">
                 <a:latin typeface="Arial"/>
               </a:rPr>
               <a:t>Cuarto nivel del esquema</a:t>
@@ -8603,7 +10917,7 @@
               <a:buChar char=""/>
             </a:pPr>
             <a:r>
-              <a:rPr lang="es-GT">
+              <a:rPr lang="es-GT" sz="2000">
                 <a:latin typeface="Arial"/>
               </a:rPr>
               <a:t>Quinto nivel del esquema</a:t>
@@ -8617,7 +10931,7 @@
               <a:buChar char=""/>
             </a:pPr>
             <a:r>
-              <a:rPr lang="es-GT">
+              <a:rPr lang="es-GT" sz="2000">
                 <a:latin typeface="Arial"/>
               </a:rPr>
               <a:t>Sexto nivel del esquema</a:t>
@@ -8631,7 +10945,7 @@
               <a:buChar char=""/>
             </a:pPr>
             <a:r>
-              <a:rPr lang="es-GT">
+              <a:rPr lang="es-GT" sz="2000">
                 <a:latin typeface="Arial"/>
               </a:rPr>
               <a:t>Séptimo nivel del esquema</a:t>
@@ -8696,7 +11010,7 @@
         <p:spPr>
           <a:xfrm>
             <a:off x="-9000" y="5213880"/>
-            <a:ext cx="8388720" cy="515880"/>
+            <a:ext cx="8388360" cy="515520"/>
           </a:xfrm>
           <a:prstGeom prst="rect">
             <a:avLst/>
@@ -8962,7 +11276,7 @@
         <p:spPr>
           <a:xfrm>
             <a:off x="-9000" y="5213880"/>
-            <a:ext cx="8388720" cy="515880"/>
+            <a:ext cx="8388360" cy="515520"/>
           </a:xfrm>
           <a:prstGeom prst="rect">
             <a:avLst/>
@@ -9228,7 +11542,7 @@
         <p:spPr>
           <a:xfrm>
             <a:off x="-9000" y="5213880"/>
-            <a:ext cx="8388720" cy="515880"/>
+            <a:ext cx="8388360" cy="515520"/>
           </a:xfrm>
           <a:prstGeom prst="rect">
             <a:avLst/>
@@ -9494,7 +11808,7 @@
         <p:spPr>
           <a:xfrm>
             <a:off x="-9000" y="5213880"/>
-            <a:ext cx="8388720" cy="515880"/>
+            <a:ext cx="8388360" cy="515520"/>
           </a:xfrm>
           <a:prstGeom prst="rect">
             <a:avLst/>
@@ -9760,7 +12074,7 @@
         <p:spPr>
           <a:xfrm>
             <a:off x="-9000" y="5213880"/>
-            <a:ext cx="8388720" cy="515880"/>
+            <a:ext cx="8388360" cy="515520"/>
           </a:xfrm>
           <a:prstGeom prst="rect">
             <a:avLst/>
@@ -10026,7 +12340,7 @@
         <p:spPr>
           <a:xfrm>
             <a:off x="-9000" y="5213880"/>
-            <a:ext cx="8388720" cy="515880"/>
+            <a:ext cx="8388360" cy="515520"/>
           </a:xfrm>
           <a:prstGeom prst="rect">
             <a:avLst/>
@@ -10232,104 +12546,6 @@
               </a:rPr>
               <a:t>Séptimo nivel del esquema</a:t>
             </a:r>
-            <a:endParaRPr/>
-          </a:p>
-        </p:txBody>
-      </p:sp>
-      <p:sp>
-        <p:nvSpPr>
-          <p:cNvPr id="225" name="PlaceHolder 4"/>
-          <p:cNvSpPr>
-            <a:spLocks noGrp="1"/>
-          </p:cNvSpPr>
-          <p:nvPr>
-            <p:ph type="dt"/>
-          </p:nvPr>
-        </p:nvSpPr>
-        <p:spPr>
-          <a:xfrm>
-            <a:off x="457200" y="4685760"/>
-            <a:ext cx="2130120" cy="354240"/>
-          </a:xfrm>
-          <a:prstGeom prst="rect">
-            <a:avLst/>
-          </a:prstGeom>
-        </p:spPr>
-        <p:txBody>
-          <a:bodyPr lIns="0" rIns="0" tIns="0" bIns="0"/>
-          <a:p>
-            <a:r>
-              <a:rPr lang="es-GT" sz="1400">
-                <a:latin typeface="Times New Roman"/>
-              </a:rPr>
-              <a:t>&lt;fecha/hora&gt;</a:t>
-            </a:r>
-            <a:endParaRPr/>
-          </a:p>
-        </p:txBody>
-      </p:sp>
-      <p:sp>
-        <p:nvSpPr>
-          <p:cNvPr id="226" name="PlaceHolder 5"/>
-          <p:cNvSpPr>
-            <a:spLocks noGrp="1"/>
-          </p:cNvSpPr>
-          <p:nvPr>
-            <p:ph type="ftr"/>
-          </p:nvPr>
-        </p:nvSpPr>
-        <p:spPr>
-          <a:xfrm>
-            <a:off x="3126960" y="4685760"/>
-            <a:ext cx="2898000" cy="354240"/>
-          </a:xfrm>
-          <a:prstGeom prst="rect">
-            <a:avLst/>
-          </a:prstGeom>
-        </p:spPr>
-        <p:txBody>
-          <a:bodyPr lIns="0" rIns="0" tIns="0" bIns="0"/>
-          <a:p>
-            <a:pPr algn="ctr"/>
-            <a:r>
-              <a:rPr lang="es-GT" sz="1400">
-                <a:latin typeface="Times New Roman"/>
-              </a:rPr>
-              <a:t>&lt;pie de página&gt;</a:t>
-            </a:r>
-            <a:endParaRPr/>
-          </a:p>
-        </p:txBody>
-      </p:sp>
-      <p:sp>
-        <p:nvSpPr>
-          <p:cNvPr id="227" name="PlaceHolder 6"/>
-          <p:cNvSpPr>
-            <a:spLocks noGrp="1"/>
-          </p:cNvSpPr>
-          <p:nvPr>
-            <p:ph type="sldNum"/>
-          </p:nvPr>
-        </p:nvSpPr>
-        <p:spPr>
-          <a:xfrm>
-            <a:off x="6555960" y="4685760"/>
-            <a:ext cx="2130120" cy="354240"/>
-          </a:xfrm>
-          <a:prstGeom prst="rect">
-            <a:avLst/>
-          </a:prstGeom>
-        </p:spPr>
-        <p:txBody>
-          <a:bodyPr lIns="0" rIns="0" tIns="0" bIns="0"/>
-          <a:p>
-            <a:pPr algn="r"/>
-            <a:fld id="{37EDFD8E-C008-447F-805C-632B865E23A5}" type="slidenum">
-              <a:rPr lang="es-GT" sz="1400">
-                <a:latin typeface="Times New Roman"/>
-              </a:rPr>
-              <a:t>&lt;número&gt;</a:t>
-            </a:fld>
             <a:endParaRPr/>
           </a:p>
         </p:txBody>
@@ -10350,6 +12566,636 @@
     <p:sldLayoutId id="2147483736" r:id="rId12"/>
     <p:sldLayoutId id="2147483737" r:id="rId13"/>
     <p:sldLayoutId id="2147483738" r:id="rId14"/>
+  </p:sldLayoutIdLst>
+</p:sldMaster>
+</file>
+
+<file path=ppt/slideMasters/slideMaster8.xml><?xml version="1.0" encoding="utf-8"?>
+<p:sldMaster xmlns:a="http://schemas.openxmlformats.org/drawingml/2006/main" xmlns:p="http://schemas.openxmlformats.org/presentationml/2006/main" xmlns:r="http://schemas.openxmlformats.org/officeDocument/2006/relationships">
+  <p:cSld>
+    <p:bg>
+      <p:bgPr>
+        <a:blipFill>
+          <a:blip r:embed="rId2"/>
+          <a:stretch>
+            <a:fillRect/>
+          </a:stretch>
+        </a:blipFill>
+      </p:bgPr>
+    </p:bg>
+    <p:spTree>
+      <p:nvGrpSpPr>
+        <p:cNvPr id="1" name=""/>
+        <p:cNvGrpSpPr/>
+        <p:nvPr/>
+      </p:nvGrpSpPr>
+      <p:grpSpPr>
+        <a:xfrm>
+          <a:off x="0" y="0"/>
+          <a:ext cx="0" cy="0"/>
+          <a:chOff x="0" y="0"/>
+          <a:chExt cx="0" cy="0"/>
+        </a:xfrm>
+      </p:grpSpPr>
+      <p:sp>
+        <p:nvSpPr>
+          <p:cNvPr id="259" name="CustomShape 1"/>
+          <p:cNvSpPr/>
+          <p:nvPr/>
+        </p:nvSpPr>
+        <p:spPr>
+          <a:xfrm>
+            <a:off x="-9000" y="5213880"/>
+            <a:ext cx="8388360" cy="515520"/>
+          </a:xfrm>
+          <a:prstGeom prst="rect">
+            <a:avLst/>
+          </a:prstGeom>
+          <a:noFill/>
+          <a:ln>
+            <a:noFill/>
+          </a:ln>
+        </p:spPr>
+        <p:style>
+          <a:lnRef idx="0"/>
+          <a:fillRef idx="0"/>
+          <a:effectRef idx="0"/>
+          <a:fontRef idx="minor"/>
+        </p:style>
+        <p:txBody>
+          <a:bodyPr lIns="90000" rIns="90000" tIns="45000" bIns="45000"/>
+          <a:p>
+            <a:pPr>
+              <a:lnSpc>
+                <a:spcPct val="100000"/>
+              </a:lnSpc>
+            </a:pPr>
+            <a:r>
+              <a:rPr lang="es-GT" sz="1400" strike="noStrike">
+                <a:solidFill>
+                  <a:srgbClr val="a6a6a6"/>
+                </a:solidFill>
+                <a:latin typeface="Calibri"/>
+                <a:ea typeface="DejaVu Sans"/>
+              </a:rPr>
+              <a:t>This presentation uses a free template provided by FPPT.com</a:t>
+            </a:r>
+            <a:endParaRPr/>
+          </a:p>
+          <a:p>
+            <a:pPr>
+              <a:lnSpc>
+                <a:spcPct val="100000"/>
+              </a:lnSpc>
+            </a:pPr>
+            <a:r>
+              <a:rPr lang="es-GT" sz="1400" strike="noStrike">
+                <a:solidFill>
+                  <a:srgbClr val="a6a6a6"/>
+                </a:solidFill>
+                <a:latin typeface="Calibri"/>
+                <a:ea typeface="DejaVu Sans"/>
+              </a:rPr>
+              <a:t>www.free-power-point-templates.com</a:t>
+            </a:r>
+            <a:endParaRPr/>
+          </a:p>
+        </p:txBody>
+      </p:sp>
+      <p:sp>
+        <p:nvSpPr>
+          <p:cNvPr id="260" name="PlaceHolder 2"/>
+          <p:cNvSpPr>
+            <a:spLocks noGrp="1"/>
+          </p:cNvSpPr>
+          <p:nvPr>
+            <p:ph type="title"/>
+          </p:nvPr>
+        </p:nvSpPr>
+        <p:spPr>
+          <a:xfrm>
+            <a:off x="457200" y="205200"/>
+            <a:ext cx="8229240" cy="858600"/>
+          </a:xfrm>
+          <a:prstGeom prst="rect">
+            <a:avLst/>
+          </a:prstGeom>
+        </p:spPr>
+        <p:txBody>
+          <a:bodyPr lIns="0" rIns="0" tIns="0" bIns="0" anchor="ctr"/>
+          <a:p>
+            <a:pPr algn="ctr"/>
+            <a:r>
+              <a:rPr lang="es-GT" sz="4400">
+                <a:latin typeface="Arial"/>
+              </a:rPr>
+              <a:t>Pulse para editar el formato del texto de título</a:t>
+            </a:r>
+            <a:endParaRPr/>
+          </a:p>
+        </p:txBody>
+      </p:sp>
+      <p:sp>
+        <p:nvSpPr>
+          <p:cNvPr id="261" name="PlaceHolder 3"/>
+          <p:cNvSpPr>
+            <a:spLocks noGrp="1"/>
+          </p:cNvSpPr>
+          <p:nvPr>
+            <p:ph type="body"/>
+          </p:nvPr>
+        </p:nvSpPr>
+        <p:spPr>
+          <a:xfrm>
+            <a:off x="457200" y="1203480"/>
+            <a:ext cx="8229240" cy="2982960"/>
+          </a:xfrm>
+          <a:prstGeom prst="rect">
+            <a:avLst/>
+          </a:prstGeom>
+        </p:spPr>
+        <p:txBody>
+          <a:bodyPr lIns="0" rIns="0" tIns="0" bIns="0"/>
+          <a:p>
+            <a:pPr>
+              <a:buSzPct val="45000"/>
+              <a:buFont typeface="StarSymbol"/>
+              <a:buChar char=""/>
+            </a:pPr>
+            <a:r>
+              <a:rPr lang="es-GT" sz="3200">
+                <a:latin typeface="Arial"/>
+              </a:rPr>
+              <a:t>Pulse para editar el formato de esquema del texto</a:t>
+            </a:r>
+            <a:endParaRPr/>
+          </a:p>
+          <a:p>
+            <a:pPr lvl="1">
+              <a:buSzPct val="75000"/>
+              <a:buFont typeface="StarSymbol"/>
+              <a:buChar char=""/>
+            </a:pPr>
+            <a:r>
+              <a:rPr lang="es-GT" sz="2800">
+                <a:latin typeface="Arial"/>
+              </a:rPr>
+              <a:t>Segundo nivel del esquema</a:t>
+            </a:r>
+            <a:endParaRPr/>
+          </a:p>
+          <a:p>
+            <a:pPr lvl="2">
+              <a:buSzPct val="45000"/>
+              <a:buFont typeface="StarSymbol"/>
+              <a:buChar char=""/>
+            </a:pPr>
+            <a:r>
+              <a:rPr lang="es-GT" sz="2400">
+                <a:latin typeface="Arial"/>
+              </a:rPr>
+              <a:t>Tercer nivel del esquema</a:t>
+            </a:r>
+            <a:endParaRPr/>
+          </a:p>
+          <a:p>
+            <a:pPr lvl="3">
+              <a:buSzPct val="75000"/>
+              <a:buFont typeface="StarSymbol"/>
+              <a:buChar char=""/>
+            </a:pPr>
+            <a:r>
+              <a:rPr lang="es-GT" sz="2000">
+                <a:latin typeface="Arial"/>
+              </a:rPr>
+              <a:t>Cuarto nivel del esquema</a:t>
+            </a:r>
+            <a:endParaRPr/>
+          </a:p>
+          <a:p>
+            <a:pPr lvl="4">
+              <a:buSzPct val="45000"/>
+              <a:buFont typeface="StarSymbol"/>
+              <a:buChar char=""/>
+            </a:pPr>
+            <a:r>
+              <a:rPr lang="es-GT" sz="2000">
+                <a:latin typeface="Arial"/>
+              </a:rPr>
+              <a:t>Quinto nivel del esquema</a:t>
+            </a:r>
+            <a:endParaRPr/>
+          </a:p>
+          <a:p>
+            <a:pPr lvl="5">
+              <a:buSzPct val="45000"/>
+              <a:buFont typeface="StarSymbol"/>
+              <a:buChar char=""/>
+            </a:pPr>
+            <a:r>
+              <a:rPr lang="es-GT" sz="2000">
+                <a:latin typeface="Arial"/>
+              </a:rPr>
+              <a:t>Sexto nivel del esquema</a:t>
+            </a:r>
+            <a:endParaRPr/>
+          </a:p>
+          <a:p>
+            <a:pPr lvl="6">
+              <a:buSzPct val="45000"/>
+              <a:buFont typeface="StarSymbol"/>
+              <a:buChar char=""/>
+            </a:pPr>
+            <a:r>
+              <a:rPr lang="es-GT" sz="2000">
+                <a:latin typeface="Arial"/>
+              </a:rPr>
+              <a:t>Séptimo nivel del esquema</a:t>
+            </a:r>
+            <a:endParaRPr/>
+          </a:p>
+        </p:txBody>
+      </p:sp>
+    </p:spTree>
+  </p:cSld>
+  <p:clrMap bg1="lt1" bg2="lt2" tx1="dk1" tx2="dk2" accent1="accent1" accent2="accent2" accent3="accent3" accent4="accent4" accent5="accent5" accent6="accent6" hlink="hlink" folHlink="folHlink"/>
+  <p:sldLayoutIdLst>
+    <p:sldLayoutId id="2147483740" r:id="rId3"/>
+    <p:sldLayoutId id="2147483741" r:id="rId4"/>
+    <p:sldLayoutId id="2147483742" r:id="rId5"/>
+    <p:sldLayoutId id="2147483743" r:id="rId6"/>
+    <p:sldLayoutId id="2147483744" r:id="rId7"/>
+    <p:sldLayoutId id="2147483745" r:id="rId8"/>
+    <p:sldLayoutId id="2147483746" r:id="rId9"/>
+    <p:sldLayoutId id="2147483747" r:id="rId10"/>
+    <p:sldLayoutId id="2147483748" r:id="rId11"/>
+    <p:sldLayoutId id="2147483749" r:id="rId12"/>
+    <p:sldLayoutId id="2147483750" r:id="rId13"/>
+    <p:sldLayoutId id="2147483751" r:id="rId14"/>
+  </p:sldLayoutIdLst>
+</p:sldMaster>
+</file>
+
+<file path=ppt/slideMasters/slideMaster9.xml><?xml version="1.0" encoding="utf-8"?>
+<p:sldMaster xmlns:a="http://schemas.openxmlformats.org/drawingml/2006/main" xmlns:p="http://schemas.openxmlformats.org/presentationml/2006/main" xmlns:r="http://schemas.openxmlformats.org/officeDocument/2006/relationships">
+  <p:cSld>
+    <p:bg>
+      <p:bgPr>
+        <a:blipFill>
+          <a:blip r:embed="rId2"/>
+          <a:stretch>
+            <a:fillRect/>
+          </a:stretch>
+        </a:blipFill>
+      </p:bgPr>
+    </p:bg>
+    <p:spTree>
+      <p:nvGrpSpPr>
+        <p:cNvPr id="1" name=""/>
+        <p:cNvGrpSpPr/>
+        <p:nvPr/>
+      </p:nvGrpSpPr>
+      <p:grpSpPr>
+        <a:xfrm>
+          <a:off x="0" y="0"/>
+          <a:ext cx="0" cy="0"/>
+          <a:chOff x="0" y="0"/>
+          <a:chExt cx="0" cy="0"/>
+        </a:xfrm>
+      </p:grpSpPr>
+      <p:sp>
+        <p:nvSpPr>
+          <p:cNvPr id="296" name="CustomShape 1"/>
+          <p:cNvSpPr/>
+          <p:nvPr/>
+        </p:nvSpPr>
+        <p:spPr>
+          <a:xfrm>
+            <a:off x="-9000" y="5213880"/>
+            <a:ext cx="8388360" cy="515520"/>
+          </a:xfrm>
+          <a:prstGeom prst="rect">
+            <a:avLst/>
+          </a:prstGeom>
+          <a:noFill/>
+          <a:ln>
+            <a:noFill/>
+          </a:ln>
+        </p:spPr>
+        <p:style>
+          <a:lnRef idx="0"/>
+          <a:fillRef idx="0"/>
+          <a:effectRef idx="0"/>
+          <a:fontRef idx="minor"/>
+        </p:style>
+        <p:txBody>
+          <a:bodyPr lIns="90000" rIns="90000" tIns="45000" bIns="45000"/>
+          <a:p>
+            <a:pPr>
+              <a:lnSpc>
+                <a:spcPct val="100000"/>
+              </a:lnSpc>
+            </a:pPr>
+            <a:r>
+              <a:rPr lang="es-GT" sz="1400" strike="noStrike">
+                <a:solidFill>
+                  <a:srgbClr val="a6a6a6"/>
+                </a:solidFill>
+                <a:latin typeface="Calibri"/>
+                <a:ea typeface="DejaVu Sans"/>
+              </a:rPr>
+              <a:t>This presentation uses a free template provided by FPPT.com</a:t>
+            </a:r>
+            <a:endParaRPr/>
+          </a:p>
+          <a:p>
+            <a:pPr>
+              <a:lnSpc>
+                <a:spcPct val="100000"/>
+              </a:lnSpc>
+            </a:pPr>
+            <a:r>
+              <a:rPr lang="es-GT" sz="1400" strike="noStrike">
+                <a:solidFill>
+                  <a:srgbClr val="a6a6a6"/>
+                </a:solidFill>
+                <a:latin typeface="Calibri"/>
+                <a:ea typeface="DejaVu Sans"/>
+              </a:rPr>
+              <a:t>www.free-power-point-templates.com</a:t>
+            </a:r>
+            <a:endParaRPr/>
+          </a:p>
+        </p:txBody>
+      </p:sp>
+      <p:sp>
+        <p:nvSpPr>
+          <p:cNvPr id="297" name="PlaceHolder 2"/>
+          <p:cNvSpPr>
+            <a:spLocks noGrp="1"/>
+          </p:cNvSpPr>
+          <p:nvPr>
+            <p:ph type="title"/>
+          </p:nvPr>
+        </p:nvSpPr>
+        <p:spPr>
+          <a:xfrm>
+            <a:off x="457200" y="205200"/>
+            <a:ext cx="8229240" cy="858600"/>
+          </a:xfrm>
+          <a:prstGeom prst="rect">
+            <a:avLst/>
+          </a:prstGeom>
+        </p:spPr>
+        <p:txBody>
+          <a:bodyPr lIns="0" rIns="0" tIns="0" bIns="0" anchor="ctr"/>
+          <a:p>
+            <a:pPr algn="ctr"/>
+            <a:r>
+              <a:rPr lang="es-GT" sz="4400">
+                <a:latin typeface="Arial"/>
+              </a:rPr>
+              <a:t>Pulse para editar el formato del texto de título</a:t>
+            </a:r>
+            <a:endParaRPr/>
+          </a:p>
+        </p:txBody>
+      </p:sp>
+      <p:sp>
+        <p:nvSpPr>
+          <p:cNvPr id="298" name="PlaceHolder 3"/>
+          <p:cNvSpPr>
+            <a:spLocks noGrp="1"/>
+          </p:cNvSpPr>
+          <p:nvPr>
+            <p:ph type="body"/>
+          </p:nvPr>
+        </p:nvSpPr>
+        <p:spPr>
+          <a:xfrm>
+            <a:off x="457200" y="1203480"/>
+            <a:ext cx="8229240" cy="2982960"/>
+          </a:xfrm>
+          <a:prstGeom prst="rect">
+            <a:avLst/>
+          </a:prstGeom>
+        </p:spPr>
+        <p:txBody>
+          <a:bodyPr lIns="0" rIns="0" tIns="0" bIns="0"/>
+          <a:p>
+            <a:pPr>
+              <a:buSzPct val="45000"/>
+              <a:buFont typeface="StarSymbol"/>
+              <a:buChar char=""/>
+            </a:pPr>
+            <a:r>
+              <a:rPr lang="es-GT" sz="3200">
+                <a:latin typeface="Arial"/>
+              </a:rPr>
+              <a:t>Pulse para editar el formato de esquema del texto</a:t>
+            </a:r>
+            <a:endParaRPr/>
+          </a:p>
+          <a:p>
+            <a:pPr lvl="1">
+              <a:buSzPct val="75000"/>
+              <a:buFont typeface="StarSymbol"/>
+              <a:buChar char=""/>
+            </a:pPr>
+            <a:r>
+              <a:rPr lang="es-GT" sz="2800">
+                <a:latin typeface="Arial"/>
+              </a:rPr>
+              <a:t>Segundo nivel del esquema</a:t>
+            </a:r>
+            <a:endParaRPr/>
+          </a:p>
+          <a:p>
+            <a:pPr lvl="2">
+              <a:buSzPct val="45000"/>
+              <a:buFont typeface="StarSymbol"/>
+              <a:buChar char=""/>
+            </a:pPr>
+            <a:r>
+              <a:rPr lang="es-GT" sz="2400">
+                <a:latin typeface="Arial"/>
+              </a:rPr>
+              <a:t>Tercer nivel del esquema</a:t>
+            </a:r>
+            <a:endParaRPr/>
+          </a:p>
+          <a:p>
+            <a:pPr lvl="3">
+              <a:buSzPct val="75000"/>
+              <a:buFont typeface="StarSymbol"/>
+              <a:buChar char=""/>
+            </a:pPr>
+            <a:r>
+              <a:rPr lang="es-GT" sz="2000">
+                <a:latin typeface="Arial"/>
+              </a:rPr>
+              <a:t>Cuarto nivel del esquema</a:t>
+            </a:r>
+            <a:endParaRPr/>
+          </a:p>
+          <a:p>
+            <a:pPr lvl="4">
+              <a:buSzPct val="45000"/>
+              <a:buFont typeface="StarSymbol"/>
+              <a:buChar char=""/>
+            </a:pPr>
+            <a:r>
+              <a:rPr lang="es-GT" sz="2000">
+                <a:latin typeface="Arial"/>
+              </a:rPr>
+              <a:t>Quinto nivel del esquema</a:t>
+            </a:r>
+            <a:endParaRPr/>
+          </a:p>
+          <a:p>
+            <a:pPr lvl="5">
+              <a:buSzPct val="45000"/>
+              <a:buFont typeface="StarSymbol"/>
+              <a:buChar char=""/>
+            </a:pPr>
+            <a:r>
+              <a:rPr lang="es-GT" sz="2000">
+                <a:latin typeface="Arial"/>
+              </a:rPr>
+              <a:t>Sexto nivel del esquema</a:t>
+            </a:r>
+            <a:endParaRPr/>
+          </a:p>
+          <a:p>
+            <a:pPr lvl="6">
+              <a:buSzPct val="45000"/>
+              <a:buFont typeface="StarSymbol"/>
+              <a:buChar char=""/>
+            </a:pPr>
+            <a:r>
+              <a:rPr lang="es-GT" sz="2000">
+                <a:latin typeface="Arial"/>
+              </a:rPr>
+              <a:t>Séptimo nivel del esquema</a:t>
+            </a:r>
+            <a:endParaRPr/>
+          </a:p>
+        </p:txBody>
+      </p:sp>
+      <p:sp>
+        <p:nvSpPr>
+          <p:cNvPr id="299" name="PlaceHolder 4"/>
+          <p:cNvSpPr>
+            <a:spLocks noGrp="1"/>
+          </p:cNvSpPr>
+          <p:nvPr>
+            <p:ph type="dt"/>
+          </p:nvPr>
+        </p:nvSpPr>
+        <p:spPr>
+          <a:xfrm>
+            <a:off x="457200" y="4685760"/>
+            <a:ext cx="2130120" cy="354240"/>
+          </a:xfrm>
+          <a:prstGeom prst="rect">
+            <a:avLst/>
+          </a:prstGeom>
+        </p:spPr>
+        <p:txBody>
+          <a:bodyPr lIns="0" rIns="0" tIns="0" bIns="0"/>
+          <a:p>
+            <a:r>
+              <a:rPr lang="es-GT" sz="1400">
+                <a:latin typeface="Times New Roman"/>
+              </a:rPr>
+              <a:t>&lt;fecha/hora&gt;</a:t>
+            </a:r>
+            <a:endParaRPr/>
+          </a:p>
+        </p:txBody>
+      </p:sp>
+      <p:sp>
+        <p:nvSpPr>
+          <p:cNvPr id="300" name="PlaceHolder 5"/>
+          <p:cNvSpPr>
+            <a:spLocks noGrp="1"/>
+          </p:cNvSpPr>
+          <p:nvPr>
+            <p:ph type="ftr"/>
+          </p:nvPr>
+        </p:nvSpPr>
+        <p:spPr>
+          <a:xfrm>
+            <a:off x="3126960" y="4685760"/>
+            <a:ext cx="2898000" cy="354240"/>
+          </a:xfrm>
+          <a:prstGeom prst="rect">
+            <a:avLst/>
+          </a:prstGeom>
+        </p:spPr>
+        <p:txBody>
+          <a:bodyPr lIns="0" rIns="0" tIns="0" bIns="0"/>
+          <a:p>
+            <a:pPr algn="ctr"/>
+            <a:r>
+              <a:rPr lang="es-GT" sz="1400">
+                <a:latin typeface="Times New Roman"/>
+              </a:rPr>
+              <a:t>&lt;pie de página&gt;</a:t>
+            </a:r>
+            <a:endParaRPr/>
+          </a:p>
+        </p:txBody>
+      </p:sp>
+      <p:sp>
+        <p:nvSpPr>
+          <p:cNvPr id="301" name="PlaceHolder 6"/>
+          <p:cNvSpPr>
+            <a:spLocks noGrp="1"/>
+          </p:cNvSpPr>
+          <p:nvPr>
+            <p:ph type="sldNum"/>
+          </p:nvPr>
+        </p:nvSpPr>
+        <p:spPr>
+          <a:xfrm>
+            <a:off x="6555960" y="4685760"/>
+            <a:ext cx="2130120" cy="354240"/>
+          </a:xfrm>
+          <a:prstGeom prst="rect">
+            <a:avLst/>
+          </a:prstGeom>
+        </p:spPr>
+        <p:txBody>
+          <a:bodyPr lIns="0" rIns="0" tIns="0" bIns="0"/>
+          <a:p>
+            <a:pPr algn="r"/>
+            <a:fld id="{1632BB4A-27F8-4055-A8CD-9327FCC2D207}" type="slidenum">
+              <a:rPr lang="es-GT" sz="1400">
+                <a:latin typeface="Times New Roman"/>
+              </a:rPr>
+              <a:t>&lt;número&gt;</a:t>
+            </a:fld>
+            <a:endParaRPr/>
+          </a:p>
+        </p:txBody>
+      </p:sp>
+    </p:spTree>
+  </p:cSld>
+  <p:clrMap bg1="lt1" bg2="lt2" tx1="dk1" tx2="dk2" accent1="accent1" accent2="accent2" accent3="accent3" accent4="accent4" accent5="accent5" accent6="accent6" hlink="hlink" folHlink="folHlink"/>
+  <p:sldLayoutIdLst>
+    <p:sldLayoutId id="2147483753" r:id="rId3"/>
+    <p:sldLayoutId id="2147483754" r:id="rId4"/>
+    <p:sldLayoutId id="2147483755" r:id="rId5"/>
+    <p:sldLayoutId id="2147483756" r:id="rId6"/>
+    <p:sldLayoutId id="2147483757" r:id="rId7"/>
+    <p:sldLayoutId id="2147483758" r:id="rId8"/>
+    <p:sldLayoutId id="2147483759" r:id="rId9"/>
+    <p:sldLayoutId id="2147483760" r:id="rId10"/>
+    <p:sldLayoutId id="2147483761" r:id="rId11"/>
+    <p:sldLayoutId id="2147483762" r:id="rId12"/>
+    <p:sldLayoutId id="2147483763" r:id="rId13"/>
+    <p:sldLayoutId id="2147483764" r:id="rId14"/>
   </p:sldLayoutIdLst>
 </p:sldMaster>
 </file>
@@ -10373,14 +13219,14 @@
       </p:grpSpPr>
       <p:sp>
         <p:nvSpPr>
-          <p:cNvPr id="267" name="CustomShape 1"/>
+          <p:cNvPr id="341" name="CustomShape 1"/>
           <p:cNvSpPr/>
           <p:nvPr/>
         </p:nvSpPr>
         <p:spPr>
           <a:xfrm>
             <a:off x="3528000" y="720000"/>
-            <a:ext cx="5327280" cy="863640"/>
+            <a:ext cx="5326920" cy="863280"/>
           </a:xfrm>
           <a:prstGeom prst="rect">
             <a:avLst/>
@@ -10433,14 +13279,14 @@
       </p:sp>
       <p:sp>
         <p:nvSpPr>
-          <p:cNvPr id="268" name="CustomShape 2"/>
+          <p:cNvPr id="342" name="CustomShape 2"/>
           <p:cNvSpPr/>
           <p:nvPr/>
         </p:nvSpPr>
         <p:spPr>
           <a:xfrm>
             <a:off x="3312000" y="2232000"/>
-            <a:ext cx="5687640" cy="1102320"/>
+            <a:ext cx="5687280" cy="1101960"/>
           </a:xfrm>
           <a:prstGeom prst="rect">
             <a:avLst/>
@@ -10555,7 +13401,7 @@
       </p:grpSpPr>
       <p:pic>
         <p:nvPicPr>
-          <p:cNvPr id="288" name="" descr=""/>
+          <p:cNvPr id="362" name="" descr=""/>
           <p:cNvPicPr/>
           <p:nvPr/>
         </p:nvPicPr>
@@ -10566,7 +13412,7 @@
         <p:spPr>
           <a:xfrm>
             <a:off x="1056600" y="1296000"/>
-            <a:ext cx="7019640" cy="2619000"/>
+            <a:ext cx="7019280" cy="2618640"/>
           </a:xfrm>
           <a:prstGeom prst="rect">
             <a:avLst/>
@@ -10578,14 +13424,14 @@
       </p:pic>
       <p:sp>
         <p:nvSpPr>
-          <p:cNvPr id="289" name="TextShape 1"/>
-          <p:cNvSpPr txBox="1"/>
+          <p:cNvPr id="363" name="CustomShape 1"/>
+          <p:cNvSpPr/>
           <p:nvPr/>
         </p:nvSpPr>
         <p:spPr>
           <a:xfrm>
             <a:off x="2016000" y="4005720"/>
-            <a:ext cx="6624000" cy="602280"/>
+            <a:ext cx="6623640" cy="601920"/>
           </a:xfrm>
           <a:prstGeom prst="rect">
             <a:avLst/>
@@ -10595,11 +13441,17 @@
             <a:noFill/>
           </a:ln>
         </p:spPr>
+        <p:style>
+          <a:lnRef idx="0"/>
+          <a:fillRef idx="0"/>
+          <a:effectRef idx="0"/>
+          <a:fontRef idx="minor"/>
+        </p:style>
         <p:txBody>
           <a:bodyPr lIns="90000" rIns="90000" tIns="45000" bIns="45000"/>
           <a:p>
             <a:r>
-              <a:rPr lang="es-GT">
+              <a:rPr lang="es-GT" strike="noStrike">
                 <a:latin typeface="Arial"/>
               </a:rPr>
               <a:t>Red LSTM de 3 pasos – Creditos: Christopher Olah </a:t>
@@ -10659,14 +13511,14 @@
       </p:grpSpPr>
       <p:sp>
         <p:nvSpPr>
-          <p:cNvPr id="290" name="TextShape 1"/>
-          <p:cNvSpPr txBox="1"/>
+          <p:cNvPr id="364" name="CustomShape 1"/>
+          <p:cNvSpPr/>
           <p:nvPr/>
         </p:nvSpPr>
         <p:spPr>
           <a:xfrm>
             <a:off x="3384000" y="432000"/>
-            <a:ext cx="5634360" cy="576000"/>
+            <a:ext cx="5634000" cy="575640"/>
           </a:xfrm>
           <a:prstGeom prst="rect">
             <a:avLst/>
@@ -10676,6 +13528,12 @@
             <a:noFill/>
           </a:ln>
         </p:spPr>
+        <p:style>
+          <a:lnRef idx="0"/>
+          <a:fillRef idx="0"/>
+          <a:effectRef idx="0"/>
+          <a:fontRef idx="minor"/>
+        </p:style>
         <p:txBody>
           <a:bodyPr lIns="90000" rIns="90000" tIns="45000" bIns="45000"/>
           <a:p>
@@ -10700,14 +13558,14 @@
       </p:sp>
       <p:sp>
         <p:nvSpPr>
-          <p:cNvPr id="291" name="TextShape 2"/>
-          <p:cNvSpPr txBox="1"/>
+          <p:cNvPr id="365" name="CustomShape 2"/>
+          <p:cNvSpPr/>
           <p:nvPr/>
         </p:nvSpPr>
         <p:spPr>
           <a:xfrm>
             <a:off x="720000" y="1237680"/>
-            <a:ext cx="3387240" cy="346320"/>
+            <a:ext cx="3386880" cy="345960"/>
           </a:xfrm>
           <a:prstGeom prst="rect">
             <a:avLst/>
@@ -10717,11 +13575,17 @@
             <a:noFill/>
           </a:ln>
         </p:spPr>
+        <p:style>
+          <a:lnRef idx="0"/>
+          <a:fillRef idx="0"/>
+          <a:effectRef idx="0"/>
+          <a:fontRef idx="minor"/>
+        </p:style>
         <p:txBody>
           <a:bodyPr lIns="90000" rIns="90000" tIns="45000" bIns="45000"/>
           <a:p>
             <a:r>
-              <a:rPr lang="es-GT">
+              <a:rPr lang="es-GT" strike="noStrike">
                 <a:latin typeface="Arial"/>
               </a:rPr>
               <a:t>Análisis de emociones en texto:</a:t>
@@ -10781,14 +13645,14 @@
       </p:grpSpPr>
       <p:sp>
         <p:nvSpPr>
-          <p:cNvPr id="292" name="TextShape 1"/>
-          <p:cNvSpPr txBox="1"/>
+          <p:cNvPr id="366" name="CustomShape 1"/>
+          <p:cNvSpPr/>
           <p:nvPr/>
         </p:nvSpPr>
         <p:spPr>
           <a:xfrm>
             <a:off x="3384000" y="432000"/>
-            <a:ext cx="5634360" cy="576000"/>
+            <a:ext cx="5634000" cy="575640"/>
           </a:xfrm>
           <a:prstGeom prst="rect">
             <a:avLst/>
@@ -10798,6 +13662,12 @@
             <a:noFill/>
           </a:ln>
         </p:spPr>
+        <p:style>
+          <a:lnRef idx="0"/>
+          <a:fillRef idx="0"/>
+          <a:effectRef idx="0"/>
+          <a:fontRef idx="minor"/>
+        </p:style>
         <p:txBody>
           <a:bodyPr lIns="90000" rIns="90000" tIns="45000" bIns="45000"/>
           <a:p>
@@ -10822,14 +13692,14 @@
       </p:sp>
       <p:sp>
         <p:nvSpPr>
-          <p:cNvPr id="293" name="TextShape 2"/>
-          <p:cNvSpPr txBox="1"/>
+          <p:cNvPr id="367" name="CustomShape 2"/>
+          <p:cNvSpPr/>
           <p:nvPr/>
         </p:nvSpPr>
         <p:spPr>
           <a:xfrm>
             <a:off x="720000" y="1237680"/>
-            <a:ext cx="4457160" cy="346320"/>
+            <a:ext cx="4456800" cy="345960"/>
           </a:xfrm>
           <a:prstGeom prst="rect">
             <a:avLst/>
@@ -10839,11 +13709,17 @@
             <a:noFill/>
           </a:ln>
         </p:spPr>
+        <p:style>
+          <a:lnRef idx="0"/>
+          <a:fillRef idx="0"/>
+          <a:effectRef idx="0"/>
+          <a:fontRef idx="minor"/>
+        </p:style>
         <p:txBody>
           <a:bodyPr lIns="90000" rIns="90000" tIns="45000" bIns="45000"/>
           <a:p>
             <a:r>
-              <a:rPr lang="es-GT">
+              <a:rPr lang="es-GT" strike="noStrike">
                 <a:latin typeface="Arial"/>
               </a:rPr>
               <a:t>Traductor de lenguajes usando “seq2seq”:</a:t>
@@ -10903,14 +13779,14 @@
       </p:grpSpPr>
       <p:sp>
         <p:nvSpPr>
-          <p:cNvPr id="294" name="TextShape 1"/>
-          <p:cNvSpPr txBox="1"/>
+          <p:cNvPr id="368" name="CustomShape 1"/>
+          <p:cNvSpPr/>
           <p:nvPr/>
         </p:nvSpPr>
         <p:spPr>
           <a:xfrm>
             <a:off x="3384000" y="432000"/>
-            <a:ext cx="5634360" cy="576000"/>
+            <a:ext cx="5634000" cy="575640"/>
           </a:xfrm>
           <a:prstGeom prst="rect">
             <a:avLst/>
@@ -10920,6 +13796,12 @@
             <a:noFill/>
           </a:ln>
         </p:spPr>
+        <p:style>
+          <a:lnRef idx="0"/>
+          <a:fillRef idx="0"/>
+          <a:effectRef idx="0"/>
+          <a:fontRef idx="minor"/>
+        </p:style>
         <p:txBody>
           <a:bodyPr lIns="90000" rIns="90000" tIns="45000" bIns="45000"/>
           <a:p>
@@ -10944,14 +13826,14 @@
       </p:sp>
       <p:sp>
         <p:nvSpPr>
-          <p:cNvPr id="295" name="TextShape 2"/>
-          <p:cNvSpPr txBox="1"/>
+          <p:cNvPr id="369" name="CustomShape 2"/>
+          <p:cNvSpPr/>
           <p:nvPr/>
         </p:nvSpPr>
         <p:spPr>
           <a:xfrm>
             <a:off x="720000" y="1237680"/>
-            <a:ext cx="8426880" cy="1626120"/>
+            <a:ext cx="8426520" cy="1625760"/>
           </a:xfrm>
           <a:prstGeom prst="rect">
             <a:avLst/>
@@ -10961,17 +13843,23 @@
             <a:noFill/>
           </a:ln>
         </p:spPr>
+        <p:style>
+          <a:lnRef idx="0"/>
+          <a:fillRef idx="0"/>
+          <a:effectRef idx="0"/>
+          <a:fontRef idx="minor"/>
+        </p:style>
         <p:txBody>
           <a:bodyPr lIns="90000" rIns="90000" tIns="45000" bIns="45000"/>
           <a:p>
             <a:r>
-              <a:rPr b="1" lang="es-GT">
+              <a:rPr b="1" lang="es-GT" strike="noStrike">
                 <a:latin typeface="Arial"/>
               </a:rPr>
               <a:t>Modelo generativo</a:t>
             </a:r>
             <a:r>
-              <a:rPr lang="es-GT">
+              <a:rPr lang="es-GT" strike="noStrike">
                 <a:latin typeface="Arial"/>
               </a:rPr>
               <a:t>: Hemos visto modelos discriminatorio, un modelo generativo </a:t>
@@ -10980,7 +13868,7 @@
           </a:p>
           <a:p>
             <a:r>
-              <a:rPr lang="es-GT">
+              <a:rPr lang="es-GT" strike="noStrike">
                 <a:latin typeface="Arial"/>
               </a:rPr>
               <a:t>Es aquel que en lugar de obtener una clasificación o una representación</a:t>
@@ -10989,7 +13877,7 @@
           </a:p>
           <a:p>
             <a:r>
-              <a:rPr lang="es-GT">
+              <a:rPr lang="es-GT" strike="noStrike">
                 <a:latin typeface="Arial"/>
               </a:rPr>
               <a:t>Equivalente de sus datos de entrada, es entrenado para generar por si mismo</a:t>
@@ -10998,7 +13886,7 @@
           </a:p>
           <a:p>
             <a:r>
-              <a:rPr lang="es-GT">
+              <a:rPr lang="es-GT" strike="noStrike">
                 <a:latin typeface="Arial"/>
               </a:rPr>
               <a:t>Datos con similitudes a sus datos de entrenamiento.</a:t>
@@ -11007,13 +13895,13 @@
           </a:p>
           <a:p>
             <a:r>
-              <a:rPr b="1" lang="es-GT">
+              <a:rPr b="1" lang="es-GT" strike="noStrike">
                 <a:latin typeface="Arial"/>
               </a:rPr>
               <a:t>Ejemplo: Love-Poe(en desarrollo) </a:t>
             </a:r>
             <a:r>
-              <a:rPr lang="es-GT">
+              <a:rPr lang="es-GT" strike="noStrike">
                 <a:latin typeface="Arial"/>
               </a:rPr>
               <a:t>Es un bot que genera literatura de horror</a:t>
@@ -11022,7 +13910,7 @@
           </a:p>
           <a:p>
             <a:r>
-              <a:rPr lang="es-GT">
+              <a:rPr lang="es-GT" strike="noStrike">
                 <a:latin typeface="Arial"/>
               </a:rPr>
               <a:t>Aprendiendo de 2 conocidos autores Lovecraft y Poe.</a:t>
@@ -11082,14 +13970,14 @@
       </p:grpSpPr>
       <p:sp>
         <p:nvSpPr>
-          <p:cNvPr id="296" name="TextShape 1"/>
-          <p:cNvSpPr txBox="1"/>
+          <p:cNvPr id="370" name="CustomShape 1"/>
+          <p:cNvSpPr/>
           <p:nvPr/>
         </p:nvSpPr>
         <p:spPr>
           <a:xfrm>
             <a:off x="3384000" y="432000"/>
-            <a:ext cx="5634360" cy="576000"/>
+            <a:ext cx="5634000" cy="575640"/>
           </a:xfrm>
           <a:prstGeom prst="rect">
             <a:avLst/>
@@ -11099,6 +13987,12 @@
             <a:noFill/>
           </a:ln>
         </p:spPr>
+        <p:style>
+          <a:lnRef idx="0"/>
+          <a:fillRef idx="0"/>
+          <a:effectRef idx="0"/>
+          <a:fontRef idx="minor"/>
+        </p:style>
         <p:txBody>
           <a:bodyPr lIns="90000" rIns="90000" tIns="45000" bIns="45000"/>
           <a:p>
@@ -11123,14 +14017,14 @@
       </p:sp>
       <p:sp>
         <p:nvSpPr>
-          <p:cNvPr id="297" name="TextShape 2"/>
-          <p:cNvSpPr txBox="1"/>
+          <p:cNvPr id="371" name="CustomShape 2"/>
+          <p:cNvSpPr/>
           <p:nvPr/>
         </p:nvSpPr>
         <p:spPr>
           <a:xfrm>
             <a:off x="113040" y="1080000"/>
-            <a:ext cx="8670960" cy="4755960"/>
+            <a:ext cx="8670600" cy="4755600"/>
           </a:xfrm>
           <a:prstGeom prst="rect">
             <a:avLst/>
@@ -11140,11 +14034,17 @@
             <a:noFill/>
           </a:ln>
         </p:spPr>
+        <p:style>
+          <a:lnRef idx="0"/>
+          <a:fillRef idx="0"/>
+          <a:effectRef idx="0"/>
+          <a:fontRef idx="minor"/>
+        </p:style>
         <p:txBody>
           <a:bodyPr lIns="90000" rIns="90000" tIns="45000" bIns="45000"/>
           <a:p>
             <a:r>
-              <a:rPr b="1" lang="es-GT" sz="1600">
+              <a:rPr b="1" lang="es-GT" sz="1600" strike="noStrike">
                 <a:latin typeface="Arial"/>
               </a:rPr>
               <a:t>Aplicación en la industria(y relación con business inteligence/data warehousing)</a:t>
@@ -11152,15 +14052,19 @@
             <a:endParaRPr/>
           </a:p>
           <a:p>
-            <a:pPr algn="just"/>
+            <a:pPr algn="just">
+              <a:lnSpc>
+                <a:spcPct val="100000"/>
+              </a:lnSpc>
+            </a:pPr>
             <a:r>
-              <a:rPr lang="es-GT" sz="1600">
+              <a:rPr lang="es-GT" sz="1600" strike="noStrike">
                 <a:latin typeface="Arial"/>
               </a:rPr>
               <a:t> </a:t>
             </a:r>
             <a:r>
-              <a:rPr lang="es-GT" sz="1600">
+              <a:rPr lang="es-GT" sz="1600" strike="noStrike">
                 <a:latin typeface="Arial"/>
               </a:rPr>
               <a:t>Mes a mes , la empresa envía encuestas  abiertas a nuevos usuarios y estos escriben sus respuestas con texto libre. A la empresa le interesa analizar estas respuestas de una manera estandarizada,pero el texto libre no permite esto. Por lo cual una persona lee encuesta por encuesta y las agrupa para luego generar manualmente un reporte. Problemas?</a:t>
@@ -11169,11 +14073,14 @@
           </a:p>
           <a:p>
             <a:pPr algn="just">
+              <a:lnSpc>
+                <a:spcPct val="100000"/>
+              </a:lnSpc>
               <a:buFont typeface="Liberation Serif"/>
               <a:buAutoNum type="arabicParenR"/>
             </a:pPr>
             <a:r>
-              <a:rPr lang="es-GT" sz="1600">
+              <a:rPr lang="es-GT" sz="1600" strike="noStrike">
                 <a:latin typeface="Arial"/>
               </a:rPr>
               <a:t>El numero de usuarios nuevos ha incrementado y demanda mucho trabajo.</a:t>
@@ -11182,11 +14089,14 @@
           </a:p>
           <a:p>
             <a:pPr algn="just">
+              <a:lnSpc>
+                <a:spcPct val="100000"/>
+              </a:lnSpc>
               <a:buFont typeface="Liberation Serif"/>
               <a:buAutoNum type="arabicParenR"/>
             </a:pPr>
             <a:r>
-              <a:rPr lang="es-GT" sz="1600">
+              <a:rPr lang="es-GT" sz="1600" strike="noStrike">
                 <a:latin typeface="Arial"/>
               </a:rPr>
               <a:t>El reporte se genera manualmente por lo cual solo es analizado aisladamente</a:t>
@@ -11194,13 +14104,21 @@
             <a:endParaRPr/>
           </a:p>
           <a:p>
-            <a:pPr algn="just"/>
-            <a:endParaRPr/>
-          </a:p>
-          <a:p>
-            <a:pPr algn="just"/>
+            <a:pPr algn="just">
+              <a:lnSpc>
+                <a:spcPct val="100000"/>
+              </a:lnSpc>
+            </a:pPr>
+            <a:endParaRPr/>
+          </a:p>
+          <a:p>
+            <a:pPr algn="just">
+              <a:lnSpc>
+                <a:spcPct val="100000"/>
+              </a:lnSpc>
+            </a:pPr>
             <a:r>
-              <a:rPr lang="es-GT" sz="1600">
+              <a:rPr lang="es-GT" sz="1600" strike="noStrike">
                 <a:latin typeface="Arial"/>
               </a:rPr>
               <a:t>Solución? </a:t>
@@ -11208,35 +14126,41 @@
             <a:endParaRPr/>
           </a:p>
           <a:p>
-            <a:pPr algn="just"/>
+            <a:pPr algn="just">
+              <a:lnSpc>
+                <a:spcPct val="100000"/>
+              </a:lnSpc>
+            </a:pPr>
             <a:r>
-              <a:rPr lang="es-GT" sz="1600">
+              <a:rPr lang="es-GT" sz="1600" strike="noStrike">
                 <a:latin typeface="Arial"/>
               </a:rPr>
               <a:t>1) Con las encuestas(y reporte) de meses anteriores, entrenamos un bot</a:t>
             </a:r>
+            <a:endParaRPr/>
+          </a:p>
+          <a:p>
+            <a:pPr algn="just">
+              <a:lnSpc>
+                <a:spcPct val="100000"/>
+              </a:lnSpc>
+            </a:pPr>
             <a:r>
-              <a:rPr lang="es-GT" sz="1600">
-                <a:latin typeface="Arial"/>
-              </a:rPr>
-              <a:t>
-</a:t>
-            </a:r>
-            <a:r>
-              <a:rPr lang="es-GT" sz="1600">
+              <a:rPr lang="es-GT" sz="1600" strike="noStrike">
                 <a:latin typeface="Arial"/>
               </a:rPr>
               <a:t>utilizando Deep Learning que aprende a realizar la tarea que la persona realiza mes</a:t>
             </a:r>
+            <a:endParaRPr/>
+          </a:p>
+          <a:p>
+            <a:pPr algn="just">
+              <a:lnSpc>
+                <a:spcPct val="100000"/>
+              </a:lnSpc>
+            </a:pPr>
             <a:r>
-              <a:rPr lang="es-GT" sz="1600">
-                <a:latin typeface="Arial"/>
-              </a:rPr>
-              <a:t>
-</a:t>
-            </a:r>
-            <a:r>
-              <a:rPr lang="es-GT" sz="1600">
+              <a:rPr lang="es-GT" sz="1600" strike="noStrike">
                 <a:latin typeface="Arial"/>
               </a:rPr>
               <a:t>a mes. </a:t>
@@ -11244,9 +14168,13 @@
             <a:endParaRPr/>
           </a:p>
           <a:p>
-            <a:pPr algn="just"/>
+            <a:pPr algn="just">
+              <a:lnSpc>
+                <a:spcPct val="100000"/>
+              </a:lnSpc>
+            </a:pPr>
             <a:r>
-              <a:rPr lang="es-GT" sz="1600">
+              <a:rPr lang="es-GT" sz="1600" strike="noStrike">
                 <a:latin typeface="Arial"/>
               </a:rPr>
               <a:t>2) Este bot sera integrado a un job de ETL que automáticamente llevará el resultado de una manera estructurada al data warehouse, para posterior análisis y permitir integración con otros datos de interés.</a:t>
@@ -11255,18 +14183,22 @@
           </a:p>
           <a:p>
             <a:pPr algn="just">
+              <a:lnSpc>
+                <a:spcPct val="100000"/>
+              </a:lnSpc>
+            </a:pPr>
+            <a:endParaRPr/>
+          </a:p>
+          <a:p>
+            <a:pPr algn="just">
+              <a:lnSpc>
+                <a:spcPct val="100000"/>
+              </a:lnSpc>
               <a:buFont typeface="Liberation Serif"/>
               <a:buAutoNum type="arabicParenR"/>
             </a:pPr>
             <a:r>
-              <a:rPr lang="es-GT">
-                <a:latin typeface="Arial"/>
-              </a:rPr>
-              <a:t>
-</a:t>
-            </a:r>
-            <a:r>
-              <a:rPr lang="es-GT">
+              <a:rPr lang="es-GT" strike="noStrike">
                 <a:latin typeface="Arial"/>
               </a:rPr>
               <a:t> </a:t>
@@ -11274,12 +14206,27 @@
             <a:endParaRPr/>
           </a:p>
           <a:p>
-            <a:endParaRPr/>
-          </a:p>
-          <a:p>
-            <a:endParaRPr/>
-          </a:p>
-          <a:p>
+            <a:pPr algn="just">
+              <a:lnSpc>
+                <a:spcPct val="100000"/>
+              </a:lnSpc>
+            </a:pPr>
+            <a:endParaRPr/>
+          </a:p>
+          <a:p>
+            <a:pPr algn="just">
+              <a:lnSpc>
+                <a:spcPct val="100000"/>
+              </a:lnSpc>
+            </a:pPr>
+            <a:endParaRPr/>
+          </a:p>
+          <a:p>
+            <a:pPr algn="just">
+              <a:lnSpc>
+                <a:spcPct val="100000"/>
+              </a:lnSpc>
+            </a:pPr>
             <a:endParaRPr/>
           </a:p>
         </p:txBody>
@@ -11335,14 +14282,14 @@
       </p:grpSpPr>
       <p:sp>
         <p:nvSpPr>
-          <p:cNvPr id="298" name="CustomShape 1"/>
+          <p:cNvPr id="372" name="CustomShape 1"/>
           <p:cNvSpPr/>
           <p:nvPr/>
         </p:nvSpPr>
         <p:spPr>
           <a:xfrm>
             <a:off x="1008000" y="432000"/>
-            <a:ext cx="8092440" cy="609840"/>
+            <a:ext cx="8092080" cy="609480"/>
           </a:xfrm>
           <a:prstGeom prst="rect">
             <a:avLst/>
@@ -11382,14 +14329,14 @@
       </p:sp>
       <p:sp>
         <p:nvSpPr>
-          <p:cNvPr id="299" name="CustomShape 2"/>
+          <p:cNvPr id="373" name="CustomShape 2"/>
           <p:cNvSpPr/>
           <p:nvPr/>
         </p:nvSpPr>
         <p:spPr>
           <a:xfrm>
             <a:off x="1544760" y="1105200"/>
-            <a:ext cx="6159240" cy="478800"/>
+            <a:ext cx="6158880" cy="478440"/>
           </a:xfrm>
           <a:prstGeom prst="rect">
             <a:avLst/>
@@ -11429,14 +14376,14 @@
       </p:sp>
       <p:sp>
         <p:nvSpPr>
-          <p:cNvPr id="300" name="CustomShape 3"/>
+          <p:cNvPr id="374" name="CustomShape 3"/>
           <p:cNvSpPr/>
           <p:nvPr/>
         </p:nvSpPr>
         <p:spPr>
           <a:xfrm>
             <a:off x="352800" y="1656000"/>
-            <a:ext cx="8503200" cy="3384000"/>
+            <a:ext cx="8502840" cy="3383640"/>
           </a:xfrm>
           <a:prstGeom prst="rect">
             <a:avLst/>
@@ -11455,13 +14402,6 @@
         <p:txBody>
           <a:bodyPr lIns="90000" rIns="90000" tIns="45000" bIns="45000"/>
           <a:p>
-            <a:pPr algn="just">
-              <a:lnSpc>
-                <a:spcPct val="100000"/>
-              </a:lnSpc>
-              <a:buFont typeface="Arial"/>
-              <a:buChar char="•"/>
-            </a:pPr>
             <a:r>
               <a:rPr lang="es-GT" strike="noStrike">
                 <a:solidFill>
@@ -11472,17 +14412,16 @@
               </a:rPr>
               <a:t>Método de aprendizaje no supervisado(solo necesitamos</a:t>
             </a:r>
-            <a:r>
-              <a:rPr lang="es-GT" strike="noStrike">
-                <a:solidFill>
-                  <a:srgbClr val="000000"/>
-                </a:solidFill>
-                <a:latin typeface="Calibri"/>
-                <a:ea typeface="DejaVu Sans"/>
-              </a:rPr>
-              <a:t>
-</a:t>
-            </a:r>
+            <a:endParaRPr/>
+          </a:p>
+          <a:p>
+            <a:pPr algn="just">
+              <a:lnSpc>
+                <a:spcPct val="100000"/>
+              </a:lnSpc>
+              <a:buFont typeface="Arial"/>
+              <a:buChar char="•"/>
+            </a:pPr>
             <a:r>
               <a:rPr lang="es-GT" strike="noStrike">
                 <a:solidFill>
@@ -11562,7 +14501,7 @@
               </a:lnSpc>
               <a:buSzPct val="45000"/>
               <a:buFont typeface="StarSymbol"/>
-              <a:buChar char=""/>
+              <a:buChar char="l"/>
             </a:pPr>
             <a:r>
               <a:rPr lang="es-GT" strike="noStrike">
@@ -11583,7 +14522,7 @@
               </a:lnSpc>
               <a:buSzPct val="45000"/>
               <a:buFont typeface="StarSymbol"/>
-              <a:buChar char=""/>
+              <a:buChar char="l"/>
             </a:pPr>
             <a:r>
               <a:rPr lang="es-GT" strike="noStrike">
@@ -11660,14 +14599,14 @@
       </p:grpSpPr>
       <p:sp>
         <p:nvSpPr>
-          <p:cNvPr id="301" name="CustomShape 1"/>
+          <p:cNvPr id="375" name="CustomShape 1"/>
           <p:cNvSpPr/>
           <p:nvPr/>
         </p:nvSpPr>
         <p:spPr>
           <a:xfrm>
             <a:off x="1008000" y="432000"/>
-            <a:ext cx="8092440" cy="609840"/>
+            <a:ext cx="8092080" cy="609480"/>
           </a:xfrm>
           <a:prstGeom prst="rect">
             <a:avLst/>
@@ -11707,14 +14646,14 @@
       </p:sp>
       <p:sp>
         <p:nvSpPr>
-          <p:cNvPr id="302" name="CustomShape 2"/>
+          <p:cNvPr id="376" name="CustomShape 2"/>
           <p:cNvSpPr/>
           <p:nvPr/>
         </p:nvSpPr>
         <p:spPr>
           <a:xfrm>
             <a:off x="352800" y="1656000"/>
-            <a:ext cx="8503200" cy="3384000"/>
+            <a:ext cx="8502840" cy="3383640"/>
           </a:xfrm>
           <a:prstGeom prst="rect">
             <a:avLst/>
@@ -11756,7 +14695,7 @@
       </p:sp>
       <p:pic>
         <p:nvPicPr>
-          <p:cNvPr id="303" name="" descr=""/>
+          <p:cNvPr id="377" name="" descr=""/>
           <p:cNvPicPr/>
           <p:nvPr/>
         </p:nvPicPr>
@@ -11767,7 +14706,7 @@
         <p:spPr>
           <a:xfrm>
             <a:off x="2016000" y="1080000"/>
-            <a:ext cx="5040000" cy="3384000"/>
+            <a:ext cx="5039640" cy="3383640"/>
           </a:xfrm>
           <a:prstGeom prst="rect">
             <a:avLst/>
@@ -11779,14 +14718,14 @@
       </p:pic>
       <p:sp>
         <p:nvSpPr>
-          <p:cNvPr id="304" name="TextShape 3"/>
-          <p:cNvSpPr txBox="1"/>
+          <p:cNvPr id="378" name="CustomShape 3"/>
+          <p:cNvSpPr/>
           <p:nvPr/>
         </p:nvSpPr>
         <p:spPr>
           <a:xfrm>
             <a:off x="3312000" y="4608000"/>
-            <a:ext cx="3018240" cy="346320"/>
+            <a:ext cx="3017880" cy="345960"/>
           </a:xfrm>
           <a:prstGeom prst="rect">
             <a:avLst/>
@@ -11796,11 +14735,17 @@
             <a:noFill/>
           </a:ln>
         </p:spPr>
+        <p:style>
+          <a:lnRef idx="0"/>
+          <a:fillRef idx="0"/>
+          <a:effectRef idx="0"/>
+          <a:fontRef idx="minor"/>
+        </p:style>
         <p:txBody>
           <a:bodyPr lIns="90000" rIns="90000" tIns="45000" bIns="45000"/>
           <a:p>
             <a:r>
-              <a:rPr lang="es-GT">
+              <a:rPr lang="es-GT" strike="noStrike">
                 <a:latin typeface="Arial"/>
               </a:rPr>
               <a:t>Créditos:Chris MacCormick </a:t>
@@ -11860,7 +14805,7 @@
       </p:grpSpPr>
       <p:pic>
         <p:nvPicPr>
-          <p:cNvPr id="305" name="" descr=""/>
+          <p:cNvPr id="379" name="" descr=""/>
           <p:cNvPicPr/>
           <p:nvPr/>
         </p:nvPicPr>
@@ -11871,7 +14816,7 @@
         <p:spPr>
           <a:xfrm>
             <a:off x="1944000" y="1152000"/>
-            <a:ext cx="5688000" cy="3384000"/>
+            <a:ext cx="5687640" cy="3383640"/>
           </a:xfrm>
           <a:prstGeom prst="rect">
             <a:avLst/>
@@ -11883,14 +14828,14 @@
       </p:pic>
       <p:sp>
         <p:nvSpPr>
-          <p:cNvPr id="306" name="TextShape 1"/>
-          <p:cNvSpPr txBox="1"/>
+          <p:cNvPr id="380" name="CustomShape 1"/>
+          <p:cNvSpPr/>
           <p:nvPr/>
         </p:nvSpPr>
         <p:spPr>
           <a:xfrm>
             <a:off x="2664000" y="4752000"/>
-            <a:ext cx="3737880" cy="346320"/>
+            <a:ext cx="3737520" cy="345960"/>
           </a:xfrm>
           <a:prstGeom prst="rect">
             <a:avLst/>
@@ -11900,11 +14845,17 @@
             <a:noFill/>
           </a:ln>
         </p:spPr>
+        <p:style>
+          <a:lnRef idx="0"/>
+          <a:fillRef idx="0"/>
+          <a:effectRef idx="0"/>
+          <a:fontRef idx="minor"/>
+        </p:style>
         <p:txBody>
           <a:bodyPr lIns="90000" rIns="90000" tIns="45000" bIns="45000"/>
           <a:p>
             <a:r>
-              <a:rPr lang="es-GT">
+              <a:rPr lang="es-GT" strike="noStrike">
                 <a:latin typeface="Arial"/>
               </a:rPr>
               <a:t>Créditos : Google, Tensorflow team</a:t>
@@ -11922,6 +14873,597 @@
           <p:childTnLst>
             <p:seq>
               <p:cTn id="34" nodeType="mainSeq"/>
+              <p:prevCondLst>
+                <p:cond delay="0" evt="onPrev">
+                  <p:tgtEl>
+                    <p:sldTgt/>
+                  </p:tgtEl>
+                </p:cond>
+              </p:prevCondLst>
+              <p:nextCondLst>
+                <p:cond delay="0" evt="onNext">
+                  <p:tgtEl>
+                    <p:sldTgt/>
+                  </p:tgtEl>
+                </p:cond>
+              </p:nextCondLst>
+            </p:seq>
+          </p:childTnLst>
+        </p:cTn>
+      </p:par>
+    </p:tnLst>
+  </p:timing>
+</p:sld>
+</file>
+
+<file path=ppt/slides/slide18.xml><?xml version="1.0" encoding="utf-8"?>
+<p:sld xmlns:a="http://schemas.openxmlformats.org/drawingml/2006/main" xmlns:p="http://schemas.openxmlformats.org/presentationml/2006/main" xmlns:r="http://schemas.openxmlformats.org/officeDocument/2006/relationships">
+  <p:cSld>
+    <p:spTree>
+      <p:nvGrpSpPr>
+        <p:cNvPr id="1" name=""/>
+        <p:cNvGrpSpPr/>
+        <p:nvPr/>
+      </p:nvGrpSpPr>
+      <p:grpSpPr>
+        <a:xfrm>
+          <a:off x="0" y="0"/>
+          <a:ext cx="0" cy="0"/>
+          <a:chOff x="0" y="0"/>
+          <a:chExt cx="0" cy="0"/>
+        </a:xfrm>
+      </p:grpSpPr>
+      <p:sp>
+        <p:nvSpPr>
+          <p:cNvPr id="381" name="CustomShape 1"/>
+          <p:cNvSpPr/>
+          <p:nvPr/>
+        </p:nvSpPr>
+        <p:spPr>
+          <a:xfrm>
+            <a:off x="601560" y="433800"/>
+            <a:ext cx="8092080" cy="609480"/>
+          </a:xfrm>
+          <a:prstGeom prst="rect">
+            <a:avLst/>
+          </a:prstGeom>
+          <a:noFill/>
+          <a:ln>
+            <a:noFill/>
+          </a:ln>
+        </p:spPr>
+        <p:style>
+          <a:lnRef idx="0"/>
+          <a:fillRef idx="0"/>
+          <a:effectRef idx="0"/>
+          <a:fontRef idx="minor"/>
+        </p:style>
+        <p:txBody>
+          <a:bodyPr lIns="90000" rIns="90000" tIns="45000" bIns="45000" anchor="ctr"/>
+          <a:p>
+            <a:pPr algn="r">
+              <a:lnSpc>
+                <a:spcPct val="100000"/>
+              </a:lnSpc>
+            </a:pPr>
+            <a:r>
+              <a:rPr lang="es-GT" sz="3600" strike="noStrike">
+                <a:solidFill>
+                  <a:srgbClr val="002060"/>
+                </a:solidFill>
+                <a:latin typeface="Calibri"/>
+                <a:ea typeface="DejaVu Sans"/>
+              </a:rPr>
+              <a:t>Word2vec en 2d</a:t>
+            </a:r>
+            <a:endParaRPr/>
+          </a:p>
+        </p:txBody>
+      </p:sp>
+      <p:sp>
+        <p:nvSpPr>
+          <p:cNvPr id="382" name="CustomShape 2"/>
+          <p:cNvSpPr/>
+          <p:nvPr/>
+        </p:nvSpPr>
+        <p:spPr>
+          <a:xfrm>
+            <a:off x="536760" y="1641240"/>
+            <a:ext cx="4038840" cy="478440"/>
+          </a:xfrm>
+          <a:prstGeom prst="rect">
+            <a:avLst/>
+          </a:prstGeom>
+          <a:noFill/>
+          <a:ln>
+            <a:noFill/>
+          </a:ln>
+        </p:spPr>
+        <p:style>
+          <a:lnRef idx="0"/>
+          <a:fillRef idx="0"/>
+          <a:effectRef idx="0"/>
+          <a:fontRef idx="minor"/>
+        </p:style>
+      </p:sp>
+      <p:sp>
+        <p:nvSpPr>
+          <p:cNvPr id="383" name="CustomShape 3"/>
+          <p:cNvSpPr/>
+          <p:nvPr/>
+        </p:nvSpPr>
+        <p:spPr>
+          <a:xfrm>
+            <a:off x="4572000" y="1641240"/>
+            <a:ext cx="4040280" cy="478440"/>
+          </a:xfrm>
+          <a:prstGeom prst="rect">
+            <a:avLst/>
+          </a:prstGeom>
+          <a:noFill/>
+          <a:ln>
+            <a:noFill/>
+          </a:ln>
+        </p:spPr>
+        <p:style>
+          <a:lnRef idx="0"/>
+          <a:fillRef idx="0"/>
+          <a:effectRef idx="0"/>
+          <a:fontRef idx="minor"/>
+        </p:style>
+      </p:sp>
+      <p:pic>
+        <p:nvPicPr>
+          <p:cNvPr id="384" name="" descr=""/>
+          <p:cNvPicPr/>
+          <p:nvPr/>
+        </p:nvPicPr>
+        <p:blipFill>
+          <a:blip r:embed="rId1"/>
+          <a:stretch/>
+        </p:blipFill>
+        <p:spPr>
+          <a:xfrm>
+            <a:off x="968400" y="1338120"/>
+            <a:ext cx="7743600" cy="1037880"/>
+          </a:xfrm>
+          <a:prstGeom prst="rect">
+            <a:avLst/>
+          </a:prstGeom>
+          <a:ln>
+            <a:noFill/>
+          </a:ln>
+        </p:spPr>
+      </p:pic>
+      <p:sp>
+        <p:nvSpPr>
+          <p:cNvPr id="385" name="TextShape 4"/>
+          <p:cNvSpPr txBox="1"/>
+          <p:nvPr/>
+        </p:nvSpPr>
+        <p:spPr>
+          <a:xfrm>
+            <a:off x="1944000" y="4104000"/>
+            <a:ext cx="5371560" cy="346320"/>
+          </a:xfrm>
+          <a:prstGeom prst="rect">
+            <a:avLst/>
+          </a:prstGeom>
+          <a:noFill/>
+          <a:ln>
+            <a:noFill/>
+          </a:ln>
+        </p:spPr>
+        <p:txBody>
+          <a:bodyPr lIns="90000" rIns="90000" tIns="45000" bIns="45000"/>
+          <a:p>
+            <a:r>
+              <a:rPr lang="es-GT">
+                <a:latin typeface="Arial"/>
+              </a:rPr>
+              <a:t>Ejemplo de wor2vec enbeddings, Credito: Luis Leal</a:t>
+            </a:r>
+            <a:endParaRPr/>
+          </a:p>
+        </p:txBody>
+      </p:sp>
+      <p:pic>
+        <p:nvPicPr>
+          <p:cNvPr id="386" name="" descr=""/>
+          <p:cNvPicPr/>
+          <p:nvPr/>
+        </p:nvPicPr>
+        <p:blipFill>
+          <a:blip r:embed="rId2"/>
+          <a:stretch/>
+        </p:blipFill>
+        <p:spPr>
+          <a:xfrm>
+            <a:off x="3439440" y="2808000"/>
+            <a:ext cx="2104560" cy="1037880"/>
+          </a:xfrm>
+          <a:prstGeom prst="rect">
+            <a:avLst/>
+          </a:prstGeom>
+          <a:ln>
+            <a:noFill/>
+          </a:ln>
+        </p:spPr>
+      </p:pic>
+    </p:spTree>
+  </p:cSld>
+  <p:timing>
+    <p:tnLst>
+      <p:par>
+        <p:cTn id="35" dur="indefinite" restart="never" nodeType="tmRoot">
+          <p:childTnLst>
+            <p:seq>
+              <p:cTn id="36" nodeType="mainSeq"/>
+              <p:prevCondLst>
+                <p:cond delay="0" evt="onPrev">
+                  <p:tgtEl>
+                    <p:sldTgt/>
+                  </p:tgtEl>
+                </p:cond>
+              </p:prevCondLst>
+              <p:nextCondLst>
+                <p:cond delay="0" evt="onNext">
+                  <p:tgtEl>
+                    <p:sldTgt/>
+                  </p:tgtEl>
+                </p:cond>
+              </p:nextCondLst>
+            </p:seq>
+          </p:childTnLst>
+        </p:cTn>
+      </p:par>
+    </p:tnLst>
+  </p:timing>
+</p:sld>
+</file>
+
+<file path=ppt/slides/slide19.xml><?xml version="1.0" encoding="utf-8"?>
+<p:sld xmlns:a="http://schemas.openxmlformats.org/drawingml/2006/main" xmlns:p="http://schemas.openxmlformats.org/presentationml/2006/main" xmlns:r="http://schemas.openxmlformats.org/officeDocument/2006/relationships">
+  <p:cSld>
+    <p:spTree>
+      <p:nvGrpSpPr>
+        <p:cNvPr id="1" name=""/>
+        <p:cNvGrpSpPr/>
+        <p:nvPr/>
+      </p:nvGrpSpPr>
+      <p:grpSpPr>
+        <a:xfrm>
+          <a:off x="0" y="0"/>
+          <a:ext cx="0" cy="0"/>
+          <a:chOff x="0" y="0"/>
+          <a:chExt cx="0" cy="0"/>
+        </a:xfrm>
+      </p:grpSpPr>
+      <p:sp>
+        <p:nvSpPr>
+          <p:cNvPr id="387" name="CustomShape 1"/>
+          <p:cNvSpPr/>
+          <p:nvPr/>
+        </p:nvSpPr>
+        <p:spPr>
+          <a:xfrm>
+            <a:off x="1008000" y="432000"/>
+            <a:ext cx="8092080" cy="609480"/>
+          </a:xfrm>
+          <a:prstGeom prst="rect">
+            <a:avLst/>
+          </a:prstGeom>
+          <a:noFill/>
+          <a:ln>
+            <a:noFill/>
+          </a:ln>
+        </p:spPr>
+        <p:style>
+          <a:lnRef idx="0"/>
+          <a:fillRef idx="0"/>
+          <a:effectRef idx="0"/>
+          <a:fontRef idx="minor"/>
+        </p:style>
+        <p:txBody>
+          <a:bodyPr lIns="90000" rIns="90000" tIns="45000" bIns="45000" anchor="ctr"/>
+          <a:p>
+            <a:pPr algn="r">
+              <a:lnSpc>
+                <a:spcPct val="100000"/>
+              </a:lnSpc>
+            </a:pPr>
+            <a:r>
+              <a:rPr lang="es-GT" sz="2600" strike="noStrike">
+                <a:solidFill>
+                  <a:srgbClr val="002060"/>
+                </a:solidFill>
+                <a:latin typeface="Calibri"/>
+                <a:ea typeface="DejaVu Sans"/>
+              </a:rPr>
+              <a:t>Tips y Técnicas Relacionadas</a:t>
+            </a:r>
+            <a:endParaRPr/>
+          </a:p>
+        </p:txBody>
+      </p:sp>
+      <p:sp>
+        <p:nvSpPr>
+          <p:cNvPr id="388" name="CustomShape 2"/>
+          <p:cNvSpPr/>
+          <p:nvPr/>
+        </p:nvSpPr>
+        <p:spPr>
+          <a:xfrm>
+            <a:off x="1544760" y="1105200"/>
+            <a:ext cx="6158880" cy="478440"/>
+          </a:xfrm>
+          <a:prstGeom prst="rect">
+            <a:avLst/>
+          </a:prstGeom>
+          <a:noFill/>
+          <a:ln>
+            <a:noFill/>
+          </a:ln>
+        </p:spPr>
+        <p:style>
+          <a:lnRef idx="0"/>
+          <a:fillRef idx="0"/>
+          <a:effectRef idx="0"/>
+          <a:fontRef idx="minor"/>
+        </p:style>
+        <p:txBody>
+          <a:bodyPr lIns="90000" rIns="90000" tIns="45000" bIns="45000" anchor="b"/>
+          <a:p>
+            <a:pPr algn="ctr">
+              <a:lnSpc>
+                <a:spcPct val="100000"/>
+              </a:lnSpc>
+            </a:pPr>
+            <a:r>
+              <a:rPr b="1" lang="es-GT" sz="2400" strike="noStrike">
+                <a:solidFill>
+                  <a:srgbClr val="000000"/>
+                </a:solidFill>
+                <a:latin typeface="Calibri"/>
+                <a:ea typeface="DejaVu Sans"/>
+              </a:rPr>
+              <a:t>Stemming</a:t>
+            </a:r>
+            <a:endParaRPr/>
+          </a:p>
+        </p:txBody>
+      </p:sp>
+      <p:sp>
+        <p:nvSpPr>
+          <p:cNvPr id="389" name="CustomShape 3"/>
+          <p:cNvSpPr/>
+          <p:nvPr/>
+        </p:nvSpPr>
+        <p:spPr>
+          <a:xfrm>
+            <a:off x="352800" y="1583640"/>
+            <a:ext cx="8502840" cy="2088360"/>
+          </a:xfrm>
+          <a:prstGeom prst="rect">
+            <a:avLst/>
+          </a:prstGeom>
+          <a:noFill/>
+          <a:ln>
+            <a:noFill/>
+          </a:ln>
+        </p:spPr>
+        <p:style>
+          <a:lnRef idx="0"/>
+          <a:fillRef idx="0"/>
+          <a:effectRef idx="0"/>
+          <a:fontRef idx="minor"/>
+        </p:style>
+        <p:txBody>
+          <a:bodyPr lIns="90000" rIns="90000" tIns="45000" bIns="45000"/>
+          <a:p>
+            <a:pPr algn="just">
+              <a:lnSpc>
+                <a:spcPct val="100000"/>
+              </a:lnSpc>
+              <a:buFont typeface="Arial"/>
+              <a:buChar char="•"/>
+            </a:pPr>
+            <a:r>
+              <a:rPr lang="es-GT" sz="1600" strike="noStrike">
+                <a:solidFill>
+                  <a:srgbClr val="000000"/>
+                </a:solidFill>
+                <a:latin typeface="Calibri"/>
+                <a:ea typeface="DejaVu Sans"/>
+              </a:rPr>
+              <a:t>Método para convertir (reducir) palabras derivadas a palabras base.</a:t>
+            </a:r>
+            <a:endParaRPr/>
+          </a:p>
+          <a:p>
+            <a:pPr algn="just">
+              <a:lnSpc>
+                <a:spcPct val="100000"/>
+              </a:lnSpc>
+              <a:buFont typeface="Arial"/>
+              <a:buChar char="•"/>
+            </a:pPr>
+            <a:r>
+              <a:rPr lang="es-GT" sz="1600" strike="noStrike">
+                <a:solidFill>
+                  <a:srgbClr val="000000"/>
+                </a:solidFill>
+                <a:latin typeface="Calibri"/>
+                <a:ea typeface="DejaVu Sans"/>
+              </a:rPr>
+              <a:t>Por ejemplo: discutiendo, discuten, discute → discutir  </a:t>
+            </a:r>
+            <a:endParaRPr/>
+          </a:p>
+          <a:p>
+            <a:pPr algn="just">
+              <a:lnSpc>
+                <a:spcPct val="100000"/>
+              </a:lnSpc>
+              <a:buFont typeface="Arial"/>
+              <a:buChar char="•"/>
+            </a:pPr>
+            <a:r>
+              <a:rPr lang="es-GT" sz="1600" strike="noStrike">
+                <a:solidFill>
+                  <a:srgbClr val="000000"/>
+                </a:solidFill>
+                <a:latin typeface="Calibri"/>
+                <a:ea typeface="DejaVu Sans"/>
+              </a:rPr>
+              <a:t>Usar con precaución!  </a:t>
+            </a:r>
+            <a:r>
+              <a:rPr b="1" lang="es-GT" sz="1600" strike="noStrike">
+                <a:solidFill>
+                  <a:srgbClr val="000000"/>
+                </a:solidFill>
+                <a:latin typeface="Calibri"/>
+                <a:ea typeface="DejaVu Sans"/>
+              </a:rPr>
+              <a:t> Puede ayudar pero también puede dañar</a:t>
+            </a:r>
+            <a:endParaRPr/>
+          </a:p>
+          <a:p>
+            <a:pPr algn="just">
+              <a:lnSpc>
+                <a:spcPct val="100000"/>
+              </a:lnSpc>
+              <a:buFont typeface="Arial"/>
+              <a:buChar char="•"/>
+            </a:pPr>
+            <a:endParaRPr/>
+          </a:p>
+          <a:p>
+            <a:pPr algn="just">
+              <a:lnSpc>
+                <a:spcPct val="100000"/>
+              </a:lnSpc>
+              <a:buFont typeface="Arial"/>
+              <a:buChar char="•"/>
+            </a:pPr>
+            <a:endParaRPr/>
+          </a:p>
+          <a:p>
+            <a:pPr algn="just">
+              <a:lnSpc>
+                <a:spcPct val="100000"/>
+              </a:lnSpc>
+              <a:buFont typeface="Arial"/>
+              <a:buChar char="•"/>
+            </a:pPr>
+            <a:endParaRPr/>
+          </a:p>
+          <a:p>
+            <a:pPr algn="just">
+              <a:lnSpc>
+                <a:spcPct val="100000"/>
+              </a:lnSpc>
+              <a:buFont typeface="Arial"/>
+              <a:buChar char="•"/>
+            </a:pPr>
+            <a:endParaRPr/>
+          </a:p>
+          <a:p>
+            <a:pPr algn="just">
+              <a:lnSpc>
+                <a:spcPct val="100000"/>
+              </a:lnSpc>
+              <a:buFont typeface="Arial"/>
+              <a:buChar char="•"/>
+            </a:pPr>
+            <a:endParaRPr/>
+          </a:p>
+          <a:p>
+            <a:pPr algn="just">
+              <a:lnSpc>
+                <a:spcPct val="100000"/>
+              </a:lnSpc>
+              <a:buFont typeface="Arial"/>
+              <a:buChar char="•"/>
+            </a:pPr>
+            <a:endParaRPr/>
+          </a:p>
+          <a:p>
+            <a:pPr algn="just">
+              <a:lnSpc>
+                <a:spcPct val="100000"/>
+              </a:lnSpc>
+              <a:buFont typeface="Arial"/>
+              <a:buChar char="•"/>
+            </a:pPr>
+            <a:endParaRPr/>
+          </a:p>
+          <a:p>
+            <a:pPr algn="just">
+              <a:lnSpc>
+                <a:spcPct val="100000"/>
+              </a:lnSpc>
+              <a:buFont typeface="Arial"/>
+              <a:buChar char="•"/>
+            </a:pPr>
+            <a:endParaRPr/>
+          </a:p>
+          <a:p>
+            <a:pPr algn="just">
+              <a:lnSpc>
+                <a:spcPct val="100000"/>
+              </a:lnSpc>
+              <a:buFont typeface="Arial"/>
+              <a:buChar char="•"/>
+            </a:pPr>
+            <a:r>
+              <a:rPr lang="es-GT" sz="1600" strike="noStrike">
+                <a:solidFill>
+                  <a:srgbClr val="000000"/>
+                </a:solidFill>
+                <a:latin typeface="Calibri"/>
+                <a:ea typeface="DejaVu Sans"/>
+              </a:rPr>
+              <a:t>Podría confundir un error como “universiod”(la intención era  “universo”) y convertirlo a “universidad”</a:t>
+            </a:r>
+            <a:endParaRPr/>
+          </a:p>
+        </p:txBody>
+      </p:sp>
+      <p:pic>
+        <p:nvPicPr>
+          <p:cNvPr id="390" name="" descr=""/>
+          <p:cNvPicPr/>
+          <p:nvPr/>
+        </p:nvPicPr>
+        <p:blipFill>
+          <a:blip r:embed="rId1"/>
+          <a:stretch/>
+        </p:blipFill>
+        <p:spPr>
+          <a:xfrm>
+            <a:off x="3139200" y="2395440"/>
+            <a:ext cx="3412800" cy="1780560"/>
+          </a:xfrm>
+          <a:prstGeom prst="rect">
+            <a:avLst/>
+          </a:prstGeom>
+          <a:ln>
+            <a:noFill/>
+          </a:ln>
+        </p:spPr>
+      </p:pic>
+    </p:spTree>
+  </p:cSld>
+  <p:timing>
+    <p:tnLst>
+      <p:par>
+        <p:cTn id="37" dur="indefinite" restart="never" nodeType="tmRoot">
+          <p:childTnLst>
+            <p:seq>
+              <p:cTn id="38" nodeType="mainSeq"/>
               <p:prevCondLst>
                 <p:cond delay="0" evt="onPrev">
                   <p:tgtEl>
@@ -11964,14 +15506,14 @@
       </p:grpSpPr>
       <p:sp>
         <p:nvSpPr>
-          <p:cNvPr id="269" name="CustomShape 1"/>
+          <p:cNvPr id="343" name="CustomShape 1"/>
           <p:cNvSpPr/>
           <p:nvPr/>
         </p:nvSpPr>
         <p:spPr>
           <a:xfrm>
             <a:off x="448920" y="433800"/>
-            <a:ext cx="8245080" cy="609840"/>
+            <a:ext cx="8244720" cy="609480"/>
           </a:xfrm>
           <a:prstGeom prst="rect">
             <a:avLst/>
@@ -12011,14 +15553,14 @@
       </p:sp>
       <p:sp>
         <p:nvSpPr>
-          <p:cNvPr id="270" name="CustomShape 2"/>
+          <p:cNvPr id="344" name="CustomShape 2"/>
           <p:cNvSpPr/>
           <p:nvPr/>
         </p:nvSpPr>
         <p:spPr>
           <a:xfrm>
             <a:off x="448920" y="1350000"/>
-            <a:ext cx="8245080" cy="3511080"/>
+            <a:ext cx="8244720" cy="3510720"/>
           </a:xfrm>
           <a:prstGeom prst="rect">
             <a:avLst/>
@@ -12123,6 +15665,371 @@
           <p:childTnLst>
             <p:seq>
               <p:cTn id="4" nodeType="mainSeq"/>
+              <p:prevCondLst>
+                <p:cond delay="0" evt="onPrev">
+                  <p:tgtEl>
+                    <p:sldTgt/>
+                  </p:tgtEl>
+                </p:cond>
+              </p:prevCondLst>
+              <p:nextCondLst>
+                <p:cond delay="0" evt="onNext">
+                  <p:tgtEl>
+                    <p:sldTgt/>
+                  </p:tgtEl>
+                </p:cond>
+              </p:nextCondLst>
+            </p:seq>
+          </p:childTnLst>
+        </p:cTn>
+      </p:par>
+    </p:tnLst>
+  </p:timing>
+</p:sld>
+</file>
+
+<file path=ppt/slides/slide20.xml><?xml version="1.0" encoding="utf-8"?>
+<p:sld xmlns:a="http://schemas.openxmlformats.org/drawingml/2006/main" xmlns:p="http://schemas.openxmlformats.org/presentationml/2006/main" xmlns:r="http://schemas.openxmlformats.org/officeDocument/2006/relationships">
+  <p:cSld>
+    <p:spTree>
+      <p:nvGrpSpPr>
+        <p:cNvPr id="1" name=""/>
+        <p:cNvGrpSpPr/>
+        <p:nvPr/>
+      </p:nvGrpSpPr>
+      <p:grpSpPr>
+        <a:xfrm>
+          <a:off x="0" y="0"/>
+          <a:ext cx="0" cy="0"/>
+          <a:chOff x="0" y="0"/>
+          <a:chExt cx="0" cy="0"/>
+        </a:xfrm>
+      </p:grpSpPr>
+      <p:sp>
+        <p:nvSpPr>
+          <p:cNvPr id="391" name="CustomShape 1"/>
+          <p:cNvSpPr/>
+          <p:nvPr/>
+        </p:nvSpPr>
+        <p:spPr>
+          <a:xfrm>
+            <a:off x="1008000" y="432000"/>
+            <a:ext cx="8092080" cy="609480"/>
+          </a:xfrm>
+          <a:prstGeom prst="rect">
+            <a:avLst/>
+          </a:prstGeom>
+          <a:noFill/>
+          <a:ln>
+            <a:noFill/>
+          </a:ln>
+        </p:spPr>
+        <p:style>
+          <a:lnRef idx="0"/>
+          <a:fillRef idx="0"/>
+          <a:effectRef idx="0"/>
+          <a:fontRef idx="minor"/>
+        </p:style>
+        <p:txBody>
+          <a:bodyPr lIns="90000" rIns="90000" tIns="45000" bIns="45000" anchor="ctr"/>
+          <a:p>
+            <a:pPr algn="r">
+              <a:lnSpc>
+                <a:spcPct val="100000"/>
+              </a:lnSpc>
+            </a:pPr>
+            <a:r>
+              <a:rPr lang="es-GT" sz="2600" strike="noStrike">
+                <a:solidFill>
+                  <a:srgbClr val="002060"/>
+                </a:solidFill>
+                <a:latin typeface="Calibri"/>
+                <a:ea typeface="DejaVu Sans"/>
+              </a:rPr>
+              <a:t>Tips y Técnicas Relacionadas</a:t>
+            </a:r>
+            <a:endParaRPr/>
+          </a:p>
+        </p:txBody>
+      </p:sp>
+      <p:sp>
+        <p:nvSpPr>
+          <p:cNvPr id="392" name="CustomShape 2"/>
+          <p:cNvSpPr/>
+          <p:nvPr/>
+        </p:nvSpPr>
+        <p:spPr>
+          <a:xfrm>
+            <a:off x="1544760" y="1105200"/>
+            <a:ext cx="6158880" cy="478440"/>
+          </a:xfrm>
+          <a:prstGeom prst="rect">
+            <a:avLst/>
+          </a:prstGeom>
+          <a:noFill/>
+          <a:ln>
+            <a:noFill/>
+          </a:ln>
+        </p:spPr>
+        <p:style>
+          <a:lnRef idx="0"/>
+          <a:fillRef idx="0"/>
+          <a:effectRef idx="0"/>
+          <a:fontRef idx="minor"/>
+        </p:style>
+        <p:txBody>
+          <a:bodyPr lIns="90000" rIns="90000" tIns="45000" bIns="45000" anchor="b"/>
+          <a:p>
+            <a:pPr algn="ctr">
+              <a:lnSpc>
+                <a:spcPct val="100000"/>
+              </a:lnSpc>
+            </a:pPr>
+            <a:r>
+              <a:rPr b="1" lang="es-GT" sz="2400" strike="noStrike">
+                <a:solidFill>
+                  <a:srgbClr val="000000"/>
+                </a:solidFill>
+                <a:latin typeface="Calibri"/>
+                <a:ea typeface="DejaVu Sans"/>
+              </a:rPr>
+              <a:t>Otros</a:t>
+            </a:r>
+            <a:endParaRPr/>
+          </a:p>
+        </p:txBody>
+      </p:sp>
+      <p:sp>
+        <p:nvSpPr>
+          <p:cNvPr id="393" name="CustomShape 3"/>
+          <p:cNvSpPr/>
+          <p:nvPr/>
+        </p:nvSpPr>
+        <p:spPr>
+          <a:xfrm>
+            <a:off x="352800" y="1583640"/>
+            <a:ext cx="8502840" cy="2088360"/>
+          </a:xfrm>
+          <a:prstGeom prst="rect">
+            <a:avLst/>
+          </a:prstGeom>
+          <a:noFill/>
+          <a:ln>
+            <a:noFill/>
+          </a:ln>
+        </p:spPr>
+        <p:style>
+          <a:lnRef idx="0"/>
+          <a:fillRef idx="0"/>
+          <a:effectRef idx="0"/>
+          <a:fontRef idx="minor"/>
+        </p:style>
+        <p:txBody>
+          <a:bodyPr lIns="90000" rIns="90000" tIns="45000" bIns="45000"/>
+          <a:p>
+            <a:pPr algn="just">
+              <a:lnSpc>
+                <a:spcPct val="100000"/>
+              </a:lnSpc>
+              <a:buFont typeface="Arial"/>
+              <a:buChar char="•"/>
+            </a:pPr>
+            <a:r>
+              <a:rPr lang="es-GT" sz="1600" strike="noStrike">
+                <a:solidFill>
+                  <a:srgbClr val="000000"/>
+                </a:solidFill>
+                <a:latin typeface="Calibri"/>
+                <a:ea typeface="DejaVu Sans"/>
+              </a:rPr>
+              <a:t>Método para convertir (reducir) palabras derivadas a palabras base.</a:t>
+            </a:r>
+            <a:endParaRPr/>
+          </a:p>
+          <a:p>
+            <a:pPr algn="just">
+              <a:lnSpc>
+                <a:spcPct val="100000"/>
+              </a:lnSpc>
+              <a:buFont typeface="Arial"/>
+              <a:buChar char="•"/>
+            </a:pPr>
+            <a:r>
+              <a:rPr lang="es-GT" sz="1600" strike="noStrike">
+                <a:solidFill>
+                  <a:srgbClr val="000000"/>
+                </a:solidFill>
+                <a:latin typeface="Calibri"/>
+                <a:ea typeface="DejaVu Sans"/>
+              </a:rPr>
+              <a:t>Por ejemplo: discutiendo, discuten, discute → discutir  </a:t>
+            </a:r>
+            <a:endParaRPr/>
+          </a:p>
+          <a:p>
+            <a:pPr algn="just">
+              <a:lnSpc>
+                <a:spcPct val="100000"/>
+              </a:lnSpc>
+              <a:buFont typeface="Arial"/>
+              <a:buChar char="•"/>
+            </a:pPr>
+            <a:r>
+              <a:rPr lang="es-GT" sz="1600" strike="noStrike">
+                <a:solidFill>
+                  <a:srgbClr val="000000"/>
+                </a:solidFill>
+                <a:latin typeface="Calibri"/>
+                <a:ea typeface="DejaVu Sans"/>
+              </a:rPr>
+              <a:t>Usar con precaución!  </a:t>
+            </a:r>
+            <a:r>
+              <a:rPr b="1" lang="es-GT" sz="1600" strike="noStrike">
+                <a:solidFill>
+                  <a:srgbClr val="000000"/>
+                </a:solidFill>
+                <a:latin typeface="Calibri"/>
+                <a:ea typeface="DejaVu Sans"/>
+              </a:rPr>
+              <a:t> Puede ayudar pero también puede dañar</a:t>
+            </a:r>
+            <a:endParaRPr/>
+          </a:p>
+          <a:p>
+            <a:pPr algn="just">
+              <a:lnSpc>
+                <a:spcPct val="100000"/>
+              </a:lnSpc>
+              <a:buFont typeface="Arial"/>
+              <a:buChar char="•"/>
+            </a:pPr>
+            <a:endParaRPr/>
+          </a:p>
+          <a:p>
+            <a:pPr algn="just">
+              <a:lnSpc>
+                <a:spcPct val="100000"/>
+              </a:lnSpc>
+              <a:buFont typeface="Arial"/>
+              <a:buChar char="•"/>
+            </a:pPr>
+            <a:endParaRPr/>
+          </a:p>
+          <a:p>
+            <a:pPr algn="just">
+              <a:lnSpc>
+                <a:spcPct val="100000"/>
+              </a:lnSpc>
+              <a:buFont typeface="Arial"/>
+              <a:buChar char="•"/>
+            </a:pPr>
+            <a:endParaRPr/>
+          </a:p>
+          <a:p>
+            <a:pPr algn="just">
+              <a:lnSpc>
+                <a:spcPct val="100000"/>
+              </a:lnSpc>
+              <a:buFont typeface="Arial"/>
+              <a:buChar char="•"/>
+            </a:pPr>
+            <a:endParaRPr/>
+          </a:p>
+          <a:p>
+            <a:pPr algn="just">
+              <a:lnSpc>
+                <a:spcPct val="100000"/>
+              </a:lnSpc>
+              <a:buFont typeface="Arial"/>
+              <a:buChar char="•"/>
+            </a:pPr>
+            <a:endParaRPr/>
+          </a:p>
+          <a:p>
+            <a:pPr algn="just">
+              <a:lnSpc>
+                <a:spcPct val="100000"/>
+              </a:lnSpc>
+              <a:buFont typeface="Arial"/>
+              <a:buChar char="•"/>
+            </a:pPr>
+            <a:endParaRPr/>
+          </a:p>
+          <a:p>
+            <a:pPr algn="just">
+              <a:lnSpc>
+                <a:spcPct val="100000"/>
+              </a:lnSpc>
+              <a:buFont typeface="Arial"/>
+              <a:buChar char="•"/>
+            </a:pPr>
+            <a:endParaRPr/>
+          </a:p>
+          <a:p>
+            <a:pPr algn="just">
+              <a:lnSpc>
+                <a:spcPct val="100000"/>
+              </a:lnSpc>
+              <a:buFont typeface="Arial"/>
+              <a:buChar char="•"/>
+            </a:pPr>
+            <a:endParaRPr/>
+          </a:p>
+          <a:p>
+            <a:pPr algn="just">
+              <a:lnSpc>
+                <a:spcPct val="100000"/>
+              </a:lnSpc>
+              <a:buFont typeface="Arial"/>
+              <a:buChar char="•"/>
+            </a:pPr>
+            <a:r>
+              <a:rPr lang="es-GT" sz="1600" strike="noStrike">
+                <a:solidFill>
+                  <a:srgbClr val="000000"/>
+                </a:solidFill>
+                <a:latin typeface="Calibri"/>
+                <a:ea typeface="DejaVu Sans"/>
+              </a:rPr>
+              <a:t>Podría confundir un error como “universiod”(la intención era  “universo”) y convertirlo a “universidad”</a:t>
+            </a:r>
+            <a:endParaRPr/>
+          </a:p>
+        </p:txBody>
+      </p:sp>
+      <p:pic>
+        <p:nvPicPr>
+          <p:cNvPr id="394" name="" descr=""/>
+          <p:cNvPicPr/>
+          <p:nvPr/>
+        </p:nvPicPr>
+        <p:blipFill>
+          <a:blip r:embed="rId1"/>
+          <a:stretch/>
+        </p:blipFill>
+        <p:spPr>
+          <a:xfrm>
+            <a:off x="3139200" y="2395440"/>
+            <a:ext cx="3412800" cy="1780560"/>
+          </a:xfrm>
+          <a:prstGeom prst="rect">
+            <a:avLst/>
+          </a:prstGeom>
+          <a:ln>
+            <a:noFill/>
+          </a:ln>
+        </p:spPr>
+      </p:pic>
+    </p:spTree>
+  </p:cSld>
+  <p:timing>
+    <p:tnLst>
+      <p:par>
+        <p:cTn id="39" dur="indefinite" restart="never" nodeType="tmRoot">
+          <p:childTnLst>
+            <p:seq>
+              <p:cTn id="40" nodeType="mainSeq"/>
               <p:prevCondLst>
                 <p:cond delay="0" evt="onPrev">
                   <p:tgtEl>
@@ -12165,14 +16072,14 @@
       </p:grpSpPr>
       <p:sp>
         <p:nvSpPr>
-          <p:cNvPr id="271" name="CustomShape 1"/>
+          <p:cNvPr id="345" name="CustomShape 1"/>
           <p:cNvSpPr/>
           <p:nvPr/>
         </p:nvSpPr>
         <p:spPr>
           <a:xfrm>
             <a:off x="2281320" y="281160"/>
-            <a:ext cx="6107040" cy="571680"/>
+            <a:ext cx="6106680" cy="571320"/>
           </a:xfrm>
           <a:prstGeom prst="rect">
             <a:avLst/>
@@ -12212,14 +16119,14 @@
       </p:sp>
       <p:sp>
         <p:nvSpPr>
-          <p:cNvPr id="272" name="CustomShape 2"/>
+          <p:cNvPr id="346" name="CustomShape 2"/>
           <p:cNvSpPr/>
           <p:nvPr/>
         </p:nvSpPr>
         <p:spPr>
           <a:xfrm>
             <a:off x="2281320" y="1044720"/>
-            <a:ext cx="6107040" cy="3662640"/>
+            <a:ext cx="6106680" cy="3662280"/>
           </a:xfrm>
           <a:prstGeom prst="rect">
             <a:avLst/>
@@ -12390,14 +16297,14 @@
       </p:grpSpPr>
       <p:sp>
         <p:nvSpPr>
-          <p:cNvPr id="273" name="CustomShape 1"/>
+          <p:cNvPr id="347" name="CustomShape 1"/>
           <p:cNvSpPr/>
           <p:nvPr/>
         </p:nvSpPr>
         <p:spPr>
           <a:xfrm>
             <a:off x="2281320" y="281160"/>
-            <a:ext cx="6107040" cy="571680"/>
+            <a:ext cx="6106680" cy="571320"/>
           </a:xfrm>
           <a:prstGeom prst="rect">
             <a:avLst/>
@@ -12437,14 +16344,14 @@
       </p:sp>
       <p:sp>
         <p:nvSpPr>
-          <p:cNvPr id="274" name="CustomShape 2"/>
+          <p:cNvPr id="348" name="CustomShape 2"/>
           <p:cNvSpPr/>
           <p:nvPr/>
         </p:nvSpPr>
         <p:spPr>
           <a:xfrm>
             <a:off x="2281320" y="1044720"/>
-            <a:ext cx="6107040" cy="3662640"/>
+            <a:ext cx="6106680" cy="3662280"/>
           </a:xfrm>
           <a:prstGeom prst="rect">
             <a:avLst/>
@@ -12617,14 +16524,14 @@
       </p:grpSpPr>
       <p:sp>
         <p:nvSpPr>
-          <p:cNvPr id="275" name="CustomShape 1"/>
+          <p:cNvPr id="349" name="CustomShape 1"/>
           <p:cNvSpPr/>
           <p:nvPr/>
         </p:nvSpPr>
         <p:spPr>
           <a:xfrm>
             <a:off x="2281320" y="281160"/>
-            <a:ext cx="6107040" cy="571680"/>
+            <a:ext cx="6106680" cy="571320"/>
           </a:xfrm>
           <a:prstGeom prst="rect">
             <a:avLst/>
@@ -12664,14 +16571,14 @@
       </p:sp>
       <p:sp>
         <p:nvSpPr>
-          <p:cNvPr id="276" name="CustomShape 2"/>
+          <p:cNvPr id="350" name="CustomShape 2"/>
           <p:cNvSpPr/>
           <p:nvPr/>
         </p:nvSpPr>
         <p:spPr>
           <a:xfrm>
             <a:off x="2281320" y="1044720"/>
-            <a:ext cx="6107040" cy="3662640"/>
+            <a:ext cx="6106680" cy="3662280"/>
           </a:xfrm>
           <a:prstGeom prst="rect">
             <a:avLst/>
@@ -12760,14 +16667,14 @@
       </p:grpSpPr>
       <p:sp>
         <p:nvSpPr>
-          <p:cNvPr id="277" name="CustomShape 1"/>
+          <p:cNvPr id="351" name="CustomShape 1"/>
           <p:cNvSpPr/>
           <p:nvPr/>
         </p:nvSpPr>
         <p:spPr>
           <a:xfrm>
             <a:off x="2281320" y="281160"/>
-            <a:ext cx="6107040" cy="571680"/>
+            <a:ext cx="6106680" cy="571320"/>
           </a:xfrm>
           <a:prstGeom prst="rect">
             <a:avLst/>
@@ -12807,14 +16714,14 @@
       </p:sp>
       <p:sp>
         <p:nvSpPr>
-          <p:cNvPr id="278" name="CustomShape 2"/>
+          <p:cNvPr id="352" name="CustomShape 2"/>
           <p:cNvSpPr/>
           <p:nvPr/>
         </p:nvSpPr>
         <p:spPr>
           <a:xfrm>
             <a:off x="2281320" y="1044720"/>
-            <a:ext cx="6107040" cy="3662640"/>
+            <a:ext cx="6106680" cy="3662280"/>
           </a:xfrm>
           <a:prstGeom prst="rect">
             <a:avLst/>
@@ -12953,14 +16860,14 @@
       </p:grpSpPr>
       <p:sp>
         <p:nvSpPr>
-          <p:cNvPr id="279" name="CustomShape 1"/>
+          <p:cNvPr id="353" name="CustomShape 1"/>
           <p:cNvSpPr/>
           <p:nvPr/>
         </p:nvSpPr>
         <p:spPr>
           <a:xfrm>
             <a:off x="2329200" y="133200"/>
-            <a:ext cx="6670440" cy="4330440"/>
+            <a:ext cx="6670080" cy="4330080"/>
           </a:xfrm>
           <a:prstGeom prst="rect">
             <a:avLst/>
@@ -12986,7 +16893,11 @@
             </a:pPr>
             <a:r>
               <a:rPr lang="es-GT" sz="3200" strike="noStrike">
+                <a:solidFill>
+                  <a:srgbClr val="000000"/>
+                </a:solidFill>
                 <a:latin typeface="Arial"/>
+                <a:ea typeface="DejaVu Sans"/>
               </a:rPr>
               <a:t>Pero...cuando un ser humano lee,no lo hace palabra por palabra , existen dependencias y contexto en el texto,nuestros pensamientos tienen persistencia,una red simple no puede hacer esto. Alternativas?</a:t>
             </a:r>
@@ -13045,14 +16956,14 @@
       </p:grpSpPr>
       <p:sp>
         <p:nvSpPr>
-          <p:cNvPr id="280" name="CustomShape 1"/>
+          <p:cNvPr id="354" name="CustomShape 1"/>
           <p:cNvSpPr/>
           <p:nvPr/>
         </p:nvSpPr>
         <p:spPr>
           <a:xfrm>
             <a:off x="601560" y="433800"/>
-            <a:ext cx="8092440" cy="609840"/>
+            <a:ext cx="8092080" cy="609480"/>
           </a:xfrm>
           <a:prstGeom prst="rect">
             <a:avLst/>
@@ -13092,14 +17003,14 @@
       </p:sp>
       <p:sp>
         <p:nvSpPr>
-          <p:cNvPr id="281" name="CustomShape 2"/>
+          <p:cNvPr id="355" name="CustomShape 2"/>
           <p:cNvSpPr/>
           <p:nvPr/>
         </p:nvSpPr>
         <p:spPr>
           <a:xfrm>
             <a:off x="536760" y="1641240"/>
-            <a:ext cx="4039200" cy="478800"/>
+            <a:ext cx="4038840" cy="478440"/>
           </a:xfrm>
           <a:prstGeom prst="rect">
             <a:avLst/>
@@ -13139,14 +17050,14 @@
       </p:sp>
       <p:sp>
         <p:nvSpPr>
-          <p:cNvPr id="282" name="CustomShape 3"/>
+          <p:cNvPr id="356" name="CustomShape 3"/>
           <p:cNvSpPr/>
           <p:nvPr/>
         </p:nvSpPr>
         <p:spPr>
           <a:xfrm>
             <a:off x="536760" y="2113560"/>
-            <a:ext cx="4039200" cy="2275200"/>
+            <a:ext cx="4038840" cy="2274840"/>
           </a:xfrm>
           <a:prstGeom prst="rect">
             <a:avLst/>
@@ -13228,14 +17139,14 @@
       </p:sp>
       <p:sp>
         <p:nvSpPr>
-          <p:cNvPr id="283" name="CustomShape 4"/>
+          <p:cNvPr id="357" name="CustomShape 4"/>
           <p:cNvSpPr/>
           <p:nvPr/>
         </p:nvSpPr>
         <p:spPr>
           <a:xfrm>
             <a:off x="4572000" y="1641240"/>
-            <a:ext cx="4040640" cy="478800"/>
+            <a:ext cx="4040280" cy="478440"/>
           </a:xfrm>
           <a:prstGeom prst="rect">
             <a:avLst/>
@@ -13275,14 +17186,14 @@
       </p:sp>
       <p:sp>
         <p:nvSpPr>
-          <p:cNvPr id="284" name="CustomShape 5"/>
+          <p:cNvPr id="358" name="CustomShape 5"/>
           <p:cNvSpPr/>
           <p:nvPr/>
         </p:nvSpPr>
         <p:spPr>
           <a:xfrm>
             <a:off x="4572000" y="2113560"/>
-            <a:ext cx="4040640" cy="2275200"/>
+            <a:ext cx="4040280" cy="2274840"/>
           </a:xfrm>
           <a:prstGeom prst="rect">
             <a:avLst/>
@@ -13433,14 +17344,14 @@
       </p:grpSpPr>
       <p:sp>
         <p:nvSpPr>
-          <p:cNvPr id="285" name="CustomShape 1"/>
+          <p:cNvPr id="359" name="CustomShape 1"/>
           <p:cNvSpPr/>
           <p:nvPr/>
         </p:nvSpPr>
         <p:spPr>
           <a:xfrm>
             <a:off x="2281320" y="281160"/>
-            <a:ext cx="6107040" cy="571680"/>
+            <a:ext cx="6106680" cy="571320"/>
           </a:xfrm>
           <a:prstGeom prst="rect">
             <a:avLst/>
@@ -13480,14 +17391,14 @@
       </p:sp>
       <p:sp>
         <p:nvSpPr>
-          <p:cNvPr id="286" name="CustomShape 2"/>
+          <p:cNvPr id="360" name="CustomShape 2"/>
           <p:cNvSpPr/>
           <p:nvPr/>
         </p:nvSpPr>
         <p:spPr>
           <a:xfrm>
             <a:off x="2281320" y="1044720"/>
-            <a:ext cx="6107040" cy="3662640"/>
+            <a:ext cx="6106680" cy="3662280"/>
           </a:xfrm>
           <a:prstGeom prst="rect">
             <a:avLst/>
@@ -13506,14 +17417,14 @@
       </p:sp>
       <p:sp>
         <p:nvSpPr>
-          <p:cNvPr id="287" name="CustomShape 3"/>
+          <p:cNvPr id="361" name="CustomShape 3"/>
           <p:cNvSpPr/>
           <p:nvPr/>
         </p:nvSpPr>
         <p:spPr>
           <a:xfrm>
             <a:off x="2157480" y="1433160"/>
-            <a:ext cx="6482520" cy="2022840"/>
+            <a:ext cx="6482160" cy="2022480"/>
           </a:xfrm>
           <a:prstGeom prst="rect">
             <a:avLst/>
@@ -13578,7 +17489,7 @@
               </a:lnSpc>
               <a:buSzPct val="45000"/>
               <a:buFont typeface="StarSymbol"/>
-              <a:buChar char=""/>
+              <a:buChar char="l"/>
             </a:pPr>
             <a:r>
               <a:rPr lang="es-GT" sz="2000" strike="noStrike">
@@ -13599,7 +17510,7 @@
               </a:lnSpc>
               <a:buSzPct val="45000"/>
               <a:buFont typeface="StarSymbol"/>
-              <a:buChar char=""/>
+              <a:buChar char="l"/>
             </a:pPr>
             <a:r>
               <a:rPr lang="es-GT" sz="2000" strike="noStrike">
@@ -13668,6 +17579,229 @@
 </file>
 
 <file path=ppt/theme/theme1.xml><?xml version="1.0" encoding="utf-8"?>
+<a:theme xmlns:a="http://schemas.openxmlformats.org/drawingml/2006/main" name="Office Theme">
+  <a:themeElements>
+    <a:clrScheme name="Office">
+      <a:dk1>
+        <a:sysClr val="windowText" lastClr="000000"/>
+      </a:dk1>
+      <a:lt1>
+        <a:sysClr val="window" lastClr="FFFFFF"/>
+      </a:lt1>
+      <a:dk2>
+        <a:srgbClr val="1F497D"/>
+      </a:dk2>
+      <a:lt2>
+        <a:srgbClr val="EEECE1"/>
+      </a:lt2>
+      <a:accent1>
+        <a:srgbClr val="4F81BD"/>
+      </a:accent1>
+      <a:accent2>
+        <a:srgbClr val="C0504D"/>
+      </a:accent2>
+      <a:accent3>
+        <a:srgbClr val="9BBB59"/>
+      </a:accent3>
+      <a:accent4>
+        <a:srgbClr val="8064A2"/>
+      </a:accent4>
+      <a:accent5>
+        <a:srgbClr val="4BACC6"/>
+      </a:accent5>
+      <a:accent6>
+        <a:srgbClr val="F79646"/>
+      </a:accent6>
+      <a:hlink>
+        <a:srgbClr val="0000FF"/>
+      </a:hlink>
+      <a:folHlink>
+        <a:srgbClr val="800080"/>
+      </a:folHlink>
+    </a:clrScheme>
+    <a:fontScheme name="Office">
+      <a:majorFont>
+        <a:latin typeface="Arial"/>
+        <a:ea typeface="DejaVu Sans"/>
+        <a:cs typeface="DejaVu Sans"/>
+      </a:majorFont>
+      <a:minorFont>
+        <a:latin typeface="Arial"/>
+        <a:ea typeface="DejaVu Sans"/>
+        <a:cs typeface="DejaVu Sans"/>
+      </a:minorFont>
+    </a:fontScheme>
+    <a:fmtScheme name="Office">
+      <a:fillStyleLst>
+        <a:solidFill>
+          <a:schemeClr val="phClr"/>
+        </a:solidFill>
+        <a:gradFill rotWithShape="1">
+          <a:gsLst>
+            <a:gs pos="0">
+              <a:schemeClr val="phClr">
+                <a:tint val="50000"/>
+                <a:satMod val="300000"/>
+              </a:schemeClr>
+            </a:gs>
+            <a:gs pos="35000">
+              <a:schemeClr val="phClr">
+                <a:tint val="37000"/>
+                <a:satMod val="300000"/>
+              </a:schemeClr>
+            </a:gs>
+            <a:gs pos="100000">
+              <a:schemeClr val="phClr">
+                <a:tint val="15000"/>
+                <a:satMod val="350000"/>
+              </a:schemeClr>
+            </a:gs>
+          </a:gsLst>
+          <a:lin ang="16200000" scaled="1"/>
+        </a:gradFill>
+        <a:gradFill rotWithShape="1">
+          <a:gsLst>
+            <a:gs pos="0">
+              <a:schemeClr val="phClr">
+                <a:shade val="51000"/>
+                <a:satMod val="130000"/>
+              </a:schemeClr>
+            </a:gs>
+            <a:gs pos="80000">
+              <a:schemeClr val="phClr">
+                <a:shade val="93000"/>
+                <a:satMod val="130000"/>
+              </a:schemeClr>
+            </a:gs>
+            <a:gs pos="100000">
+              <a:schemeClr val="phClr">
+                <a:shade val="94000"/>
+                <a:satMod val="135000"/>
+              </a:schemeClr>
+            </a:gs>
+          </a:gsLst>
+          <a:lin ang="16200000" scaled="0"/>
+        </a:gradFill>
+      </a:fillStyleLst>
+      <a:lnStyleLst>
+        <a:ln w="9525" cap="flat" cmpd="sng" algn="ctr">
+          <a:solidFill>
+            <a:schemeClr val="phClr">
+              <a:shade val="95000"/>
+              <a:satMod val="105000"/>
+            </a:schemeClr>
+          </a:solidFill>
+          <a:prstDash val="solid"/>
+        </a:ln>
+        <a:ln w="25400" cap="flat" cmpd="sng" algn="ctr">
+          <a:solidFill>
+            <a:schemeClr val="phClr"/>
+          </a:solidFill>
+          <a:prstDash val="solid"/>
+        </a:ln>
+        <a:ln w="38100" cap="flat" cmpd="sng" algn="ctr">
+          <a:solidFill>
+            <a:schemeClr val="phClr"/>
+          </a:solidFill>
+          <a:prstDash val="solid"/>
+        </a:ln>
+      </a:lnStyleLst>
+      <a:effectStyleLst>
+        <a:effectStyle>
+          <a:effectLst>
+            <a:outerShdw blurRad="40000" dist="20000" dir="5400000" rotWithShape="0">
+              <a:srgbClr val="000000">
+                <a:alpha val="38000"/>
+              </a:srgbClr>
+            </a:outerShdw>
+          </a:effectLst>
+        </a:effectStyle>
+        <a:effectStyle>
+          <a:effectLst>
+            <a:outerShdw blurRad="40000" dist="23000" dir="5400000" rotWithShape="0">
+              <a:srgbClr val="000000">
+                <a:alpha val="35000"/>
+              </a:srgbClr>
+            </a:outerShdw>
+          </a:effectLst>
+        </a:effectStyle>
+        <a:effectStyle>
+          <a:effectLst>
+            <a:outerShdw blurRad="40000" dist="23000" dir="5400000" rotWithShape="0">
+              <a:srgbClr val="000000">
+                <a:alpha val="35000"/>
+              </a:srgbClr>
+            </a:outerShdw>
+          </a:effectLst>
+          <a:scene3d>
+            <a:camera prst="orthographicFront">
+              <a:rot lat="0" lon="0" rev="0"/>
+            </a:camera>
+            <a:lightRig rig="threePt" dir="t">
+              <a:rot lat="0" lon="0" rev="1200000"/>
+            </a:lightRig>
+          </a:scene3d>
+          <a:sp3d>
+            <a:bevelT w="63500" h="25400"/>
+          </a:sp3d>
+        </a:effectStyle>
+      </a:effectStyleLst>
+      <a:bgFillStyleLst>
+        <a:solidFill>
+          <a:schemeClr val="phClr"/>
+        </a:solidFill>
+        <a:gradFill rotWithShape="1">
+          <a:gsLst>
+            <a:gs pos="0">
+              <a:schemeClr val="phClr">
+                <a:tint val="40000"/>
+                <a:satMod val="350000"/>
+              </a:schemeClr>
+            </a:gs>
+            <a:gs pos="40000">
+              <a:schemeClr val="phClr">
+                <a:tint val="45000"/>
+                <a:shade val="99000"/>
+                <a:satMod val="350000"/>
+              </a:schemeClr>
+            </a:gs>
+            <a:gs pos="100000">
+              <a:schemeClr val="phClr">
+                <a:shade val="20000"/>
+                <a:satMod val="255000"/>
+              </a:schemeClr>
+            </a:gs>
+          </a:gsLst>
+          <a:path path="circle">
+            <a:fillToRect l="50000" t="-80000" r="50000" b="180000"/>
+          </a:path>
+        </a:gradFill>
+        <a:gradFill rotWithShape="1">
+          <a:gsLst>
+            <a:gs pos="0">
+              <a:schemeClr val="phClr">
+                <a:tint val="80000"/>
+                <a:satMod val="300000"/>
+              </a:schemeClr>
+            </a:gs>
+            <a:gs pos="100000">
+              <a:schemeClr val="phClr">
+                <a:shade val="30000"/>
+                <a:satMod val="200000"/>
+              </a:schemeClr>
+            </a:gs>
+          </a:gsLst>
+          <a:path path="circle">
+            <a:fillToRect l="50000" t="50000" r="50000" b="50000"/>
+          </a:path>
+        </a:gradFill>
+      </a:bgFillStyleLst>
+    </a:fmtScheme>
+  </a:themeElements>
+</a:theme>
+</file>
+
+<file path=ppt/theme/theme10.xml><?xml version="1.0" encoding="utf-8"?>
 <a:theme xmlns:a="http://schemas.openxmlformats.org/drawingml/2006/main" name="Office Theme">
   <a:themeElements>
     <a:clrScheme name="Office">
@@ -15449,4 +19583,227 @@
     </a:fmtScheme>
   </a:themeElements>
 </a:theme>
+</file>
+
+<file path=ppt/theme/theme9.xml><?xml version="1.0" encoding="utf-8"?>
+<a:theme xmlns:a="http://schemas.openxmlformats.org/drawingml/2006/main" name="Office Theme">
+  <a:themeElements>
+    <a:clrScheme name="Office">
+      <a:dk1>
+        <a:sysClr val="windowText" lastClr="000000"/>
+      </a:dk1>
+      <a:lt1>
+        <a:sysClr val="window" lastClr="FFFFFF"/>
+      </a:lt1>
+      <a:dk2>
+        <a:srgbClr val="1F497D"/>
+      </a:dk2>
+      <a:lt2>
+        <a:srgbClr val="EEECE1"/>
+      </a:lt2>
+      <a:accent1>
+        <a:srgbClr val="4F81BD"/>
+      </a:accent1>
+      <a:accent2>
+        <a:srgbClr val="C0504D"/>
+      </a:accent2>
+      <a:accent3>
+        <a:srgbClr val="9BBB59"/>
+      </a:accent3>
+      <a:accent4>
+        <a:srgbClr val="8064A2"/>
+      </a:accent4>
+      <a:accent5>
+        <a:srgbClr val="4BACC6"/>
+      </a:accent5>
+      <a:accent6>
+        <a:srgbClr val="F79646"/>
+      </a:accent6>
+      <a:hlink>
+        <a:srgbClr val="0000FF"/>
+      </a:hlink>
+      <a:folHlink>
+        <a:srgbClr val="800080"/>
+      </a:folHlink>
+    </a:clrScheme>
+    <a:fontScheme name="Office">
+      <a:majorFont>
+        <a:latin typeface="Arial"/>
+        <a:ea typeface="DejaVu Sans"/>
+        <a:cs typeface="DejaVu Sans"/>
+      </a:majorFont>
+      <a:minorFont>
+        <a:latin typeface="Arial"/>
+        <a:ea typeface="DejaVu Sans"/>
+        <a:cs typeface="DejaVu Sans"/>
+      </a:minorFont>
+    </a:fontScheme>
+    <a:fmtScheme name="Office">
+      <a:fillStyleLst>
+        <a:solidFill>
+          <a:schemeClr val="phClr"/>
+        </a:solidFill>
+        <a:gradFill rotWithShape="1">
+          <a:gsLst>
+            <a:gs pos="0">
+              <a:schemeClr val="phClr">
+                <a:tint val="50000"/>
+                <a:satMod val="300000"/>
+              </a:schemeClr>
+            </a:gs>
+            <a:gs pos="35000">
+              <a:schemeClr val="phClr">
+                <a:tint val="37000"/>
+                <a:satMod val="300000"/>
+              </a:schemeClr>
+            </a:gs>
+            <a:gs pos="100000">
+              <a:schemeClr val="phClr">
+                <a:tint val="15000"/>
+                <a:satMod val="350000"/>
+              </a:schemeClr>
+            </a:gs>
+          </a:gsLst>
+          <a:lin ang="16200000" scaled="1"/>
+        </a:gradFill>
+        <a:gradFill rotWithShape="1">
+          <a:gsLst>
+            <a:gs pos="0">
+              <a:schemeClr val="phClr">
+                <a:shade val="51000"/>
+                <a:satMod val="130000"/>
+              </a:schemeClr>
+            </a:gs>
+            <a:gs pos="80000">
+              <a:schemeClr val="phClr">
+                <a:shade val="93000"/>
+                <a:satMod val="130000"/>
+              </a:schemeClr>
+            </a:gs>
+            <a:gs pos="100000">
+              <a:schemeClr val="phClr">
+                <a:shade val="94000"/>
+                <a:satMod val="135000"/>
+              </a:schemeClr>
+            </a:gs>
+          </a:gsLst>
+          <a:lin ang="16200000" scaled="0"/>
+        </a:gradFill>
+      </a:fillStyleLst>
+      <a:lnStyleLst>
+        <a:ln w="9525" cap="flat" cmpd="sng" algn="ctr">
+          <a:solidFill>
+            <a:schemeClr val="phClr">
+              <a:shade val="95000"/>
+              <a:satMod val="105000"/>
+            </a:schemeClr>
+          </a:solidFill>
+          <a:prstDash val="solid"/>
+        </a:ln>
+        <a:ln w="25400" cap="flat" cmpd="sng" algn="ctr">
+          <a:solidFill>
+            <a:schemeClr val="phClr"/>
+          </a:solidFill>
+          <a:prstDash val="solid"/>
+        </a:ln>
+        <a:ln w="38100" cap="flat" cmpd="sng" algn="ctr">
+          <a:solidFill>
+            <a:schemeClr val="phClr"/>
+          </a:solidFill>
+          <a:prstDash val="solid"/>
+        </a:ln>
+      </a:lnStyleLst>
+      <a:effectStyleLst>
+        <a:effectStyle>
+          <a:effectLst>
+            <a:outerShdw blurRad="40000" dist="20000" dir="5400000" rotWithShape="0">
+              <a:srgbClr val="000000">
+                <a:alpha val="38000"/>
+              </a:srgbClr>
+            </a:outerShdw>
+          </a:effectLst>
+        </a:effectStyle>
+        <a:effectStyle>
+          <a:effectLst>
+            <a:outerShdw blurRad="40000" dist="23000" dir="5400000" rotWithShape="0">
+              <a:srgbClr val="000000">
+                <a:alpha val="35000"/>
+              </a:srgbClr>
+            </a:outerShdw>
+          </a:effectLst>
+        </a:effectStyle>
+        <a:effectStyle>
+          <a:effectLst>
+            <a:outerShdw blurRad="40000" dist="23000" dir="5400000" rotWithShape="0">
+              <a:srgbClr val="000000">
+                <a:alpha val="35000"/>
+              </a:srgbClr>
+            </a:outerShdw>
+          </a:effectLst>
+          <a:scene3d>
+            <a:camera prst="orthographicFront">
+              <a:rot lat="0" lon="0" rev="0"/>
+            </a:camera>
+            <a:lightRig rig="threePt" dir="t">
+              <a:rot lat="0" lon="0" rev="1200000"/>
+            </a:lightRig>
+          </a:scene3d>
+          <a:sp3d>
+            <a:bevelT w="63500" h="25400"/>
+          </a:sp3d>
+        </a:effectStyle>
+      </a:effectStyleLst>
+      <a:bgFillStyleLst>
+        <a:solidFill>
+          <a:schemeClr val="phClr"/>
+        </a:solidFill>
+        <a:gradFill rotWithShape="1">
+          <a:gsLst>
+            <a:gs pos="0">
+              <a:schemeClr val="phClr">
+                <a:tint val="40000"/>
+                <a:satMod val="350000"/>
+              </a:schemeClr>
+            </a:gs>
+            <a:gs pos="40000">
+              <a:schemeClr val="phClr">
+                <a:tint val="45000"/>
+                <a:shade val="99000"/>
+                <a:satMod val="350000"/>
+              </a:schemeClr>
+            </a:gs>
+            <a:gs pos="100000">
+              <a:schemeClr val="phClr">
+                <a:shade val="20000"/>
+                <a:satMod val="255000"/>
+              </a:schemeClr>
+            </a:gs>
+          </a:gsLst>
+          <a:path path="circle">
+            <a:fillToRect l="50000" t="-80000" r="50000" b="180000"/>
+          </a:path>
+        </a:gradFill>
+        <a:gradFill rotWithShape="1">
+          <a:gsLst>
+            <a:gs pos="0">
+              <a:schemeClr val="phClr">
+                <a:tint val="80000"/>
+                <a:satMod val="300000"/>
+              </a:schemeClr>
+            </a:gs>
+            <a:gs pos="100000">
+              <a:schemeClr val="phClr">
+                <a:shade val="30000"/>
+                <a:satMod val="200000"/>
+              </a:schemeClr>
+            </a:gs>
+          </a:gsLst>
+          <a:path path="circle">
+            <a:fillToRect l="50000" t="50000" r="50000" b="50000"/>
+          </a:path>
+        </a:gradFill>
+      </a:bgFillStyleLst>
+    </a:fmtScheme>
+  </a:themeElements>
+</a:theme>
 </file>
--- a/UVG_NLP_Presentation.pptx
+++ b/UVG_NLP_Presentation.pptx
@@ -211,7 +211,7 @@
           <a:bodyPr lIns="0" rIns="0" tIns="0" bIns="0" anchor="b"/>
           <a:p>
             <a:pPr algn="r"/>
-            <a:fld id="{683CE105-FD15-447C-8FCE-B2E8B56CCE66}" type="slidenum">
+            <a:fld id="{09220E32-6207-4B74-95B4-3615589F57C7}" type="slidenum">
               <a:rPr lang="es-GT" sz="1400">
                 <a:latin typeface="Times New Roman"/>
               </a:rPr>
@@ -303,7 +303,7 @@
                 <a:spcPct val="100000"/>
               </a:lnSpc>
             </a:pPr>
-            <a:fld id="{39ED1D41-5AAA-4830-AD6B-6B07868DC411}" type="slidenum">
+            <a:fld id="{293A3F49-4139-496C-886F-5E11D65D2466}" type="slidenum">
               <a:rPr lang="es-GT" sz="1200" strike="noStrike">
                 <a:solidFill>
                   <a:srgbClr val="000000"/>
@@ -13170,7 +13170,7 @@
           <a:bodyPr lIns="0" rIns="0" tIns="0" bIns="0"/>
           <a:p>
             <a:pPr algn="r"/>
-            <a:fld id="{1632BB4A-27F8-4055-A8CD-9327FCC2D207}" type="slidenum">
+            <a:fld id="{1FAE99AC-A56B-4D26-B098-C1C9F4340D79}" type="slidenum">
               <a:rPr lang="es-GT" sz="1400">
                 <a:latin typeface="Times New Roman"/>
               </a:rPr>
@@ -15842,7 +15842,7 @@
                 <a:latin typeface="Calibri"/>
                 <a:ea typeface="DejaVu Sans"/>
               </a:rPr>
-              <a:t>Método para convertir (reducir) palabras derivadas a palabras base.</a:t>
+              <a:t>Case standarization: llevar todo a mayúsculas, o todo a minúsculas.</a:t>
             </a:r>
             <a:endParaRPr/>
           </a:p>
@@ -15862,7 +15862,7 @@
                 <a:latin typeface="Calibri"/>
                 <a:ea typeface="DejaVu Sans"/>
               </a:rPr>
-              <a:t>Por ejemplo: discutiendo, discuten, discute → discutir  </a:t>
+              <a:t>Remover tildes,o bien corregir palabras no tildadas  a su versión correcta con tilde.</a:t>
             </a:r>
             <a:endParaRPr/>
           </a:p>
@@ -15882,98 +15882,8 @@
                 <a:latin typeface="Calibri"/>
                 <a:ea typeface="DejaVu Sans"/>
               </a:rPr>
-              <a:t>Usar con precaución!  </a:t>
+              <a:t>Mapear a vocabulario estándar a través de sinónimos,por ejemplo: moto -&gt; motocicleta</a:t>
             </a:r>
-            <a:r>
-              <a:rPr b="1" lang="es-GT" sz="1600" strike="noStrike">
-                <a:solidFill>
-                  <a:srgbClr val="000000"/>
-                </a:solidFill>
-                <a:latin typeface="Calibri"/>
-                <a:ea typeface="DejaVu Sans"/>
-              </a:rPr>
-              <a:t> Puede ayudar pero también puede dañar</a:t>
-            </a:r>
-            <a:endParaRPr/>
-          </a:p>
-          <a:p>
-            <a:pPr algn="just">
-              <a:lnSpc>
-                <a:spcPct val="100000"/>
-              </a:lnSpc>
-              <a:buFont typeface="Arial"/>
-              <a:buChar char="•"/>
-            </a:pPr>
-            <a:endParaRPr/>
-          </a:p>
-          <a:p>
-            <a:pPr algn="just">
-              <a:lnSpc>
-                <a:spcPct val="100000"/>
-              </a:lnSpc>
-              <a:buFont typeface="Arial"/>
-              <a:buChar char="•"/>
-            </a:pPr>
-            <a:endParaRPr/>
-          </a:p>
-          <a:p>
-            <a:pPr algn="just">
-              <a:lnSpc>
-                <a:spcPct val="100000"/>
-              </a:lnSpc>
-              <a:buFont typeface="Arial"/>
-              <a:buChar char="•"/>
-            </a:pPr>
-            <a:endParaRPr/>
-          </a:p>
-          <a:p>
-            <a:pPr algn="just">
-              <a:lnSpc>
-                <a:spcPct val="100000"/>
-              </a:lnSpc>
-              <a:buFont typeface="Arial"/>
-              <a:buChar char="•"/>
-            </a:pPr>
-            <a:endParaRPr/>
-          </a:p>
-          <a:p>
-            <a:pPr algn="just">
-              <a:lnSpc>
-                <a:spcPct val="100000"/>
-              </a:lnSpc>
-              <a:buFont typeface="Arial"/>
-              <a:buChar char="•"/>
-            </a:pPr>
-            <a:endParaRPr/>
-          </a:p>
-          <a:p>
-            <a:pPr algn="just">
-              <a:lnSpc>
-                <a:spcPct val="100000"/>
-              </a:lnSpc>
-              <a:buFont typeface="Arial"/>
-              <a:buChar char="•"/>
-            </a:pPr>
-            <a:endParaRPr/>
-          </a:p>
-          <a:p>
-            <a:pPr algn="just">
-              <a:lnSpc>
-                <a:spcPct val="100000"/>
-              </a:lnSpc>
-              <a:buFont typeface="Arial"/>
-              <a:buChar char="•"/>
-            </a:pPr>
-            <a:endParaRPr/>
-          </a:p>
-          <a:p>
-            <a:pPr algn="just">
-              <a:lnSpc>
-                <a:spcPct val="100000"/>
-              </a:lnSpc>
-              <a:buFont typeface="Arial"/>
-              <a:buChar char="•"/>
-            </a:pPr>
             <a:endParaRPr/>
           </a:p>
           <a:p>
@@ -15992,7 +15902,47 @@
                 <a:latin typeface="Calibri"/>
                 <a:ea typeface="DejaVu Sans"/>
               </a:rPr>
-              <a:t>Podría confundir un error como “universiod”(la intención era  “universo”) y convertirlo a “universidad”</a:t>
+              <a:t>Corregir errores de escritura(o bien ignorarlos) .</a:t>
+            </a:r>
+            <a:endParaRPr/>
+          </a:p>
+          <a:p>
+            <a:pPr algn="just">
+              <a:lnSpc>
+                <a:spcPct val="100000"/>
+              </a:lnSpc>
+              <a:buFont typeface="Arial"/>
+              <a:buChar char="•"/>
+            </a:pPr>
+            <a:r>
+              <a:rPr lang="es-GT" sz="1600" strike="noStrike">
+                <a:solidFill>
+                  <a:srgbClr val="000000"/>
+                </a:solidFill>
+                <a:latin typeface="Calibri"/>
+                <a:ea typeface="DejaVu Sans"/>
+              </a:rPr>
+              <a:t>Eliminar tanto palabras muy frecuentes, como poco frecuentes.</a:t>
+            </a:r>
+            <a:endParaRPr/>
+          </a:p>
+          <a:p>
+            <a:pPr algn="just">
+              <a:lnSpc>
+                <a:spcPct val="100000"/>
+              </a:lnSpc>
+              <a:buFont typeface="Arial"/>
+              <a:buChar char="•"/>
+            </a:pPr>
+            <a:r>
+              <a:rPr lang="es-GT" sz="1600" strike="noStrike">
+                <a:solidFill>
+                  <a:srgbClr val="000000"/>
+                </a:solidFill>
+                <a:latin typeface="Calibri"/>
+                <a:ea typeface="DejaVu Sans"/>
+              </a:rPr>
+              <a:t>La lista es interminable, lo mejor es experimentar ,formular hipótesis y evaluar, data science! </a:t>
             </a:r>
             <a:endParaRPr/>
           </a:p>
@@ -16010,8 +15960,8 @@
         </p:blipFill>
         <p:spPr>
           <a:xfrm>
-            <a:off x="3139200" y="2395440"/>
-            <a:ext cx="3412800" cy="1780560"/>
+            <a:off x="3600000" y="3611520"/>
+            <a:ext cx="1904760" cy="1428480"/>
           </a:xfrm>
           <a:prstGeom prst="rect">
             <a:avLst/>
